--- a/Introductory lecture/Technical Analysis.pptx
+++ b/Introductory lecture/Technical Analysis.pptx
@@ -6,16 +6,26 @@
     <p:sldMasterId id="2147483810" r:id="rId2"/>
   </p:sldMasterIdLst>
   <p:notesMasterIdLst>
-    <p:notesMasterId r:id="rId10"/>
+    <p:notesMasterId r:id="rId20"/>
   </p:notesMasterIdLst>
   <p:sldIdLst>
     <p:sldId id="257" r:id="rId3"/>
     <p:sldId id="297" r:id="rId4"/>
     <p:sldId id="258" r:id="rId5"/>
-    <p:sldId id="284" r:id="rId6"/>
-    <p:sldId id="285" r:id="rId7"/>
-    <p:sldId id="277" r:id="rId8"/>
-    <p:sldId id="259" r:id="rId9"/>
+    <p:sldId id="305" r:id="rId6"/>
+    <p:sldId id="308" r:id="rId7"/>
+    <p:sldId id="306" r:id="rId8"/>
+    <p:sldId id="307" r:id="rId9"/>
+    <p:sldId id="298" r:id="rId10"/>
+    <p:sldId id="299" r:id="rId11"/>
+    <p:sldId id="300" r:id="rId12"/>
+    <p:sldId id="302" r:id="rId13"/>
+    <p:sldId id="303" r:id="rId14"/>
+    <p:sldId id="304" r:id="rId15"/>
+    <p:sldId id="301" r:id="rId16"/>
+    <p:sldId id="309" r:id="rId17"/>
+    <p:sldId id="284" r:id="rId18"/>
+    <p:sldId id="259" r:id="rId19"/>
   </p:sldIdLst>
   <p:sldSz cx="9144000" cy="6858000" type="screen4x3"/>
   <p:notesSz cx="6858000" cy="9144000"/>
@@ -116,7 +126,7 @@
   </p:defaultTextStyle>
   <p:extLst>
     <p:ext uri="{EFAFB233-063F-42B5-8137-9DF3F51BA10A}">
-      <p15:sldGuideLst xmlns:p15="http://schemas.microsoft.com/office/powerpoint/2012/main" xmlns="">
+      <p15:sldGuideLst xmlns:p15="http://schemas.microsoft.com/office/powerpoint/2012/main">
         <p15:guide id="1" orient="horz" pos="2160">
           <p15:clr>
             <a:srgbClr val="A4A3A4"/>
@@ -385,7 +395,7 @@
     </p:spTree>
     <p:extLst>
       <p:ext uri="{BB962C8B-B14F-4D97-AF65-F5344CB8AC3E}">
-        <p14:creationId xmlns:p14="http://schemas.microsoft.com/office/powerpoint/2010/main" xmlns="" val="4276527390"/>
+        <p14:creationId xmlns:p14="http://schemas.microsoft.com/office/powerpoint/2010/main" val="4276527390"/>
       </p:ext>
     </p:extLst>
   </p:cSld>
@@ -560,7 +570,7 @@
     </p:spTree>
     <p:extLst>
       <p:ext uri="{BB962C8B-B14F-4D97-AF65-F5344CB8AC3E}">
-        <p14:creationId xmlns:p14="http://schemas.microsoft.com/office/powerpoint/2010/main" xmlns="" val="586571412"/>
+        <p14:creationId xmlns:p14="http://schemas.microsoft.com/office/powerpoint/2010/main" val="586571412"/>
       </p:ext>
     </p:extLst>
   </p:cSld>
@@ -592,7 +602,7 @@
           <p:cNvPr id="2" name="Title 1">
             <a:extLst>
               <a:ext uri="{FF2B5EF4-FFF2-40B4-BE49-F238E27FC236}">
-                <a16:creationId xmlns:a16="http://schemas.microsoft.com/office/drawing/2014/main" xmlns="" id="{5DD2126D-CA23-6F58-02B9-67C879EB8854}"/>
+                <a16:creationId xmlns:a16="http://schemas.microsoft.com/office/drawing/2014/main" id="{5DD2126D-CA23-6F58-02B9-67C879EB8854}"/>
               </a:ext>
             </a:extLst>
           </p:cNvPr>
@@ -630,7 +640,7 @@
           <p:cNvPr id="3" name="Subtitle 2">
             <a:extLst>
               <a:ext uri="{FF2B5EF4-FFF2-40B4-BE49-F238E27FC236}">
-                <a16:creationId xmlns:a16="http://schemas.microsoft.com/office/drawing/2014/main" xmlns="" id="{4E31C0FC-AC8E-D7C8-C631-8B596DF827A2}"/>
+                <a16:creationId xmlns:a16="http://schemas.microsoft.com/office/drawing/2014/main" id="{4E31C0FC-AC8E-D7C8-C631-8B596DF827A2}"/>
               </a:ext>
             </a:extLst>
           </p:cNvPr>
@@ -701,7 +711,7 @@
           <p:cNvPr id="4" name="Date Placeholder 3">
             <a:extLst>
               <a:ext uri="{FF2B5EF4-FFF2-40B4-BE49-F238E27FC236}">
-                <a16:creationId xmlns:a16="http://schemas.microsoft.com/office/drawing/2014/main" xmlns="" id="{EB26D6F2-71D1-4159-9098-A99DCB14CED5}"/>
+                <a16:creationId xmlns:a16="http://schemas.microsoft.com/office/drawing/2014/main" id="{EB26D6F2-71D1-4159-9098-A99DCB14CED5}"/>
               </a:ext>
             </a:extLst>
           </p:cNvPr>
@@ -731,7 +741,7 @@
           <p:cNvPr id="5" name="Footer Placeholder 4">
             <a:extLst>
               <a:ext uri="{FF2B5EF4-FFF2-40B4-BE49-F238E27FC236}">
-                <a16:creationId xmlns:a16="http://schemas.microsoft.com/office/drawing/2014/main" xmlns="" id="{5E0F78C9-D0A2-E396-86D7-5D4F93CE745B}"/>
+                <a16:creationId xmlns:a16="http://schemas.microsoft.com/office/drawing/2014/main" id="{5E0F78C9-D0A2-E396-86D7-5D4F93CE745B}"/>
               </a:ext>
             </a:extLst>
           </p:cNvPr>
@@ -756,7 +766,7 @@
           <p:cNvPr id="6" name="Slide Number Placeholder 5">
             <a:extLst>
               <a:ext uri="{FF2B5EF4-FFF2-40B4-BE49-F238E27FC236}">
-                <a16:creationId xmlns:a16="http://schemas.microsoft.com/office/drawing/2014/main" xmlns="" id="{CCDAB65D-42FF-A115-AE6D-510ECE342FF4}"/>
+                <a16:creationId xmlns:a16="http://schemas.microsoft.com/office/drawing/2014/main" id="{CCDAB65D-42FF-A115-AE6D-510ECE342FF4}"/>
               </a:ext>
             </a:extLst>
           </p:cNvPr>
@@ -784,7 +794,7 @@
     </p:spTree>
     <p:extLst>
       <p:ext uri="{BB962C8B-B14F-4D97-AF65-F5344CB8AC3E}">
-        <p14:creationId xmlns:p14="http://schemas.microsoft.com/office/powerpoint/2010/main" xmlns="" val="3714418875"/>
+        <p14:creationId xmlns:p14="http://schemas.microsoft.com/office/powerpoint/2010/main" val="3714418875"/>
       </p:ext>
     </p:extLst>
   </p:cSld>
@@ -816,7 +826,7 @@
           <p:cNvPr id="2" name="Title 1">
             <a:extLst>
               <a:ext uri="{FF2B5EF4-FFF2-40B4-BE49-F238E27FC236}">
-                <a16:creationId xmlns:a16="http://schemas.microsoft.com/office/drawing/2014/main" xmlns="" id="{B3F51568-5521-5059-E307-0C68EABB8286}"/>
+                <a16:creationId xmlns:a16="http://schemas.microsoft.com/office/drawing/2014/main" id="{B3F51568-5521-5059-E307-0C68EABB8286}"/>
               </a:ext>
             </a:extLst>
           </p:cNvPr>
@@ -845,7 +855,7 @@
           <p:cNvPr id="3" name="Vertical Text Placeholder 2">
             <a:extLst>
               <a:ext uri="{FF2B5EF4-FFF2-40B4-BE49-F238E27FC236}">
-                <a16:creationId xmlns:a16="http://schemas.microsoft.com/office/drawing/2014/main" xmlns="" id="{63F46412-6807-B639-092E-89DD56A0D148}"/>
+                <a16:creationId xmlns:a16="http://schemas.microsoft.com/office/drawing/2014/main" id="{63F46412-6807-B639-092E-89DD56A0D148}"/>
               </a:ext>
             </a:extLst>
           </p:cNvPr>
@@ -903,7 +913,7 @@
           <p:cNvPr id="4" name="Date Placeholder 3">
             <a:extLst>
               <a:ext uri="{FF2B5EF4-FFF2-40B4-BE49-F238E27FC236}">
-                <a16:creationId xmlns:a16="http://schemas.microsoft.com/office/drawing/2014/main" xmlns="" id="{F13C1771-3285-EA8B-D697-E0992B10D2B3}"/>
+                <a16:creationId xmlns:a16="http://schemas.microsoft.com/office/drawing/2014/main" id="{F13C1771-3285-EA8B-D697-E0992B10D2B3}"/>
               </a:ext>
             </a:extLst>
           </p:cNvPr>
@@ -933,7 +943,7 @@
           <p:cNvPr id="5" name="Footer Placeholder 4">
             <a:extLst>
               <a:ext uri="{FF2B5EF4-FFF2-40B4-BE49-F238E27FC236}">
-                <a16:creationId xmlns:a16="http://schemas.microsoft.com/office/drawing/2014/main" xmlns="" id="{2DD7C615-2A7A-0CF3-C5CB-AAFA9B10A00B}"/>
+                <a16:creationId xmlns:a16="http://schemas.microsoft.com/office/drawing/2014/main" id="{2DD7C615-2A7A-0CF3-C5CB-AAFA9B10A00B}"/>
               </a:ext>
             </a:extLst>
           </p:cNvPr>
@@ -958,7 +968,7 @@
           <p:cNvPr id="6" name="Slide Number Placeholder 5">
             <a:extLst>
               <a:ext uri="{FF2B5EF4-FFF2-40B4-BE49-F238E27FC236}">
-                <a16:creationId xmlns:a16="http://schemas.microsoft.com/office/drawing/2014/main" xmlns="" id="{C282428C-B566-E8E4-8B94-9902AEEE568C}"/>
+                <a16:creationId xmlns:a16="http://schemas.microsoft.com/office/drawing/2014/main" id="{C282428C-B566-E8E4-8B94-9902AEEE568C}"/>
               </a:ext>
             </a:extLst>
           </p:cNvPr>
@@ -986,7 +996,7 @@
     </p:spTree>
     <p:extLst>
       <p:ext uri="{BB962C8B-B14F-4D97-AF65-F5344CB8AC3E}">
-        <p14:creationId xmlns:p14="http://schemas.microsoft.com/office/powerpoint/2010/main" xmlns="" val="2539630569"/>
+        <p14:creationId xmlns:p14="http://schemas.microsoft.com/office/powerpoint/2010/main" val="2539630569"/>
       </p:ext>
     </p:extLst>
   </p:cSld>
@@ -1018,7 +1028,7 @@
           <p:cNvPr id="2" name="Vertical Title 1">
             <a:extLst>
               <a:ext uri="{FF2B5EF4-FFF2-40B4-BE49-F238E27FC236}">
-                <a16:creationId xmlns:a16="http://schemas.microsoft.com/office/drawing/2014/main" xmlns="" id="{A35565EA-2A8C-027A-28F1-1BFC21B19EE3}"/>
+                <a16:creationId xmlns:a16="http://schemas.microsoft.com/office/drawing/2014/main" id="{A35565EA-2A8C-027A-28F1-1BFC21B19EE3}"/>
               </a:ext>
             </a:extLst>
           </p:cNvPr>
@@ -1052,7 +1062,7 @@
           <p:cNvPr id="3" name="Vertical Text Placeholder 2">
             <a:extLst>
               <a:ext uri="{FF2B5EF4-FFF2-40B4-BE49-F238E27FC236}">
-                <a16:creationId xmlns:a16="http://schemas.microsoft.com/office/drawing/2014/main" xmlns="" id="{CB6E9C74-05AD-3AB5-EFFA-482419EEC7E2}"/>
+                <a16:creationId xmlns:a16="http://schemas.microsoft.com/office/drawing/2014/main" id="{CB6E9C74-05AD-3AB5-EFFA-482419EEC7E2}"/>
               </a:ext>
             </a:extLst>
           </p:cNvPr>
@@ -1115,7 +1125,7 @@
           <p:cNvPr id="4" name="Date Placeholder 3">
             <a:extLst>
               <a:ext uri="{FF2B5EF4-FFF2-40B4-BE49-F238E27FC236}">
-                <a16:creationId xmlns:a16="http://schemas.microsoft.com/office/drawing/2014/main" xmlns="" id="{3C8D1EFB-A4D1-6BE4-EAE4-54B6842BE052}"/>
+                <a16:creationId xmlns:a16="http://schemas.microsoft.com/office/drawing/2014/main" id="{3C8D1EFB-A4D1-6BE4-EAE4-54B6842BE052}"/>
               </a:ext>
             </a:extLst>
           </p:cNvPr>
@@ -1145,7 +1155,7 @@
           <p:cNvPr id="5" name="Footer Placeholder 4">
             <a:extLst>
               <a:ext uri="{FF2B5EF4-FFF2-40B4-BE49-F238E27FC236}">
-                <a16:creationId xmlns:a16="http://schemas.microsoft.com/office/drawing/2014/main" xmlns="" id="{8178D469-2436-2C4B-9E7D-46EB27E8D4A0}"/>
+                <a16:creationId xmlns:a16="http://schemas.microsoft.com/office/drawing/2014/main" id="{8178D469-2436-2C4B-9E7D-46EB27E8D4A0}"/>
               </a:ext>
             </a:extLst>
           </p:cNvPr>
@@ -1170,7 +1180,7 @@
           <p:cNvPr id="6" name="Slide Number Placeholder 5">
             <a:extLst>
               <a:ext uri="{FF2B5EF4-FFF2-40B4-BE49-F238E27FC236}">
-                <a16:creationId xmlns:a16="http://schemas.microsoft.com/office/drawing/2014/main" xmlns="" id="{8FA3E790-D1C7-9D4D-CA77-E1B5FC7350B7}"/>
+                <a16:creationId xmlns:a16="http://schemas.microsoft.com/office/drawing/2014/main" id="{8FA3E790-D1C7-9D4D-CA77-E1B5FC7350B7}"/>
               </a:ext>
             </a:extLst>
           </p:cNvPr>
@@ -1198,7 +1208,7 @@
     </p:spTree>
     <p:extLst>
       <p:ext uri="{BB962C8B-B14F-4D97-AF65-F5344CB8AC3E}">
-        <p14:creationId xmlns:p14="http://schemas.microsoft.com/office/powerpoint/2010/main" xmlns="" val="1871138745"/>
+        <p14:creationId xmlns:p14="http://schemas.microsoft.com/office/powerpoint/2010/main" val="1871138745"/>
       </p:ext>
     </p:extLst>
   </p:cSld>
@@ -1230,7 +1240,7 @@
           <p:cNvPr id="2" name="Title 1">
             <a:extLst>
               <a:ext uri="{FF2B5EF4-FFF2-40B4-BE49-F238E27FC236}">
-                <a16:creationId xmlns:a16="http://schemas.microsoft.com/office/drawing/2014/main" xmlns="" id="{5DD2126D-CA23-6F58-02B9-67C879EB8854}"/>
+                <a16:creationId xmlns:a16="http://schemas.microsoft.com/office/drawing/2014/main" id="{5DD2126D-CA23-6F58-02B9-67C879EB8854}"/>
               </a:ext>
             </a:extLst>
           </p:cNvPr>
@@ -1268,7 +1278,7 @@
           <p:cNvPr id="3" name="Subtitle 2">
             <a:extLst>
               <a:ext uri="{FF2B5EF4-FFF2-40B4-BE49-F238E27FC236}">
-                <a16:creationId xmlns:a16="http://schemas.microsoft.com/office/drawing/2014/main" xmlns="" id="{4E31C0FC-AC8E-D7C8-C631-8B596DF827A2}"/>
+                <a16:creationId xmlns:a16="http://schemas.microsoft.com/office/drawing/2014/main" id="{4E31C0FC-AC8E-D7C8-C631-8B596DF827A2}"/>
               </a:ext>
             </a:extLst>
           </p:cNvPr>
@@ -1339,7 +1349,7 @@
           <p:cNvPr id="4" name="Date Placeholder 3">
             <a:extLst>
               <a:ext uri="{FF2B5EF4-FFF2-40B4-BE49-F238E27FC236}">
-                <a16:creationId xmlns:a16="http://schemas.microsoft.com/office/drawing/2014/main" xmlns="" id="{EB26D6F2-71D1-4159-9098-A99DCB14CED5}"/>
+                <a16:creationId xmlns:a16="http://schemas.microsoft.com/office/drawing/2014/main" id="{EB26D6F2-71D1-4159-9098-A99DCB14CED5}"/>
               </a:ext>
             </a:extLst>
           </p:cNvPr>
@@ -1369,7 +1379,7 @@
           <p:cNvPr id="5" name="Footer Placeholder 4">
             <a:extLst>
               <a:ext uri="{FF2B5EF4-FFF2-40B4-BE49-F238E27FC236}">
-                <a16:creationId xmlns:a16="http://schemas.microsoft.com/office/drawing/2014/main" xmlns="" id="{5E0F78C9-D0A2-E396-86D7-5D4F93CE745B}"/>
+                <a16:creationId xmlns:a16="http://schemas.microsoft.com/office/drawing/2014/main" id="{5E0F78C9-D0A2-E396-86D7-5D4F93CE745B}"/>
               </a:ext>
             </a:extLst>
           </p:cNvPr>
@@ -1394,7 +1404,7 @@
           <p:cNvPr id="6" name="Slide Number Placeholder 5">
             <a:extLst>
               <a:ext uri="{FF2B5EF4-FFF2-40B4-BE49-F238E27FC236}">
-                <a16:creationId xmlns:a16="http://schemas.microsoft.com/office/drawing/2014/main" xmlns="" id="{CCDAB65D-42FF-A115-AE6D-510ECE342FF4}"/>
+                <a16:creationId xmlns:a16="http://schemas.microsoft.com/office/drawing/2014/main" id="{CCDAB65D-42FF-A115-AE6D-510ECE342FF4}"/>
               </a:ext>
             </a:extLst>
           </p:cNvPr>
@@ -1422,7 +1432,7 @@
     </p:spTree>
     <p:extLst>
       <p:ext uri="{BB962C8B-B14F-4D97-AF65-F5344CB8AC3E}">
-        <p14:creationId xmlns:p14="http://schemas.microsoft.com/office/powerpoint/2010/main" xmlns="" val="3714418875"/>
+        <p14:creationId xmlns:p14="http://schemas.microsoft.com/office/powerpoint/2010/main" val="3714418875"/>
       </p:ext>
     </p:extLst>
   </p:cSld>
@@ -1454,7 +1464,7 @@
           <p:cNvPr id="2" name="Title 1">
             <a:extLst>
               <a:ext uri="{FF2B5EF4-FFF2-40B4-BE49-F238E27FC236}">
-                <a16:creationId xmlns:a16="http://schemas.microsoft.com/office/drawing/2014/main" xmlns="" id="{FCFD0200-E590-972A-AE08-8991518E8862}"/>
+                <a16:creationId xmlns:a16="http://schemas.microsoft.com/office/drawing/2014/main" id="{FCFD0200-E590-972A-AE08-8991518E8862}"/>
               </a:ext>
             </a:extLst>
           </p:cNvPr>
@@ -1483,7 +1493,7 @@
           <p:cNvPr id="3" name="Content Placeholder 2">
             <a:extLst>
               <a:ext uri="{FF2B5EF4-FFF2-40B4-BE49-F238E27FC236}">
-                <a16:creationId xmlns:a16="http://schemas.microsoft.com/office/drawing/2014/main" xmlns="" id="{F1D81735-AD7C-D49F-228E-2E5EC0110633}"/>
+                <a16:creationId xmlns:a16="http://schemas.microsoft.com/office/drawing/2014/main" id="{F1D81735-AD7C-D49F-228E-2E5EC0110633}"/>
               </a:ext>
             </a:extLst>
           </p:cNvPr>
@@ -1541,7 +1551,7 @@
           <p:cNvPr id="4" name="Date Placeholder 3">
             <a:extLst>
               <a:ext uri="{FF2B5EF4-FFF2-40B4-BE49-F238E27FC236}">
-                <a16:creationId xmlns:a16="http://schemas.microsoft.com/office/drawing/2014/main" xmlns="" id="{5A370E30-2B2E-433B-57E6-715ABDD047A4}"/>
+                <a16:creationId xmlns:a16="http://schemas.microsoft.com/office/drawing/2014/main" id="{5A370E30-2B2E-433B-57E6-715ABDD047A4}"/>
               </a:ext>
             </a:extLst>
           </p:cNvPr>
@@ -1571,7 +1581,7 @@
           <p:cNvPr id="5" name="Footer Placeholder 4">
             <a:extLst>
               <a:ext uri="{FF2B5EF4-FFF2-40B4-BE49-F238E27FC236}">
-                <a16:creationId xmlns:a16="http://schemas.microsoft.com/office/drawing/2014/main" xmlns="" id="{F1BC8FEC-7750-451A-7C8E-44830C79F5F8}"/>
+                <a16:creationId xmlns:a16="http://schemas.microsoft.com/office/drawing/2014/main" id="{F1BC8FEC-7750-451A-7C8E-44830C79F5F8}"/>
               </a:ext>
             </a:extLst>
           </p:cNvPr>
@@ -1596,7 +1606,7 @@
           <p:cNvPr id="6" name="Slide Number Placeholder 5">
             <a:extLst>
               <a:ext uri="{FF2B5EF4-FFF2-40B4-BE49-F238E27FC236}">
-                <a16:creationId xmlns:a16="http://schemas.microsoft.com/office/drawing/2014/main" xmlns="" id="{A924B3A1-BA3B-A5D8-9C7B-205A1946DDCC}"/>
+                <a16:creationId xmlns:a16="http://schemas.microsoft.com/office/drawing/2014/main" id="{A924B3A1-BA3B-A5D8-9C7B-205A1946DDCC}"/>
               </a:ext>
             </a:extLst>
           </p:cNvPr>
@@ -1624,7 +1634,7 @@
     </p:spTree>
     <p:extLst>
       <p:ext uri="{BB962C8B-B14F-4D97-AF65-F5344CB8AC3E}">
-        <p14:creationId xmlns:p14="http://schemas.microsoft.com/office/powerpoint/2010/main" xmlns="" val="1939927895"/>
+        <p14:creationId xmlns:p14="http://schemas.microsoft.com/office/powerpoint/2010/main" val="1939927895"/>
       </p:ext>
     </p:extLst>
   </p:cSld>
@@ -1656,7 +1666,7 @@
           <p:cNvPr id="2" name="Title 1">
             <a:extLst>
               <a:ext uri="{FF2B5EF4-FFF2-40B4-BE49-F238E27FC236}">
-                <a16:creationId xmlns:a16="http://schemas.microsoft.com/office/drawing/2014/main" xmlns="" id="{474DD7FA-615A-F4B9-950C-7568BC1797B7}"/>
+                <a16:creationId xmlns:a16="http://schemas.microsoft.com/office/drawing/2014/main" id="{474DD7FA-615A-F4B9-950C-7568BC1797B7}"/>
               </a:ext>
             </a:extLst>
           </p:cNvPr>
@@ -1694,7 +1704,7 @@
           <p:cNvPr id="3" name="Text Placeholder 2">
             <a:extLst>
               <a:ext uri="{FF2B5EF4-FFF2-40B4-BE49-F238E27FC236}">
-                <a16:creationId xmlns:a16="http://schemas.microsoft.com/office/drawing/2014/main" xmlns="" id="{3AFE13B3-ED66-852E-BACE-D8BBFF725220}"/>
+                <a16:creationId xmlns:a16="http://schemas.microsoft.com/office/drawing/2014/main" id="{3AFE13B3-ED66-852E-BACE-D8BBFF725220}"/>
               </a:ext>
             </a:extLst>
           </p:cNvPr>
@@ -1819,7 +1829,7 @@
           <p:cNvPr id="4" name="Date Placeholder 3">
             <a:extLst>
               <a:ext uri="{FF2B5EF4-FFF2-40B4-BE49-F238E27FC236}">
-                <a16:creationId xmlns:a16="http://schemas.microsoft.com/office/drawing/2014/main" xmlns="" id="{2B4F40C8-D8DF-F90B-3C08-6986A421957A}"/>
+                <a16:creationId xmlns:a16="http://schemas.microsoft.com/office/drawing/2014/main" id="{2B4F40C8-D8DF-F90B-3C08-6986A421957A}"/>
               </a:ext>
             </a:extLst>
           </p:cNvPr>
@@ -1849,7 +1859,7 @@
           <p:cNvPr id="5" name="Footer Placeholder 4">
             <a:extLst>
               <a:ext uri="{FF2B5EF4-FFF2-40B4-BE49-F238E27FC236}">
-                <a16:creationId xmlns:a16="http://schemas.microsoft.com/office/drawing/2014/main" xmlns="" id="{652F9F29-6926-1582-E045-164EF49DA90B}"/>
+                <a16:creationId xmlns:a16="http://schemas.microsoft.com/office/drawing/2014/main" id="{652F9F29-6926-1582-E045-164EF49DA90B}"/>
               </a:ext>
             </a:extLst>
           </p:cNvPr>
@@ -1874,7 +1884,7 @@
           <p:cNvPr id="6" name="Slide Number Placeholder 5">
             <a:extLst>
               <a:ext uri="{FF2B5EF4-FFF2-40B4-BE49-F238E27FC236}">
-                <a16:creationId xmlns:a16="http://schemas.microsoft.com/office/drawing/2014/main" xmlns="" id="{0C40B3F1-15F4-8B75-B62F-498424B50A14}"/>
+                <a16:creationId xmlns:a16="http://schemas.microsoft.com/office/drawing/2014/main" id="{0C40B3F1-15F4-8B75-B62F-498424B50A14}"/>
               </a:ext>
             </a:extLst>
           </p:cNvPr>
@@ -1902,7 +1912,7 @@
     </p:spTree>
     <p:extLst>
       <p:ext uri="{BB962C8B-B14F-4D97-AF65-F5344CB8AC3E}">
-        <p14:creationId xmlns:p14="http://schemas.microsoft.com/office/powerpoint/2010/main" xmlns="" val="472402021"/>
+        <p14:creationId xmlns:p14="http://schemas.microsoft.com/office/powerpoint/2010/main" val="472402021"/>
       </p:ext>
     </p:extLst>
   </p:cSld>
@@ -1934,7 +1944,7 @@
           <p:cNvPr id="2" name="Title 1">
             <a:extLst>
               <a:ext uri="{FF2B5EF4-FFF2-40B4-BE49-F238E27FC236}">
-                <a16:creationId xmlns:a16="http://schemas.microsoft.com/office/drawing/2014/main" xmlns="" id="{339F1CEB-5495-30EC-D841-E7E91D2786C6}"/>
+                <a16:creationId xmlns:a16="http://schemas.microsoft.com/office/drawing/2014/main" id="{339F1CEB-5495-30EC-D841-E7E91D2786C6}"/>
               </a:ext>
             </a:extLst>
           </p:cNvPr>
@@ -1963,7 +1973,7 @@
           <p:cNvPr id="3" name="Content Placeholder 2">
             <a:extLst>
               <a:ext uri="{FF2B5EF4-FFF2-40B4-BE49-F238E27FC236}">
-                <a16:creationId xmlns:a16="http://schemas.microsoft.com/office/drawing/2014/main" xmlns="" id="{3AD4F28D-B5CA-F4EC-30A9-3FF760CED78A}"/>
+                <a16:creationId xmlns:a16="http://schemas.microsoft.com/office/drawing/2014/main" id="{3AD4F28D-B5CA-F4EC-30A9-3FF760CED78A}"/>
               </a:ext>
             </a:extLst>
           </p:cNvPr>
@@ -2026,7 +2036,7 @@
           <p:cNvPr id="4" name="Content Placeholder 3">
             <a:extLst>
               <a:ext uri="{FF2B5EF4-FFF2-40B4-BE49-F238E27FC236}">
-                <a16:creationId xmlns:a16="http://schemas.microsoft.com/office/drawing/2014/main" xmlns="" id="{57737B83-7A1A-2FE3-95BC-B02F8047D02B}"/>
+                <a16:creationId xmlns:a16="http://schemas.microsoft.com/office/drawing/2014/main" id="{57737B83-7A1A-2FE3-95BC-B02F8047D02B}"/>
               </a:ext>
             </a:extLst>
           </p:cNvPr>
@@ -2089,7 +2099,7 @@
           <p:cNvPr id="5" name="Date Placeholder 4">
             <a:extLst>
               <a:ext uri="{FF2B5EF4-FFF2-40B4-BE49-F238E27FC236}">
-                <a16:creationId xmlns:a16="http://schemas.microsoft.com/office/drawing/2014/main" xmlns="" id="{CD6BAB4A-37F6-DEA7-6885-EF3ECC83C656}"/>
+                <a16:creationId xmlns:a16="http://schemas.microsoft.com/office/drawing/2014/main" id="{CD6BAB4A-37F6-DEA7-6885-EF3ECC83C656}"/>
               </a:ext>
             </a:extLst>
           </p:cNvPr>
@@ -2119,7 +2129,7 @@
           <p:cNvPr id="6" name="Footer Placeholder 5">
             <a:extLst>
               <a:ext uri="{FF2B5EF4-FFF2-40B4-BE49-F238E27FC236}">
-                <a16:creationId xmlns:a16="http://schemas.microsoft.com/office/drawing/2014/main" xmlns="" id="{65CE3BF7-0DC4-5A48-F9A6-2F4AC8B703FD}"/>
+                <a16:creationId xmlns:a16="http://schemas.microsoft.com/office/drawing/2014/main" id="{65CE3BF7-0DC4-5A48-F9A6-2F4AC8B703FD}"/>
               </a:ext>
             </a:extLst>
           </p:cNvPr>
@@ -2144,7 +2154,7 @@
           <p:cNvPr id="7" name="Slide Number Placeholder 6">
             <a:extLst>
               <a:ext uri="{FF2B5EF4-FFF2-40B4-BE49-F238E27FC236}">
-                <a16:creationId xmlns:a16="http://schemas.microsoft.com/office/drawing/2014/main" xmlns="" id="{2E568719-F689-08CA-64F4-9B4130BA4A23}"/>
+                <a16:creationId xmlns:a16="http://schemas.microsoft.com/office/drawing/2014/main" id="{2E568719-F689-08CA-64F4-9B4130BA4A23}"/>
               </a:ext>
             </a:extLst>
           </p:cNvPr>
@@ -2172,7 +2182,7 @@
     </p:spTree>
     <p:extLst>
       <p:ext uri="{BB962C8B-B14F-4D97-AF65-F5344CB8AC3E}">
-        <p14:creationId xmlns:p14="http://schemas.microsoft.com/office/powerpoint/2010/main" xmlns="" val="292412517"/>
+        <p14:creationId xmlns:p14="http://schemas.microsoft.com/office/powerpoint/2010/main" val="292412517"/>
       </p:ext>
     </p:extLst>
   </p:cSld>
@@ -2204,7 +2214,7 @@
           <p:cNvPr id="2" name="Title 1">
             <a:extLst>
               <a:ext uri="{FF2B5EF4-FFF2-40B4-BE49-F238E27FC236}">
-                <a16:creationId xmlns:a16="http://schemas.microsoft.com/office/drawing/2014/main" xmlns="" id="{90F0BFE2-E9CA-DC2B-57F1-4A3DE9C7191A}"/>
+                <a16:creationId xmlns:a16="http://schemas.microsoft.com/office/drawing/2014/main" id="{90F0BFE2-E9CA-DC2B-57F1-4A3DE9C7191A}"/>
               </a:ext>
             </a:extLst>
           </p:cNvPr>
@@ -2238,7 +2248,7 @@
           <p:cNvPr id="3" name="Text Placeholder 2">
             <a:extLst>
               <a:ext uri="{FF2B5EF4-FFF2-40B4-BE49-F238E27FC236}">
-                <a16:creationId xmlns:a16="http://schemas.microsoft.com/office/drawing/2014/main" xmlns="" id="{6D77EE4D-30E2-BF74-14E5-208082927254}"/>
+                <a16:creationId xmlns:a16="http://schemas.microsoft.com/office/drawing/2014/main" id="{6D77EE4D-30E2-BF74-14E5-208082927254}"/>
               </a:ext>
             </a:extLst>
           </p:cNvPr>
@@ -2309,7 +2319,7 @@
           <p:cNvPr id="4" name="Content Placeholder 3">
             <a:extLst>
               <a:ext uri="{FF2B5EF4-FFF2-40B4-BE49-F238E27FC236}">
-                <a16:creationId xmlns:a16="http://schemas.microsoft.com/office/drawing/2014/main" xmlns="" id="{587EBC84-615A-97BB-3F75-63C4FF1BF174}"/>
+                <a16:creationId xmlns:a16="http://schemas.microsoft.com/office/drawing/2014/main" id="{587EBC84-615A-97BB-3F75-63C4FF1BF174}"/>
               </a:ext>
             </a:extLst>
           </p:cNvPr>
@@ -2372,7 +2382,7 @@
           <p:cNvPr id="5" name="Text Placeholder 4">
             <a:extLst>
               <a:ext uri="{FF2B5EF4-FFF2-40B4-BE49-F238E27FC236}">
-                <a16:creationId xmlns:a16="http://schemas.microsoft.com/office/drawing/2014/main" xmlns="" id="{8E5A8D3E-2E55-582D-263F-0145B31D8545}"/>
+                <a16:creationId xmlns:a16="http://schemas.microsoft.com/office/drawing/2014/main" id="{8E5A8D3E-2E55-582D-263F-0145B31D8545}"/>
               </a:ext>
             </a:extLst>
           </p:cNvPr>
@@ -2443,7 +2453,7 @@
           <p:cNvPr id="6" name="Content Placeholder 5">
             <a:extLst>
               <a:ext uri="{FF2B5EF4-FFF2-40B4-BE49-F238E27FC236}">
-                <a16:creationId xmlns:a16="http://schemas.microsoft.com/office/drawing/2014/main" xmlns="" id="{44F8719A-2B4E-DDAA-8710-2DAD024B2527}"/>
+                <a16:creationId xmlns:a16="http://schemas.microsoft.com/office/drawing/2014/main" id="{44F8719A-2B4E-DDAA-8710-2DAD024B2527}"/>
               </a:ext>
             </a:extLst>
           </p:cNvPr>
@@ -2506,7 +2516,7 @@
           <p:cNvPr id="7" name="Date Placeholder 6">
             <a:extLst>
               <a:ext uri="{FF2B5EF4-FFF2-40B4-BE49-F238E27FC236}">
-                <a16:creationId xmlns:a16="http://schemas.microsoft.com/office/drawing/2014/main" xmlns="" id="{8633A6A7-2951-2F69-2838-A82A41D3E5B2}"/>
+                <a16:creationId xmlns:a16="http://schemas.microsoft.com/office/drawing/2014/main" id="{8633A6A7-2951-2F69-2838-A82A41D3E5B2}"/>
               </a:ext>
             </a:extLst>
           </p:cNvPr>
@@ -2536,7 +2546,7 @@
           <p:cNvPr id="8" name="Footer Placeholder 7">
             <a:extLst>
               <a:ext uri="{FF2B5EF4-FFF2-40B4-BE49-F238E27FC236}">
-                <a16:creationId xmlns:a16="http://schemas.microsoft.com/office/drawing/2014/main" xmlns="" id="{82845914-0579-F62A-0E60-F28E95B4A1EB}"/>
+                <a16:creationId xmlns:a16="http://schemas.microsoft.com/office/drawing/2014/main" id="{82845914-0579-F62A-0E60-F28E95B4A1EB}"/>
               </a:ext>
             </a:extLst>
           </p:cNvPr>
@@ -2561,7 +2571,7 @@
           <p:cNvPr id="9" name="Slide Number Placeholder 8">
             <a:extLst>
               <a:ext uri="{FF2B5EF4-FFF2-40B4-BE49-F238E27FC236}">
-                <a16:creationId xmlns:a16="http://schemas.microsoft.com/office/drawing/2014/main" xmlns="" id="{1E9137EC-5BB5-BBDF-E257-301C68A3F09D}"/>
+                <a16:creationId xmlns:a16="http://schemas.microsoft.com/office/drawing/2014/main" id="{1E9137EC-5BB5-BBDF-E257-301C68A3F09D}"/>
               </a:ext>
             </a:extLst>
           </p:cNvPr>
@@ -2589,7 +2599,7 @@
     </p:spTree>
     <p:extLst>
       <p:ext uri="{BB962C8B-B14F-4D97-AF65-F5344CB8AC3E}">
-        <p14:creationId xmlns:p14="http://schemas.microsoft.com/office/powerpoint/2010/main" xmlns="" val="1631315875"/>
+        <p14:creationId xmlns:p14="http://schemas.microsoft.com/office/powerpoint/2010/main" val="1631315875"/>
       </p:ext>
     </p:extLst>
   </p:cSld>
@@ -2621,7 +2631,7 @@
           <p:cNvPr id="2" name="Title 1">
             <a:extLst>
               <a:ext uri="{FF2B5EF4-FFF2-40B4-BE49-F238E27FC236}">
-                <a16:creationId xmlns:a16="http://schemas.microsoft.com/office/drawing/2014/main" xmlns="" id="{D7B7A3AA-2DCB-A2AC-D271-E3B430E21DE5}"/>
+                <a16:creationId xmlns:a16="http://schemas.microsoft.com/office/drawing/2014/main" id="{D7B7A3AA-2DCB-A2AC-D271-E3B430E21DE5}"/>
               </a:ext>
             </a:extLst>
           </p:cNvPr>
@@ -2650,7 +2660,7 @@
           <p:cNvPr id="3" name="Date Placeholder 2">
             <a:extLst>
               <a:ext uri="{FF2B5EF4-FFF2-40B4-BE49-F238E27FC236}">
-                <a16:creationId xmlns:a16="http://schemas.microsoft.com/office/drawing/2014/main" xmlns="" id="{F7DCBEDE-C61B-A048-531A-3BDFAAA6FB6D}"/>
+                <a16:creationId xmlns:a16="http://schemas.microsoft.com/office/drawing/2014/main" id="{F7DCBEDE-C61B-A048-531A-3BDFAAA6FB6D}"/>
               </a:ext>
             </a:extLst>
           </p:cNvPr>
@@ -2680,7 +2690,7 @@
           <p:cNvPr id="4" name="Footer Placeholder 3">
             <a:extLst>
               <a:ext uri="{FF2B5EF4-FFF2-40B4-BE49-F238E27FC236}">
-                <a16:creationId xmlns:a16="http://schemas.microsoft.com/office/drawing/2014/main" xmlns="" id="{57EB5CEB-3AD5-94C0-348D-891DE605A56B}"/>
+                <a16:creationId xmlns:a16="http://schemas.microsoft.com/office/drawing/2014/main" id="{57EB5CEB-3AD5-94C0-348D-891DE605A56B}"/>
               </a:ext>
             </a:extLst>
           </p:cNvPr>
@@ -2705,7 +2715,7 @@
           <p:cNvPr id="5" name="Slide Number Placeholder 4">
             <a:extLst>
               <a:ext uri="{FF2B5EF4-FFF2-40B4-BE49-F238E27FC236}">
-                <a16:creationId xmlns:a16="http://schemas.microsoft.com/office/drawing/2014/main" xmlns="" id="{7226F3F6-1322-8417-A453-3D9708A92E2F}"/>
+                <a16:creationId xmlns:a16="http://schemas.microsoft.com/office/drawing/2014/main" id="{7226F3F6-1322-8417-A453-3D9708A92E2F}"/>
               </a:ext>
             </a:extLst>
           </p:cNvPr>
@@ -2733,7 +2743,7 @@
     </p:spTree>
     <p:extLst>
       <p:ext uri="{BB962C8B-B14F-4D97-AF65-F5344CB8AC3E}">
-        <p14:creationId xmlns:p14="http://schemas.microsoft.com/office/powerpoint/2010/main" xmlns="" val="1723479412"/>
+        <p14:creationId xmlns:p14="http://schemas.microsoft.com/office/powerpoint/2010/main" val="1723479412"/>
       </p:ext>
     </p:extLst>
   </p:cSld>
@@ -2765,7 +2775,7 @@
           <p:cNvPr id="2" name="Date Placeholder 1">
             <a:extLst>
               <a:ext uri="{FF2B5EF4-FFF2-40B4-BE49-F238E27FC236}">
-                <a16:creationId xmlns:a16="http://schemas.microsoft.com/office/drawing/2014/main" xmlns="" id="{9FB55AEC-8869-54A2-A918-005EE38627BD}"/>
+                <a16:creationId xmlns:a16="http://schemas.microsoft.com/office/drawing/2014/main" id="{9FB55AEC-8869-54A2-A918-005EE38627BD}"/>
               </a:ext>
             </a:extLst>
           </p:cNvPr>
@@ -2795,7 +2805,7 @@
           <p:cNvPr id="3" name="Footer Placeholder 2">
             <a:extLst>
               <a:ext uri="{FF2B5EF4-FFF2-40B4-BE49-F238E27FC236}">
-                <a16:creationId xmlns:a16="http://schemas.microsoft.com/office/drawing/2014/main" xmlns="" id="{2F1C656A-5B43-61CD-F53D-4A6213890D3B}"/>
+                <a16:creationId xmlns:a16="http://schemas.microsoft.com/office/drawing/2014/main" id="{2F1C656A-5B43-61CD-F53D-4A6213890D3B}"/>
               </a:ext>
             </a:extLst>
           </p:cNvPr>
@@ -2820,7 +2830,7 @@
           <p:cNvPr id="4" name="Slide Number Placeholder 3">
             <a:extLst>
               <a:ext uri="{FF2B5EF4-FFF2-40B4-BE49-F238E27FC236}">
-                <a16:creationId xmlns:a16="http://schemas.microsoft.com/office/drawing/2014/main" xmlns="" id="{898F7BF4-6274-5727-26E8-E96041D983BB}"/>
+                <a16:creationId xmlns:a16="http://schemas.microsoft.com/office/drawing/2014/main" id="{898F7BF4-6274-5727-26E8-E96041D983BB}"/>
               </a:ext>
             </a:extLst>
           </p:cNvPr>
@@ -2848,7 +2858,7 @@
     </p:spTree>
     <p:extLst>
       <p:ext uri="{BB962C8B-B14F-4D97-AF65-F5344CB8AC3E}">
-        <p14:creationId xmlns:p14="http://schemas.microsoft.com/office/powerpoint/2010/main" xmlns="" val="2453492435"/>
+        <p14:creationId xmlns:p14="http://schemas.microsoft.com/office/powerpoint/2010/main" val="2453492435"/>
       </p:ext>
     </p:extLst>
   </p:cSld>
@@ -2880,7 +2890,7 @@
           <p:cNvPr id="2" name="Title 1">
             <a:extLst>
               <a:ext uri="{FF2B5EF4-FFF2-40B4-BE49-F238E27FC236}">
-                <a16:creationId xmlns:a16="http://schemas.microsoft.com/office/drawing/2014/main" xmlns="" id="{5D9CEE6C-C1C9-D433-835E-7AE0C78B9971}"/>
+                <a16:creationId xmlns:a16="http://schemas.microsoft.com/office/drawing/2014/main" id="{5D9CEE6C-C1C9-D433-835E-7AE0C78B9971}"/>
               </a:ext>
             </a:extLst>
           </p:cNvPr>
@@ -2918,7 +2928,7 @@
           <p:cNvPr id="3" name="Content Placeholder 2">
             <a:extLst>
               <a:ext uri="{FF2B5EF4-FFF2-40B4-BE49-F238E27FC236}">
-                <a16:creationId xmlns:a16="http://schemas.microsoft.com/office/drawing/2014/main" xmlns="" id="{D6477CB4-9796-24B2-D9F0-FEFD7FCED166}"/>
+                <a16:creationId xmlns:a16="http://schemas.microsoft.com/office/drawing/2014/main" id="{D6477CB4-9796-24B2-D9F0-FEFD7FCED166}"/>
               </a:ext>
             </a:extLst>
           </p:cNvPr>
@@ -3009,7 +3019,7 @@
           <p:cNvPr id="4" name="Text Placeholder 3">
             <a:extLst>
               <a:ext uri="{FF2B5EF4-FFF2-40B4-BE49-F238E27FC236}">
-                <a16:creationId xmlns:a16="http://schemas.microsoft.com/office/drawing/2014/main" xmlns="" id="{F1BF0108-EDAF-C5C5-9706-2252D23D483F}"/>
+                <a16:creationId xmlns:a16="http://schemas.microsoft.com/office/drawing/2014/main" id="{F1BF0108-EDAF-C5C5-9706-2252D23D483F}"/>
               </a:ext>
             </a:extLst>
           </p:cNvPr>
@@ -3080,7 +3090,7 @@
           <p:cNvPr id="5" name="Date Placeholder 4">
             <a:extLst>
               <a:ext uri="{FF2B5EF4-FFF2-40B4-BE49-F238E27FC236}">
-                <a16:creationId xmlns:a16="http://schemas.microsoft.com/office/drawing/2014/main" xmlns="" id="{D9038628-E017-80BD-27C9-B957CEF33D1F}"/>
+                <a16:creationId xmlns:a16="http://schemas.microsoft.com/office/drawing/2014/main" id="{D9038628-E017-80BD-27C9-B957CEF33D1F}"/>
               </a:ext>
             </a:extLst>
           </p:cNvPr>
@@ -3110,7 +3120,7 @@
           <p:cNvPr id="6" name="Footer Placeholder 5">
             <a:extLst>
               <a:ext uri="{FF2B5EF4-FFF2-40B4-BE49-F238E27FC236}">
-                <a16:creationId xmlns:a16="http://schemas.microsoft.com/office/drawing/2014/main" xmlns="" id="{F8387076-C8E0-45EE-58FF-4791BC9DCBE8}"/>
+                <a16:creationId xmlns:a16="http://schemas.microsoft.com/office/drawing/2014/main" id="{F8387076-C8E0-45EE-58FF-4791BC9DCBE8}"/>
               </a:ext>
             </a:extLst>
           </p:cNvPr>
@@ -3135,7 +3145,7 @@
           <p:cNvPr id="7" name="Slide Number Placeholder 6">
             <a:extLst>
               <a:ext uri="{FF2B5EF4-FFF2-40B4-BE49-F238E27FC236}">
-                <a16:creationId xmlns:a16="http://schemas.microsoft.com/office/drawing/2014/main" xmlns="" id="{978CB46B-1B46-1E88-CC23-D5BC8BDA73FF}"/>
+                <a16:creationId xmlns:a16="http://schemas.microsoft.com/office/drawing/2014/main" id="{978CB46B-1B46-1E88-CC23-D5BC8BDA73FF}"/>
               </a:ext>
             </a:extLst>
           </p:cNvPr>
@@ -3163,7 +3173,7 @@
     </p:spTree>
     <p:extLst>
       <p:ext uri="{BB962C8B-B14F-4D97-AF65-F5344CB8AC3E}">
-        <p14:creationId xmlns:p14="http://schemas.microsoft.com/office/powerpoint/2010/main" xmlns="" val="4181189447"/>
+        <p14:creationId xmlns:p14="http://schemas.microsoft.com/office/powerpoint/2010/main" val="4181189447"/>
       </p:ext>
     </p:extLst>
   </p:cSld>
@@ -3195,7 +3205,7 @@
           <p:cNvPr id="2" name="Title 1">
             <a:extLst>
               <a:ext uri="{FF2B5EF4-FFF2-40B4-BE49-F238E27FC236}">
-                <a16:creationId xmlns:a16="http://schemas.microsoft.com/office/drawing/2014/main" xmlns="" id="{FCFD0200-E590-972A-AE08-8991518E8862}"/>
+                <a16:creationId xmlns:a16="http://schemas.microsoft.com/office/drawing/2014/main" id="{FCFD0200-E590-972A-AE08-8991518E8862}"/>
               </a:ext>
             </a:extLst>
           </p:cNvPr>
@@ -3224,7 +3234,7 @@
           <p:cNvPr id="3" name="Content Placeholder 2">
             <a:extLst>
               <a:ext uri="{FF2B5EF4-FFF2-40B4-BE49-F238E27FC236}">
-                <a16:creationId xmlns:a16="http://schemas.microsoft.com/office/drawing/2014/main" xmlns="" id="{F1D81735-AD7C-D49F-228E-2E5EC0110633}"/>
+                <a16:creationId xmlns:a16="http://schemas.microsoft.com/office/drawing/2014/main" id="{F1D81735-AD7C-D49F-228E-2E5EC0110633}"/>
               </a:ext>
             </a:extLst>
           </p:cNvPr>
@@ -3282,7 +3292,7 @@
           <p:cNvPr id="4" name="Date Placeholder 3">
             <a:extLst>
               <a:ext uri="{FF2B5EF4-FFF2-40B4-BE49-F238E27FC236}">
-                <a16:creationId xmlns:a16="http://schemas.microsoft.com/office/drawing/2014/main" xmlns="" id="{5A370E30-2B2E-433B-57E6-715ABDD047A4}"/>
+                <a16:creationId xmlns:a16="http://schemas.microsoft.com/office/drawing/2014/main" id="{5A370E30-2B2E-433B-57E6-715ABDD047A4}"/>
               </a:ext>
             </a:extLst>
           </p:cNvPr>
@@ -3312,7 +3322,7 @@
           <p:cNvPr id="5" name="Footer Placeholder 4">
             <a:extLst>
               <a:ext uri="{FF2B5EF4-FFF2-40B4-BE49-F238E27FC236}">
-                <a16:creationId xmlns:a16="http://schemas.microsoft.com/office/drawing/2014/main" xmlns="" id="{F1BC8FEC-7750-451A-7C8E-44830C79F5F8}"/>
+                <a16:creationId xmlns:a16="http://schemas.microsoft.com/office/drawing/2014/main" id="{F1BC8FEC-7750-451A-7C8E-44830C79F5F8}"/>
               </a:ext>
             </a:extLst>
           </p:cNvPr>
@@ -3337,7 +3347,7 @@
           <p:cNvPr id="6" name="Slide Number Placeholder 5">
             <a:extLst>
               <a:ext uri="{FF2B5EF4-FFF2-40B4-BE49-F238E27FC236}">
-                <a16:creationId xmlns:a16="http://schemas.microsoft.com/office/drawing/2014/main" xmlns="" id="{A924B3A1-BA3B-A5D8-9C7B-205A1946DDCC}"/>
+                <a16:creationId xmlns:a16="http://schemas.microsoft.com/office/drawing/2014/main" id="{A924B3A1-BA3B-A5D8-9C7B-205A1946DDCC}"/>
               </a:ext>
             </a:extLst>
           </p:cNvPr>
@@ -3365,7 +3375,7 @@
     </p:spTree>
     <p:extLst>
       <p:ext uri="{BB962C8B-B14F-4D97-AF65-F5344CB8AC3E}">
-        <p14:creationId xmlns:p14="http://schemas.microsoft.com/office/powerpoint/2010/main" xmlns="" val="1939927895"/>
+        <p14:creationId xmlns:p14="http://schemas.microsoft.com/office/powerpoint/2010/main" val="1939927895"/>
       </p:ext>
     </p:extLst>
   </p:cSld>
@@ -3397,7 +3407,7 @@
           <p:cNvPr id="2" name="Title 1">
             <a:extLst>
               <a:ext uri="{FF2B5EF4-FFF2-40B4-BE49-F238E27FC236}">
-                <a16:creationId xmlns:a16="http://schemas.microsoft.com/office/drawing/2014/main" xmlns="" id="{CDB02663-02F6-3A0D-9829-AC016FB90A2D}"/>
+                <a16:creationId xmlns:a16="http://schemas.microsoft.com/office/drawing/2014/main" id="{CDB02663-02F6-3A0D-9829-AC016FB90A2D}"/>
               </a:ext>
             </a:extLst>
           </p:cNvPr>
@@ -3435,7 +3445,7 @@
           <p:cNvPr id="3" name="Picture Placeholder 2">
             <a:extLst>
               <a:ext uri="{FF2B5EF4-FFF2-40B4-BE49-F238E27FC236}">
-                <a16:creationId xmlns:a16="http://schemas.microsoft.com/office/drawing/2014/main" xmlns="" id="{E6BF4D1A-0B56-34C4-8431-BCA2F561F317}"/>
+                <a16:creationId xmlns:a16="http://schemas.microsoft.com/office/drawing/2014/main" id="{E6BF4D1A-0B56-34C4-8431-BCA2F561F317}"/>
               </a:ext>
             </a:extLst>
           </p:cNvPr>
@@ -3502,7 +3512,7 @@
           <p:cNvPr id="4" name="Text Placeholder 3">
             <a:extLst>
               <a:ext uri="{FF2B5EF4-FFF2-40B4-BE49-F238E27FC236}">
-                <a16:creationId xmlns:a16="http://schemas.microsoft.com/office/drawing/2014/main" xmlns="" id="{03E137C0-8249-269C-08E5-02E955753D7A}"/>
+                <a16:creationId xmlns:a16="http://schemas.microsoft.com/office/drawing/2014/main" id="{03E137C0-8249-269C-08E5-02E955753D7A}"/>
               </a:ext>
             </a:extLst>
           </p:cNvPr>
@@ -3573,7 +3583,7 @@
           <p:cNvPr id="5" name="Date Placeholder 4">
             <a:extLst>
               <a:ext uri="{FF2B5EF4-FFF2-40B4-BE49-F238E27FC236}">
-                <a16:creationId xmlns:a16="http://schemas.microsoft.com/office/drawing/2014/main" xmlns="" id="{C0EDC815-A1AF-B873-DB5F-27BE43CB9CC9}"/>
+                <a16:creationId xmlns:a16="http://schemas.microsoft.com/office/drawing/2014/main" id="{C0EDC815-A1AF-B873-DB5F-27BE43CB9CC9}"/>
               </a:ext>
             </a:extLst>
           </p:cNvPr>
@@ -3603,7 +3613,7 @@
           <p:cNvPr id="6" name="Footer Placeholder 5">
             <a:extLst>
               <a:ext uri="{FF2B5EF4-FFF2-40B4-BE49-F238E27FC236}">
-                <a16:creationId xmlns:a16="http://schemas.microsoft.com/office/drawing/2014/main" xmlns="" id="{77F604FE-1B10-9927-1027-F18B4A414458}"/>
+                <a16:creationId xmlns:a16="http://schemas.microsoft.com/office/drawing/2014/main" id="{77F604FE-1B10-9927-1027-F18B4A414458}"/>
               </a:ext>
             </a:extLst>
           </p:cNvPr>
@@ -3628,7 +3638,7 @@
           <p:cNvPr id="7" name="Slide Number Placeholder 6">
             <a:extLst>
               <a:ext uri="{FF2B5EF4-FFF2-40B4-BE49-F238E27FC236}">
-                <a16:creationId xmlns:a16="http://schemas.microsoft.com/office/drawing/2014/main" xmlns="" id="{D70E0FCB-0F58-8666-B4A4-0C61CA8BC416}"/>
+                <a16:creationId xmlns:a16="http://schemas.microsoft.com/office/drawing/2014/main" id="{D70E0FCB-0F58-8666-B4A4-0C61CA8BC416}"/>
               </a:ext>
             </a:extLst>
           </p:cNvPr>
@@ -3656,7 +3666,7 @@
     </p:spTree>
     <p:extLst>
       <p:ext uri="{BB962C8B-B14F-4D97-AF65-F5344CB8AC3E}">
-        <p14:creationId xmlns:p14="http://schemas.microsoft.com/office/powerpoint/2010/main" xmlns="" val="1500425649"/>
+        <p14:creationId xmlns:p14="http://schemas.microsoft.com/office/powerpoint/2010/main" val="1500425649"/>
       </p:ext>
     </p:extLst>
   </p:cSld>
@@ -3688,7 +3698,7 @@
           <p:cNvPr id="2" name="Title 1">
             <a:extLst>
               <a:ext uri="{FF2B5EF4-FFF2-40B4-BE49-F238E27FC236}">
-                <a16:creationId xmlns:a16="http://schemas.microsoft.com/office/drawing/2014/main" xmlns="" id="{B3F51568-5521-5059-E307-0C68EABB8286}"/>
+                <a16:creationId xmlns:a16="http://schemas.microsoft.com/office/drawing/2014/main" id="{B3F51568-5521-5059-E307-0C68EABB8286}"/>
               </a:ext>
             </a:extLst>
           </p:cNvPr>
@@ -3717,7 +3727,7 @@
           <p:cNvPr id="3" name="Vertical Text Placeholder 2">
             <a:extLst>
               <a:ext uri="{FF2B5EF4-FFF2-40B4-BE49-F238E27FC236}">
-                <a16:creationId xmlns:a16="http://schemas.microsoft.com/office/drawing/2014/main" xmlns="" id="{63F46412-6807-B639-092E-89DD56A0D148}"/>
+                <a16:creationId xmlns:a16="http://schemas.microsoft.com/office/drawing/2014/main" id="{63F46412-6807-B639-092E-89DD56A0D148}"/>
               </a:ext>
             </a:extLst>
           </p:cNvPr>
@@ -3775,7 +3785,7 @@
           <p:cNvPr id="4" name="Date Placeholder 3">
             <a:extLst>
               <a:ext uri="{FF2B5EF4-FFF2-40B4-BE49-F238E27FC236}">
-                <a16:creationId xmlns:a16="http://schemas.microsoft.com/office/drawing/2014/main" xmlns="" id="{F13C1771-3285-EA8B-D697-E0992B10D2B3}"/>
+                <a16:creationId xmlns:a16="http://schemas.microsoft.com/office/drawing/2014/main" id="{F13C1771-3285-EA8B-D697-E0992B10D2B3}"/>
               </a:ext>
             </a:extLst>
           </p:cNvPr>
@@ -3805,7 +3815,7 @@
           <p:cNvPr id="5" name="Footer Placeholder 4">
             <a:extLst>
               <a:ext uri="{FF2B5EF4-FFF2-40B4-BE49-F238E27FC236}">
-                <a16:creationId xmlns:a16="http://schemas.microsoft.com/office/drawing/2014/main" xmlns="" id="{2DD7C615-2A7A-0CF3-C5CB-AAFA9B10A00B}"/>
+                <a16:creationId xmlns:a16="http://schemas.microsoft.com/office/drawing/2014/main" id="{2DD7C615-2A7A-0CF3-C5CB-AAFA9B10A00B}"/>
               </a:ext>
             </a:extLst>
           </p:cNvPr>
@@ -3830,7 +3840,7 @@
           <p:cNvPr id="6" name="Slide Number Placeholder 5">
             <a:extLst>
               <a:ext uri="{FF2B5EF4-FFF2-40B4-BE49-F238E27FC236}">
-                <a16:creationId xmlns:a16="http://schemas.microsoft.com/office/drawing/2014/main" xmlns="" id="{C282428C-B566-E8E4-8B94-9902AEEE568C}"/>
+                <a16:creationId xmlns:a16="http://schemas.microsoft.com/office/drawing/2014/main" id="{C282428C-B566-E8E4-8B94-9902AEEE568C}"/>
               </a:ext>
             </a:extLst>
           </p:cNvPr>
@@ -3858,7 +3868,7 @@
     </p:spTree>
     <p:extLst>
       <p:ext uri="{BB962C8B-B14F-4D97-AF65-F5344CB8AC3E}">
-        <p14:creationId xmlns:p14="http://schemas.microsoft.com/office/powerpoint/2010/main" xmlns="" val="2539630569"/>
+        <p14:creationId xmlns:p14="http://schemas.microsoft.com/office/powerpoint/2010/main" val="2539630569"/>
       </p:ext>
     </p:extLst>
   </p:cSld>
@@ -3890,7 +3900,7 @@
           <p:cNvPr id="2" name="Vertical Title 1">
             <a:extLst>
               <a:ext uri="{FF2B5EF4-FFF2-40B4-BE49-F238E27FC236}">
-                <a16:creationId xmlns:a16="http://schemas.microsoft.com/office/drawing/2014/main" xmlns="" id="{A35565EA-2A8C-027A-28F1-1BFC21B19EE3}"/>
+                <a16:creationId xmlns:a16="http://schemas.microsoft.com/office/drawing/2014/main" id="{A35565EA-2A8C-027A-28F1-1BFC21B19EE3}"/>
               </a:ext>
             </a:extLst>
           </p:cNvPr>
@@ -3924,7 +3934,7 @@
           <p:cNvPr id="3" name="Vertical Text Placeholder 2">
             <a:extLst>
               <a:ext uri="{FF2B5EF4-FFF2-40B4-BE49-F238E27FC236}">
-                <a16:creationId xmlns:a16="http://schemas.microsoft.com/office/drawing/2014/main" xmlns="" id="{CB6E9C74-05AD-3AB5-EFFA-482419EEC7E2}"/>
+                <a16:creationId xmlns:a16="http://schemas.microsoft.com/office/drawing/2014/main" id="{CB6E9C74-05AD-3AB5-EFFA-482419EEC7E2}"/>
               </a:ext>
             </a:extLst>
           </p:cNvPr>
@@ -3987,7 +3997,7 @@
           <p:cNvPr id="4" name="Date Placeholder 3">
             <a:extLst>
               <a:ext uri="{FF2B5EF4-FFF2-40B4-BE49-F238E27FC236}">
-                <a16:creationId xmlns:a16="http://schemas.microsoft.com/office/drawing/2014/main" xmlns="" id="{3C8D1EFB-A4D1-6BE4-EAE4-54B6842BE052}"/>
+                <a16:creationId xmlns:a16="http://schemas.microsoft.com/office/drawing/2014/main" id="{3C8D1EFB-A4D1-6BE4-EAE4-54B6842BE052}"/>
               </a:ext>
             </a:extLst>
           </p:cNvPr>
@@ -4017,7 +4027,7 @@
           <p:cNvPr id="5" name="Footer Placeholder 4">
             <a:extLst>
               <a:ext uri="{FF2B5EF4-FFF2-40B4-BE49-F238E27FC236}">
-                <a16:creationId xmlns:a16="http://schemas.microsoft.com/office/drawing/2014/main" xmlns="" id="{8178D469-2436-2C4B-9E7D-46EB27E8D4A0}"/>
+                <a16:creationId xmlns:a16="http://schemas.microsoft.com/office/drawing/2014/main" id="{8178D469-2436-2C4B-9E7D-46EB27E8D4A0}"/>
               </a:ext>
             </a:extLst>
           </p:cNvPr>
@@ -4042,7 +4052,7 @@
           <p:cNvPr id="6" name="Slide Number Placeholder 5">
             <a:extLst>
               <a:ext uri="{FF2B5EF4-FFF2-40B4-BE49-F238E27FC236}">
-                <a16:creationId xmlns:a16="http://schemas.microsoft.com/office/drawing/2014/main" xmlns="" id="{8FA3E790-D1C7-9D4D-CA77-E1B5FC7350B7}"/>
+                <a16:creationId xmlns:a16="http://schemas.microsoft.com/office/drawing/2014/main" id="{8FA3E790-D1C7-9D4D-CA77-E1B5FC7350B7}"/>
               </a:ext>
             </a:extLst>
           </p:cNvPr>
@@ -4070,7 +4080,7 @@
     </p:spTree>
     <p:extLst>
       <p:ext uri="{BB962C8B-B14F-4D97-AF65-F5344CB8AC3E}">
-        <p14:creationId xmlns:p14="http://schemas.microsoft.com/office/powerpoint/2010/main" xmlns="" val="1871138745"/>
+        <p14:creationId xmlns:p14="http://schemas.microsoft.com/office/powerpoint/2010/main" val="1871138745"/>
       </p:ext>
     </p:extLst>
   </p:cSld>
@@ -4102,7 +4112,7 @@
           <p:cNvPr id="2" name="Title 1">
             <a:extLst>
               <a:ext uri="{FF2B5EF4-FFF2-40B4-BE49-F238E27FC236}">
-                <a16:creationId xmlns:a16="http://schemas.microsoft.com/office/drawing/2014/main" xmlns="" id="{474DD7FA-615A-F4B9-950C-7568BC1797B7}"/>
+                <a16:creationId xmlns:a16="http://schemas.microsoft.com/office/drawing/2014/main" id="{474DD7FA-615A-F4B9-950C-7568BC1797B7}"/>
               </a:ext>
             </a:extLst>
           </p:cNvPr>
@@ -4140,7 +4150,7 @@
           <p:cNvPr id="3" name="Text Placeholder 2">
             <a:extLst>
               <a:ext uri="{FF2B5EF4-FFF2-40B4-BE49-F238E27FC236}">
-                <a16:creationId xmlns:a16="http://schemas.microsoft.com/office/drawing/2014/main" xmlns="" id="{3AFE13B3-ED66-852E-BACE-D8BBFF725220}"/>
+                <a16:creationId xmlns:a16="http://schemas.microsoft.com/office/drawing/2014/main" id="{3AFE13B3-ED66-852E-BACE-D8BBFF725220}"/>
               </a:ext>
             </a:extLst>
           </p:cNvPr>
@@ -4265,7 +4275,7 @@
           <p:cNvPr id="4" name="Date Placeholder 3">
             <a:extLst>
               <a:ext uri="{FF2B5EF4-FFF2-40B4-BE49-F238E27FC236}">
-                <a16:creationId xmlns:a16="http://schemas.microsoft.com/office/drawing/2014/main" xmlns="" id="{2B4F40C8-D8DF-F90B-3C08-6986A421957A}"/>
+                <a16:creationId xmlns:a16="http://schemas.microsoft.com/office/drawing/2014/main" id="{2B4F40C8-D8DF-F90B-3C08-6986A421957A}"/>
               </a:ext>
             </a:extLst>
           </p:cNvPr>
@@ -4295,7 +4305,7 @@
           <p:cNvPr id="5" name="Footer Placeholder 4">
             <a:extLst>
               <a:ext uri="{FF2B5EF4-FFF2-40B4-BE49-F238E27FC236}">
-                <a16:creationId xmlns:a16="http://schemas.microsoft.com/office/drawing/2014/main" xmlns="" id="{652F9F29-6926-1582-E045-164EF49DA90B}"/>
+                <a16:creationId xmlns:a16="http://schemas.microsoft.com/office/drawing/2014/main" id="{652F9F29-6926-1582-E045-164EF49DA90B}"/>
               </a:ext>
             </a:extLst>
           </p:cNvPr>
@@ -4320,7 +4330,7 @@
           <p:cNvPr id="6" name="Slide Number Placeholder 5">
             <a:extLst>
               <a:ext uri="{FF2B5EF4-FFF2-40B4-BE49-F238E27FC236}">
-                <a16:creationId xmlns:a16="http://schemas.microsoft.com/office/drawing/2014/main" xmlns="" id="{0C40B3F1-15F4-8B75-B62F-498424B50A14}"/>
+                <a16:creationId xmlns:a16="http://schemas.microsoft.com/office/drawing/2014/main" id="{0C40B3F1-15F4-8B75-B62F-498424B50A14}"/>
               </a:ext>
             </a:extLst>
           </p:cNvPr>
@@ -4348,7 +4358,7 @@
     </p:spTree>
     <p:extLst>
       <p:ext uri="{BB962C8B-B14F-4D97-AF65-F5344CB8AC3E}">
-        <p14:creationId xmlns:p14="http://schemas.microsoft.com/office/powerpoint/2010/main" xmlns="" val="472402021"/>
+        <p14:creationId xmlns:p14="http://schemas.microsoft.com/office/powerpoint/2010/main" val="472402021"/>
       </p:ext>
     </p:extLst>
   </p:cSld>
@@ -4380,7 +4390,7 @@
           <p:cNvPr id="2" name="Title 1">
             <a:extLst>
               <a:ext uri="{FF2B5EF4-FFF2-40B4-BE49-F238E27FC236}">
-                <a16:creationId xmlns:a16="http://schemas.microsoft.com/office/drawing/2014/main" xmlns="" id="{339F1CEB-5495-30EC-D841-E7E91D2786C6}"/>
+                <a16:creationId xmlns:a16="http://schemas.microsoft.com/office/drawing/2014/main" id="{339F1CEB-5495-30EC-D841-E7E91D2786C6}"/>
               </a:ext>
             </a:extLst>
           </p:cNvPr>
@@ -4409,7 +4419,7 @@
           <p:cNvPr id="3" name="Content Placeholder 2">
             <a:extLst>
               <a:ext uri="{FF2B5EF4-FFF2-40B4-BE49-F238E27FC236}">
-                <a16:creationId xmlns:a16="http://schemas.microsoft.com/office/drawing/2014/main" xmlns="" id="{3AD4F28D-B5CA-F4EC-30A9-3FF760CED78A}"/>
+                <a16:creationId xmlns:a16="http://schemas.microsoft.com/office/drawing/2014/main" id="{3AD4F28D-B5CA-F4EC-30A9-3FF760CED78A}"/>
               </a:ext>
             </a:extLst>
           </p:cNvPr>
@@ -4472,7 +4482,7 @@
           <p:cNvPr id="4" name="Content Placeholder 3">
             <a:extLst>
               <a:ext uri="{FF2B5EF4-FFF2-40B4-BE49-F238E27FC236}">
-                <a16:creationId xmlns:a16="http://schemas.microsoft.com/office/drawing/2014/main" xmlns="" id="{57737B83-7A1A-2FE3-95BC-B02F8047D02B}"/>
+                <a16:creationId xmlns:a16="http://schemas.microsoft.com/office/drawing/2014/main" id="{57737B83-7A1A-2FE3-95BC-B02F8047D02B}"/>
               </a:ext>
             </a:extLst>
           </p:cNvPr>
@@ -4535,7 +4545,7 @@
           <p:cNvPr id="5" name="Date Placeholder 4">
             <a:extLst>
               <a:ext uri="{FF2B5EF4-FFF2-40B4-BE49-F238E27FC236}">
-                <a16:creationId xmlns:a16="http://schemas.microsoft.com/office/drawing/2014/main" xmlns="" id="{CD6BAB4A-37F6-DEA7-6885-EF3ECC83C656}"/>
+                <a16:creationId xmlns:a16="http://schemas.microsoft.com/office/drawing/2014/main" id="{CD6BAB4A-37F6-DEA7-6885-EF3ECC83C656}"/>
               </a:ext>
             </a:extLst>
           </p:cNvPr>
@@ -4565,7 +4575,7 @@
           <p:cNvPr id="6" name="Footer Placeholder 5">
             <a:extLst>
               <a:ext uri="{FF2B5EF4-FFF2-40B4-BE49-F238E27FC236}">
-                <a16:creationId xmlns:a16="http://schemas.microsoft.com/office/drawing/2014/main" xmlns="" id="{65CE3BF7-0DC4-5A48-F9A6-2F4AC8B703FD}"/>
+                <a16:creationId xmlns:a16="http://schemas.microsoft.com/office/drawing/2014/main" id="{65CE3BF7-0DC4-5A48-F9A6-2F4AC8B703FD}"/>
               </a:ext>
             </a:extLst>
           </p:cNvPr>
@@ -4590,7 +4600,7 @@
           <p:cNvPr id="7" name="Slide Number Placeholder 6">
             <a:extLst>
               <a:ext uri="{FF2B5EF4-FFF2-40B4-BE49-F238E27FC236}">
-                <a16:creationId xmlns:a16="http://schemas.microsoft.com/office/drawing/2014/main" xmlns="" id="{2E568719-F689-08CA-64F4-9B4130BA4A23}"/>
+                <a16:creationId xmlns:a16="http://schemas.microsoft.com/office/drawing/2014/main" id="{2E568719-F689-08CA-64F4-9B4130BA4A23}"/>
               </a:ext>
             </a:extLst>
           </p:cNvPr>
@@ -4618,7 +4628,7 @@
     </p:spTree>
     <p:extLst>
       <p:ext uri="{BB962C8B-B14F-4D97-AF65-F5344CB8AC3E}">
-        <p14:creationId xmlns:p14="http://schemas.microsoft.com/office/powerpoint/2010/main" xmlns="" val="292412517"/>
+        <p14:creationId xmlns:p14="http://schemas.microsoft.com/office/powerpoint/2010/main" val="292412517"/>
       </p:ext>
     </p:extLst>
   </p:cSld>
@@ -4650,7 +4660,7 @@
           <p:cNvPr id="2" name="Title 1">
             <a:extLst>
               <a:ext uri="{FF2B5EF4-FFF2-40B4-BE49-F238E27FC236}">
-                <a16:creationId xmlns:a16="http://schemas.microsoft.com/office/drawing/2014/main" xmlns="" id="{90F0BFE2-E9CA-DC2B-57F1-4A3DE9C7191A}"/>
+                <a16:creationId xmlns:a16="http://schemas.microsoft.com/office/drawing/2014/main" id="{90F0BFE2-E9CA-DC2B-57F1-4A3DE9C7191A}"/>
               </a:ext>
             </a:extLst>
           </p:cNvPr>
@@ -4684,7 +4694,7 @@
           <p:cNvPr id="3" name="Text Placeholder 2">
             <a:extLst>
               <a:ext uri="{FF2B5EF4-FFF2-40B4-BE49-F238E27FC236}">
-                <a16:creationId xmlns:a16="http://schemas.microsoft.com/office/drawing/2014/main" xmlns="" id="{6D77EE4D-30E2-BF74-14E5-208082927254}"/>
+                <a16:creationId xmlns:a16="http://schemas.microsoft.com/office/drawing/2014/main" id="{6D77EE4D-30E2-BF74-14E5-208082927254}"/>
               </a:ext>
             </a:extLst>
           </p:cNvPr>
@@ -4755,7 +4765,7 @@
           <p:cNvPr id="4" name="Content Placeholder 3">
             <a:extLst>
               <a:ext uri="{FF2B5EF4-FFF2-40B4-BE49-F238E27FC236}">
-                <a16:creationId xmlns:a16="http://schemas.microsoft.com/office/drawing/2014/main" xmlns="" id="{587EBC84-615A-97BB-3F75-63C4FF1BF174}"/>
+                <a16:creationId xmlns:a16="http://schemas.microsoft.com/office/drawing/2014/main" id="{587EBC84-615A-97BB-3F75-63C4FF1BF174}"/>
               </a:ext>
             </a:extLst>
           </p:cNvPr>
@@ -4818,7 +4828,7 @@
           <p:cNvPr id="5" name="Text Placeholder 4">
             <a:extLst>
               <a:ext uri="{FF2B5EF4-FFF2-40B4-BE49-F238E27FC236}">
-                <a16:creationId xmlns:a16="http://schemas.microsoft.com/office/drawing/2014/main" xmlns="" id="{8E5A8D3E-2E55-582D-263F-0145B31D8545}"/>
+                <a16:creationId xmlns:a16="http://schemas.microsoft.com/office/drawing/2014/main" id="{8E5A8D3E-2E55-582D-263F-0145B31D8545}"/>
               </a:ext>
             </a:extLst>
           </p:cNvPr>
@@ -4889,7 +4899,7 @@
           <p:cNvPr id="6" name="Content Placeholder 5">
             <a:extLst>
               <a:ext uri="{FF2B5EF4-FFF2-40B4-BE49-F238E27FC236}">
-                <a16:creationId xmlns:a16="http://schemas.microsoft.com/office/drawing/2014/main" xmlns="" id="{44F8719A-2B4E-DDAA-8710-2DAD024B2527}"/>
+                <a16:creationId xmlns:a16="http://schemas.microsoft.com/office/drawing/2014/main" id="{44F8719A-2B4E-DDAA-8710-2DAD024B2527}"/>
               </a:ext>
             </a:extLst>
           </p:cNvPr>
@@ -4952,7 +4962,7 @@
           <p:cNvPr id="7" name="Date Placeholder 6">
             <a:extLst>
               <a:ext uri="{FF2B5EF4-FFF2-40B4-BE49-F238E27FC236}">
-                <a16:creationId xmlns:a16="http://schemas.microsoft.com/office/drawing/2014/main" xmlns="" id="{8633A6A7-2951-2F69-2838-A82A41D3E5B2}"/>
+                <a16:creationId xmlns:a16="http://schemas.microsoft.com/office/drawing/2014/main" id="{8633A6A7-2951-2F69-2838-A82A41D3E5B2}"/>
               </a:ext>
             </a:extLst>
           </p:cNvPr>
@@ -4982,7 +4992,7 @@
           <p:cNvPr id="8" name="Footer Placeholder 7">
             <a:extLst>
               <a:ext uri="{FF2B5EF4-FFF2-40B4-BE49-F238E27FC236}">
-                <a16:creationId xmlns:a16="http://schemas.microsoft.com/office/drawing/2014/main" xmlns="" id="{82845914-0579-F62A-0E60-F28E95B4A1EB}"/>
+                <a16:creationId xmlns:a16="http://schemas.microsoft.com/office/drawing/2014/main" id="{82845914-0579-F62A-0E60-F28E95B4A1EB}"/>
               </a:ext>
             </a:extLst>
           </p:cNvPr>
@@ -5007,7 +5017,7 @@
           <p:cNvPr id="9" name="Slide Number Placeholder 8">
             <a:extLst>
               <a:ext uri="{FF2B5EF4-FFF2-40B4-BE49-F238E27FC236}">
-                <a16:creationId xmlns:a16="http://schemas.microsoft.com/office/drawing/2014/main" xmlns="" id="{1E9137EC-5BB5-BBDF-E257-301C68A3F09D}"/>
+                <a16:creationId xmlns:a16="http://schemas.microsoft.com/office/drawing/2014/main" id="{1E9137EC-5BB5-BBDF-E257-301C68A3F09D}"/>
               </a:ext>
             </a:extLst>
           </p:cNvPr>
@@ -5035,7 +5045,7 @@
     </p:spTree>
     <p:extLst>
       <p:ext uri="{BB962C8B-B14F-4D97-AF65-F5344CB8AC3E}">
-        <p14:creationId xmlns:p14="http://schemas.microsoft.com/office/powerpoint/2010/main" xmlns="" val="1631315875"/>
+        <p14:creationId xmlns:p14="http://schemas.microsoft.com/office/powerpoint/2010/main" val="1631315875"/>
       </p:ext>
     </p:extLst>
   </p:cSld>
@@ -5067,7 +5077,7 @@
           <p:cNvPr id="2" name="Title 1">
             <a:extLst>
               <a:ext uri="{FF2B5EF4-FFF2-40B4-BE49-F238E27FC236}">
-                <a16:creationId xmlns:a16="http://schemas.microsoft.com/office/drawing/2014/main" xmlns="" id="{D7B7A3AA-2DCB-A2AC-D271-E3B430E21DE5}"/>
+                <a16:creationId xmlns:a16="http://schemas.microsoft.com/office/drawing/2014/main" id="{D7B7A3AA-2DCB-A2AC-D271-E3B430E21DE5}"/>
               </a:ext>
             </a:extLst>
           </p:cNvPr>
@@ -5096,7 +5106,7 @@
           <p:cNvPr id="3" name="Date Placeholder 2">
             <a:extLst>
               <a:ext uri="{FF2B5EF4-FFF2-40B4-BE49-F238E27FC236}">
-                <a16:creationId xmlns:a16="http://schemas.microsoft.com/office/drawing/2014/main" xmlns="" id="{F7DCBEDE-C61B-A048-531A-3BDFAAA6FB6D}"/>
+                <a16:creationId xmlns:a16="http://schemas.microsoft.com/office/drawing/2014/main" id="{F7DCBEDE-C61B-A048-531A-3BDFAAA6FB6D}"/>
               </a:ext>
             </a:extLst>
           </p:cNvPr>
@@ -5126,7 +5136,7 @@
           <p:cNvPr id="4" name="Footer Placeholder 3">
             <a:extLst>
               <a:ext uri="{FF2B5EF4-FFF2-40B4-BE49-F238E27FC236}">
-                <a16:creationId xmlns:a16="http://schemas.microsoft.com/office/drawing/2014/main" xmlns="" id="{57EB5CEB-3AD5-94C0-348D-891DE605A56B}"/>
+                <a16:creationId xmlns:a16="http://schemas.microsoft.com/office/drawing/2014/main" id="{57EB5CEB-3AD5-94C0-348D-891DE605A56B}"/>
               </a:ext>
             </a:extLst>
           </p:cNvPr>
@@ -5151,7 +5161,7 @@
           <p:cNvPr id="5" name="Slide Number Placeholder 4">
             <a:extLst>
               <a:ext uri="{FF2B5EF4-FFF2-40B4-BE49-F238E27FC236}">
-                <a16:creationId xmlns:a16="http://schemas.microsoft.com/office/drawing/2014/main" xmlns="" id="{7226F3F6-1322-8417-A453-3D9708A92E2F}"/>
+                <a16:creationId xmlns:a16="http://schemas.microsoft.com/office/drawing/2014/main" id="{7226F3F6-1322-8417-A453-3D9708A92E2F}"/>
               </a:ext>
             </a:extLst>
           </p:cNvPr>
@@ -5179,7 +5189,7 @@
     </p:spTree>
     <p:extLst>
       <p:ext uri="{BB962C8B-B14F-4D97-AF65-F5344CB8AC3E}">
-        <p14:creationId xmlns:p14="http://schemas.microsoft.com/office/powerpoint/2010/main" xmlns="" val="1723479412"/>
+        <p14:creationId xmlns:p14="http://schemas.microsoft.com/office/powerpoint/2010/main" val="1723479412"/>
       </p:ext>
     </p:extLst>
   </p:cSld>
@@ -5211,7 +5221,7 @@
           <p:cNvPr id="2" name="Date Placeholder 1">
             <a:extLst>
               <a:ext uri="{FF2B5EF4-FFF2-40B4-BE49-F238E27FC236}">
-                <a16:creationId xmlns:a16="http://schemas.microsoft.com/office/drawing/2014/main" xmlns="" id="{9FB55AEC-8869-54A2-A918-005EE38627BD}"/>
+                <a16:creationId xmlns:a16="http://schemas.microsoft.com/office/drawing/2014/main" id="{9FB55AEC-8869-54A2-A918-005EE38627BD}"/>
               </a:ext>
             </a:extLst>
           </p:cNvPr>
@@ -5241,7 +5251,7 @@
           <p:cNvPr id="3" name="Footer Placeholder 2">
             <a:extLst>
               <a:ext uri="{FF2B5EF4-FFF2-40B4-BE49-F238E27FC236}">
-                <a16:creationId xmlns:a16="http://schemas.microsoft.com/office/drawing/2014/main" xmlns="" id="{2F1C656A-5B43-61CD-F53D-4A6213890D3B}"/>
+                <a16:creationId xmlns:a16="http://schemas.microsoft.com/office/drawing/2014/main" id="{2F1C656A-5B43-61CD-F53D-4A6213890D3B}"/>
               </a:ext>
             </a:extLst>
           </p:cNvPr>
@@ -5266,7 +5276,7 @@
           <p:cNvPr id="4" name="Slide Number Placeholder 3">
             <a:extLst>
               <a:ext uri="{FF2B5EF4-FFF2-40B4-BE49-F238E27FC236}">
-                <a16:creationId xmlns:a16="http://schemas.microsoft.com/office/drawing/2014/main" xmlns="" id="{898F7BF4-6274-5727-26E8-E96041D983BB}"/>
+                <a16:creationId xmlns:a16="http://schemas.microsoft.com/office/drawing/2014/main" id="{898F7BF4-6274-5727-26E8-E96041D983BB}"/>
               </a:ext>
             </a:extLst>
           </p:cNvPr>
@@ -5294,7 +5304,7 @@
     </p:spTree>
     <p:extLst>
       <p:ext uri="{BB962C8B-B14F-4D97-AF65-F5344CB8AC3E}">
-        <p14:creationId xmlns:p14="http://schemas.microsoft.com/office/powerpoint/2010/main" xmlns="" val="2453492435"/>
+        <p14:creationId xmlns:p14="http://schemas.microsoft.com/office/powerpoint/2010/main" val="2453492435"/>
       </p:ext>
     </p:extLst>
   </p:cSld>
@@ -5326,7 +5336,7 @@
           <p:cNvPr id="2" name="Title 1">
             <a:extLst>
               <a:ext uri="{FF2B5EF4-FFF2-40B4-BE49-F238E27FC236}">
-                <a16:creationId xmlns:a16="http://schemas.microsoft.com/office/drawing/2014/main" xmlns="" id="{5D9CEE6C-C1C9-D433-835E-7AE0C78B9971}"/>
+                <a16:creationId xmlns:a16="http://schemas.microsoft.com/office/drawing/2014/main" id="{5D9CEE6C-C1C9-D433-835E-7AE0C78B9971}"/>
               </a:ext>
             </a:extLst>
           </p:cNvPr>
@@ -5364,7 +5374,7 @@
           <p:cNvPr id="3" name="Content Placeholder 2">
             <a:extLst>
               <a:ext uri="{FF2B5EF4-FFF2-40B4-BE49-F238E27FC236}">
-                <a16:creationId xmlns:a16="http://schemas.microsoft.com/office/drawing/2014/main" xmlns="" id="{D6477CB4-9796-24B2-D9F0-FEFD7FCED166}"/>
+                <a16:creationId xmlns:a16="http://schemas.microsoft.com/office/drawing/2014/main" id="{D6477CB4-9796-24B2-D9F0-FEFD7FCED166}"/>
               </a:ext>
             </a:extLst>
           </p:cNvPr>
@@ -5455,7 +5465,7 @@
           <p:cNvPr id="4" name="Text Placeholder 3">
             <a:extLst>
               <a:ext uri="{FF2B5EF4-FFF2-40B4-BE49-F238E27FC236}">
-                <a16:creationId xmlns:a16="http://schemas.microsoft.com/office/drawing/2014/main" xmlns="" id="{F1BF0108-EDAF-C5C5-9706-2252D23D483F}"/>
+                <a16:creationId xmlns:a16="http://schemas.microsoft.com/office/drawing/2014/main" id="{F1BF0108-EDAF-C5C5-9706-2252D23D483F}"/>
               </a:ext>
             </a:extLst>
           </p:cNvPr>
@@ -5526,7 +5536,7 @@
           <p:cNvPr id="5" name="Date Placeholder 4">
             <a:extLst>
               <a:ext uri="{FF2B5EF4-FFF2-40B4-BE49-F238E27FC236}">
-                <a16:creationId xmlns:a16="http://schemas.microsoft.com/office/drawing/2014/main" xmlns="" id="{D9038628-E017-80BD-27C9-B957CEF33D1F}"/>
+                <a16:creationId xmlns:a16="http://schemas.microsoft.com/office/drawing/2014/main" id="{D9038628-E017-80BD-27C9-B957CEF33D1F}"/>
               </a:ext>
             </a:extLst>
           </p:cNvPr>
@@ -5556,7 +5566,7 @@
           <p:cNvPr id="6" name="Footer Placeholder 5">
             <a:extLst>
               <a:ext uri="{FF2B5EF4-FFF2-40B4-BE49-F238E27FC236}">
-                <a16:creationId xmlns:a16="http://schemas.microsoft.com/office/drawing/2014/main" xmlns="" id="{F8387076-C8E0-45EE-58FF-4791BC9DCBE8}"/>
+                <a16:creationId xmlns:a16="http://schemas.microsoft.com/office/drawing/2014/main" id="{F8387076-C8E0-45EE-58FF-4791BC9DCBE8}"/>
               </a:ext>
             </a:extLst>
           </p:cNvPr>
@@ -5581,7 +5591,7 @@
           <p:cNvPr id="7" name="Slide Number Placeholder 6">
             <a:extLst>
               <a:ext uri="{FF2B5EF4-FFF2-40B4-BE49-F238E27FC236}">
-                <a16:creationId xmlns:a16="http://schemas.microsoft.com/office/drawing/2014/main" xmlns="" id="{978CB46B-1B46-1E88-CC23-D5BC8BDA73FF}"/>
+                <a16:creationId xmlns:a16="http://schemas.microsoft.com/office/drawing/2014/main" id="{978CB46B-1B46-1E88-CC23-D5BC8BDA73FF}"/>
               </a:ext>
             </a:extLst>
           </p:cNvPr>
@@ -5609,7 +5619,7 @@
     </p:spTree>
     <p:extLst>
       <p:ext uri="{BB962C8B-B14F-4D97-AF65-F5344CB8AC3E}">
-        <p14:creationId xmlns:p14="http://schemas.microsoft.com/office/powerpoint/2010/main" xmlns="" val="4181189447"/>
+        <p14:creationId xmlns:p14="http://schemas.microsoft.com/office/powerpoint/2010/main" val="4181189447"/>
       </p:ext>
     </p:extLst>
   </p:cSld>
@@ -5641,7 +5651,7 @@
           <p:cNvPr id="2" name="Title 1">
             <a:extLst>
               <a:ext uri="{FF2B5EF4-FFF2-40B4-BE49-F238E27FC236}">
-                <a16:creationId xmlns:a16="http://schemas.microsoft.com/office/drawing/2014/main" xmlns="" id="{CDB02663-02F6-3A0D-9829-AC016FB90A2D}"/>
+                <a16:creationId xmlns:a16="http://schemas.microsoft.com/office/drawing/2014/main" id="{CDB02663-02F6-3A0D-9829-AC016FB90A2D}"/>
               </a:ext>
             </a:extLst>
           </p:cNvPr>
@@ -5679,7 +5689,7 @@
           <p:cNvPr id="3" name="Picture Placeholder 2">
             <a:extLst>
               <a:ext uri="{FF2B5EF4-FFF2-40B4-BE49-F238E27FC236}">
-                <a16:creationId xmlns:a16="http://schemas.microsoft.com/office/drawing/2014/main" xmlns="" id="{E6BF4D1A-0B56-34C4-8431-BCA2F561F317}"/>
+                <a16:creationId xmlns:a16="http://schemas.microsoft.com/office/drawing/2014/main" id="{E6BF4D1A-0B56-34C4-8431-BCA2F561F317}"/>
               </a:ext>
             </a:extLst>
           </p:cNvPr>
@@ -5746,7 +5756,7 @@
           <p:cNvPr id="4" name="Text Placeholder 3">
             <a:extLst>
               <a:ext uri="{FF2B5EF4-FFF2-40B4-BE49-F238E27FC236}">
-                <a16:creationId xmlns:a16="http://schemas.microsoft.com/office/drawing/2014/main" xmlns="" id="{03E137C0-8249-269C-08E5-02E955753D7A}"/>
+                <a16:creationId xmlns:a16="http://schemas.microsoft.com/office/drawing/2014/main" id="{03E137C0-8249-269C-08E5-02E955753D7A}"/>
               </a:ext>
             </a:extLst>
           </p:cNvPr>
@@ -5817,7 +5827,7 @@
           <p:cNvPr id="5" name="Date Placeholder 4">
             <a:extLst>
               <a:ext uri="{FF2B5EF4-FFF2-40B4-BE49-F238E27FC236}">
-                <a16:creationId xmlns:a16="http://schemas.microsoft.com/office/drawing/2014/main" xmlns="" id="{C0EDC815-A1AF-B873-DB5F-27BE43CB9CC9}"/>
+                <a16:creationId xmlns:a16="http://schemas.microsoft.com/office/drawing/2014/main" id="{C0EDC815-A1AF-B873-DB5F-27BE43CB9CC9}"/>
               </a:ext>
             </a:extLst>
           </p:cNvPr>
@@ -5847,7 +5857,7 @@
           <p:cNvPr id="6" name="Footer Placeholder 5">
             <a:extLst>
               <a:ext uri="{FF2B5EF4-FFF2-40B4-BE49-F238E27FC236}">
-                <a16:creationId xmlns:a16="http://schemas.microsoft.com/office/drawing/2014/main" xmlns="" id="{77F604FE-1B10-9927-1027-F18B4A414458}"/>
+                <a16:creationId xmlns:a16="http://schemas.microsoft.com/office/drawing/2014/main" id="{77F604FE-1B10-9927-1027-F18B4A414458}"/>
               </a:ext>
             </a:extLst>
           </p:cNvPr>
@@ -5872,7 +5882,7 @@
           <p:cNvPr id="7" name="Slide Number Placeholder 6">
             <a:extLst>
               <a:ext uri="{FF2B5EF4-FFF2-40B4-BE49-F238E27FC236}">
-                <a16:creationId xmlns:a16="http://schemas.microsoft.com/office/drawing/2014/main" xmlns="" id="{D70E0FCB-0F58-8666-B4A4-0C61CA8BC416}"/>
+                <a16:creationId xmlns:a16="http://schemas.microsoft.com/office/drawing/2014/main" id="{D70E0FCB-0F58-8666-B4A4-0C61CA8BC416}"/>
               </a:ext>
             </a:extLst>
           </p:cNvPr>
@@ -5900,7 +5910,7 @@
     </p:spTree>
     <p:extLst>
       <p:ext uri="{BB962C8B-B14F-4D97-AF65-F5344CB8AC3E}">
-        <p14:creationId xmlns:p14="http://schemas.microsoft.com/office/powerpoint/2010/main" xmlns="" val="1500425649"/>
+        <p14:creationId xmlns:p14="http://schemas.microsoft.com/office/powerpoint/2010/main" val="1500425649"/>
       </p:ext>
     </p:extLst>
   </p:cSld>
@@ -5937,7 +5947,7 @@
           <p:cNvPr id="2" name="Title Placeholder 1">
             <a:extLst>
               <a:ext uri="{FF2B5EF4-FFF2-40B4-BE49-F238E27FC236}">
-                <a16:creationId xmlns:a16="http://schemas.microsoft.com/office/drawing/2014/main" xmlns="" id="{26A356EA-1C8A-1127-3B33-64B5F80894FB}"/>
+                <a16:creationId xmlns:a16="http://schemas.microsoft.com/office/drawing/2014/main" id="{26A356EA-1C8A-1127-3B33-64B5F80894FB}"/>
               </a:ext>
             </a:extLst>
           </p:cNvPr>
@@ -5976,7 +5986,7 @@
           <p:cNvPr id="3" name="Text Placeholder 2">
             <a:extLst>
               <a:ext uri="{FF2B5EF4-FFF2-40B4-BE49-F238E27FC236}">
-                <a16:creationId xmlns:a16="http://schemas.microsoft.com/office/drawing/2014/main" xmlns="" id="{9540629D-7BB3-017F-6398-83F1CA543D65}"/>
+                <a16:creationId xmlns:a16="http://schemas.microsoft.com/office/drawing/2014/main" id="{9540629D-7BB3-017F-6398-83F1CA543D65}"/>
               </a:ext>
             </a:extLst>
           </p:cNvPr>
@@ -6044,7 +6054,7 @@
           <p:cNvPr id="4" name="Date Placeholder 3">
             <a:extLst>
               <a:ext uri="{FF2B5EF4-FFF2-40B4-BE49-F238E27FC236}">
-                <a16:creationId xmlns:a16="http://schemas.microsoft.com/office/drawing/2014/main" xmlns="" id="{F181D787-A399-A1C4-B769-FB551B089AD3}"/>
+                <a16:creationId xmlns:a16="http://schemas.microsoft.com/office/drawing/2014/main" id="{F181D787-A399-A1C4-B769-FB551B089AD3}"/>
               </a:ext>
             </a:extLst>
           </p:cNvPr>
@@ -6092,7 +6102,7 @@
           <p:cNvPr id="5" name="Footer Placeholder 4">
             <a:extLst>
               <a:ext uri="{FF2B5EF4-FFF2-40B4-BE49-F238E27FC236}">
-                <a16:creationId xmlns:a16="http://schemas.microsoft.com/office/drawing/2014/main" xmlns="" id="{6AC1B5C8-5FC6-82CE-0584-31DFB6D37133}"/>
+                <a16:creationId xmlns:a16="http://schemas.microsoft.com/office/drawing/2014/main" id="{6AC1B5C8-5FC6-82CE-0584-31DFB6D37133}"/>
               </a:ext>
             </a:extLst>
           </p:cNvPr>
@@ -6135,7 +6145,7 @@
           <p:cNvPr id="6" name="Slide Number Placeholder 5">
             <a:extLst>
               <a:ext uri="{FF2B5EF4-FFF2-40B4-BE49-F238E27FC236}">
-                <a16:creationId xmlns:a16="http://schemas.microsoft.com/office/drawing/2014/main" xmlns="" id="{FC30154C-6DBF-F6EB-30B2-9153249AD839}"/>
+                <a16:creationId xmlns:a16="http://schemas.microsoft.com/office/drawing/2014/main" id="{FC30154C-6DBF-F6EB-30B2-9153249AD839}"/>
               </a:ext>
             </a:extLst>
           </p:cNvPr>
@@ -6181,7 +6191,7 @@
     </p:spTree>
     <p:extLst>
       <p:ext uri="{BB962C8B-B14F-4D97-AF65-F5344CB8AC3E}">
-        <p14:creationId xmlns:p14="http://schemas.microsoft.com/office/powerpoint/2010/main" xmlns="" val="766404787"/>
+        <p14:creationId xmlns:p14="http://schemas.microsoft.com/office/powerpoint/2010/main" val="766404787"/>
       </p:ext>
     </p:extLst>
   </p:cSld>
@@ -6509,7 +6519,7 @@
           <p:cNvPr id="2" name="Title Placeholder 1">
             <a:extLst>
               <a:ext uri="{FF2B5EF4-FFF2-40B4-BE49-F238E27FC236}">
-                <a16:creationId xmlns:a16="http://schemas.microsoft.com/office/drawing/2014/main" xmlns="" id="{26A356EA-1C8A-1127-3B33-64B5F80894FB}"/>
+                <a16:creationId xmlns:a16="http://schemas.microsoft.com/office/drawing/2014/main" id="{26A356EA-1C8A-1127-3B33-64B5F80894FB}"/>
               </a:ext>
             </a:extLst>
           </p:cNvPr>
@@ -6548,7 +6558,7 @@
           <p:cNvPr id="3" name="Text Placeholder 2">
             <a:extLst>
               <a:ext uri="{FF2B5EF4-FFF2-40B4-BE49-F238E27FC236}">
-                <a16:creationId xmlns:a16="http://schemas.microsoft.com/office/drawing/2014/main" xmlns="" id="{9540629D-7BB3-017F-6398-83F1CA543D65}"/>
+                <a16:creationId xmlns:a16="http://schemas.microsoft.com/office/drawing/2014/main" id="{9540629D-7BB3-017F-6398-83F1CA543D65}"/>
               </a:ext>
             </a:extLst>
           </p:cNvPr>
@@ -6616,7 +6626,7 @@
           <p:cNvPr id="4" name="Date Placeholder 3">
             <a:extLst>
               <a:ext uri="{FF2B5EF4-FFF2-40B4-BE49-F238E27FC236}">
-                <a16:creationId xmlns:a16="http://schemas.microsoft.com/office/drawing/2014/main" xmlns="" id="{F181D787-A399-A1C4-B769-FB551B089AD3}"/>
+                <a16:creationId xmlns:a16="http://schemas.microsoft.com/office/drawing/2014/main" id="{F181D787-A399-A1C4-B769-FB551B089AD3}"/>
               </a:ext>
             </a:extLst>
           </p:cNvPr>
@@ -6664,7 +6674,7 @@
           <p:cNvPr id="5" name="Footer Placeholder 4">
             <a:extLst>
               <a:ext uri="{FF2B5EF4-FFF2-40B4-BE49-F238E27FC236}">
-                <a16:creationId xmlns:a16="http://schemas.microsoft.com/office/drawing/2014/main" xmlns="" id="{6AC1B5C8-5FC6-82CE-0584-31DFB6D37133}"/>
+                <a16:creationId xmlns:a16="http://schemas.microsoft.com/office/drawing/2014/main" id="{6AC1B5C8-5FC6-82CE-0584-31DFB6D37133}"/>
               </a:ext>
             </a:extLst>
           </p:cNvPr>
@@ -6707,7 +6717,7 @@
           <p:cNvPr id="6" name="Slide Number Placeholder 5">
             <a:extLst>
               <a:ext uri="{FF2B5EF4-FFF2-40B4-BE49-F238E27FC236}">
-                <a16:creationId xmlns:a16="http://schemas.microsoft.com/office/drawing/2014/main" xmlns="" id="{FC30154C-6DBF-F6EB-30B2-9153249AD839}"/>
+                <a16:creationId xmlns:a16="http://schemas.microsoft.com/office/drawing/2014/main" id="{FC30154C-6DBF-F6EB-30B2-9153249AD839}"/>
               </a:ext>
             </a:extLst>
           </p:cNvPr>
@@ -6753,7 +6763,7 @@
     </p:spTree>
     <p:extLst>
       <p:ext uri="{BB962C8B-B14F-4D97-AF65-F5344CB8AC3E}">
-        <p14:creationId xmlns:p14="http://schemas.microsoft.com/office/powerpoint/2010/main" xmlns="" val="766404787"/>
+        <p14:creationId xmlns:p14="http://schemas.microsoft.com/office/powerpoint/2010/main" val="766404787"/>
       </p:ext>
     </p:extLst>
   </p:cSld>
@@ -7084,7 +7094,7 @@
           <p:cNvPr id="28" name="Picture 19" descr="Colourful charts and graphs">
             <a:extLst>
               <a:ext uri="{FF2B5EF4-FFF2-40B4-BE49-F238E27FC236}">
-                <a16:creationId xmlns:a16="http://schemas.microsoft.com/office/drawing/2014/main" xmlns="" id="{299A07DE-8725-3B4D-BDBA-5739D8F943BA}"/>
+                <a16:creationId xmlns:a16="http://schemas.microsoft.com/office/drawing/2014/main" id="{299A07DE-8725-3B4D-BDBA-5739D8F943BA}"/>
               </a:ext>
             </a:extLst>
           </p:cNvPr>
@@ -7225,7 +7235,7 @@
           <p:cNvPr id="8" name="TextBox 7">
             <a:extLst>
               <a:ext uri="{FF2B5EF4-FFF2-40B4-BE49-F238E27FC236}">
-                <a16:creationId xmlns:a16="http://schemas.microsoft.com/office/drawing/2014/main" xmlns="" id="{FBB6795C-FB99-CF17-54EF-44026FF8150F}"/>
+                <a16:creationId xmlns:a16="http://schemas.microsoft.com/office/drawing/2014/main" id="{FBB6795C-FB99-CF17-54EF-44026FF8150F}"/>
               </a:ext>
             </a:extLst>
           </p:cNvPr>
@@ -7265,7 +7275,7 @@
           <p:cNvPr id="22" name="TextBox 21" hidden="1">
             <a:extLst>
               <a:ext uri="{FF2B5EF4-FFF2-40B4-BE49-F238E27FC236}">
-                <a16:creationId xmlns:a16="http://schemas.microsoft.com/office/drawing/2014/main" xmlns="" id="{E593D707-90B7-8EB8-A16F-7FA467826B21}"/>
+                <a16:creationId xmlns:a16="http://schemas.microsoft.com/office/drawing/2014/main" id="{E593D707-90B7-8EB8-A16F-7FA467826B21}"/>
               </a:ext>
             </a:extLst>
           </p:cNvPr>
@@ -7333,7 +7343,7 @@
           <p:cNvPr id="2" name="TextBox 1">
             <a:extLst>
               <a:ext uri="{FF2B5EF4-FFF2-40B4-BE49-F238E27FC236}">
-                <a16:creationId xmlns:a16="http://schemas.microsoft.com/office/drawing/2014/main" xmlns="" id="{08B4B685-7AE9-44DF-22FD-C15358776F31}"/>
+                <a16:creationId xmlns:a16="http://schemas.microsoft.com/office/drawing/2014/main" id="{08B4B685-7AE9-44DF-22FD-C15358776F31}"/>
               </a:ext>
             </a:extLst>
           </p:cNvPr>
@@ -7358,7 +7368,7 @@
           <a:p>
             <a:pPr algn="ctr"/>
             <a:r>
-              <a:rPr lang="en-US" sz="2400" dirty="0" smtClean="0">
+              <a:rPr lang="en-US" sz="2400" dirty="0">
                 <a:solidFill>
                   <a:srgbClr val="002060"/>
                 </a:solidFill>
@@ -7371,7 +7381,7 @@
           <a:p>
             <a:pPr algn="ctr"/>
             <a:r>
-              <a:rPr lang="en-US" sz="2400" dirty="0" smtClean="0">
+              <a:rPr lang="en-US" sz="2400" dirty="0">
                 <a:solidFill>
                   <a:srgbClr val="002060"/>
                 </a:solidFill>
@@ -7384,7 +7394,7 @@
           <a:p>
             <a:pPr algn="ctr"/>
             <a:r>
-              <a:rPr lang="en-US" sz="2400" dirty="0" smtClean="0">
+              <a:rPr lang="en-US" sz="2400" dirty="0">
                 <a:solidFill>
                   <a:srgbClr val="002060"/>
                 </a:solidFill>
@@ -7409,7 +7419,2129 @@
     </p:spTree>
     <p:extLst>
       <p:ext uri="{BB962C8B-B14F-4D97-AF65-F5344CB8AC3E}">
-        <p14:creationId xmlns:p14="http://schemas.microsoft.com/office/powerpoint/2010/main" xmlns="" val="3266916071"/>
+        <p14:creationId xmlns:p14="http://schemas.microsoft.com/office/powerpoint/2010/main" val="3266916071"/>
+      </p:ext>
+    </p:extLst>
+  </p:cSld>
+  <p:clrMapOvr>
+    <a:masterClrMapping/>
+  </p:clrMapOvr>
+</p:sld>
+</file>
+
+<file path=ppt/slides/slide10.xml><?xml version="1.0" encoding="utf-8"?>
+<p:sld xmlns:a="http://schemas.openxmlformats.org/drawingml/2006/main" xmlns:r="http://schemas.openxmlformats.org/officeDocument/2006/relationships" xmlns:p="http://schemas.openxmlformats.org/presentationml/2006/main">
+  <p:cSld>
+    <p:bg>
+      <p:bgPr>
+        <a:solidFill>
+          <a:srgbClr val="4A206A"/>
+        </a:solidFill>
+        <a:effectLst/>
+      </p:bgPr>
+    </p:bg>
+    <p:spTree>
+      <p:nvGrpSpPr>
+        <p:cNvPr id="1" name=""/>
+        <p:cNvGrpSpPr/>
+        <p:nvPr/>
+      </p:nvGrpSpPr>
+      <p:grpSpPr>
+        <a:xfrm>
+          <a:off x="0" y="0"/>
+          <a:ext cx="0" cy="0"/>
+          <a:chOff x="0" y="0"/>
+          <a:chExt cx="0" cy="0"/>
+        </a:xfrm>
+      </p:grpSpPr>
+      <p:sp>
+        <p:nvSpPr>
+          <p:cNvPr id="3" name="TextBox 2">
+            <a:extLst>
+              <a:ext uri="{FF2B5EF4-FFF2-40B4-BE49-F238E27FC236}">
+                <a16:creationId xmlns:a16="http://schemas.microsoft.com/office/drawing/2014/main" id="{3FCF3979-E4B3-0634-4C0B-AB862892E9BF}"/>
+              </a:ext>
+            </a:extLst>
+          </p:cNvPr>
+          <p:cNvSpPr txBox="1"/>
+          <p:nvPr/>
+        </p:nvSpPr>
+        <p:spPr>
+          <a:xfrm>
+            <a:off x="478295" y="471805"/>
+            <a:ext cx="6905731" cy="707886"/>
+          </a:xfrm>
+          <a:prstGeom prst="rect">
+            <a:avLst/>
+          </a:prstGeom>
+          <a:noFill/>
+        </p:spPr>
+        <p:txBody>
+          <a:bodyPr wrap="square" rtlCol="0">
+            <a:spAutoFit/>
+          </a:bodyPr>
+          <a:lstStyle/>
+          <a:p>
+            <a:pPr marL="0" marR="0" lvl="0" indent="0" algn="l" defTabSz="914400" rtl="0" eaLnBrk="1" fontAlgn="auto" latinLnBrk="0" hangingPunct="1">
+              <a:lnSpc>
+                <a:spcPct val="100000"/>
+              </a:lnSpc>
+              <a:spcBef>
+                <a:spcPts val="0"/>
+              </a:spcBef>
+              <a:spcAft>
+                <a:spcPts val="0"/>
+              </a:spcAft>
+              <a:buClrTx/>
+              <a:buSzTx/>
+              <a:buFontTx/>
+              <a:buNone/>
+              <a:tabLst/>
+              <a:defRPr/>
+            </a:pPr>
+            <a:r>
+              <a:rPr kumimoji="0" lang="en-IN" sz="4000" b="0" i="0" u="none" strike="noStrike" kern="1200" cap="none" spc="0" normalizeH="0" baseline="0" noProof="0" dirty="0">
+                <a:ln>
+                  <a:noFill/>
+                </a:ln>
+                <a:solidFill>
+                  <a:srgbClr val="F4F4F2"/>
+                </a:solidFill>
+                <a:effectLst/>
+                <a:uLnTx/>
+                <a:uFillTx/>
+                <a:latin typeface="Amasis MT Pro Black" panose="02040A04050005020304" pitchFamily="18" charset="0"/>
+                <a:ea typeface="+mn-ea"/>
+                <a:cs typeface="+mn-cs"/>
+              </a:rPr>
+              <a:t>Volume:</a:t>
+            </a:r>
+          </a:p>
+        </p:txBody>
+      </p:sp>
+      <p:sp>
+        <p:nvSpPr>
+          <p:cNvPr id="5" name="TextBox 4">
+            <a:extLst>
+              <a:ext uri="{FF2B5EF4-FFF2-40B4-BE49-F238E27FC236}">
+                <a16:creationId xmlns:a16="http://schemas.microsoft.com/office/drawing/2014/main" id="{4CE4714F-5B28-DDDA-2E6D-2AD9A4F1FC7E}"/>
+              </a:ext>
+            </a:extLst>
+          </p:cNvPr>
+          <p:cNvSpPr txBox="1"/>
+          <p:nvPr/>
+        </p:nvSpPr>
+        <p:spPr>
+          <a:xfrm>
+            <a:off x="478295" y="1304663"/>
+            <a:ext cx="7735502" cy="2677656"/>
+          </a:xfrm>
+          <a:prstGeom prst="rect">
+            <a:avLst/>
+          </a:prstGeom>
+          <a:noFill/>
+        </p:spPr>
+        <p:txBody>
+          <a:bodyPr wrap="square" rtlCol="0">
+            <a:spAutoFit/>
+          </a:bodyPr>
+          <a:lstStyle/>
+          <a:p>
+            <a:pPr marL="0" marR="0" lvl="0" indent="0" algn="l" defTabSz="457200" rtl="0" eaLnBrk="1" fontAlgn="auto" latinLnBrk="0" hangingPunct="1">
+              <a:lnSpc>
+                <a:spcPct val="100000"/>
+              </a:lnSpc>
+              <a:spcBef>
+                <a:spcPts val="0"/>
+              </a:spcBef>
+              <a:spcAft>
+                <a:spcPts val="0"/>
+              </a:spcAft>
+              <a:buClrTx/>
+              <a:buSzTx/>
+              <a:buFontTx/>
+              <a:buNone/>
+              <a:tabLst/>
+              <a:defRPr/>
+            </a:pPr>
+            <a:r>
+              <a:rPr kumimoji="0" lang="en-IN" sz="2400" b="0" i="0" u="none" strike="noStrike" kern="1200" cap="none" spc="0" normalizeH="0" baseline="0" noProof="0" dirty="0">
+                <a:ln>
+                  <a:noFill/>
+                </a:ln>
+                <a:solidFill>
+                  <a:prstClr val="white"/>
+                </a:solidFill>
+                <a:effectLst/>
+                <a:uLnTx/>
+                <a:uFillTx/>
+                <a:latin typeface="Cascadia Code SemiBold" pitchFamily="50" charset="0"/>
+                <a:ea typeface="+mn-ea"/>
+                <a:cs typeface="Cascadia Code SemiBold" pitchFamily="50" charset="0"/>
+              </a:rPr>
+              <a:t>No.</a:t>
+            </a:r>
+            <a:r>
+              <a:rPr kumimoji="0" lang="en-IN" sz="2400" b="0" i="0" u="none" strike="noStrike" kern="1200" cap="none" spc="0" normalizeH="0" noProof="0" dirty="0">
+                <a:ln>
+                  <a:noFill/>
+                </a:ln>
+                <a:solidFill>
+                  <a:prstClr val="white"/>
+                </a:solidFill>
+                <a:effectLst/>
+                <a:uLnTx/>
+                <a:uFillTx/>
+                <a:latin typeface="Cascadia Code SemiBold" pitchFamily="50" charset="0"/>
+                <a:ea typeface="+mn-ea"/>
+                <a:cs typeface="Cascadia Code SemiBold" pitchFamily="50" charset="0"/>
+              </a:rPr>
+              <a:t> of shares traded </a:t>
+            </a:r>
+            <a:r>
+              <a:rPr lang="en-IN" sz="2400" noProof="0" dirty="0">
+                <a:solidFill>
+                  <a:prstClr val="white"/>
+                </a:solidFill>
+                <a:latin typeface="Cascadia Code SemiBold" pitchFamily="50" charset="0"/>
+                <a:cs typeface="Cascadia Code SemiBold" pitchFamily="50" charset="0"/>
+              </a:rPr>
+              <a:t>for a given time frame, usually a day.</a:t>
+            </a:r>
+          </a:p>
+          <a:p>
+            <a:pPr marL="0" marR="0" lvl="0" indent="0" algn="l" defTabSz="457200" rtl="0" eaLnBrk="1" fontAlgn="auto" latinLnBrk="0" hangingPunct="1">
+              <a:lnSpc>
+                <a:spcPct val="100000"/>
+              </a:lnSpc>
+              <a:spcBef>
+                <a:spcPts val="0"/>
+              </a:spcBef>
+              <a:spcAft>
+                <a:spcPts val="0"/>
+              </a:spcAft>
+              <a:buClrTx/>
+              <a:buSzTx/>
+              <a:buFontTx/>
+              <a:buNone/>
+              <a:tabLst/>
+              <a:defRPr/>
+            </a:pPr>
+            <a:endParaRPr kumimoji="0" lang="en-IN" sz="2400" b="0" i="0" u="none" strike="noStrike" kern="1200" cap="none" spc="0" normalizeH="0" baseline="0" dirty="0">
+              <a:ln>
+                <a:noFill/>
+              </a:ln>
+              <a:solidFill>
+                <a:prstClr val="white"/>
+              </a:solidFill>
+              <a:effectLst/>
+              <a:uLnTx/>
+              <a:uFillTx/>
+              <a:latin typeface="Cascadia Code SemiBold" pitchFamily="50" charset="0"/>
+              <a:ea typeface="+mn-ea"/>
+              <a:cs typeface="Cascadia Code SemiBold" pitchFamily="50" charset="0"/>
+            </a:endParaRPr>
+          </a:p>
+          <a:p>
+            <a:pPr marL="0" marR="0" lvl="0" indent="0" algn="l" defTabSz="457200" rtl="0" eaLnBrk="1" fontAlgn="auto" latinLnBrk="0" hangingPunct="1">
+              <a:lnSpc>
+                <a:spcPct val="100000"/>
+              </a:lnSpc>
+              <a:spcBef>
+                <a:spcPts val="0"/>
+              </a:spcBef>
+              <a:spcAft>
+                <a:spcPts val="0"/>
+              </a:spcAft>
+              <a:buClrTx/>
+              <a:buSzTx/>
+              <a:buFontTx/>
+              <a:buNone/>
+              <a:tabLst/>
+              <a:defRPr/>
+            </a:pPr>
+            <a:r>
+              <a:rPr lang="en-IN" sz="2400" noProof="0" dirty="0">
+                <a:solidFill>
+                  <a:prstClr val="white"/>
+                </a:solidFill>
+                <a:latin typeface="Cascadia Code SemiBold" pitchFamily="50" charset="0"/>
+                <a:cs typeface="Cascadia Code SemiBold" pitchFamily="50" charset="0"/>
+              </a:rPr>
+              <a:t>Shows commitment of market participants to price.</a:t>
+            </a:r>
+          </a:p>
+          <a:p>
+            <a:pPr marL="0" marR="0" lvl="0" indent="0" algn="l" defTabSz="457200" rtl="0" eaLnBrk="1" fontAlgn="auto" latinLnBrk="0" hangingPunct="1">
+              <a:lnSpc>
+                <a:spcPct val="100000"/>
+              </a:lnSpc>
+              <a:spcBef>
+                <a:spcPts val="0"/>
+              </a:spcBef>
+              <a:spcAft>
+                <a:spcPts val="0"/>
+              </a:spcAft>
+              <a:buClrTx/>
+              <a:buSzTx/>
+              <a:buFontTx/>
+              <a:buNone/>
+              <a:tabLst/>
+              <a:defRPr/>
+            </a:pPr>
+            <a:endParaRPr kumimoji="0" lang="en-IN" sz="2400" b="0" i="0" u="none" strike="noStrike" kern="1200" cap="none" spc="0" normalizeH="0" baseline="0" dirty="0">
+              <a:ln>
+                <a:noFill/>
+              </a:ln>
+              <a:solidFill>
+                <a:prstClr val="white"/>
+              </a:solidFill>
+              <a:effectLst/>
+              <a:uLnTx/>
+              <a:uFillTx/>
+              <a:latin typeface="Cascadia Code SemiBold" pitchFamily="50" charset="0"/>
+              <a:ea typeface="+mn-ea"/>
+              <a:cs typeface="Cascadia Code SemiBold" pitchFamily="50" charset="0"/>
+            </a:endParaRPr>
+          </a:p>
+          <a:p>
+            <a:pPr marL="0" marR="0" lvl="0" indent="0" algn="l" defTabSz="457200" rtl="0" eaLnBrk="1" fontAlgn="auto" latinLnBrk="0" hangingPunct="1">
+              <a:lnSpc>
+                <a:spcPct val="100000"/>
+              </a:lnSpc>
+              <a:spcBef>
+                <a:spcPts val="0"/>
+              </a:spcBef>
+              <a:spcAft>
+                <a:spcPts val="0"/>
+              </a:spcAft>
+              <a:buClrTx/>
+              <a:buSzTx/>
+              <a:buFontTx/>
+              <a:buNone/>
+              <a:tabLst/>
+              <a:defRPr/>
+            </a:pPr>
+            <a:r>
+              <a:rPr lang="en-IN" sz="2400" noProof="0" dirty="0">
+                <a:solidFill>
+                  <a:prstClr val="white"/>
+                </a:solidFill>
+                <a:latin typeface="Cascadia Code SemiBold" pitchFamily="50" charset="0"/>
+                <a:cs typeface="Cascadia Code SemiBold" pitchFamily="50" charset="0"/>
+              </a:rPr>
+              <a:t>Important for trend to sustain.</a:t>
+            </a:r>
+            <a:endParaRPr kumimoji="0" lang="en-IN" sz="2400" b="0" i="0" u="none" strike="noStrike" kern="1200" cap="none" spc="0" normalizeH="0" baseline="0" noProof="0" dirty="0">
+              <a:ln>
+                <a:noFill/>
+              </a:ln>
+              <a:solidFill>
+                <a:prstClr val="white"/>
+              </a:solidFill>
+              <a:effectLst/>
+              <a:uLnTx/>
+              <a:uFillTx/>
+              <a:latin typeface="Cascadia Code SemiBold" pitchFamily="50" charset="0"/>
+              <a:ea typeface="+mn-ea"/>
+              <a:cs typeface="Cascadia Code SemiBold" pitchFamily="50" charset="0"/>
+            </a:endParaRPr>
+          </a:p>
+        </p:txBody>
+      </p:sp>
+    </p:spTree>
+    <p:extLst>
+      <p:ext uri="{BB962C8B-B14F-4D97-AF65-F5344CB8AC3E}">
+        <p14:creationId xmlns:p14="http://schemas.microsoft.com/office/powerpoint/2010/main" val="2308682486"/>
+      </p:ext>
+    </p:extLst>
+  </p:cSld>
+  <p:clrMapOvr>
+    <a:masterClrMapping/>
+  </p:clrMapOvr>
+  <p:timing>
+    <p:tnLst>
+      <p:par>
+        <p:cTn id="1" dur="indefinite" restart="never" nodeType="tmRoot">
+          <p:childTnLst>
+            <p:seq concurrent="1" nextAc="seek">
+              <p:cTn id="2" dur="indefinite" nodeType="mainSeq">
+                <p:childTnLst>
+                  <p:par>
+                    <p:cTn id="3" fill="hold">
+                      <p:stCondLst>
+                        <p:cond delay="indefinite"/>
+                      </p:stCondLst>
+                      <p:childTnLst>
+                        <p:par>
+                          <p:cTn id="4" fill="hold">
+                            <p:stCondLst>
+                              <p:cond delay="0"/>
+                            </p:stCondLst>
+                            <p:childTnLst>
+                              <p:par>
+                                <p:cTn id="5" presetID="10" presetClass="entr" presetSubtype="0" fill="hold" grpId="0" nodeType="clickEffect">
+                                  <p:stCondLst>
+                                    <p:cond delay="0"/>
+                                  </p:stCondLst>
+                                  <p:childTnLst>
+                                    <p:set>
+                                      <p:cBhvr>
+                                        <p:cTn id="6" dur="1" fill="hold">
+                                          <p:stCondLst>
+                                            <p:cond delay="0"/>
+                                          </p:stCondLst>
+                                        </p:cTn>
+                                        <p:tgtEl>
+                                          <p:spTgt spid="5">
+                                            <p:txEl>
+                                              <p:pRg st="0" end="0"/>
+                                            </p:txEl>
+                                          </p:spTgt>
+                                        </p:tgtEl>
+                                        <p:attrNameLst>
+                                          <p:attrName>style.visibility</p:attrName>
+                                        </p:attrNameLst>
+                                      </p:cBhvr>
+                                      <p:to>
+                                        <p:strVal val="visible"/>
+                                      </p:to>
+                                    </p:set>
+                                    <p:animEffect transition="in" filter="fade">
+                                      <p:cBhvr>
+                                        <p:cTn id="7" dur="500"/>
+                                        <p:tgtEl>
+                                          <p:spTgt spid="5">
+                                            <p:txEl>
+                                              <p:pRg st="0" end="0"/>
+                                            </p:txEl>
+                                          </p:spTgt>
+                                        </p:tgtEl>
+                                      </p:cBhvr>
+                                    </p:animEffect>
+                                  </p:childTnLst>
+                                </p:cTn>
+                              </p:par>
+                            </p:childTnLst>
+                          </p:cTn>
+                        </p:par>
+                      </p:childTnLst>
+                    </p:cTn>
+                  </p:par>
+                  <p:par>
+                    <p:cTn id="8" fill="hold">
+                      <p:stCondLst>
+                        <p:cond delay="indefinite"/>
+                      </p:stCondLst>
+                      <p:childTnLst>
+                        <p:par>
+                          <p:cTn id="9" fill="hold">
+                            <p:stCondLst>
+                              <p:cond delay="0"/>
+                            </p:stCondLst>
+                            <p:childTnLst>
+                              <p:par>
+                                <p:cTn id="10" presetID="10" presetClass="entr" presetSubtype="0" fill="hold" grpId="0" nodeType="clickEffect">
+                                  <p:stCondLst>
+                                    <p:cond delay="0"/>
+                                  </p:stCondLst>
+                                  <p:childTnLst>
+                                    <p:set>
+                                      <p:cBhvr>
+                                        <p:cTn id="11" dur="1" fill="hold">
+                                          <p:stCondLst>
+                                            <p:cond delay="0"/>
+                                          </p:stCondLst>
+                                        </p:cTn>
+                                        <p:tgtEl>
+                                          <p:spTgt spid="5">
+                                            <p:txEl>
+                                              <p:pRg st="2" end="2"/>
+                                            </p:txEl>
+                                          </p:spTgt>
+                                        </p:tgtEl>
+                                        <p:attrNameLst>
+                                          <p:attrName>style.visibility</p:attrName>
+                                        </p:attrNameLst>
+                                      </p:cBhvr>
+                                      <p:to>
+                                        <p:strVal val="visible"/>
+                                      </p:to>
+                                    </p:set>
+                                    <p:animEffect transition="in" filter="fade">
+                                      <p:cBhvr>
+                                        <p:cTn id="12" dur="500"/>
+                                        <p:tgtEl>
+                                          <p:spTgt spid="5">
+                                            <p:txEl>
+                                              <p:pRg st="2" end="2"/>
+                                            </p:txEl>
+                                          </p:spTgt>
+                                        </p:tgtEl>
+                                      </p:cBhvr>
+                                    </p:animEffect>
+                                  </p:childTnLst>
+                                </p:cTn>
+                              </p:par>
+                            </p:childTnLst>
+                          </p:cTn>
+                        </p:par>
+                      </p:childTnLst>
+                    </p:cTn>
+                  </p:par>
+                  <p:par>
+                    <p:cTn id="13" fill="hold">
+                      <p:stCondLst>
+                        <p:cond delay="indefinite"/>
+                      </p:stCondLst>
+                      <p:childTnLst>
+                        <p:par>
+                          <p:cTn id="14" fill="hold">
+                            <p:stCondLst>
+                              <p:cond delay="0"/>
+                            </p:stCondLst>
+                            <p:childTnLst>
+                              <p:par>
+                                <p:cTn id="15" presetID="10" presetClass="entr" presetSubtype="0" fill="hold" grpId="0" nodeType="clickEffect">
+                                  <p:stCondLst>
+                                    <p:cond delay="0"/>
+                                  </p:stCondLst>
+                                  <p:childTnLst>
+                                    <p:set>
+                                      <p:cBhvr>
+                                        <p:cTn id="16" dur="1" fill="hold">
+                                          <p:stCondLst>
+                                            <p:cond delay="0"/>
+                                          </p:stCondLst>
+                                        </p:cTn>
+                                        <p:tgtEl>
+                                          <p:spTgt spid="5">
+                                            <p:txEl>
+                                              <p:pRg st="4" end="4"/>
+                                            </p:txEl>
+                                          </p:spTgt>
+                                        </p:tgtEl>
+                                        <p:attrNameLst>
+                                          <p:attrName>style.visibility</p:attrName>
+                                        </p:attrNameLst>
+                                      </p:cBhvr>
+                                      <p:to>
+                                        <p:strVal val="visible"/>
+                                      </p:to>
+                                    </p:set>
+                                    <p:animEffect transition="in" filter="fade">
+                                      <p:cBhvr>
+                                        <p:cTn id="17" dur="500"/>
+                                        <p:tgtEl>
+                                          <p:spTgt spid="5">
+                                            <p:txEl>
+                                              <p:pRg st="4" end="4"/>
+                                            </p:txEl>
+                                          </p:spTgt>
+                                        </p:tgtEl>
+                                      </p:cBhvr>
+                                    </p:animEffect>
+                                  </p:childTnLst>
+                                </p:cTn>
+                              </p:par>
+                            </p:childTnLst>
+                          </p:cTn>
+                        </p:par>
+                      </p:childTnLst>
+                    </p:cTn>
+                  </p:par>
+                </p:childTnLst>
+              </p:cTn>
+              <p:prevCondLst>
+                <p:cond evt="onPrev" delay="0">
+                  <p:tgtEl>
+                    <p:sldTgt/>
+                  </p:tgtEl>
+                </p:cond>
+              </p:prevCondLst>
+              <p:nextCondLst>
+                <p:cond evt="onNext" delay="0">
+                  <p:tgtEl>
+                    <p:sldTgt/>
+                  </p:tgtEl>
+                </p:cond>
+              </p:nextCondLst>
+            </p:seq>
+          </p:childTnLst>
+        </p:cTn>
+      </p:par>
+    </p:tnLst>
+    <p:bldLst>
+      <p:bldP spid="5" grpId="0" build="p"/>
+    </p:bldLst>
+  </p:timing>
+</p:sld>
+</file>
+
+<file path=ppt/slides/slide11.xml><?xml version="1.0" encoding="utf-8"?>
+<p:sld xmlns:a="http://schemas.openxmlformats.org/drawingml/2006/main" xmlns:r="http://schemas.openxmlformats.org/officeDocument/2006/relationships" xmlns:p="http://schemas.openxmlformats.org/presentationml/2006/main">
+  <p:cSld>
+    <p:bg>
+      <p:bgPr>
+        <a:blipFill dpi="0" rotWithShape="1">
+          <a:blip r:embed="rId2">
+            <a:lum/>
+          </a:blip>
+          <a:srcRect/>
+          <a:stretch>
+            <a:fillRect/>
+          </a:stretch>
+        </a:blipFill>
+        <a:effectLst/>
+      </p:bgPr>
+    </p:bg>
+    <p:spTree>
+      <p:nvGrpSpPr>
+        <p:cNvPr id="1" name=""/>
+        <p:cNvGrpSpPr/>
+        <p:nvPr/>
+      </p:nvGrpSpPr>
+      <p:grpSpPr>
+        <a:xfrm>
+          <a:off x="0" y="0"/>
+          <a:ext cx="0" cy="0"/>
+          <a:chOff x="0" y="0"/>
+          <a:chExt cx="0" cy="0"/>
+        </a:xfrm>
+      </p:grpSpPr>
+    </p:spTree>
+    <p:extLst>
+      <p:ext uri="{BB962C8B-B14F-4D97-AF65-F5344CB8AC3E}">
+        <p14:creationId xmlns:p14="http://schemas.microsoft.com/office/powerpoint/2010/main" val="2168006916"/>
+      </p:ext>
+    </p:extLst>
+  </p:cSld>
+  <p:clrMapOvr>
+    <a:masterClrMapping/>
+  </p:clrMapOvr>
+</p:sld>
+</file>
+
+<file path=ppt/slides/slide12.xml><?xml version="1.0" encoding="utf-8"?>
+<p:sld xmlns:a="http://schemas.openxmlformats.org/drawingml/2006/main" xmlns:r="http://schemas.openxmlformats.org/officeDocument/2006/relationships" xmlns:p="http://schemas.openxmlformats.org/presentationml/2006/main">
+  <p:cSld>
+    <p:bg>
+      <p:bgPr>
+        <a:blipFill dpi="0" rotWithShape="1">
+          <a:blip r:embed="rId2">
+            <a:lum/>
+          </a:blip>
+          <a:srcRect/>
+          <a:stretch>
+            <a:fillRect/>
+          </a:stretch>
+        </a:blipFill>
+        <a:effectLst/>
+      </p:bgPr>
+    </p:bg>
+    <p:spTree>
+      <p:nvGrpSpPr>
+        <p:cNvPr id="1" name=""/>
+        <p:cNvGrpSpPr/>
+        <p:nvPr/>
+      </p:nvGrpSpPr>
+      <p:grpSpPr>
+        <a:xfrm>
+          <a:off x="0" y="0"/>
+          <a:ext cx="0" cy="0"/>
+          <a:chOff x="0" y="0"/>
+          <a:chExt cx="0" cy="0"/>
+        </a:xfrm>
+      </p:grpSpPr>
+    </p:spTree>
+    <p:extLst>
+      <p:ext uri="{BB962C8B-B14F-4D97-AF65-F5344CB8AC3E}">
+        <p14:creationId xmlns:p14="http://schemas.microsoft.com/office/powerpoint/2010/main" val="4217141750"/>
+      </p:ext>
+    </p:extLst>
+  </p:cSld>
+  <p:clrMapOvr>
+    <a:masterClrMapping/>
+  </p:clrMapOvr>
+</p:sld>
+</file>
+
+<file path=ppt/slides/slide13.xml><?xml version="1.0" encoding="utf-8"?>
+<p:sld xmlns:a="http://schemas.openxmlformats.org/drawingml/2006/main" xmlns:r="http://schemas.openxmlformats.org/officeDocument/2006/relationships" xmlns:p="http://schemas.openxmlformats.org/presentationml/2006/main">
+  <p:cSld>
+    <p:bg>
+      <p:bgPr>
+        <a:blipFill dpi="0" rotWithShape="1">
+          <a:blip r:embed="rId2">
+            <a:lum/>
+          </a:blip>
+          <a:srcRect/>
+          <a:stretch>
+            <a:fillRect/>
+          </a:stretch>
+        </a:blipFill>
+        <a:effectLst/>
+      </p:bgPr>
+    </p:bg>
+    <p:spTree>
+      <p:nvGrpSpPr>
+        <p:cNvPr id="1" name=""/>
+        <p:cNvGrpSpPr/>
+        <p:nvPr/>
+      </p:nvGrpSpPr>
+      <p:grpSpPr>
+        <a:xfrm>
+          <a:off x="0" y="0"/>
+          <a:ext cx="0" cy="0"/>
+          <a:chOff x="0" y="0"/>
+          <a:chExt cx="0" cy="0"/>
+        </a:xfrm>
+      </p:grpSpPr>
+    </p:spTree>
+    <p:extLst>
+      <p:ext uri="{BB962C8B-B14F-4D97-AF65-F5344CB8AC3E}">
+        <p14:creationId xmlns:p14="http://schemas.microsoft.com/office/powerpoint/2010/main" val="2486133759"/>
+      </p:ext>
+    </p:extLst>
+  </p:cSld>
+  <p:clrMapOvr>
+    <a:masterClrMapping/>
+  </p:clrMapOvr>
+</p:sld>
+</file>
+
+<file path=ppt/slides/slide14.xml><?xml version="1.0" encoding="utf-8"?>
+<p:sld xmlns:a="http://schemas.openxmlformats.org/drawingml/2006/main" xmlns:r="http://schemas.openxmlformats.org/officeDocument/2006/relationships" xmlns:p="http://schemas.openxmlformats.org/presentationml/2006/main">
+  <p:cSld>
+    <p:bg>
+      <p:bgPr>
+        <a:solidFill>
+          <a:srgbClr val="4A206A"/>
+        </a:solidFill>
+        <a:effectLst/>
+      </p:bgPr>
+    </p:bg>
+    <p:spTree>
+      <p:nvGrpSpPr>
+        <p:cNvPr id="1" name=""/>
+        <p:cNvGrpSpPr/>
+        <p:nvPr/>
+      </p:nvGrpSpPr>
+      <p:grpSpPr>
+        <a:xfrm>
+          <a:off x="0" y="0"/>
+          <a:ext cx="0" cy="0"/>
+          <a:chOff x="0" y="0"/>
+          <a:chExt cx="0" cy="0"/>
+        </a:xfrm>
+      </p:grpSpPr>
+      <p:sp>
+        <p:nvSpPr>
+          <p:cNvPr id="3" name="TextBox 2">
+            <a:extLst>
+              <a:ext uri="{FF2B5EF4-FFF2-40B4-BE49-F238E27FC236}">
+                <a16:creationId xmlns:a16="http://schemas.microsoft.com/office/drawing/2014/main" id="{3FCF3979-E4B3-0634-4C0B-AB862892E9BF}"/>
+              </a:ext>
+            </a:extLst>
+          </p:cNvPr>
+          <p:cNvSpPr txBox="1"/>
+          <p:nvPr/>
+        </p:nvSpPr>
+        <p:spPr>
+          <a:xfrm>
+            <a:off x="478295" y="471805"/>
+            <a:ext cx="6905731" cy="707886"/>
+          </a:xfrm>
+          <a:prstGeom prst="rect">
+            <a:avLst/>
+          </a:prstGeom>
+          <a:noFill/>
+        </p:spPr>
+        <p:txBody>
+          <a:bodyPr wrap="square" rtlCol="0">
+            <a:spAutoFit/>
+          </a:bodyPr>
+          <a:lstStyle/>
+          <a:p>
+            <a:pPr marL="0" marR="0" lvl="0" indent="0" algn="l" defTabSz="914400" rtl="0" eaLnBrk="1" fontAlgn="auto" latinLnBrk="0" hangingPunct="1">
+              <a:lnSpc>
+                <a:spcPct val="100000"/>
+              </a:lnSpc>
+              <a:spcBef>
+                <a:spcPts val="0"/>
+              </a:spcBef>
+              <a:spcAft>
+                <a:spcPts val="0"/>
+              </a:spcAft>
+              <a:buClrTx/>
+              <a:buSzTx/>
+              <a:buFontTx/>
+              <a:buNone/>
+              <a:tabLst/>
+              <a:defRPr/>
+            </a:pPr>
+            <a:r>
+              <a:rPr lang="en-IN" sz="4000" dirty="0">
+                <a:solidFill>
+                  <a:srgbClr val="F4F4F2"/>
+                </a:solidFill>
+                <a:latin typeface="Amasis MT Pro Black" panose="02040A04050005020304" pitchFamily="18" charset="0"/>
+              </a:rPr>
+              <a:t>Breakout</a:t>
+            </a:r>
+            <a:r>
+              <a:rPr kumimoji="0" lang="en-IN" sz="4000" b="0" i="0" u="none" strike="noStrike" kern="1200" cap="none" spc="0" normalizeH="0" baseline="0" noProof="0" dirty="0">
+                <a:ln>
+                  <a:noFill/>
+                </a:ln>
+                <a:solidFill>
+                  <a:srgbClr val="F4F4F2"/>
+                </a:solidFill>
+                <a:effectLst/>
+                <a:uLnTx/>
+                <a:uFillTx/>
+                <a:latin typeface="Amasis MT Pro Black" panose="02040A04050005020304" pitchFamily="18" charset="0"/>
+                <a:ea typeface="+mn-ea"/>
+                <a:cs typeface="+mn-cs"/>
+              </a:rPr>
+              <a:t>:</a:t>
+            </a:r>
+          </a:p>
+        </p:txBody>
+      </p:sp>
+      <p:sp>
+        <p:nvSpPr>
+          <p:cNvPr id="5" name="TextBox 4">
+            <a:extLst>
+              <a:ext uri="{FF2B5EF4-FFF2-40B4-BE49-F238E27FC236}">
+                <a16:creationId xmlns:a16="http://schemas.microsoft.com/office/drawing/2014/main" id="{4CE4714F-5B28-DDDA-2E6D-2AD9A4F1FC7E}"/>
+              </a:ext>
+            </a:extLst>
+          </p:cNvPr>
+          <p:cNvSpPr txBox="1"/>
+          <p:nvPr/>
+        </p:nvSpPr>
+        <p:spPr>
+          <a:xfrm>
+            <a:off x="478295" y="1304663"/>
+            <a:ext cx="7735502" cy="1569660"/>
+          </a:xfrm>
+          <a:prstGeom prst="rect">
+            <a:avLst/>
+          </a:prstGeom>
+          <a:noFill/>
+        </p:spPr>
+        <p:txBody>
+          <a:bodyPr wrap="square" rtlCol="0">
+            <a:spAutoFit/>
+          </a:bodyPr>
+          <a:lstStyle/>
+          <a:p>
+            <a:pPr marL="0" marR="0" lvl="0" indent="0" algn="l" defTabSz="457200" rtl="0" eaLnBrk="1" fontAlgn="auto" latinLnBrk="0" hangingPunct="1">
+              <a:lnSpc>
+                <a:spcPct val="100000"/>
+              </a:lnSpc>
+              <a:spcBef>
+                <a:spcPts val="0"/>
+              </a:spcBef>
+              <a:spcAft>
+                <a:spcPts val="0"/>
+              </a:spcAft>
+              <a:buClrTx/>
+              <a:buSzTx/>
+              <a:buFontTx/>
+              <a:buNone/>
+              <a:tabLst/>
+              <a:defRPr/>
+            </a:pPr>
+            <a:r>
+              <a:rPr kumimoji="0" lang="en-IN" sz="2400" b="0" i="0" u="none" strike="noStrike" kern="1200" cap="none" spc="0" normalizeH="0" baseline="0" noProof="0" dirty="0">
+                <a:ln>
+                  <a:noFill/>
+                </a:ln>
+                <a:solidFill>
+                  <a:prstClr val="white"/>
+                </a:solidFill>
+                <a:effectLst/>
+                <a:uLnTx/>
+                <a:uFillTx/>
+                <a:latin typeface="Cascadia Code SemiBold" pitchFamily="50" charset="0"/>
+                <a:ea typeface="+mn-ea"/>
+                <a:cs typeface="Cascadia Code SemiBold" pitchFamily="50" charset="0"/>
+              </a:rPr>
+              <a:t>When trendline,</a:t>
+            </a:r>
+            <a:r>
+              <a:rPr kumimoji="0" lang="en-IN" sz="2400" b="0" i="0" u="none" strike="noStrike" kern="1200" cap="none" spc="0" normalizeH="0" noProof="0" dirty="0">
+                <a:ln>
+                  <a:noFill/>
+                </a:ln>
+                <a:solidFill>
+                  <a:prstClr val="white"/>
+                </a:solidFill>
+                <a:effectLst/>
+                <a:uLnTx/>
+                <a:uFillTx/>
+                <a:latin typeface="Cascadia Code SemiBold" pitchFamily="50" charset="0"/>
+                <a:ea typeface="+mn-ea"/>
+                <a:cs typeface="Cascadia Code SemiBold" pitchFamily="50" charset="0"/>
+              </a:rPr>
+              <a:t> support or resistance is breached after pric</a:t>
+            </a:r>
+            <a:r>
+              <a:rPr lang="en-IN" sz="2400" noProof="0" dirty="0">
+                <a:solidFill>
+                  <a:prstClr val="white"/>
+                </a:solidFill>
+                <a:latin typeface="Cascadia Code SemiBold" pitchFamily="50" charset="0"/>
+                <a:cs typeface="Cascadia Code SemiBold" pitchFamily="50" charset="0"/>
+              </a:rPr>
+              <a:t>e consolidation</a:t>
+            </a:r>
+            <a:endParaRPr kumimoji="0" lang="en-IN" sz="2400" b="0" i="0" u="none" strike="noStrike" kern="1200" cap="none" spc="0" normalizeH="0" noProof="0" dirty="0">
+              <a:ln>
+                <a:noFill/>
+              </a:ln>
+              <a:solidFill>
+                <a:prstClr val="white"/>
+              </a:solidFill>
+              <a:effectLst/>
+              <a:uLnTx/>
+              <a:uFillTx/>
+              <a:latin typeface="Cascadia Code SemiBold" pitchFamily="50" charset="0"/>
+              <a:ea typeface="+mn-ea"/>
+              <a:cs typeface="Cascadia Code SemiBold" pitchFamily="50" charset="0"/>
+            </a:endParaRPr>
+          </a:p>
+          <a:p>
+            <a:pPr marL="0" marR="0" lvl="0" indent="0" algn="l" defTabSz="457200" rtl="0" eaLnBrk="1" fontAlgn="auto" latinLnBrk="0" hangingPunct="1">
+              <a:lnSpc>
+                <a:spcPct val="100000"/>
+              </a:lnSpc>
+              <a:spcBef>
+                <a:spcPts val="0"/>
+              </a:spcBef>
+              <a:spcAft>
+                <a:spcPts val="0"/>
+              </a:spcAft>
+              <a:buClrTx/>
+              <a:buSzTx/>
+              <a:buFontTx/>
+              <a:buNone/>
+              <a:tabLst/>
+              <a:defRPr/>
+            </a:pPr>
+            <a:endParaRPr lang="en-IN" sz="2400" baseline="0" dirty="0">
+              <a:solidFill>
+                <a:prstClr val="white"/>
+              </a:solidFill>
+              <a:latin typeface="Cascadia Code SemiBold" pitchFamily="50" charset="0"/>
+              <a:cs typeface="Cascadia Code SemiBold" pitchFamily="50" charset="0"/>
+            </a:endParaRPr>
+          </a:p>
+          <a:p>
+            <a:pPr marL="0" marR="0" lvl="0" indent="0" algn="l" defTabSz="457200" rtl="0" eaLnBrk="1" fontAlgn="auto" latinLnBrk="0" hangingPunct="1">
+              <a:lnSpc>
+                <a:spcPct val="100000"/>
+              </a:lnSpc>
+              <a:spcBef>
+                <a:spcPts val="0"/>
+              </a:spcBef>
+              <a:spcAft>
+                <a:spcPts val="0"/>
+              </a:spcAft>
+              <a:buClrTx/>
+              <a:buSzTx/>
+              <a:buFontTx/>
+              <a:buNone/>
+              <a:tabLst/>
+              <a:defRPr/>
+            </a:pPr>
+            <a:r>
+              <a:rPr kumimoji="0" lang="en-IN" sz="2400" b="0" i="0" u="none" strike="noStrike" kern="1200" cap="none" spc="0" normalizeH="0" noProof="0" dirty="0">
+                <a:ln>
+                  <a:noFill/>
+                </a:ln>
+                <a:solidFill>
+                  <a:prstClr val="white"/>
+                </a:solidFill>
+                <a:effectLst/>
+                <a:uLnTx/>
+                <a:uFillTx/>
+                <a:latin typeface="Cascadia Code SemiBold" pitchFamily="50" charset="0"/>
+                <a:ea typeface="+mn-ea"/>
+                <a:cs typeface="Cascadia Code SemiBold" pitchFamily="50" charset="0"/>
+              </a:rPr>
+              <a:t>Breakout with volume is preferred.</a:t>
+            </a:r>
+            <a:endParaRPr kumimoji="0" lang="en-IN" sz="2400" b="0" i="0" u="none" strike="noStrike" kern="1200" cap="none" spc="0" normalizeH="0" baseline="0" noProof="0" dirty="0">
+              <a:ln>
+                <a:noFill/>
+              </a:ln>
+              <a:solidFill>
+                <a:prstClr val="white"/>
+              </a:solidFill>
+              <a:effectLst/>
+              <a:uLnTx/>
+              <a:uFillTx/>
+              <a:latin typeface="Cascadia Code SemiBold" pitchFamily="50" charset="0"/>
+              <a:ea typeface="+mn-ea"/>
+              <a:cs typeface="Cascadia Code SemiBold" pitchFamily="50" charset="0"/>
+            </a:endParaRPr>
+          </a:p>
+        </p:txBody>
+      </p:sp>
+    </p:spTree>
+    <p:extLst>
+      <p:ext uri="{BB962C8B-B14F-4D97-AF65-F5344CB8AC3E}">
+        <p14:creationId xmlns:p14="http://schemas.microsoft.com/office/powerpoint/2010/main" val="1469706517"/>
+      </p:ext>
+    </p:extLst>
+  </p:cSld>
+  <p:clrMapOvr>
+    <a:masterClrMapping/>
+  </p:clrMapOvr>
+  <p:timing>
+    <p:tnLst>
+      <p:par>
+        <p:cTn id="1" dur="indefinite" restart="never" nodeType="tmRoot">
+          <p:childTnLst>
+            <p:seq concurrent="1" nextAc="seek">
+              <p:cTn id="2" dur="indefinite" nodeType="mainSeq">
+                <p:childTnLst>
+                  <p:par>
+                    <p:cTn id="3" fill="hold">
+                      <p:stCondLst>
+                        <p:cond delay="indefinite"/>
+                      </p:stCondLst>
+                      <p:childTnLst>
+                        <p:par>
+                          <p:cTn id="4" fill="hold">
+                            <p:stCondLst>
+                              <p:cond delay="0"/>
+                            </p:stCondLst>
+                            <p:childTnLst>
+                              <p:par>
+                                <p:cTn id="5" presetID="10" presetClass="entr" presetSubtype="0" fill="hold" grpId="0" nodeType="clickEffect">
+                                  <p:stCondLst>
+                                    <p:cond delay="0"/>
+                                  </p:stCondLst>
+                                  <p:childTnLst>
+                                    <p:set>
+                                      <p:cBhvr>
+                                        <p:cTn id="6" dur="1" fill="hold">
+                                          <p:stCondLst>
+                                            <p:cond delay="0"/>
+                                          </p:stCondLst>
+                                        </p:cTn>
+                                        <p:tgtEl>
+                                          <p:spTgt spid="5">
+                                            <p:txEl>
+                                              <p:pRg st="0" end="0"/>
+                                            </p:txEl>
+                                          </p:spTgt>
+                                        </p:tgtEl>
+                                        <p:attrNameLst>
+                                          <p:attrName>style.visibility</p:attrName>
+                                        </p:attrNameLst>
+                                      </p:cBhvr>
+                                      <p:to>
+                                        <p:strVal val="visible"/>
+                                      </p:to>
+                                    </p:set>
+                                    <p:animEffect transition="in" filter="fade">
+                                      <p:cBhvr>
+                                        <p:cTn id="7" dur="500"/>
+                                        <p:tgtEl>
+                                          <p:spTgt spid="5">
+                                            <p:txEl>
+                                              <p:pRg st="0" end="0"/>
+                                            </p:txEl>
+                                          </p:spTgt>
+                                        </p:tgtEl>
+                                      </p:cBhvr>
+                                    </p:animEffect>
+                                  </p:childTnLst>
+                                </p:cTn>
+                              </p:par>
+                            </p:childTnLst>
+                          </p:cTn>
+                        </p:par>
+                      </p:childTnLst>
+                    </p:cTn>
+                  </p:par>
+                  <p:par>
+                    <p:cTn id="8" fill="hold">
+                      <p:stCondLst>
+                        <p:cond delay="indefinite"/>
+                      </p:stCondLst>
+                      <p:childTnLst>
+                        <p:par>
+                          <p:cTn id="9" fill="hold">
+                            <p:stCondLst>
+                              <p:cond delay="0"/>
+                            </p:stCondLst>
+                            <p:childTnLst>
+                              <p:par>
+                                <p:cTn id="10" presetID="10" presetClass="entr" presetSubtype="0" fill="hold" grpId="0" nodeType="clickEffect">
+                                  <p:stCondLst>
+                                    <p:cond delay="0"/>
+                                  </p:stCondLst>
+                                  <p:childTnLst>
+                                    <p:set>
+                                      <p:cBhvr>
+                                        <p:cTn id="11" dur="1" fill="hold">
+                                          <p:stCondLst>
+                                            <p:cond delay="0"/>
+                                          </p:stCondLst>
+                                        </p:cTn>
+                                        <p:tgtEl>
+                                          <p:spTgt spid="5">
+                                            <p:txEl>
+                                              <p:pRg st="2" end="2"/>
+                                            </p:txEl>
+                                          </p:spTgt>
+                                        </p:tgtEl>
+                                        <p:attrNameLst>
+                                          <p:attrName>style.visibility</p:attrName>
+                                        </p:attrNameLst>
+                                      </p:cBhvr>
+                                      <p:to>
+                                        <p:strVal val="visible"/>
+                                      </p:to>
+                                    </p:set>
+                                    <p:animEffect transition="in" filter="fade">
+                                      <p:cBhvr>
+                                        <p:cTn id="12" dur="500"/>
+                                        <p:tgtEl>
+                                          <p:spTgt spid="5">
+                                            <p:txEl>
+                                              <p:pRg st="2" end="2"/>
+                                            </p:txEl>
+                                          </p:spTgt>
+                                        </p:tgtEl>
+                                      </p:cBhvr>
+                                    </p:animEffect>
+                                  </p:childTnLst>
+                                </p:cTn>
+                              </p:par>
+                            </p:childTnLst>
+                          </p:cTn>
+                        </p:par>
+                      </p:childTnLst>
+                    </p:cTn>
+                  </p:par>
+                </p:childTnLst>
+              </p:cTn>
+              <p:prevCondLst>
+                <p:cond evt="onPrev" delay="0">
+                  <p:tgtEl>
+                    <p:sldTgt/>
+                  </p:tgtEl>
+                </p:cond>
+              </p:prevCondLst>
+              <p:nextCondLst>
+                <p:cond evt="onNext" delay="0">
+                  <p:tgtEl>
+                    <p:sldTgt/>
+                  </p:tgtEl>
+                </p:cond>
+              </p:nextCondLst>
+            </p:seq>
+          </p:childTnLst>
+        </p:cTn>
+      </p:par>
+    </p:tnLst>
+    <p:bldLst>
+      <p:bldP spid="5" grpId="0" build="p"/>
+    </p:bldLst>
+  </p:timing>
+</p:sld>
+</file>
+
+<file path=ppt/slides/slide15.xml><?xml version="1.0" encoding="utf-8"?>
+<p:sld xmlns:a="http://schemas.openxmlformats.org/drawingml/2006/main" xmlns:r="http://schemas.openxmlformats.org/officeDocument/2006/relationships" xmlns:p="http://schemas.openxmlformats.org/presentationml/2006/main">
+  <p:cSld>
+    <p:bg>
+      <p:bgPr>
+        <a:solidFill>
+          <a:srgbClr val="4A206A"/>
+        </a:solidFill>
+        <a:effectLst/>
+      </p:bgPr>
+    </p:bg>
+    <p:spTree>
+      <p:nvGrpSpPr>
+        <p:cNvPr id="1" name=""/>
+        <p:cNvGrpSpPr/>
+        <p:nvPr/>
+      </p:nvGrpSpPr>
+      <p:grpSpPr>
+        <a:xfrm>
+          <a:off x="0" y="0"/>
+          <a:ext cx="0" cy="0"/>
+          <a:chOff x="0" y="0"/>
+          <a:chExt cx="0" cy="0"/>
+        </a:xfrm>
+      </p:grpSpPr>
+      <p:sp>
+        <p:nvSpPr>
+          <p:cNvPr id="3" name="TextBox 2">
+            <a:extLst>
+              <a:ext uri="{FF2B5EF4-FFF2-40B4-BE49-F238E27FC236}">
+                <a16:creationId xmlns:a16="http://schemas.microsoft.com/office/drawing/2014/main" id="{3FCF3979-E4B3-0634-4C0B-AB862892E9BF}"/>
+              </a:ext>
+            </a:extLst>
+          </p:cNvPr>
+          <p:cNvSpPr txBox="1"/>
+          <p:nvPr/>
+        </p:nvSpPr>
+        <p:spPr>
+          <a:xfrm>
+            <a:off x="478295" y="471805"/>
+            <a:ext cx="6905731" cy="707886"/>
+          </a:xfrm>
+          <a:prstGeom prst="rect">
+            <a:avLst/>
+          </a:prstGeom>
+          <a:noFill/>
+        </p:spPr>
+        <p:txBody>
+          <a:bodyPr wrap="square" rtlCol="0">
+            <a:spAutoFit/>
+          </a:bodyPr>
+          <a:lstStyle/>
+          <a:p>
+            <a:pPr marL="0" marR="0" lvl="0" indent="0" algn="l" defTabSz="914400" rtl="0" eaLnBrk="1" fontAlgn="auto" latinLnBrk="0" hangingPunct="1">
+              <a:lnSpc>
+                <a:spcPct val="100000"/>
+              </a:lnSpc>
+              <a:spcBef>
+                <a:spcPts val="0"/>
+              </a:spcBef>
+              <a:spcAft>
+                <a:spcPts val="0"/>
+              </a:spcAft>
+              <a:buClrTx/>
+              <a:buSzTx/>
+              <a:buFontTx/>
+              <a:buNone/>
+              <a:tabLst/>
+              <a:defRPr/>
+            </a:pPr>
+            <a:r>
+              <a:rPr kumimoji="0" lang="en-IN" sz="4000" b="0" i="0" u="none" strike="noStrike" kern="1200" cap="none" spc="0" normalizeH="0" baseline="0" noProof="0" dirty="0">
+                <a:ln>
+                  <a:noFill/>
+                </a:ln>
+                <a:solidFill>
+                  <a:srgbClr val="F4F4F2"/>
+                </a:solidFill>
+                <a:effectLst/>
+                <a:uLnTx/>
+                <a:uFillTx/>
+                <a:latin typeface="Amasis MT Pro Black" panose="02040A04050005020304" pitchFamily="18" charset="0"/>
+                <a:ea typeface="+mn-ea"/>
+                <a:cs typeface="+mn-cs"/>
+              </a:rPr>
+              <a:t>Moving Average:</a:t>
+            </a:r>
+          </a:p>
+        </p:txBody>
+      </p:sp>
+      <p:sp>
+        <p:nvSpPr>
+          <p:cNvPr id="5" name="TextBox 4">
+            <a:extLst>
+              <a:ext uri="{FF2B5EF4-FFF2-40B4-BE49-F238E27FC236}">
+                <a16:creationId xmlns:a16="http://schemas.microsoft.com/office/drawing/2014/main" id="{4CE4714F-5B28-DDDA-2E6D-2AD9A4F1FC7E}"/>
+              </a:ext>
+            </a:extLst>
+          </p:cNvPr>
+          <p:cNvSpPr txBox="1"/>
+          <p:nvPr/>
+        </p:nvSpPr>
+        <p:spPr>
+          <a:xfrm>
+            <a:off x="478295" y="1304663"/>
+            <a:ext cx="7735502" cy="830997"/>
+          </a:xfrm>
+          <a:prstGeom prst="rect">
+            <a:avLst/>
+          </a:prstGeom>
+          <a:noFill/>
+        </p:spPr>
+        <p:txBody>
+          <a:bodyPr wrap="square" rtlCol="0">
+            <a:spAutoFit/>
+          </a:bodyPr>
+          <a:lstStyle/>
+          <a:p>
+            <a:pPr marL="0" marR="0" lvl="0" indent="0" algn="l" defTabSz="457200" rtl="0" eaLnBrk="1" fontAlgn="auto" latinLnBrk="0" hangingPunct="1">
+              <a:lnSpc>
+                <a:spcPct val="100000"/>
+              </a:lnSpc>
+              <a:spcBef>
+                <a:spcPts val="0"/>
+              </a:spcBef>
+              <a:spcAft>
+                <a:spcPts val="0"/>
+              </a:spcAft>
+              <a:buClrTx/>
+              <a:buSzTx/>
+              <a:buFontTx/>
+              <a:buNone/>
+              <a:tabLst/>
+              <a:defRPr/>
+            </a:pPr>
+            <a:r>
+              <a:rPr kumimoji="0" lang="en-IN" sz="2400" b="0" i="0" u="none" strike="noStrike" kern="1200" cap="none" spc="0" normalizeH="0" baseline="0" noProof="0" dirty="0">
+                <a:ln>
+                  <a:noFill/>
+                </a:ln>
+                <a:solidFill>
+                  <a:prstClr val="white"/>
+                </a:solidFill>
+                <a:effectLst/>
+                <a:uLnTx/>
+                <a:uFillTx/>
+                <a:latin typeface="Cascadia Code SemiBold" pitchFamily="50" charset="0"/>
+                <a:ea typeface="+mn-ea"/>
+                <a:cs typeface="Cascadia Code SemiBold" pitchFamily="50" charset="0"/>
+              </a:rPr>
+              <a:t>Moving</a:t>
+            </a:r>
+            <a:r>
+              <a:rPr kumimoji="0" lang="en-IN" sz="2400" b="0" i="0" u="none" strike="noStrike" kern="1200" cap="none" spc="0" normalizeH="0" noProof="0" dirty="0">
+                <a:ln>
+                  <a:noFill/>
+                </a:ln>
+                <a:solidFill>
+                  <a:prstClr val="white"/>
+                </a:solidFill>
+                <a:effectLst/>
+                <a:uLnTx/>
+                <a:uFillTx/>
+                <a:latin typeface="Cascadia Code SemiBold" pitchFamily="50" charset="0"/>
+                <a:ea typeface="+mn-ea"/>
+                <a:cs typeface="Cascadia Code SemiBold" pitchFamily="50" charset="0"/>
+              </a:rPr>
+              <a:t> Average is a line passing through average price of a stock.</a:t>
+            </a:r>
+            <a:endParaRPr kumimoji="0" lang="en-IN" sz="2400" b="0" i="0" u="none" strike="noStrike" kern="1200" cap="none" spc="0" normalizeH="0" baseline="0" noProof="0" dirty="0">
+              <a:ln>
+                <a:noFill/>
+              </a:ln>
+              <a:solidFill>
+                <a:prstClr val="white"/>
+              </a:solidFill>
+              <a:effectLst/>
+              <a:uLnTx/>
+              <a:uFillTx/>
+              <a:latin typeface="Cascadia Code SemiBold" pitchFamily="50" charset="0"/>
+              <a:ea typeface="+mn-ea"/>
+              <a:cs typeface="Cascadia Code SemiBold" pitchFamily="50" charset="0"/>
+            </a:endParaRPr>
+          </a:p>
+        </p:txBody>
+      </p:sp>
+    </p:spTree>
+    <p:extLst>
+      <p:ext uri="{BB962C8B-B14F-4D97-AF65-F5344CB8AC3E}">
+        <p14:creationId xmlns:p14="http://schemas.microsoft.com/office/powerpoint/2010/main" val="3091185476"/>
+      </p:ext>
+    </p:extLst>
+  </p:cSld>
+  <p:clrMapOvr>
+    <a:masterClrMapping/>
+  </p:clrMapOvr>
+  <p:timing>
+    <p:tnLst>
+      <p:par>
+        <p:cTn id="1" dur="indefinite" restart="never" nodeType="tmRoot">
+          <p:childTnLst>
+            <p:seq concurrent="1" nextAc="seek">
+              <p:cTn id="2" dur="indefinite" nodeType="mainSeq">
+                <p:childTnLst>
+                  <p:par>
+                    <p:cTn id="3" fill="hold">
+                      <p:stCondLst>
+                        <p:cond delay="indefinite"/>
+                      </p:stCondLst>
+                      <p:childTnLst>
+                        <p:par>
+                          <p:cTn id="4" fill="hold">
+                            <p:stCondLst>
+                              <p:cond delay="0"/>
+                            </p:stCondLst>
+                            <p:childTnLst>
+                              <p:par>
+                                <p:cTn id="5" presetID="10" presetClass="entr" presetSubtype="0" fill="hold" grpId="0" nodeType="clickEffect">
+                                  <p:stCondLst>
+                                    <p:cond delay="0"/>
+                                  </p:stCondLst>
+                                  <p:childTnLst>
+                                    <p:set>
+                                      <p:cBhvr>
+                                        <p:cTn id="6" dur="1" fill="hold">
+                                          <p:stCondLst>
+                                            <p:cond delay="0"/>
+                                          </p:stCondLst>
+                                        </p:cTn>
+                                        <p:tgtEl>
+                                          <p:spTgt spid="5">
+                                            <p:txEl>
+                                              <p:pRg st="0" end="0"/>
+                                            </p:txEl>
+                                          </p:spTgt>
+                                        </p:tgtEl>
+                                        <p:attrNameLst>
+                                          <p:attrName>style.visibility</p:attrName>
+                                        </p:attrNameLst>
+                                      </p:cBhvr>
+                                      <p:to>
+                                        <p:strVal val="visible"/>
+                                      </p:to>
+                                    </p:set>
+                                    <p:animEffect transition="in" filter="fade">
+                                      <p:cBhvr>
+                                        <p:cTn id="7" dur="500"/>
+                                        <p:tgtEl>
+                                          <p:spTgt spid="5">
+                                            <p:txEl>
+                                              <p:pRg st="0" end="0"/>
+                                            </p:txEl>
+                                          </p:spTgt>
+                                        </p:tgtEl>
+                                      </p:cBhvr>
+                                    </p:animEffect>
+                                  </p:childTnLst>
+                                </p:cTn>
+                              </p:par>
+                            </p:childTnLst>
+                          </p:cTn>
+                        </p:par>
+                      </p:childTnLst>
+                    </p:cTn>
+                  </p:par>
+                </p:childTnLst>
+              </p:cTn>
+              <p:prevCondLst>
+                <p:cond evt="onPrev" delay="0">
+                  <p:tgtEl>
+                    <p:sldTgt/>
+                  </p:tgtEl>
+                </p:cond>
+              </p:prevCondLst>
+              <p:nextCondLst>
+                <p:cond evt="onNext" delay="0">
+                  <p:tgtEl>
+                    <p:sldTgt/>
+                  </p:tgtEl>
+                </p:cond>
+              </p:nextCondLst>
+            </p:seq>
+          </p:childTnLst>
+        </p:cTn>
+      </p:par>
+    </p:tnLst>
+    <p:bldLst>
+      <p:bldP spid="5" grpId="0" build="p"/>
+    </p:bldLst>
+  </p:timing>
+</p:sld>
+</file>
+
+<file path=ppt/slides/slide16.xml><?xml version="1.0" encoding="utf-8"?>
+<p:sld xmlns:a="http://schemas.openxmlformats.org/drawingml/2006/main" xmlns:r="http://schemas.openxmlformats.org/officeDocument/2006/relationships" xmlns:p="http://schemas.openxmlformats.org/presentationml/2006/main">
+  <p:cSld>
+    <p:bg>
+      <p:bgPr>
+        <a:solidFill>
+          <a:srgbClr val="4A206A"/>
+        </a:solidFill>
+        <a:effectLst/>
+      </p:bgPr>
+    </p:bg>
+    <p:spTree>
+      <p:nvGrpSpPr>
+        <p:cNvPr id="1" name=""/>
+        <p:cNvGrpSpPr/>
+        <p:nvPr/>
+      </p:nvGrpSpPr>
+      <p:grpSpPr>
+        <a:xfrm>
+          <a:off x="0" y="0"/>
+          <a:ext cx="0" cy="0"/>
+          <a:chOff x="0" y="0"/>
+          <a:chExt cx="0" cy="0"/>
+        </a:xfrm>
+      </p:grpSpPr>
+      <p:sp>
+        <p:nvSpPr>
+          <p:cNvPr id="3" name="TextBox 2">
+            <a:extLst>
+              <a:ext uri="{FF2B5EF4-FFF2-40B4-BE49-F238E27FC236}">
+                <a16:creationId xmlns:a16="http://schemas.microsoft.com/office/drawing/2014/main" id="{3FCF3979-E4B3-0634-4C0B-AB862892E9BF}"/>
+              </a:ext>
+            </a:extLst>
+          </p:cNvPr>
+          <p:cNvSpPr txBox="1"/>
+          <p:nvPr/>
+        </p:nvSpPr>
+        <p:spPr>
+          <a:xfrm>
+            <a:off x="592423" y="464741"/>
+            <a:ext cx="6614623" cy="1323439"/>
+          </a:xfrm>
+          <a:prstGeom prst="rect">
+            <a:avLst/>
+          </a:prstGeom>
+          <a:noFill/>
+        </p:spPr>
+        <p:txBody>
+          <a:bodyPr wrap="square" rtlCol="0">
+            <a:spAutoFit/>
+          </a:bodyPr>
+          <a:lstStyle/>
+          <a:p>
+            <a:pPr marL="0" marR="0" lvl="0" indent="0" defTabSz="914400" rtl="0" eaLnBrk="1" fontAlgn="auto" latinLnBrk="0" hangingPunct="1">
+              <a:lnSpc>
+                <a:spcPct val="100000"/>
+              </a:lnSpc>
+              <a:spcBef>
+                <a:spcPts val="0"/>
+              </a:spcBef>
+              <a:spcAft>
+                <a:spcPts val="0"/>
+              </a:spcAft>
+              <a:buClrTx/>
+              <a:buSzTx/>
+              <a:buFontTx/>
+              <a:buNone/>
+              <a:tabLst/>
+              <a:defRPr/>
+            </a:pPr>
+            <a:r>
+              <a:rPr kumimoji="0" lang="en-IN" sz="4000" b="0" i="0" u="none" strike="noStrike" kern="1200" cap="none" spc="0" normalizeH="0" baseline="0" noProof="0" dirty="0">
+                <a:ln>
+                  <a:noFill/>
+                </a:ln>
+                <a:solidFill>
+                  <a:srgbClr val="F4F4F2"/>
+                </a:solidFill>
+                <a:effectLst/>
+                <a:uLnTx/>
+                <a:uFillTx/>
+                <a:latin typeface="Amasis MT Pro Black" panose="02040A04050005020304" pitchFamily="18" charset="0"/>
+                <a:ea typeface="+mn-ea"/>
+                <a:cs typeface="+mn-cs"/>
+              </a:rPr>
+              <a:t>Next Lecture on </a:t>
+            </a:r>
+          </a:p>
+          <a:p>
+            <a:pPr marL="0" marR="0" lvl="0" indent="0" defTabSz="914400" rtl="0" eaLnBrk="1" fontAlgn="auto" latinLnBrk="0" hangingPunct="1">
+              <a:lnSpc>
+                <a:spcPct val="100000"/>
+              </a:lnSpc>
+              <a:spcBef>
+                <a:spcPts val="0"/>
+              </a:spcBef>
+              <a:spcAft>
+                <a:spcPts val="0"/>
+              </a:spcAft>
+              <a:buClrTx/>
+              <a:buSzTx/>
+              <a:buFontTx/>
+              <a:buNone/>
+              <a:tabLst/>
+              <a:defRPr/>
+            </a:pPr>
+            <a:r>
+              <a:rPr lang="en-IN" sz="4000" dirty="0">
+                <a:solidFill>
+                  <a:srgbClr val="F4F4F2"/>
+                </a:solidFill>
+                <a:latin typeface="Amasis MT Pro Black" panose="02040A04050005020304" pitchFamily="18" charset="0"/>
+              </a:rPr>
+              <a:t>Investment Strategies</a:t>
+            </a:r>
+          </a:p>
+        </p:txBody>
+      </p:sp>
+    </p:spTree>
+    <p:extLst>
+      <p:ext uri="{BB962C8B-B14F-4D97-AF65-F5344CB8AC3E}">
+        <p14:creationId xmlns:p14="http://schemas.microsoft.com/office/powerpoint/2010/main" val="1557028537"/>
+      </p:ext>
+    </p:extLst>
+  </p:cSld>
+  <p:clrMapOvr>
+    <a:masterClrMapping/>
+  </p:clrMapOvr>
+</p:sld>
+</file>
+
+<file path=ppt/slides/slide17.xml><?xml version="1.0" encoding="utf-8"?>
+<p:sld xmlns:a="http://schemas.openxmlformats.org/drawingml/2006/main" xmlns:r="http://schemas.openxmlformats.org/officeDocument/2006/relationships" xmlns:p="http://schemas.openxmlformats.org/presentationml/2006/main">
+  <p:cSld>
+    <p:bg>
+      <p:bgPr>
+        <a:solidFill>
+          <a:schemeClr val="accent5">
+            <a:lumMod val="60000"/>
+            <a:lumOff val="40000"/>
+          </a:schemeClr>
+        </a:solidFill>
+        <a:effectLst/>
+      </p:bgPr>
+    </p:bg>
+    <p:spTree>
+      <p:nvGrpSpPr>
+        <p:cNvPr id="1" name=""/>
+        <p:cNvGrpSpPr/>
+        <p:nvPr/>
+      </p:nvGrpSpPr>
+      <p:grpSpPr>
+        <a:xfrm>
+          <a:off x="0" y="0"/>
+          <a:ext cx="0" cy="0"/>
+          <a:chOff x="0" y="0"/>
+          <a:chExt cx="0" cy="0"/>
+        </a:xfrm>
+      </p:grpSpPr>
+      <p:sp>
+        <p:nvSpPr>
+          <p:cNvPr id="3" name="TextBox 2">
+            <a:extLst>
+              <a:ext uri="{FF2B5EF4-FFF2-40B4-BE49-F238E27FC236}">
+                <a16:creationId xmlns:a16="http://schemas.microsoft.com/office/drawing/2014/main" id="{3FCF3979-E4B3-0634-4C0B-AB862892E9BF}"/>
+              </a:ext>
+            </a:extLst>
+          </p:cNvPr>
+          <p:cNvSpPr txBox="1"/>
+          <p:nvPr/>
+        </p:nvSpPr>
+        <p:spPr>
+          <a:xfrm>
+            <a:off x="-439963" y="329968"/>
+            <a:ext cx="3691954" cy="707886"/>
+          </a:xfrm>
+          <a:prstGeom prst="rect">
+            <a:avLst/>
+          </a:prstGeom>
+          <a:noFill/>
+        </p:spPr>
+        <p:txBody>
+          <a:bodyPr wrap="square" rtlCol="0">
+            <a:spAutoFit/>
+          </a:bodyPr>
+          <a:lstStyle/>
+          <a:p>
+            <a:pPr marL="0" marR="0" lvl="0" indent="0" algn="ctr" defTabSz="457200" rtl="0" eaLnBrk="1" fontAlgn="auto" latinLnBrk="0" hangingPunct="1">
+              <a:lnSpc>
+                <a:spcPct val="100000"/>
+              </a:lnSpc>
+              <a:spcBef>
+                <a:spcPts val="0"/>
+              </a:spcBef>
+              <a:spcAft>
+                <a:spcPts val="0"/>
+              </a:spcAft>
+              <a:buClrTx/>
+              <a:buSzTx/>
+              <a:buFontTx/>
+              <a:buNone/>
+              <a:tabLst/>
+              <a:defRPr/>
+            </a:pPr>
+            <a:r>
+              <a:rPr kumimoji="0" lang="en-IN" sz="4000" b="0" i="0" u="none" strike="noStrike" kern="1200" cap="none" spc="0" normalizeH="0" baseline="0" noProof="0" dirty="0">
+                <a:ln>
+                  <a:noFill/>
+                </a:ln>
+                <a:solidFill>
+                  <a:schemeClr val="bg1"/>
+                </a:solidFill>
+                <a:effectLst/>
+                <a:uLnTx/>
+                <a:uFillTx/>
+                <a:latin typeface="Amasis MT Pro Black" panose="02040A04050005020304" pitchFamily="18" charset="0"/>
+                <a:ea typeface="+mn-ea"/>
+                <a:cs typeface="+mn-cs"/>
+              </a:rPr>
+              <a:t>#06283D</a:t>
+            </a:r>
+          </a:p>
+        </p:txBody>
+      </p:sp>
+      <p:sp>
+        <p:nvSpPr>
+          <p:cNvPr id="2" name="Rectangle 1">
+            <a:extLst>
+              <a:ext uri="{FF2B5EF4-FFF2-40B4-BE49-F238E27FC236}">
+                <a16:creationId xmlns:a16="http://schemas.microsoft.com/office/drawing/2014/main" id="{896F725C-4CFE-FF8F-2A15-4F7F9AE3225E}"/>
+              </a:ext>
+            </a:extLst>
+          </p:cNvPr>
+          <p:cNvSpPr/>
+          <p:nvPr/>
+        </p:nvSpPr>
+        <p:spPr>
+          <a:xfrm>
+            <a:off x="2726023" y="405874"/>
+            <a:ext cx="1730478" cy="556074"/>
+          </a:xfrm>
+          <a:prstGeom prst="rect">
+            <a:avLst/>
+          </a:prstGeom>
+          <a:solidFill>
+            <a:srgbClr val="06283D"/>
+          </a:solidFill>
+          <a:ln>
+            <a:solidFill>
+              <a:srgbClr val="06283D"/>
+            </a:solidFill>
+          </a:ln>
+        </p:spPr>
+        <p:style>
+          <a:lnRef idx="2">
+            <a:schemeClr val="accent1">
+              <a:shade val="50000"/>
+            </a:schemeClr>
+          </a:lnRef>
+          <a:fillRef idx="1">
+            <a:schemeClr val="accent1"/>
+          </a:fillRef>
+          <a:effectRef idx="0">
+            <a:schemeClr val="accent1"/>
+          </a:effectRef>
+          <a:fontRef idx="minor">
+            <a:schemeClr val="lt1"/>
+          </a:fontRef>
+        </p:style>
+        <p:txBody>
+          <a:bodyPr rtlCol="0" anchor="ctr"/>
+          <a:lstStyle/>
+          <a:p>
+            <a:pPr algn="ctr"/>
+            <a:endParaRPr lang="en-IN" dirty="0"/>
+          </a:p>
+        </p:txBody>
+      </p:sp>
+      <p:sp>
+        <p:nvSpPr>
+          <p:cNvPr id="4" name="TextBox 3">
+            <a:extLst>
+              <a:ext uri="{FF2B5EF4-FFF2-40B4-BE49-F238E27FC236}">
+                <a16:creationId xmlns:a16="http://schemas.microsoft.com/office/drawing/2014/main" id="{D5C1F7EF-58E9-E9F1-EBA7-5DFF2EBC19AD}"/>
+              </a:ext>
+            </a:extLst>
+          </p:cNvPr>
+          <p:cNvSpPr txBox="1"/>
+          <p:nvPr/>
+        </p:nvSpPr>
+        <p:spPr>
+          <a:xfrm>
+            <a:off x="-439963" y="1189667"/>
+            <a:ext cx="3691954" cy="707886"/>
+          </a:xfrm>
+          <a:prstGeom prst="rect">
+            <a:avLst/>
+          </a:prstGeom>
+          <a:noFill/>
+        </p:spPr>
+        <p:txBody>
+          <a:bodyPr wrap="square" rtlCol="0">
+            <a:spAutoFit/>
+          </a:bodyPr>
+          <a:lstStyle/>
+          <a:p>
+            <a:pPr marL="0" marR="0" lvl="0" indent="0" algn="ctr" defTabSz="457200" rtl="0" eaLnBrk="1" fontAlgn="auto" latinLnBrk="0" hangingPunct="1">
+              <a:lnSpc>
+                <a:spcPct val="100000"/>
+              </a:lnSpc>
+              <a:spcBef>
+                <a:spcPts val="0"/>
+              </a:spcBef>
+              <a:spcAft>
+                <a:spcPts val="0"/>
+              </a:spcAft>
+              <a:buClrTx/>
+              <a:buSzTx/>
+              <a:buFontTx/>
+              <a:buNone/>
+              <a:tabLst/>
+              <a:defRPr/>
+            </a:pPr>
+            <a:r>
+              <a:rPr kumimoji="0" lang="en-IN" sz="4000" b="0" i="0" u="none" strike="noStrike" kern="1200" cap="none" spc="0" normalizeH="0" baseline="0" noProof="0" dirty="0">
+                <a:ln>
+                  <a:noFill/>
+                </a:ln>
+                <a:solidFill>
+                  <a:schemeClr val="bg1"/>
+                </a:solidFill>
+                <a:effectLst/>
+                <a:uLnTx/>
+                <a:uFillTx/>
+                <a:latin typeface="Amasis MT Pro Black" panose="02040A04050005020304" pitchFamily="18" charset="0"/>
+                <a:ea typeface="+mn-ea"/>
+                <a:cs typeface="+mn-cs"/>
+              </a:rPr>
+              <a:t>#F4F4F2</a:t>
+            </a:r>
+          </a:p>
+        </p:txBody>
+      </p:sp>
+      <p:sp>
+        <p:nvSpPr>
+          <p:cNvPr id="9" name="Rectangle 8">
+            <a:extLst>
+              <a:ext uri="{FF2B5EF4-FFF2-40B4-BE49-F238E27FC236}">
+                <a16:creationId xmlns:a16="http://schemas.microsoft.com/office/drawing/2014/main" id="{98B1ABDA-BAC5-141C-5958-60F064BE1B5F}"/>
+              </a:ext>
+            </a:extLst>
+          </p:cNvPr>
+          <p:cNvSpPr/>
+          <p:nvPr/>
+        </p:nvSpPr>
+        <p:spPr>
+          <a:xfrm>
+            <a:off x="2726023" y="1265573"/>
+            <a:ext cx="1730478" cy="556074"/>
+          </a:xfrm>
+          <a:prstGeom prst="rect">
+            <a:avLst/>
+          </a:prstGeom>
+          <a:solidFill>
+            <a:srgbClr val="F4F4F2"/>
+          </a:solidFill>
+          <a:ln>
+            <a:solidFill>
+              <a:srgbClr val="F4F4F2"/>
+            </a:solidFill>
+          </a:ln>
+        </p:spPr>
+        <p:style>
+          <a:lnRef idx="2">
+            <a:schemeClr val="accent1">
+              <a:shade val="50000"/>
+            </a:schemeClr>
+          </a:lnRef>
+          <a:fillRef idx="1">
+            <a:schemeClr val="accent1"/>
+          </a:fillRef>
+          <a:effectRef idx="0">
+            <a:schemeClr val="accent1"/>
+          </a:effectRef>
+          <a:fontRef idx="minor">
+            <a:schemeClr val="lt1"/>
+          </a:fontRef>
+        </p:style>
+        <p:txBody>
+          <a:bodyPr rtlCol="0" anchor="ctr"/>
+          <a:lstStyle/>
+          <a:p>
+            <a:pPr algn="ctr"/>
+            <a:endParaRPr lang="en-IN" dirty="0"/>
+          </a:p>
+        </p:txBody>
+      </p:sp>
+      <p:sp>
+        <p:nvSpPr>
+          <p:cNvPr id="10" name="TextBox 9">
+            <a:extLst>
+              <a:ext uri="{FF2B5EF4-FFF2-40B4-BE49-F238E27FC236}">
+                <a16:creationId xmlns:a16="http://schemas.microsoft.com/office/drawing/2014/main" id="{0BB6C4CE-5B83-9958-BF36-9C92A04CFE6E}"/>
+              </a:ext>
+            </a:extLst>
+          </p:cNvPr>
+          <p:cNvSpPr txBox="1"/>
+          <p:nvPr/>
+        </p:nvSpPr>
+        <p:spPr>
+          <a:xfrm>
+            <a:off x="196646" y="2159534"/>
+            <a:ext cx="2979173" cy="707886"/>
+          </a:xfrm>
+          <a:prstGeom prst="rect">
+            <a:avLst/>
+          </a:prstGeom>
+          <a:noFill/>
+        </p:spPr>
+        <p:txBody>
+          <a:bodyPr wrap="square" rtlCol="0">
+            <a:spAutoFit/>
+          </a:bodyPr>
+          <a:lstStyle/>
+          <a:p>
+            <a:r>
+              <a:rPr lang="en-IN" sz="4000" dirty="0">
+                <a:solidFill>
+                  <a:schemeClr val="bg1"/>
+                </a:solidFill>
+                <a:latin typeface="Amasis MT Pro Black" panose="02040A04050005020304" pitchFamily="18" charset="0"/>
+              </a:rPr>
+              <a:t>#FEB202</a:t>
+            </a:r>
+          </a:p>
+        </p:txBody>
+      </p:sp>
+      <p:sp>
+        <p:nvSpPr>
+          <p:cNvPr id="11" name="Rectangle 10">
+            <a:extLst>
+              <a:ext uri="{FF2B5EF4-FFF2-40B4-BE49-F238E27FC236}">
+                <a16:creationId xmlns:a16="http://schemas.microsoft.com/office/drawing/2014/main" id="{38BA3D8C-1C99-47AE-668E-0376D060CA8F}"/>
+              </a:ext>
+            </a:extLst>
+          </p:cNvPr>
+          <p:cNvSpPr/>
+          <p:nvPr/>
+        </p:nvSpPr>
+        <p:spPr>
+          <a:xfrm>
+            <a:off x="2726023" y="2227578"/>
+            <a:ext cx="1730478" cy="556074"/>
+          </a:xfrm>
+          <a:prstGeom prst="rect">
+            <a:avLst/>
+          </a:prstGeom>
+          <a:solidFill>
+            <a:srgbClr val="FEB202"/>
+          </a:solidFill>
+          <a:ln>
+            <a:solidFill>
+              <a:srgbClr val="FEB202"/>
+            </a:solidFill>
+          </a:ln>
+        </p:spPr>
+        <p:style>
+          <a:lnRef idx="2">
+            <a:schemeClr val="accent1">
+              <a:shade val="50000"/>
+            </a:schemeClr>
+          </a:lnRef>
+          <a:fillRef idx="1">
+            <a:schemeClr val="accent1"/>
+          </a:fillRef>
+          <a:effectRef idx="0">
+            <a:schemeClr val="accent1"/>
+          </a:effectRef>
+          <a:fontRef idx="minor">
+            <a:schemeClr val="lt1"/>
+          </a:fontRef>
+        </p:style>
+        <p:txBody>
+          <a:bodyPr rtlCol="0" anchor="ctr"/>
+          <a:lstStyle/>
+          <a:p>
+            <a:pPr algn="ctr"/>
+            <a:endParaRPr lang="en-IN" dirty="0">
+              <a:solidFill>
+                <a:srgbClr val="FEB202"/>
+              </a:solidFill>
+            </a:endParaRPr>
+          </a:p>
+        </p:txBody>
+      </p:sp>
+      <p:sp>
+        <p:nvSpPr>
+          <p:cNvPr id="12" name="TextBox 11">
+            <a:extLst>
+              <a:ext uri="{FF2B5EF4-FFF2-40B4-BE49-F238E27FC236}">
+                <a16:creationId xmlns:a16="http://schemas.microsoft.com/office/drawing/2014/main" id="{4BA0361D-6F86-2D83-7555-CDC0E026D4F7}"/>
+              </a:ext>
+            </a:extLst>
+          </p:cNvPr>
+          <p:cNvSpPr txBox="1"/>
+          <p:nvPr/>
+        </p:nvSpPr>
+        <p:spPr>
+          <a:xfrm>
+            <a:off x="196646" y="2919408"/>
+            <a:ext cx="2979173" cy="2554545"/>
+          </a:xfrm>
+          <a:prstGeom prst="rect">
+            <a:avLst/>
+          </a:prstGeom>
+          <a:noFill/>
+        </p:spPr>
+        <p:txBody>
+          <a:bodyPr wrap="square" rtlCol="0">
+            <a:spAutoFit/>
+          </a:bodyPr>
+          <a:lstStyle/>
+          <a:p>
+            <a:r>
+              <a:rPr lang="en-IN" sz="4000" dirty="0">
+                <a:solidFill>
+                  <a:schemeClr val="bg1"/>
+                </a:solidFill>
+                <a:latin typeface="Amasis MT Pro Black" panose="02040A04050005020304" pitchFamily="18" charset="0"/>
+              </a:rPr>
+              <a:t>#FF8701</a:t>
+            </a:r>
+          </a:p>
+          <a:p>
+            <a:endParaRPr lang="en-IN" sz="4000" dirty="0">
+              <a:solidFill>
+                <a:schemeClr val="bg1"/>
+              </a:solidFill>
+              <a:latin typeface="Amasis MT Pro Black" panose="02040A04050005020304" pitchFamily="18" charset="0"/>
+            </a:endParaRPr>
+          </a:p>
+          <a:p>
+            <a:r>
+              <a:rPr kumimoji="0" lang="en-IN" sz="4000" b="0" i="0" u="none" strike="noStrike" kern="1200" cap="none" spc="0" normalizeH="0" baseline="0" noProof="0" dirty="0">
+                <a:ln>
+                  <a:noFill/>
+                </a:ln>
+                <a:solidFill>
+                  <a:srgbClr val="F4F4F2"/>
+                </a:solidFill>
+                <a:effectLst/>
+                <a:uLnTx/>
+                <a:uFillTx/>
+                <a:latin typeface="Amasis MT Pro Black" panose="02040A04050005020304" pitchFamily="18" charset="0"/>
+                <a:ea typeface="+mn-ea"/>
+                <a:cs typeface="+mn-cs"/>
+              </a:rPr>
+              <a:t>#4A206A</a:t>
+            </a:r>
+          </a:p>
+          <a:p>
+            <a:endParaRPr lang="en-IN" sz="4000" dirty="0">
+              <a:solidFill>
+                <a:schemeClr val="bg1"/>
+              </a:solidFill>
+              <a:latin typeface="Amasis MT Pro Black" panose="02040A04050005020304" pitchFamily="18" charset="0"/>
+            </a:endParaRPr>
+          </a:p>
+        </p:txBody>
+      </p:sp>
+      <p:sp>
+        <p:nvSpPr>
+          <p:cNvPr id="13" name="Rectangle 12">
+            <a:extLst>
+              <a:ext uri="{FF2B5EF4-FFF2-40B4-BE49-F238E27FC236}">
+                <a16:creationId xmlns:a16="http://schemas.microsoft.com/office/drawing/2014/main" id="{5E70ADB7-CBFB-0C70-C052-0898B0B598D4}"/>
+              </a:ext>
+            </a:extLst>
+          </p:cNvPr>
+          <p:cNvSpPr/>
+          <p:nvPr/>
+        </p:nvSpPr>
+        <p:spPr>
+          <a:xfrm>
+            <a:off x="2726023" y="2995314"/>
+            <a:ext cx="1730478" cy="556074"/>
+          </a:xfrm>
+          <a:prstGeom prst="rect">
+            <a:avLst/>
+          </a:prstGeom>
+          <a:solidFill>
+            <a:srgbClr val="FF8701"/>
+          </a:solidFill>
+          <a:ln>
+            <a:solidFill>
+              <a:srgbClr val="FF8701"/>
+            </a:solidFill>
+          </a:ln>
+        </p:spPr>
+        <p:style>
+          <a:lnRef idx="2">
+            <a:schemeClr val="accent1">
+              <a:shade val="50000"/>
+            </a:schemeClr>
+          </a:lnRef>
+          <a:fillRef idx="1">
+            <a:schemeClr val="accent1"/>
+          </a:fillRef>
+          <a:effectRef idx="0">
+            <a:schemeClr val="accent1"/>
+          </a:effectRef>
+          <a:fontRef idx="minor">
+            <a:schemeClr val="lt1"/>
+          </a:fontRef>
+        </p:style>
+        <p:txBody>
+          <a:bodyPr rtlCol="0" anchor="ctr"/>
+          <a:lstStyle/>
+          <a:p>
+            <a:pPr algn="ctr"/>
+            <a:endParaRPr lang="en-IN" dirty="0">
+              <a:solidFill>
+                <a:srgbClr val="FEB202"/>
+              </a:solidFill>
+            </a:endParaRPr>
+          </a:p>
+        </p:txBody>
+      </p:sp>
+      <p:sp>
+        <p:nvSpPr>
+          <p:cNvPr id="5" name="Rectangle 4">
+            <a:extLst>
+              <a:ext uri="{FF2B5EF4-FFF2-40B4-BE49-F238E27FC236}">
+                <a16:creationId xmlns:a16="http://schemas.microsoft.com/office/drawing/2014/main" id="{B10D2220-D7B8-9D9A-DBAA-F998BF9DC34C}"/>
+              </a:ext>
+            </a:extLst>
+          </p:cNvPr>
+          <p:cNvSpPr/>
+          <p:nvPr/>
+        </p:nvSpPr>
+        <p:spPr>
+          <a:xfrm>
+            <a:off x="2726023" y="4234633"/>
+            <a:ext cx="1730478" cy="556074"/>
+          </a:xfrm>
+          <a:prstGeom prst="rect">
+            <a:avLst/>
+          </a:prstGeom>
+          <a:solidFill>
+            <a:srgbClr val="4A206A"/>
+          </a:solidFill>
+          <a:ln>
+            <a:solidFill>
+              <a:srgbClr val="4A206A"/>
+            </a:solidFill>
+          </a:ln>
+        </p:spPr>
+        <p:style>
+          <a:lnRef idx="2">
+            <a:schemeClr val="accent1">
+              <a:shade val="50000"/>
+            </a:schemeClr>
+          </a:lnRef>
+          <a:fillRef idx="1">
+            <a:schemeClr val="accent1"/>
+          </a:fillRef>
+          <a:effectRef idx="0">
+            <a:schemeClr val="accent1"/>
+          </a:effectRef>
+          <a:fontRef idx="minor">
+            <a:schemeClr val="lt1"/>
+          </a:fontRef>
+        </p:style>
+        <p:txBody>
+          <a:bodyPr rtlCol="0" anchor="ctr"/>
+          <a:lstStyle/>
+          <a:p>
+            <a:pPr algn="ctr"/>
+            <a:endParaRPr lang="en-IN" dirty="0">
+              <a:solidFill>
+                <a:srgbClr val="FEB202"/>
+              </a:solidFill>
+            </a:endParaRPr>
+          </a:p>
+        </p:txBody>
+      </p:sp>
+    </p:spTree>
+    <p:extLst>
+      <p:ext uri="{BB962C8B-B14F-4D97-AF65-F5344CB8AC3E}">
+        <p14:creationId xmlns:p14="http://schemas.microsoft.com/office/powerpoint/2010/main" val="3489613101"/>
       </p:ext>
     </p:extLst>
   </p:cSld>
@@ -7455,7 +9587,7 @@
           <p:cNvPr id="10" name="TextBox 9">
             <a:extLst>
               <a:ext uri="{FF2B5EF4-FFF2-40B4-BE49-F238E27FC236}">
-                <a16:creationId xmlns:a16="http://schemas.microsoft.com/office/drawing/2014/main" xmlns="" id="{A30AA992-A1D7-8EFD-A0C9-22339FF820C3}"/>
+                <a16:creationId xmlns:a16="http://schemas.microsoft.com/office/drawing/2014/main" id="{A30AA992-A1D7-8EFD-A0C9-22339FF820C3}"/>
               </a:ext>
             </a:extLst>
           </p:cNvPr>
@@ -7573,7 +9705,7 @@
           <p:cNvPr id="2" name="TextBox 1">
             <a:extLst>
               <a:ext uri="{FF2B5EF4-FFF2-40B4-BE49-F238E27FC236}">
-                <a16:creationId xmlns:a16="http://schemas.microsoft.com/office/drawing/2014/main" xmlns="" id="{98732364-D03F-241F-C0BD-9111838C1CEF}"/>
+                <a16:creationId xmlns:a16="http://schemas.microsoft.com/office/drawing/2014/main" id="{98732364-D03F-241F-C0BD-9111838C1CEF}"/>
               </a:ext>
             </a:extLst>
           </p:cNvPr>
@@ -7655,7 +9787,7 @@
           <p:cNvPr id="4" name="TextBox 3">
             <a:extLst>
               <a:ext uri="{FF2B5EF4-FFF2-40B4-BE49-F238E27FC236}">
-                <a16:creationId xmlns:a16="http://schemas.microsoft.com/office/drawing/2014/main" xmlns="" id="{BB79281D-44E7-4B70-7CEB-EAC6DFD087E7}"/>
+                <a16:creationId xmlns:a16="http://schemas.microsoft.com/office/drawing/2014/main" id="{BB79281D-44E7-4B70-7CEB-EAC6DFD087E7}"/>
               </a:ext>
             </a:extLst>
           </p:cNvPr>
@@ -7773,7 +9905,7 @@
           <p:cNvPr id="5" name="Rectangle 4">
             <a:extLst>
               <a:ext uri="{FF2B5EF4-FFF2-40B4-BE49-F238E27FC236}">
-                <a16:creationId xmlns:a16="http://schemas.microsoft.com/office/drawing/2014/main" xmlns="" id="{70C07999-40A9-97C2-4057-E77BE83EAB3F}"/>
+                <a16:creationId xmlns:a16="http://schemas.microsoft.com/office/drawing/2014/main" id="{70C07999-40A9-97C2-4057-E77BE83EAB3F}"/>
               </a:ext>
             </a:extLst>
           </p:cNvPr>
@@ -7827,7 +9959,7 @@
           <p:cNvPr id="7" name="Arrow: Right 6">
             <a:extLst>
               <a:ext uri="{FF2B5EF4-FFF2-40B4-BE49-F238E27FC236}">
-                <a16:creationId xmlns:a16="http://schemas.microsoft.com/office/drawing/2014/main" xmlns="" id="{51D784E0-A038-4CCF-2628-484C4B99BE71}"/>
+                <a16:creationId xmlns:a16="http://schemas.microsoft.com/office/drawing/2014/main" id="{51D784E0-A038-4CCF-2628-484C4B99BE71}"/>
               </a:ext>
             </a:extLst>
           </p:cNvPr>
@@ -7873,7 +10005,7 @@
           <p:cNvPr id="8" name="Rectangle 7">
             <a:extLst>
               <a:ext uri="{FF2B5EF4-FFF2-40B4-BE49-F238E27FC236}">
-                <a16:creationId xmlns:a16="http://schemas.microsoft.com/office/drawing/2014/main" xmlns="" id="{5F3D58F2-CF64-6606-A595-0F4D2B1E8AF0}"/>
+                <a16:creationId xmlns:a16="http://schemas.microsoft.com/office/drawing/2014/main" id="{5F3D58F2-CF64-6606-A595-0F4D2B1E8AF0}"/>
               </a:ext>
             </a:extLst>
           </p:cNvPr>
@@ -7927,7 +10059,7 @@
           <p:cNvPr id="9" name="Arrow: Right 8">
             <a:extLst>
               <a:ext uri="{FF2B5EF4-FFF2-40B4-BE49-F238E27FC236}">
-                <a16:creationId xmlns:a16="http://schemas.microsoft.com/office/drawing/2014/main" xmlns="" id="{0DEEB6A9-D6C7-3221-EE60-6C31B10C5507}"/>
+                <a16:creationId xmlns:a16="http://schemas.microsoft.com/office/drawing/2014/main" id="{0DEEB6A9-D6C7-3221-EE60-6C31B10C5507}"/>
               </a:ext>
             </a:extLst>
           </p:cNvPr>
@@ -7971,7 +10103,7 @@
     </p:spTree>
     <p:extLst>
       <p:ext uri="{BB962C8B-B14F-4D97-AF65-F5344CB8AC3E}">
-        <p14:creationId xmlns:p14="http://schemas.microsoft.com/office/powerpoint/2010/main" xmlns="" val="211931349"/>
+        <p14:creationId xmlns:p14="http://schemas.microsoft.com/office/powerpoint/2010/main" val="211931349"/>
       </p:ext>
     </p:extLst>
   </p:cSld>
@@ -8259,7 +10391,7 @@
           <p:cNvPr id="3" name="TextBox 2">
             <a:extLst>
               <a:ext uri="{FF2B5EF4-FFF2-40B4-BE49-F238E27FC236}">
-                <a16:creationId xmlns:a16="http://schemas.microsoft.com/office/drawing/2014/main" xmlns="" id="{3FCF3979-E4B3-0634-4C0B-AB862892E9BF}"/>
+                <a16:creationId xmlns:a16="http://schemas.microsoft.com/office/drawing/2014/main" id="{3FCF3979-E4B3-0634-4C0B-AB862892E9BF}"/>
               </a:ext>
             </a:extLst>
           </p:cNvPr>
@@ -8283,7 +10415,7 @@
           <a:lstStyle/>
           <a:p>
             <a:r>
-              <a:rPr lang="en-IN" sz="4000" dirty="0" smtClean="0">
+              <a:rPr lang="en-IN" sz="4000" dirty="0">
                 <a:solidFill>
                   <a:srgbClr val="F4F4F2"/>
                 </a:solidFill>
@@ -8291,12 +10423,6 @@
               </a:rPr>
               <a:t>Technical Analysis:</a:t>
             </a:r>
-            <a:endParaRPr lang="en-IN" sz="4000" dirty="0">
-              <a:solidFill>
-                <a:srgbClr val="F4F4F2"/>
-              </a:solidFill>
-              <a:latin typeface="Amasis MT Pro Black" panose="02040A04050005020304" pitchFamily="18" charset="0"/>
-            </a:endParaRPr>
           </a:p>
         </p:txBody>
       </p:sp>
@@ -8305,7 +10431,7 @@
           <p:cNvPr id="5" name="TextBox 4">
             <a:extLst>
               <a:ext uri="{FF2B5EF4-FFF2-40B4-BE49-F238E27FC236}">
-                <a16:creationId xmlns:a16="http://schemas.microsoft.com/office/drawing/2014/main" xmlns="" id="{4CE4714F-5B28-DDDA-2E6D-2AD9A4F1FC7E}"/>
+                <a16:creationId xmlns:a16="http://schemas.microsoft.com/office/drawing/2014/main" id="{4CE4714F-5B28-DDDA-2E6D-2AD9A4F1FC7E}"/>
               </a:ext>
             </a:extLst>
           </p:cNvPr>
@@ -8315,7 +10441,7 @@
         <p:spPr>
           <a:xfrm>
             <a:off x="688628" y="1314495"/>
-            <a:ext cx="7735502" cy="1938992"/>
+            <a:ext cx="7735502" cy="2308324"/>
           </a:xfrm>
           <a:prstGeom prst="rect">
             <a:avLst/>
@@ -8346,32 +10472,15 @@
               <a:defRPr/>
             </a:pPr>
             <a:r>
-              <a:rPr lang="en-IN" sz="2400" dirty="0" smtClean="0">
+              <a:rPr lang="en-IN" sz="2400" dirty="0">
                 <a:solidFill>
                   <a:prstClr val="white"/>
                 </a:solidFill>
                 <a:latin typeface="Cascadia Code SemiBold" pitchFamily="50" charset="0"/>
                 <a:cs typeface="Cascadia Code SemiBold" pitchFamily="50" charset="0"/>
               </a:rPr>
-              <a:t>Trend and </a:t>
-            </a:r>
-            <a:r>
-              <a:rPr lang="en-IN" sz="2400" dirty="0" err="1" smtClean="0">
-                <a:solidFill>
-                  <a:prstClr val="white"/>
-                </a:solidFill>
-                <a:latin typeface="Cascadia Code SemiBold" pitchFamily="50" charset="0"/>
-                <a:cs typeface="Cascadia Code SemiBold" pitchFamily="50" charset="0"/>
-              </a:rPr>
-              <a:t>Trendline</a:t>
-            </a:r>
-            <a:endParaRPr lang="en-IN" sz="2400" dirty="0" smtClean="0">
-              <a:solidFill>
-                <a:prstClr val="white"/>
-              </a:solidFill>
-              <a:latin typeface="Cascadia Code SemiBold" pitchFamily="50" charset="0"/>
-              <a:cs typeface="Cascadia Code SemiBold" pitchFamily="50" charset="0"/>
-            </a:endParaRPr>
+              <a:t>Candlestick</a:t>
+            </a:r>
           </a:p>
           <a:p>
             <a:pPr marL="342900" marR="0" lvl="0" indent="-342900" algn="l" defTabSz="457200" rtl="0" eaLnBrk="1" fontAlgn="auto" latinLnBrk="0" hangingPunct="1">
@@ -8392,14 +10501,14 @@
               <a:defRPr/>
             </a:pPr>
             <a:r>
-              <a:rPr lang="en-IN" sz="2400" dirty="0" smtClean="0">
+              <a:rPr lang="en-IN" sz="2400" dirty="0">
                 <a:solidFill>
                   <a:prstClr val="white"/>
                 </a:solidFill>
                 <a:latin typeface="Cascadia Code SemiBold" pitchFamily="50" charset="0"/>
                 <a:cs typeface="Cascadia Code SemiBold" pitchFamily="50" charset="0"/>
               </a:rPr>
-              <a:t>Support &amp; Resistance</a:t>
+              <a:t>Trend and Trendline</a:t>
             </a:r>
           </a:p>
           <a:p>
@@ -8421,22 +10530,15 @@
               <a:defRPr/>
             </a:pPr>
             <a:r>
-              <a:rPr lang="en-IN" sz="2400" dirty="0" smtClean="0">
+              <a:rPr lang="en-IN" sz="2400" dirty="0">
                 <a:solidFill>
                   <a:prstClr val="white"/>
                 </a:solidFill>
                 <a:latin typeface="Cascadia Code SemiBold" pitchFamily="50" charset="0"/>
                 <a:cs typeface="Cascadia Code SemiBold" pitchFamily="50" charset="0"/>
               </a:rPr>
-              <a:t>Moving Average</a:t>
-            </a:r>
-            <a:endParaRPr lang="en-IN" sz="2400" dirty="0">
-              <a:solidFill>
-                <a:prstClr val="white"/>
-              </a:solidFill>
-              <a:latin typeface="Cascadia Code SemiBold" pitchFamily="50" charset="0"/>
-              <a:cs typeface="Cascadia Code SemiBold" pitchFamily="50" charset="0"/>
-            </a:endParaRPr>
+              <a:t>Support &amp; Resistance</a:t>
+            </a:r>
           </a:p>
           <a:p>
             <a:pPr marL="342900" marR="0" lvl="0" indent="-342900" algn="l" defTabSz="457200" rtl="0" eaLnBrk="1" fontAlgn="auto" latinLnBrk="0" hangingPunct="1">
@@ -8457,21 +10559,14 @@
               <a:defRPr/>
             </a:pPr>
             <a:r>
-              <a:rPr kumimoji="0" lang="en-IN" sz="2400" b="0" i="0" u="none" strike="noStrike" kern="1200" cap="none" spc="0" normalizeH="0" noProof="0" dirty="0" smtClean="0">
-                <a:ln>
-                  <a:noFill/>
-                </a:ln>
+              <a:rPr lang="en-IN" sz="2400" dirty="0">
                 <a:solidFill>
                   <a:prstClr val="white"/>
                 </a:solidFill>
-                <a:effectLst/>
-                <a:uLnTx/>
-                <a:uFillTx/>
                 <a:latin typeface="Cascadia Code SemiBold" pitchFamily="50" charset="0"/>
-                <a:ea typeface="+mn-ea"/>
                 <a:cs typeface="Cascadia Code SemiBold" pitchFamily="50" charset="0"/>
               </a:rPr>
-              <a:t>Breakout</a:t>
+              <a:t>Moving Average</a:t>
             </a:r>
           </a:p>
           <a:p>
@@ -8493,105 +10588,23 @@
               <a:defRPr/>
             </a:pPr>
             <a:r>
-              <a:rPr lang="en-IN" sz="2400" dirty="0" smtClean="0">
+              <a:rPr kumimoji="0" lang="en-IN" sz="2400" b="0" i="0" u="none" strike="noStrike" kern="1200" cap="none" spc="0" normalizeH="0" noProof="0" dirty="0">
+                <a:ln>
+                  <a:noFill/>
+                </a:ln>
                 <a:solidFill>
                   <a:prstClr val="white"/>
                 </a:solidFill>
+                <a:effectLst/>
+                <a:uLnTx/>
+                <a:uFillTx/>
                 <a:latin typeface="Cascadia Code SemiBold" pitchFamily="50" charset="0"/>
+                <a:ea typeface="+mn-ea"/>
                 <a:cs typeface="Cascadia Code SemiBold" pitchFamily="50" charset="0"/>
               </a:rPr>
-              <a:t>Volume</a:t>
-            </a:r>
-            <a:endParaRPr kumimoji="0" lang="en-IN" sz="2400" b="0" i="0" u="none" strike="noStrike" kern="1200" cap="none" spc="0" normalizeH="0" noProof="0" dirty="0">
-              <a:ln>
-                <a:noFill/>
-              </a:ln>
-              <a:solidFill>
-                <a:prstClr val="white"/>
-              </a:solidFill>
-              <a:effectLst/>
-              <a:uLnTx/>
-              <a:uFillTx/>
-              <a:latin typeface="Cascadia Code SemiBold" pitchFamily="50" charset="0"/>
-              <a:ea typeface="+mn-ea"/>
-              <a:cs typeface="Cascadia Code SemiBold" pitchFamily="50" charset="0"/>
-            </a:endParaRPr>
-          </a:p>
-        </p:txBody>
-      </p:sp>
-      <p:sp>
-        <p:nvSpPr>
-          <p:cNvPr id="7" name="TextBox 6">
-            <a:extLst>
-              <a:ext uri="{FF2B5EF4-FFF2-40B4-BE49-F238E27FC236}">
-                <a16:creationId xmlns:a16="http://schemas.microsoft.com/office/drawing/2014/main" xmlns="" id="{3FCF3979-E4B3-0634-4C0B-AB862892E9BF}"/>
-              </a:ext>
-            </a:extLst>
-          </p:cNvPr>
-          <p:cNvSpPr txBox="1"/>
-          <p:nvPr/>
-        </p:nvSpPr>
-        <p:spPr>
-          <a:xfrm>
-            <a:off x="702383" y="3880175"/>
-            <a:ext cx="4195638" cy="707886"/>
-          </a:xfrm>
-          <a:prstGeom prst="rect">
-            <a:avLst/>
-          </a:prstGeom>
-          <a:noFill/>
-        </p:spPr>
-        <p:txBody>
-          <a:bodyPr wrap="square" rtlCol="0">
-            <a:spAutoFit/>
-          </a:bodyPr>
-          <a:lstStyle/>
-          <a:p>
-            <a:r>
-              <a:rPr lang="en-IN" sz="4000" dirty="0" smtClean="0">
-                <a:solidFill>
-                  <a:srgbClr val="F4F4F2"/>
-                </a:solidFill>
-                <a:latin typeface="Amasis MT Pro Black" panose="02040A04050005020304" pitchFamily="18" charset="0"/>
-              </a:rPr>
-              <a:t>Purpose:</a:t>
-            </a:r>
-            <a:endParaRPr lang="en-IN" sz="4000" dirty="0">
-              <a:solidFill>
-                <a:srgbClr val="F4F4F2"/>
-              </a:solidFill>
-              <a:latin typeface="Amasis MT Pro Black" panose="02040A04050005020304" pitchFamily="18" charset="0"/>
-            </a:endParaRPr>
-          </a:p>
-        </p:txBody>
-      </p:sp>
-      <p:sp>
-        <p:nvSpPr>
-          <p:cNvPr id="8" name="TextBox 7">
-            <a:extLst>
-              <a:ext uri="{FF2B5EF4-FFF2-40B4-BE49-F238E27FC236}">
-                <a16:creationId xmlns:a16="http://schemas.microsoft.com/office/drawing/2014/main" xmlns="" id="{4CE4714F-5B28-DDDA-2E6D-2AD9A4F1FC7E}"/>
-              </a:ext>
-            </a:extLst>
-          </p:cNvPr>
-          <p:cNvSpPr txBox="1"/>
-          <p:nvPr/>
-        </p:nvSpPr>
-        <p:spPr>
-          <a:xfrm>
-            <a:off x="702132" y="4638358"/>
-            <a:ext cx="7735502" cy="1200329"/>
-          </a:xfrm>
-          <a:prstGeom prst="rect">
-            <a:avLst/>
-          </a:prstGeom>
-          <a:noFill/>
-        </p:spPr>
-        <p:txBody>
-          <a:bodyPr wrap="square" rtlCol="0">
-            <a:spAutoFit/>
-          </a:bodyPr>
-          <a:lstStyle/>
+              <a:t>Breakout</a:t>
+            </a:r>
+          </a:p>
           <a:p>
             <a:pPr marL="342900" marR="0" lvl="0" indent="-342900" algn="l" defTabSz="457200" rtl="0" eaLnBrk="1" fontAlgn="auto" latinLnBrk="0" hangingPunct="1">
               <a:lnSpc>
@@ -8611,16 +10624,99 @@
               <a:defRPr/>
             </a:pPr>
             <a:r>
-              <a:rPr lang="en-IN" sz="2400" dirty="0" smtClean="0">
+              <a:rPr lang="en-IN" sz="2400" dirty="0">
                 <a:solidFill>
                   <a:prstClr val="white"/>
                 </a:solidFill>
                 <a:latin typeface="Cascadia Code SemiBold" pitchFamily="50" charset="0"/>
                 <a:cs typeface="Cascadia Code SemiBold" pitchFamily="50" charset="0"/>
               </a:rPr>
-              <a:t>Entry</a:t>
-            </a:r>
-          </a:p>
+              <a:t>Volume</a:t>
+            </a:r>
+            <a:endParaRPr kumimoji="0" lang="en-IN" sz="2400" b="0" i="0" u="none" strike="noStrike" kern="1200" cap="none" spc="0" normalizeH="0" noProof="0" dirty="0">
+              <a:ln>
+                <a:noFill/>
+              </a:ln>
+              <a:solidFill>
+                <a:prstClr val="white"/>
+              </a:solidFill>
+              <a:effectLst/>
+              <a:uLnTx/>
+              <a:uFillTx/>
+              <a:latin typeface="Cascadia Code SemiBold" pitchFamily="50" charset="0"/>
+              <a:ea typeface="+mn-ea"/>
+              <a:cs typeface="Cascadia Code SemiBold" pitchFamily="50" charset="0"/>
+            </a:endParaRPr>
+          </a:p>
+        </p:txBody>
+      </p:sp>
+      <p:sp>
+        <p:nvSpPr>
+          <p:cNvPr id="7" name="TextBox 6">
+            <a:extLst>
+              <a:ext uri="{FF2B5EF4-FFF2-40B4-BE49-F238E27FC236}">
+                <a16:creationId xmlns:a16="http://schemas.microsoft.com/office/drawing/2014/main" id="{3FCF3979-E4B3-0634-4C0B-AB862892E9BF}"/>
+              </a:ext>
+            </a:extLst>
+          </p:cNvPr>
+          <p:cNvSpPr txBox="1"/>
+          <p:nvPr/>
+        </p:nvSpPr>
+        <p:spPr>
+          <a:xfrm>
+            <a:off x="596282" y="4054081"/>
+            <a:ext cx="4195638" cy="707886"/>
+          </a:xfrm>
+          <a:prstGeom prst="rect">
+            <a:avLst/>
+          </a:prstGeom>
+          <a:noFill/>
+        </p:spPr>
+        <p:txBody>
+          <a:bodyPr wrap="square" rtlCol="0">
+            <a:spAutoFit/>
+          </a:bodyPr>
+          <a:lstStyle/>
+          <a:p>
+            <a:r>
+              <a:rPr lang="en-IN" sz="4000" dirty="0">
+                <a:solidFill>
+                  <a:srgbClr val="F4F4F2"/>
+                </a:solidFill>
+                <a:latin typeface="Amasis MT Pro Black" panose="02040A04050005020304" pitchFamily="18" charset="0"/>
+              </a:rPr>
+              <a:t>Purpose:</a:t>
+            </a:r>
+          </a:p>
+        </p:txBody>
+      </p:sp>
+      <p:sp>
+        <p:nvSpPr>
+          <p:cNvPr id="8" name="TextBox 7">
+            <a:extLst>
+              <a:ext uri="{FF2B5EF4-FFF2-40B4-BE49-F238E27FC236}">
+                <a16:creationId xmlns:a16="http://schemas.microsoft.com/office/drawing/2014/main" id="{4CE4714F-5B28-DDDA-2E6D-2AD9A4F1FC7E}"/>
+              </a:ext>
+            </a:extLst>
+          </p:cNvPr>
+          <p:cNvSpPr txBox="1"/>
+          <p:nvPr/>
+        </p:nvSpPr>
+        <p:spPr>
+          <a:xfrm>
+            <a:off x="688628" y="4868765"/>
+            <a:ext cx="7735502" cy="1200329"/>
+          </a:xfrm>
+          <a:prstGeom prst="rect">
+            <a:avLst/>
+          </a:prstGeom>
+          <a:noFill/>
+        </p:spPr>
+        <p:txBody>
+          <a:bodyPr wrap="square" rtlCol="0">
+            <a:spAutoFit/>
+          </a:bodyPr>
+          <a:lstStyle/>
           <a:p>
             <a:pPr marL="342900" marR="0" lvl="0" indent="-342900" algn="l" defTabSz="457200" rtl="0" eaLnBrk="1" fontAlgn="auto" latinLnBrk="0" hangingPunct="1">
               <a:lnSpc>
@@ -8640,7 +10736,36 @@
               <a:defRPr/>
             </a:pPr>
             <a:r>
-              <a:rPr kumimoji="0" lang="en-IN" sz="2400" b="0" i="0" u="none" strike="noStrike" kern="1200" cap="none" spc="0" normalizeH="0" noProof="0" dirty="0" smtClean="0">
+              <a:rPr lang="en-IN" sz="2400" dirty="0">
+                <a:solidFill>
+                  <a:prstClr val="white"/>
+                </a:solidFill>
+                <a:latin typeface="Cascadia Code SemiBold" pitchFamily="50" charset="0"/>
+                <a:cs typeface="Cascadia Code SemiBold" pitchFamily="50" charset="0"/>
+              </a:rPr>
+              <a:t>Entry</a:t>
+            </a:r>
+          </a:p>
+          <a:p>
+            <a:pPr marL="342900" marR="0" lvl="0" indent="-342900" algn="l" defTabSz="457200" rtl="0" eaLnBrk="1" fontAlgn="auto" latinLnBrk="0" hangingPunct="1">
+              <a:lnSpc>
+                <a:spcPct val="100000"/>
+              </a:lnSpc>
+              <a:spcBef>
+                <a:spcPts val="0"/>
+              </a:spcBef>
+              <a:spcAft>
+                <a:spcPts val="0"/>
+              </a:spcAft>
+              <a:buClrTx/>
+              <a:buSzTx/>
+              <a:buFont typeface="Arial" panose="020B0604020202020204" pitchFamily="34" charset="0"/>
+              <a:buChar char="•"/>
+              <a:tabLst/>
+              <a:defRPr/>
+            </a:pPr>
+            <a:r>
+              <a:rPr kumimoji="0" lang="en-IN" sz="2400" b="0" i="0" u="none" strike="noStrike" kern="1200" cap="none" spc="0" normalizeH="0" noProof="0" dirty="0">
                 <a:ln>
                   <a:noFill/>
                 </a:ln>
@@ -8693,7 +10818,1146 @@
     </p:spTree>
     <p:extLst>
       <p:ext uri="{BB962C8B-B14F-4D97-AF65-F5344CB8AC3E}">
-        <p14:creationId xmlns:p14="http://schemas.microsoft.com/office/powerpoint/2010/main" xmlns="" val="2656182769"/>
+        <p14:creationId xmlns:p14="http://schemas.microsoft.com/office/powerpoint/2010/main" val="2656182769"/>
+      </p:ext>
+    </p:extLst>
+  </p:cSld>
+  <p:clrMapOvr>
+    <a:masterClrMapping/>
+  </p:clrMapOvr>
+  <p:timing>
+    <p:tnLst>
+      <p:par>
+        <p:cTn id="1" dur="indefinite" restart="never" nodeType="tmRoot">
+          <p:childTnLst>
+            <p:seq concurrent="1" nextAc="seek">
+              <p:cTn id="2" dur="indefinite" nodeType="mainSeq">
+                <p:childTnLst>
+                  <p:par>
+                    <p:cTn id="3" fill="hold">
+                      <p:stCondLst>
+                        <p:cond delay="indefinite"/>
+                      </p:stCondLst>
+                      <p:childTnLst>
+                        <p:par>
+                          <p:cTn id="4" fill="hold">
+                            <p:stCondLst>
+                              <p:cond delay="0"/>
+                            </p:stCondLst>
+                            <p:childTnLst>
+                              <p:par>
+                                <p:cTn id="5" presetID="10" presetClass="entr" presetSubtype="0" fill="hold" grpId="0" nodeType="clickEffect">
+                                  <p:stCondLst>
+                                    <p:cond delay="0"/>
+                                  </p:stCondLst>
+                                  <p:childTnLst>
+                                    <p:set>
+                                      <p:cBhvr>
+                                        <p:cTn id="6" dur="1" fill="hold">
+                                          <p:stCondLst>
+                                            <p:cond delay="0"/>
+                                          </p:stCondLst>
+                                        </p:cTn>
+                                        <p:tgtEl>
+                                          <p:spTgt spid="5"/>
+                                        </p:tgtEl>
+                                        <p:attrNameLst>
+                                          <p:attrName>style.visibility</p:attrName>
+                                        </p:attrNameLst>
+                                      </p:cBhvr>
+                                      <p:to>
+                                        <p:strVal val="visible"/>
+                                      </p:to>
+                                    </p:set>
+                                    <p:animEffect transition="in" filter="fade">
+                                      <p:cBhvr>
+                                        <p:cTn id="7" dur="500"/>
+                                        <p:tgtEl>
+                                          <p:spTgt spid="5"/>
+                                        </p:tgtEl>
+                                      </p:cBhvr>
+                                    </p:animEffect>
+                                  </p:childTnLst>
+                                </p:cTn>
+                              </p:par>
+                            </p:childTnLst>
+                          </p:cTn>
+                        </p:par>
+                      </p:childTnLst>
+                    </p:cTn>
+                  </p:par>
+                  <p:par>
+                    <p:cTn id="8" fill="hold">
+                      <p:stCondLst>
+                        <p:cond delay="indefinite"/>
+                      </p:stCondLst>
+                      <p:childTnLst>
+                        <p:par>
+                          <p:cTn id="9" fill="hold">
+                            <p:stCondLst>
+                              <p:cond delay="0"/>
+                            </p:stCondLst>
+                            <p:childTnLst>
+                              <p:par>
+                                <p:cTn id="10" presetID="10" presetClass="entr" presetSubtype="0" fill="hold" grpId="0" nodeType="clickEffect">
+                                  <p:stCondLst>
+                                    <p:cond delay="0"/>
+                                  </p:stCondLst>
+                                  <p:childTnLst>
+                                    <p:set>
+                                      <p:cBhvr>
+                                        <p:cTn id="11" dur="1" fill="hold">
+                                          <p:stCondLst>
+                                            <p:cond delay="0"/>
+                                          </p:stCondLst>
+                                        </p:cTn>
+                                        <p:tgtEl>
+                                          <p:spTgt spid="7"/>
+                                        </p:tgtEl>
+                                        <p:attrNameLst>
+                                          <p:attrName>style.visibility</p:attrName>
+                                        </p:attrNameLst>
+                                      </p:cBhvr>
+                                      <p:to>
+                                        <p:strVal val="visible"/>
+                                      </p:to>
+                                    </p:set>
+                                    <p:animEffect transition="in" filter="fade">
+                                      <p:cBhvr>
+                                        <p:cTn id="12" dur="500"/>
+                                        <p:tgtEl>
+                                          <p:spTgt spid="7"/>
+                                        </p:tgtEl>
+                                      </p:cBhvr>
+                                    </p:animEffect>
+                                  </p:childTnLst>
+                                </p:cTn>
+                              </p:par>
+                            </p:childTnLst>
+                          </p:cTn>
+                        </p:par>
+                      </p:childTnLst>
+                    </p:cTn>
+                  </p:par>
+                  <p:par>
+                    <p:cTn id="13" fill="hold">
+                      <p:stCondLst>
+                        <p:cond delay="indefinite"/>
+                      </p:stCondLst>
+                      <p:childTnLst>
+                        <p:par>
+                          <p:cTn id="14" fill="hold">
+                            <p:stCondLst>
+                              <p:cond delay="0"/>
+                            </p:stCondLst>
+                            <p:childTnLst>
+                              <p:par>
+                                <p:cTn id="15" presetID="10" presetClass="entr" presetSubtype="0" fill="hold" grpId="0" nodeType="clickEffect">
+                                  <p:stCondLst>
+                                    <p:cond delay="0"/>
+                                  </p:stCondLst>
+                                  <p:childTnLst>
+                                    <p:set>
+                                      <p:cBhvr>
+                                        <p:cTn id="16" dur="1" fill="hold">
+                                          <p:stCondLst>
+                                            <p:cond delay="0"/>
+                                          </p:stCondLst>
+                                        </p:cTn>
+                                        <p:tgtEl>
+                                          <p:spTgt spid="8"/>
+                                        </p:tgtEl>
+                                        <p:attrNameLst>
+                                          <p:attrName>style.visibility</p:attrName>
+                                        </p:attrNameLst>
+                                      </p:cBhvr>
+                                      <p:to>
+                                        <p:strVal val="visible"/>
+                                      </p:to>
+                                    </p:set>
+                                    <p:animEffect transition="in" filter="fade">
+                                      <p:cBhvr>
+                                        <p:cTn id="17" dur="500"/>
+                                        <p:tgtEl>
+                                          <p:spTgt spid="8"/>
+                                        </p:tgtEl>
+                                      </p:cBhvr>
+                                    </p:animEffect>
+                                  </p:childTnLst>
+                                </p:cTn>
+                              </p:par>
+                            </p:childTnLst>
+                          </p:cTn>
+                        </p:par>
+                      </p:childTnLst>
+                    </p:cTn>
+                  </p:par>
+                </p:childTnLst>
+              </p:cTn>
+              <p:prevCondLst>
+                <p:cond evt="onPrev" delay="0">
+                  <p:tgtEl>
+                    <p:sldTgt/>
+                  </p:tgtEl>
+                </p:cond>
+              </p:prevCondLst>
+              <p:nextCondLst>
+                <p:cond evt="onNext" delay="0">
+                  <p:tgtEl>
+                    <p:sldTgt/>
+                  </p:tgtEl>
+                </p:cond>
+              </p:nextCondLst>
+            </p:seq>
+          </p:childTnLst>
+        </p:cTn>
+      </p:par>
+    </p:tnLst>
+    <p:bldLst>
+      <p:bldP spid="5" grpId="0"/>
+      <p:bldP spid="7" grpId="0"/>
+      <p:bldP spid="8" grpId="0"/>
+    </p:bldLst>
+  </p:timing>
+</p:sld>
+</file>
+
+<file path=ppt/slides/slide4.xml><?xml version="1.0" encoding="utf-8"?>
+<p:sld xmlns:a="http://schemas.openxmlformats.org/drawingml/2006/main" xmlns:r="http://schemas.openxmlformats.org/officeDocument/2006/relationships" xmlns:p="http://schemas.openxmlformats.org/presentationml/2006/main">
+  <p:cSld>
+    <p:bg>
+      <p:bgPr>
+        <a:solidFill>
+          <a:srgbClr val="4A206A"/>
+        </a:solidFill>
+        <a:effectLst/>
+      </p:bgPr>
+    </p:bg>
+    <p:spTree>
+      <p:nvGrpSpPr>
+        <p:cNvPr id="1" name=""/>
+        <p:cNvGrpSpPr/>
+        <p:nvPr/>
+      </p:nvGrpSpPr>
+      <p:grpSpPr>
+        <a:xfrm>
+          <a:off x="0" y="0"/>
+          <a:ext cx="0" cy="0"/>
+          <a:chOff x="0" y="0"/>
+          <a:chExt cx="0" cy="0"/>
+        </a:xfrm>
+      </p:grpSpPr>
+      <p:pic>
+        <p:nvPicPr>
+          <p:cNvPr id="4" name="Picture 3" descr="Chart&#10;&#10;Description automatically generated">
+            <a:extLst>
+              <a:ext uri="{FF2B5EF4-FFF2-40B4-BE49-F238E27FC236}">
+                <a16:creationId xmlns:a16="http://schemas.microsoft.com/office/drawing/2014/main" id="{48EAF253-E882-6FEF-BFD0-D45275CD3875}"/>
+              </a:ext>
+            </a:extLst>
+          </p:cNvPr>
+          <p:cNvPicPr>
+            <a:picLocks noChangeAspect="1"/>
+          </p:cNvPicPr>
+          <p:nvPr/>
+        </p:nvPicPr>
+        <p:blipFill>
+          <a:blip r:embed="rId2">
+            <a:extLst>
+              <a:ext uri="{28A0092B-C50C-407E-A947-70E740481C1C}">
+                <a14:useLocalDpi xmlns:a14="http://schemas.microsoft.com/office/drawing/2010/main" val="0"/>
+              </a:ext>
+            </a:extLst>
+          </a:blip>
+          <a:stretch>
+            <a:fillRect/>
+          </a:stretch>
+        </p:blipFill>
+        <p:spPr>
+          <a:xfrm>
+            <a:off x="1553496" y="381118"/>
+            <a:ext cx="6037007" cy="6095763"/>
+          </a:xfrm>
+          <a:prstGeom prst="rect">
+            <a:avLst/>
+          </a:prstGeom>
+        </p:spPr>
+      </p:pic>
+    </p:spTree>
+    <p:extLst>
+      <p:ext uri="{BB962C8B-B14F-4D97-AF65-F5344CB8AC3E}">
+        <p14:creationId xmlns:p14="http://schemas.microsoft.com/office/powerpoint/2010/main" val="452242741"/>
+      </p:ext>
+    </p:extLst>
+  </p:cSld>
+  <p:clrMapOvr>
+    <a:masterClrMapping/>
+  </p:clrMapOvr>
+</p:sld>
+</file>
+
+<file path=ppt/slides/slide5.xml><?xml version="1.0" encoding="utf-8"?>
+<p:sld xmlns:a="http://schemas.openxmlformats.org/drawingml/2006/main" xmlns:r="http://schemas.openxmlformats.org/officeDocument/2006/relationships" xmlns:p="http://schemas.openxmlformats.org/presentationml/2006/main">
+  <p:cSld>
+    <p:bg>
+      <p:bgPr>
+        <a:solidFill>
+          <a:srgbClr val="4A206A"/>
+        </a:solidFill>
+        <a:effectLst/>
+      </p:bgPr>
+    </p:bg>
+    <p:spTree>
+      <p:nvGrpSpPr>
+        <p:cNvPr id="1" name=""/>
+        <p:cNvGrpSpPr/>
+        <p:nvPr/>
+      </p:nvGrpSpPr>
+      <p:grpSpPr>
+        <a:xfrm>
+          <a:off x="0" y="0"/>
+          <a:ext cx="0" cy="0"/>
+          <a:chOff x="0" y="0"/>
+          <a:chExt cx="0" cy="0"/>
+        </a:xfrm>
+      </p:grpSpPr>
+      <p:pic>
+        <p:nvPicPr>
+          <p:cNvPr id="3" name="Picture 2" descr="Chart, waterfall chart&#10;&#10;Description automatically generated">
+            <a:extLst>
+              <a:ext uri="{FF2B5EF4-FFF2-40B4-BE49-F238E27FC236}">
+                <a16:creationId xmlns:a16="http://schemas.microsoft.com/office/drawing/2014/main" id="{30D136D4-D732-3665-317D-39D295BA5870}"/>
+              </a:ext>
+            </a:extLst>
+          </p:cNvPr>
+          <p:cNvPicPr>
+            <a:picLocks noChangeAspect="1"/>
+          </p:cNvPicPr>
+          <p:nvPr/>
+        </p:nvPicPr>
+        <p:blipFill>
+          <a:blip r:embed="rId2">
+            <a:extLst>
+              <a:ext uri="{28A0092B-C50C-407E-A947-70E740481C1C}">
+                <a14:useLocalDpi xmlns:a14="http://schemas.microsoft.com/office/drawing/2010/main" val="0"/>
+              </a:ext>
+            </a:extLst>
+          </a:blip>
+          <a:stretch>
+            <a:fillRect/>
+          </a:stretch>
+        </p:blipFill>
+        <p:spPr>
+          <a:xfrm>
+            <a:off x="1" y="1"/>
+            <a:ext cx="3793220" cy="3429000"/>
+          </a:xfrm>
+          <a:prstGeom prst="rect">
+            <a:avLst/>
+          </a:prstGeom>
+        </p:spPr>
+      </p:pic>
+    </p:spTree>
+    <p:extLst>
+      <p:ext uri="{BB962C8B-B14F-4D97-AF65-F5344CB8AC3E}">
+        <p14:creationId xmlns:p14="http://schemas.microsoft.com/office/powerpoint/2010/main" val="1529453938"/>
+      </p:ext>
+    </p:extLst>
+  </p:cSld>
+  <p:clrMapOvr>
+    <a:masterClrMapping/>
+  </p:clrMapOvr>
+</p:sld>
+</file>
+
+<file path=ppt/slides/slide6.xml><?xml version="1.0" encoding="utf-8"?>
+<p:sld xmlns:a="http://schemas.openxmlformats.org/drawingml/2006/main" xmlns:r="http://schemas.openxmlformats.org/officeDocument/2006/relationships" xmlns:p="http://schemas.openxmlformats.org/presentationml/2006/main">
+  <p:cSld>
+    <p:bg>
+      <p:bgPr>
+        <a:solidFill>
+          <a:srgbClr val="4A206A"/>
+        </a:solidFill>
+        <a:effectLst/>
+      </p:bgPr>
+    </p:bg>
+    <p:spTree>
+      <p:nvGrpSpPr>
+        <p:cNvPr id="1" name=""/>
+        <p:cNvGrpSpPr/>
+        <p:nvPr/>
+      </p:nvGrpSpPr>
+      <p:grpSpPr>
+        <a:xfrm>
+          <a:off x="0" y="0"/>
+          <a:ext cx="0" cy="0"/>
+          <a:chOff x="0" y="0"/>
+          <a:chExt cx="0" cy="0"/>
+        </a:xfrm>
+      </p:grpSpPr>
+      <p:pic>
+        <p:nvPicPr>
+          <p:cNvPr id="3" name="Picture 2" descr="Chart&#10;&#10;Description automatically generated">
+            <a:extLst>
+              <a:ext uri="{FF2B5EF4-FFF2-40B4-BE49-F238E27FC236}">
+                <a16:creationId xmlns:a16="http://schemas.microsoft.com/office/drawing/2014/main" id="{527DD8B3-7B3D-5DCA-F2F3-0926FD5C200A}"/>
+              </a:ext>
+            </a:extLst>
+          </p:cNvPr>
+          <p:cNvPicPr>
+            <a:picLocks noChangeAspect="1"/>
+          </p:cNvPicPr>
+          <p:nvPr/>
+        </p:nvPicPr>
+        <p:blipFill>
+          <a:blip r:embed="rId2">
+            <a:extLst>
+              <a:ext uri="{28A0092B-C50C-407E-A947-70E740481C1C}">
+                <a14:useLocalDpi xmlns:a14="http://schemas.microsoft.com/office/drawing/2010/main" val="0"/>
+              </a:ext>
+            </a:extLst>
+          </a:blip>
+          <a:stretch>
+            <a:fillRect/>
+          </a:stretch>
+        </p:blipFill>
+        <p:spPr>
+          <a:xfrm>
+            <a:off x="1009402" y="685800"/>
+            <a:ext cx="7125196" cy="5486400"/>
+          </a:xfrm>
+          <a:prstGeom prst="rect">
+            <a:avLst/>
+          </a:prstGeom>
+        </p:spPr>
+      </p:pic>
+    </p:spTree>
+    <p:extLst>
+      <p:ext uri="{BB962C8B-B14F-4D97-AF65-F5344CB8AC3E}">
+        <p14:creationId xmlns:p14="http://schemas.microsoft.com/office/powerpoint/2010/main" val="1457091506"/>
+      </p:ext>
+    </p:extLst>
+  </p:cSld>
+  <p:clrMapOvr>
+    <a:masterClrMapping/>
+  </p:clrMapOvr>
+</p:sld>
+</file>
+
+<file path=ppt/slides/slide7.xml><?xml version="1.0" encoding="utf-8"?>
+<p:sld xmlns:a="http://schemas.openxmlformats.org/drawingml/2006/main" xmlns:r="http://schemas.openxmlformats.org/officeDocument/2006/relationships" xmlns:p="http://schemas.openxmlformats.org/presentationml/2006/main">
+  <p:cSld>
+    <p:bg>
+      <p:bgPr>
+        <a:blipFill dpi="0" rotWithShape="1">
+          <a:blip r:embed="rId2">
+            <a:lum/>
+          </a:blip>
+          <a:srcRect/>
+          <a:stretch>
+            <a:fillRect/>
+          </a:stretch>
+        </a:blipFill>
+        <a:effectLst/>
+      </p:bgPr>
+    </p:bg>
+    <p:spTree>
+      <p:nvGrpSpPr>
+        <p:cNvPr id="1" name=""/>
+        <p:cNvGrpSpPr/>
+        <p:nvPr/>
+      </p:nvGrpSpPr>
+      <p:grpSpPr>
+        <a:xfrm>
+          <a:off x="0" y="0"/>
+          <a:ext cx="0" cy="0"/>
+          <a:chOff x="0" y="0"/>
+          <a:chExt cx="0" cy="0"/>
+        </a:xfrm>
+      </p:grpSpPr>
+    </p:spTree>
+    <p:extLst>
+      <p:ext uri="{BB962C8B-B14F-4D97-AF65-F5344CB8AC3E}">
+        <p14:creationId xmlns:p14="http://schemas.microsoft.com/office/powerpoint/2010/main" val="1711200710"/>
+      </p:ext>
+    </p:extLst>
+  </p:cSld>
+  <p:clrMapOvr>
+    <a:masterClrMapping/>
+  </p:clrMapOvr>
+</p:sld>
+</file>
+
+<file path=ppt/slides/slide8.xml><?xml version="1.0" encoding="utf-8"?>
+<p:sld xmlns:a="http://schemas.openxmlformats.org/drawingml/2006/main" xmlns:r="http://schemas.openxmlformats.org/officeDocument/2006/relationships" xmlns:p="http://schemas.openxmlformats.org/presentationml/2006/main">
+  <p:cSld>
+    <p:bg>
+      <p:bgPr>
+        <a:solidFill>
+          <a:srgbClr val="4A206A"/>
+        </a:solidFill>
+        <a:effectLst/>
+      </p:bgPr>
+    </p:bg>
+    <p:spTree>
+      <p:nvGrpSpPr>
+        <p:cNvPr id="1" name=""/>
+        <p:cNvGrpSpPr/>
+        <p:nvPr/>
+      </p:nvGrpSpPr>
+      <p:grpSpPr>
+        <a:xfrm>
+          <a:off x="0" y="0"/>
+          <a:ext cx="0" cy="0"/>
+          <a:chOff x="0" y="0"/>
+          <a:chExt cx="0" cy="0"/>
+        </a:xfrm>
+      </p:grpSpPr>
+      <p:sp>
+        <p:nvSpPr>
+          <p:cNvPr id="3" name="TextBox 2">
+            <a:extLst>
+              <a:ext uri="{FF2B5EF4-FFF2-40B4-BE49-F238E27FC236}">
+                <a16:creationId xmlns:a16="http://schemas.microsoft.com/office/drawing/2014/main" id="{3FCF3979-E4B3-0634-4C0B-AB862892E9BF}"/>
+              </a:ext>
+            </a:extLst>
+          </p:cNvPr>
+          <p:cNvSpPr txBox="1"/>
+          <p:nvPr/>
+        </p:nvSpPr>
+        <p:spPr>
+          <a:xfrm>
+            <a:off x="478295" y="471805"/>
+            <a:ext cx="5272083" cy="707886"/>
+          </a:xfrm>
+          <a:prstGeom prst="rect">
+            <a:avLst/>
+          </a:prstGeom>
+          <a:noFill/>
+        </p:spPr>
+        <p:txBody>
+          <a:bodyPr wrap="square" rtlCol="0">
+            <a:spAutoFit/>
+          </a:bodyPr>
+          <a:lstStyle/>
+          <a:p>
+            <a:pPr marL="0" marR="0" lvl="0" indent="0" algn="l" defTabSz="914400" rtl="0" eaLnBrk="1" fontAlgn="auto" latinLnBrk="0" hangingPunct="1">
+              <a:lnSpc>
+                <a:spcPct val="100000"/>
+              </a:lnSpc>
+              <a:spcBef>
+                <a:spcPts val="0"/>
+              </a:spcBef>
+              <a:spcAft>
+                <a:spcPts val="0"/>
+              </a:spcAft>
+              <a:buClrTx/>
+              <a:buSzTx/>
+              <a:buFontTx/>
+              <a:buNone/>
+              <a:tabLst/>
+              <a:defRPr/>
+            </a:pPr>
+            <a:r>
+              <a:rPr kumimoji="0" lang="en-IN" sz="4000" b="0" i="0" u="none" strike="noStrike" kern="1200" cap="none" spc="0" normalizeH="0" baseline="0" noProof="0" dirty="0">
+                <a:ln>
+                  <a:noFill/>
+                </a:ln>
+                <a:solidFill>
+                  <a:srgbClr val="F4F4F2"/>
+                </a:solidFill>
+                <a:effectLst/>
+                <a:uLnTx/>
+                <a:uFillTx/>
+                <a:latin typeface="Amasis MT Pro Black" panose="02040A04050005020304" pitchFamily="18" charset="0"/>
+                <a:ea typeface="+mn-ea"/>
+                <a:cs typeface="+mn-cs"/>
+              </a:rPr>
+              <a:t>Trend &amp; Trendline:</a:t>
+            </a:r>
+          </a:p>
+        </p:txBody>
+      </p:sp>
+      <p:sp>
+        <p:nvSpPr>
+          <p:cNvPr id="5" name="TextBox 4">
+            <a:extLst>
+              <a:ext uri="{FF2B5EF4-FFF2-40B4-BE49-F238E27FC236}">
+                <a16:creationId xmlns:a16="http://schemas.microsoft.com/office/drawing/2014/main" id="{4CE4714F-5B28-DDDA-2E6D-2AD9A4F1FC7E}"/>
+              </a:ext>
+            </a:extLst>
+          </p:cNvPr>
+          <p:cNvSpPr txBox="1"/>
+          <p:nvPr/>
+        </p:nvSpPr>
+        <p:spPr>
+          <a:xfrm>
+            <a:off x="688628" y="1314495"/>
+            <a:ext cx="7735502" cy="1569660"/>
+          </a:xfrm>
+          <a:prstGeom prst="rect">
+            <a:avLst/>
+          </a:prstGeom>
+          <a:noFill/>
+        </p:spPr>
+        <p:txBody>
+          <a:bodyPr wrap="square" rtlCol="0">
+            <a:spAutoFit/>
+          </a:bodyPr>
+          <a:lstStyle/>
+          <a:p>
+            <a:pPr marR="0" lvl="0" algn="l" defTabSz="457200" rtl="0" eaLnBrk="1" fontAlgn="auto" latinLnBrk="0" hangingPunct="1">
+              <a:lnSpc>
+                <a:spcPct val="100000"/>
+              </a:lnSpc>
+              <a:spcBef>
+                <a:spcPts val="0"/>
+              </a:spcBef>
+              <a:spcAft>
+                <a:spcPts val="0"/>
+              </a:spcAft>
+              <a:buClrTx/>
+              <a:buSzTx/>
+              <a:tabLst/>
+              <a:defRPr/>
+            </a:pPr>
+            <a:r>
+              <a:rPr kumimoji="0" lang="en-IN" sz="2400" b="0" i="0" u="none" strike="noStrike" kern="1200" cap="none" spc="0" normalizeH="0" baseline="0" noProof="0" dirty="0">
+                <a:ln>
+                  <a:noFill/>
+                </a:ln>
+                <a:solidFill>
+                  <a:prstClr val="white"/>
+                </a:solidFill>
+                <a:effectLst/>
+                <a:uLnTx/>
+                <a:uFillTx/>
+                <a:latin typeface="Cascadia Code SemiBold" pitchFamily="50" charset="0"/>
+                <a:ea typeface="+mn-ea"/>
+                <a:cs typeface="Cascadia Code SemiBold" pitchFamily="50" charset="0"/>
+              </a:rPr>
+              <a:t>3</a:t>
+            </a:r>
+            <a:r>
+              <a:rPr kumimoji="0" lang="en-IN" sz="2400" b="0" i="0" u="none" strike="noStrike" kern="1200" cap="none" spc="0" normalizeH="0" noProof="0" dirty="0">
+                <a:ln>
+                  <a:noFill/>
+                </a:ln>
+                <a:solidFill>
+                  <a:prstClr val="white"/>
+                </a:solidFill>
+                <a:effectLst/>
+                <a:uLnTx/>
+                <a:uFillTx/>
+                <a:latin typeface="Cascadia Code SemiBold" pitchFamily="50" charset="0"/>
+                <a:ea typeface="+mn-ea"/>
+                <a:cs typeface="Cascadia Code SemiBold" pitchFamily="50" charset="0"/>
+              </a:rPr>
+              <a:t> Trends</a:t>
+            </a:r>
+          </a:p>
+          <a:p>
+            <a:pPr marR="0" lvl="0" algn="l" defTabSz="457200" rtl="0" eaLnBrk="1" fontAlgn="auto" latinLnBrk="0" hangingPunct="1">
+              <a:lnSpc>
+                <a:spcPct val="100000"/>
+              </a:lnSpc>
+              <a:spcBef>
+                <a:spcPts val="0"/>
+              </a:spcBef>
+              <a:spcAft>
+                <a:spcPts val="0"/>
+              </a:spcAft>
+              <a:buClrTx/>
+              <a:buSzTx/>
+              <a:tabLst/>
+              <a:defRPr/>
+            </a:pPr>
+            <a:r>
+              <a:rPr lang="en-IN" sz="2400" baseline="0" dirty="0">
+                <a:solidFill>
+                  <a:prstClr val="white"/>
+                </a:solidFill>
+                <a:latin typeface="Cascadia Code SemiBold" pitchFamily="50" charset="0"/>
+                <a:cs typeface="Cascadia Code SemiBold" pitchFamily="50" charset="0"/>
+              </a:rPr>
+              <a:t>Uptrend</a:t>
+            </a:r>
+            <a:r>
+              <a:rPr lang="en-IN" sz="2400" dirty="0">
+                <a:solidFill>
+                  <a:prstClr val="white"/>
+                </a:solidFill>
+                <a:latin typeface="Cascadia Code SemiBold" pitchFamily="50" charset="0"/>
+                <a:cs typeface="Cascadia Code SemiBold" pitchFamily="50" charset="0"/>
+              </a:rPr>
+              <a:t> – Bullish Market – Price Rises</a:t>
+            </a:r>
+          </a:p>
+          <a:p>
+            <a:pPr marR="0" lvl="0" algn="l" defTabSz="457200" rtl="0" eaLnBrk="1" fontAlgn="auto" latinLnBrk="0" hangingPunct="1">
+              <a:lnSpc>
+                <a:spcPct val="100000"/>
+              </a:lnSpc>
+              <a:spcBef>
+                <a:spcPts val="0"/>
+              </a:spcBef>
+              <a:spcAft>
+                <a:spcPts val="0"/>
+              </a:spcAft>
+              <a:buClrTx/>
+              <a:buSzTx/>
+              <a:tabLst/>
+              <a:defRPr/>
+            </a:pPr>
+            <a:r>
+              <a:rPr kumimoji="0" lang="en-IN" sz="2400" b="0" i="0" u="none" strike="noStrike" kern="1200" cap="none" spc="0" normalizeH="0" baseline="0" noProof="0" dirty="0">
+                <a:ln>
+                  <a:noFill/>
+                </a:ln>
+                <a:solidFill>
+                  <a:prstClr val="white"/>
+                </a:solidFill>
+                <a:effectLst/>
+                <a:uLnTx/>
+                <a:uFillTx/>
+                <a:latin typeface="Cascadia Code SemiBold" pitchFamily="50" charset="0"/>
+                <a:ea typeface="+mn-ea"/>
+                <a:cs typeface="Cascadia Code SemiBold" pitchFamily="50" charset="0"/>
+              </a:rPr>
+              <a:t>Downtrend</a:t>
+            </a:r>
+            <a:r>
+              <a:rPr kumimoji="0" lang="en-IN" sz="2400" b="0" i="0" u="none" strike="noStrike" kern="1200" cap="none" spc="0" normalizeH="0" noProof="0" dirty="0">
+                <a:ln>
+                  <a:noFill/>
+                </a:ln>
+                <a:solidFill>
+                  <a:prstClr val="white"/>
+                </a:solidFill>
+                <a:effectLst/>
+                <a:uLnTx/>
+                <a:uFillTx/>
+                <a:latin typeface="Cascadia Code SemiBold" pitchFamily="50" charset="0"/>
+                <a:ea typeface="+mn-ea"/>
+                <a:cs typeface="Cascadia Code SemiBold" pitchFamily="50" charset="0"/>
+              </a:rPr>
+              <a:t> – Bearish Market – Price Falls</a:t>
+            </a:r>
+          </a:p>
+          <a:p>
+            <a:pPr marR="0" lvl="0" algn="l" defTabSz="457200" rtl="0" eaLnBrk="1" fontAlgn="auto" latinLnBrk="0" hangingPunct="1">
+              <a:lnSpc>
+                <a:spcPct val="100000"/>
+              </a:lnSpc>
+              <a:spcBef>
+                <a:spcPts val="0"/>
+              </a:spcBef>
+              <a:spcAft>
+                <a:spcPts val="0"/>
+              </a:spcAft>
+              <a:buClrTx/>
+              <a:buSzTx/>
+              <a:tabLst/>
+              <a:defRPr/>
+            </a:pPr>
+            <a:r>
+              <a:rPr lang="en-IN" sz="2400" baseline="0" dirty="0">
+                <a:solidFill>
+                  <a:prstClr val="white"/>
+                </a:solidFill>
+                <a:latin typeface="Cascadia Code SemiBold" pitchFamily="50" charset="0"/>
+                <a:cs typeface="Cascadia Code SemiBold" pitchFamily="50" charset="0"/>
+              </a:rPr>
+              <a:t>Sideways</a:t>
+            </a:r>
+            <a:r>
+              <a:rPr lang="en-IN" sz="2400" dirty="0">
+                <a:solidFill>
+                  <a:prstClr val="white"/>
+                </a:solidFill>
+                <a:latin typeface="Cascadia Code SemiBold" pitchFamily="50" charset="0"/>
+                <a:cs typeface="Cascadia Code SemiBold" pitchFamily="50" charset="0"/>
+              </a:rPr>
+              <a:t> – Range Bound</a:t>
+            </a:r>
+            <a:endParaRPr kumimoji="0" lang="en-IN" sz="2400" b="0" i="0" u="none" strike="noStrike" kern="1200" cap="none" spc="0" normalizeH="0" baseline="0" noProof="0" dirty="0">
+              <a:ln>
+                <a:noFill/>
+              </a:ln>
+              <a:solidFill>
+                <a:prstClr val="white"/>
+              </a:solidFill>
+              <a:effectLst/>
+              <a:uLnTx/>
+              <a:uFillTx/>
+              <a:latin typeface="Cascadia Code SemiBold" pitchFamily="50" charset="0"/>
+              <a:ea typeface="+mn-ea"/>
+              <a:cs typeface="Cascadia Code SemiBold" pitchFamily="50" charset="0"/>
+            </a:endParaRPr>
+          </a:p>
+        </p:txBody>
+      </p:sp>
+    </p:spTree>
+    <p:extLst>
+      <p:ext uri="{BB962C8B-B14F-4D97-AF65-F5344CB8AC3E}">
+        <p14:creationId xmlns:p14="http://schemas.microsoft.com/office/powerpoint/2010/main" val="354039764"/>
+      </p:ext>
+    </p:extLst>
+  </p:cSld>
+  <p:clrMapOvr>
+    <a:masterClrMapping/>
+  </p:clrMapOvr>
+  <p:timing>
+    <p:tnLst>
+      <p:par>
+        <p:cTn id="1" dur="indefinite" restart="never" nodeType="tmRoot">
+          <p:childTnLst>
+            <p:seq concurrent="1" nextAc="seek">
+              <p:cTn id="2" dur="indefinite" nodeType="mainSeq">
+                <p:childTnLst>
+                  <p:par>
+                    <p:cTn id="3" fill="hold">
+                      <p:stCondLst>
+                        <p:cond delay="indefinite"/>
+                      </p:stCondLst>
+                      <p:childTnLst>
+                        <p:par>
+                          <p:cTn id="4" fill="hold">
+                            <p:stCondLst>
+                              <p:cond delay="0"/>
+                            </p:stCondLst>
+                            <p:childTnLst>
+                              <p:par>
+                                <p:cTn id="5" presetID="10" presetClass="entr" presetSubtype="0" fill="hold" grpId="0" nodeType="clickEffect">
+                                  <p:stCondLst>
+                                    <p:cond delay="0"/>
+                                  </p:stCondLst>
+                                  <p:childTnLst>
+                                    <p:set>
+                                      <p:cBhvr>
+                                        <p:cTn id="6" dur="1" fill="hold">
+                                          <p:stCondLst>
+                                            <p:cond delay="0"/>
+                                          </p:stCondLst>
+                                        </p:cTn>
+                                        <p:tgtEl>
+                                          <p:spTgt spid="5"/>
+                                        </p:tgtEl>
+                                        <p:attrNameLst>
+                                          <p:attrName>style.visibility</p:attrName>
+                                        </p:attrNameLst>
+                                      </p:cBhvr>
+                                      <p:to>
+                                        <p:strVal val="visible"/>
+                                      </p:to>
+                                    </p:set>
+                                    <p:animEffect transition="in" filter="fade">
+                                      <p:cBhvr>
+                                        <p:cTn id="7" dur="500"/>
+                                        <p:tgtEl>
+                                          <p:spTgt spid="5"/>
+                                        </p:tgtEl>
+                                      </p:cBhvr>
+                                    </p:animEffect>
+                                  </p:childTnLst>
+                                </p:cTn>
+                              </p:par>
+                            </p:childTnLst>
+                          </p:cTn>
+                        </p:par>
+                      </p:childTnLst>
+                    </p:cTn>
+                  </p:par>
+                </p:childTnLst>
+              </p:cTn>
+              <p:prevCondLst>
+                <p:cond evt="onPrev" delay="0">
+                  <p:tgtEl>
+                    <p:sldTgt/>
+                  </p:tgtEl>
+                </p:cond>
+              </p:prevCondLst>
+              <p:nextCondLst>
+                <p:cond evt="onNext" delay="0">
+                  <p:tgtEl>
+                    <p:sldTgt/>
+                  </p:tgtEl>
+                </p:cond>
+              </p:nextCondLst>
+            </p:seq>
+          </p:childTnLst>
+        </p:cTn>
+      </p:par>
+    </p:tnLst>
+    <p:bldLst>
+      <p:bldP spid="5" grpId="0"/>
+    </p:bldLst>
+  </p:timing>
+</p:sld>
+</file>
+
+<file path=ppt/slides/slide9.xml><?xml version="1.0" encoding="utf-8"?>
+<p:sld xmlns:a="http://schemas.openxmlformats.org/drawingml/2006/main" xmlns:r="http://schemas.openxmlformats.org/officeDocument/2006/relationships" xmlns:p="http://schemas.openxmlformats.org/presentationml/2006/main">
+  <p:cSld>
+    <p:bg>
+      <p:bgPr>
+        <a:solidFill>
+          <a:srgbClr val="4A206A"/>
+        </a:solidFill>
+        <a:effectLst/>
+      </p:bgPr>
+    </p:bg>
+    <p:spTree>
+      <p:nvGrpSpPr>
+        <p:cNvPr id="1" name=""/>
+        <p:cNvGrpSpPr/>
+        <p:nvPr/>
+      </p:nvGrpSpPr>
+      <p:grpSpPr>
+        <a:xfrm>
+          <a:off x="0" y="0"/>
+          <a:ext cx="0" cy="0"/>
+          <a:chOff x="0" y="0"/>
+          <a:chExt cx="0" cy="0"/>
+        </a:xfrm>
+      </p:grpSpPr>
+      <p:sp>
+        <p:nvSpPr>
+          <p:cNvPr id="3" name="TextBox 2">
+            <a:extLst>
+              <a:ext uri="{FF2B5EF4-FFF2-40B4-BE49-F238E27FC236}">
+                <a16:creationId xmlns:a16="http://schemas.microsoft.com/office/drawing/2014/main" id="{3FCF3979-E4B3-0634-4C0B-AB862892E9BF}"/>
+              </a:ext>
+            </a:extLst>
+          </p:cNvPr>
+          <p:cNvSpPr txBox="1"/>
+          <p:nvPr/>
+        </p:nvSpPr>
+        <p:spPr>
+          <a:xfrm>
+            <a:off x="478295" y="471805"/>
+            <a:ext cx="6905731" cy="707886"/>
+          </a:xfrm>
+          <a:prstGeom prst="rect">
+            <a:avLst/>
+          </a:prstGeom>
+          <a:noFill/>
+        </p:spPr>
+        <p:txBody>
+          <a:bodyPr wrap="square" rtlCol="0">
+            <a:spAutoFit/>
+          </a:bodyPr>
+          <a:lstStyle/>
+          <a:p>
+            <a:pPr marL="0" marR="0" lvl="0" indent="0" algn="l" defTabSz="914400" rtl="0" eaLnBrk="1" fontAlgn="auto" latinLnBrk="0" hangingPunct="1">
+              <a:lnSpc>
+                <a:spcPct val="100000"/>
+              </a:lnSpc>
+              <a:spcBef>
+                <a:spcPts val="0"/>
+              </a:spcBef>
+              <a:spcAft>
+                <a:spcPts val="0"/>
+              </a:spcAft>
+              <a:buClrTx/>
+              <a:buSzTx/>
+              <a:buFontTx/>
+              <a:buNone/>
+              <a:tabLst/>
+              <a:defRPr/>
+            </a:pPr>
+            <a:r>
+              <a:rPr kumimoji="0" lang="en-IN" sz="4000" b="0" i="0" u="none" strike="noStrike" kern="1200" cap="none" spc="0" normalizeH="0" baseline="0" noProof="0" dirty="0">
+                <a:ln>
+                  <a:noFill/>
+                </a:ln>
+                <a:solidFill>
+                  <a:srgbClr val="F4F4F2"/>
+                </a:solidFill>
+                <a:effectLst/>
+                <a:uLnTx/>
+                <a:uFillTx/>
+                <a:latin typeface="Amasis MT Pro Black" panose="02040A04050005020304" pitchFamily="18" charset="0"/>
+                <a:ea typeface="+mn-ea"/>
+                <a:cs typeface="+mn-cs"/>
+              </a:rPr>
+              <a:t>Support &amp; Resistance:</a:t>
+            </a:r>
+          </a:p>
+        </p:txBody>
+      </p:sp>
+      <p:sp>
+        <p:nvSpPr>
+          <p:cNvPr id="5" name="TextBox 4">
+            <a:extLst>
+              <a:ext uri="{FF2B5EF4-FFF2-40B4-BE49-F238E27FC236}">
+                <a16:creationId xmlns:a16="http://schemas.microsoft.com/office/drawing/2014/main" id="{4CE4714F-5B28-DDDA-2E6D-2AD9A4F1FC7E}"/>
+              </a:ext>
+            </a:extLst>
+          </p:cNvPr>
+          <p:cNvSpPr txBox="1"/>
+          <p:nvPr/>
+        </p:nvSpPr>
+        <p:spPr>
+          <a:xfrm>
+            <a:off x="478295" y="1304663"/>
+            <a:ext cx="7735502" cy="2677656"/>
+          </a:xfrm>
+          <a:prstGeom prst="rect">
+            <a:avLst/>
+          </a:prstGeom>
+          <a:noFill/>
+        </p:spPr>
+        <p:txBody>
+          <a:bodyPr wrap="square" rtlCol="0">
+            <a:spAutoFit/>
+          </a:bodyPr>
+          <a:lstStyle/>
+          <a:p>
+            <a:pPr marL="0" marR="0" lvl="0" indent="0" algn="l" defTabSz="457200" rtl="0" eaLnBrk="1" fontAlgn="auto" latinLnBrk="0" hangingPunct="1">
+              <a:lnSpc>
+                <a:spcPct val="100000"/>
+              </a:lnSpc>
+              <a:spcBef>
+                <a:spcPts val="0"/>
+              </a:spcBef>
+              <a:spcAft>
+                <a:spcPts val="0"/>
+              </a:spcAft>
+              <a:buClrTx/>
+              <a:buSzTx/>
+              <a:buFontTx/>
+              <a:buNone/>
+              <a:tabLst/>
+              <a:defRPr/>
+            </a:pPr>
+            <a:r>
+              <a:rPr kumimoji="0" lang="en-IN" sz="2400" b="0" i="0" u="none" strike="noStrike" kern="1200" cap="none" spc="0" normalizeH="0" baseline="0" noProof="0" dirty="0">
+                <a:ln>
+                  <a:noFill/>
+                </a:ln>
+                <a:solidFill>
+                  <a:prstClr val="white"/>
+                </a:solidFill>
+                <a:effectLst/>
+                <a:uLnTx/>
+                <a:uFillTx/>
+                <a:latin typeface="Cascadia Code SemiBold" pitchFamily="50" charset="0"/>
+                <a:ea typeface="+mn-ea"/>
+                <a:cs typeface="Cascadia Code SemiBold" pitchFamily="50" charset="0"/>
+              </a:rPr>
+              <a:t>Support – price</a:t>
+            </a:r>
+            <a:r>
+              <a:rPr kumimoji="0" lang="en-IN" sz="2400" b="0" i="0" u="none" strike="noStrike" kern="1200" cap="none" spc="0" normalizeH="0" noProof="0" dirty="0">
+                <a:ln>
+                  <a:noFill/>
+                </a:ln>
+                <a:solidFill>
+                  <a:prstClr val="white"/>
+                </a:solidFill>
+                <a:effectLst/>
+                <a:uLnTx/>
+                <a:uFillTx/>
+                <a:latin typeface="Cascadia Code SemiBold" pitchFamily="50" charset="0"/>
+                <a:ea typeface="+mn-ea"/>
+                <a:cs typeface="Cascadia Code SemiBold" pitchFamily="50" charset="0"/>
+              </a:rPr>
+              <a:t> level where demand exceeds supply and fall in prices is halted. Acts like a floor.</a:t>
+            </a:r>
+          </a:p>
+          <a:p>
+            <a:pPr marL="0" marR="0" lvl="0" indent="0" algn="l" defTabSz="457200" rtl="0" eaLnBrk="1" fontAlgn="auto" latinLnBrk="0" hangingPunct="1">
+              <a:lnSpc>
+                <a:spcPct val="100000"/>
+              </a:lnSpc>
+              <a:spcBef>
+                <a:spcPts val="0"/>
+              </a:spcBef>
+              <a:spcAft>
+                <a:spcPts val="0"/>
+              </a:spcAft>
+              <a:buClrTx/>
+              <a:buSzTx/>
+              <a:buFontTx/>
+              <a:buNone/>
+              <a:tabLst/>
+              <a:defRPr/>
+            </a:pPr>
+            <a:endParaRPr lang="en-IN" sz="2400" baseline="0" dirty="0">
+              <a:solidFill>
+                <a:prstClr val="white"/>
+              </a:solidFill>
+              <a:latin typeface="Cascadia Code SemiBold" pitchFamily="50" charset="0"/>
+              <a:cs typeface="Cascadia Code SemiBold" pitchFamily="50" charset="0"/>
+            </a:endParaRPr>
+          </a:p>
+          <a:p>
+            <a:pPr marL="0" marR="0" lvl="0" indent="0" algn="l" defTabSz="457200" rtl="0" eaLnBrk="1" fontAlgn="auto" latinLnBrk="0" hangingPunct="1">
+              <a:lnSpc>
+                <a:spcPct val="100000"/>
+              </a:lnSpc>
+              <a:spcBef>
+                <a:spcPts val="0"/>
+              </a:spcBef>
+              <a:spcAft>
+                <a:spcPts val="0"/>
+              </a:spcAft>
+              <a:buClrTx/>
+              <a:buSzTx/>
+              <a:buFontTx/>
+              <a:buNone/>
+              <a:tabLst/>
+              <a:defRPr/>
+            </a:pPr>
+            <a:r>
+              <a:rPr kumimoji="0" lang="en-IN" sz="2400" b="0" i="0" u="none" strike="noStrike" kern="1200" cap="none" spc="0" normalizeH="0" noProof="0" dirty="0">
+                <a:ln>
+                  <a:noFill/>
+                </a:ln>
+                <a:solidFill>
+                  <a:prstClr val="white"/>
+                </a:solidFill>
+                <a:effectLst/>
+                <a:uLnTx/>
+                <a:uFillTx/>
+                <a:latin typeface="Cascadia Code SemiBold" pitchFamily="50" charset="0"/>
+                <a:ea typeface="+mn-ea"/>
+                <a:cs typeface="Cascadia Code SemiBold" pitchFamily="50" charset="0"/>
+              </a:rPr>
+              <a:t>Resistance – price </a:t>
+            </a:r>
+            <a:r>
+              <a:rPr lang="en-IN" sz="2400" dirty="0">
+                <a:solidFill>
+                  <a:prstClr val="white"/>
+                </a:solidFill>
+                <a:latin typeface="Cascadia Code SemiBold" pitchFamily="50" charset="0"/>
+                <a:cs typeface="Cascadia Code SemiBold" pitchFamily="50" charset="0"/>
+              </a:rPr>
+              <a:t>level where supply exceeds demand and rise in prices is stopped. Acts like a ceiling.</a:t>
+            </a:r>
+            <a:endParaRPr kumimoji="0" lang="en-IN" sz="2400" b="0" i="0" u="none" strike="noStrike" kern="1200" cap="none" spc="0" normalizeH="0" baseline="0" noProof="0" dirty="0">
+              <a:ln>
+                <a:noFill/>
+              </a:ln>
+              <a:solidFill>
+                <a:prstClr val="white"/>
+              </a:solidFill>
+              <a:effectLst/>
+              <a:uLnTx/>
+              <a:uFillTx/>
+              <a:latin typeface="Cascadia Code SemiBold" pitchFamily="50" charset="0"/>
+              <a:ea typeface="+mn-ea"/>
+              <a:cs typeface="Cascadia Code SemiBold" pitchFamily="50" charset="0"/>
+            </a:endParaRPr>
+          </a:p>
+        </p:txBody>
+      </p:sp>
+    </p:spTree>
+    <p:extLst>
+      <p:ext uri="{BB962C8B-B14F-4D97-AF65-F5344CB8AC3E}">
+        <p14:creationId xmlns:p14="http://schemas.microsoft.com/office/powerpoint/2010/main" val="914309294"/>
       </p:ext>
     </p:extLst>
   </p:cSld>
@@ -8797,7 +12061,7 @@
                                         <p:tgtEl>
                                           <p:spTgt spid="5">
                                             <p:txEl>
-                                              <p:pRg st="1" end="1"/>
+                                              <p:pRg st="2" end="2"/>
                                             </p:txEl>
                                           </p:spTgt>
                                         </p:tgtEl>
@@ -8815,312 +12079,7 @@
                                         <p:tgtEl>
                                           <p:spTgt spid="5">
                                             <p:txEl>
-                                              <p:pRg st="1" end="1"/>
-                                            </p:txEl>
-                                          </p:spTgt>
-                                        </p:tgtEl>
-                                      </p:cBhvr>
-                                    </p:animEffect>
-                                  </p:childTnLst>
-                                </p:cTn>
-                              </p:par>
-                            </p:childTnLst>
-                          </p:cTn>
-                        </p:par>
-                      </p:childTnLst>
-                    </p:cTn>
-                  </p:par>
-                  <p:par>
-                    <p:cTn id="13" fill="hold">
-                      <p:stCondLst>
-                        <p:cond delay="indefinite"/>
-                      </p:stCondLst>
-                      <p:childTnLst>
-                        <p:par>
-                          <p:cTn id="14" fill="hold">
-                            <p:stCondLst>
-                              <p:cond delay="0"/>
-                            </p:stCondLst>
-                            <p:childTnLst>
-                              <p:par>
-                                <p:cTn id="15" presetID="10" presetClass="entr" presetSubtype="0" fill="hold" grpId="0" nodeType="clickEffect">
-                                  <p:stCondLst>
-                                    <p:cond delay="0"/>
-                                  </p:stCondLst>
-                                  <p:childTnLst>
-                                    <p:set>
-                                      <p:cBhvr>
-                                        <p:cTn id="16" dur="1" fill="hold">
-                                          <p:stCondLst>
-                                            <p:cond delay="0"/>
-                                          </p:stCondLst>
-                                        </p:cTn>
-                                        <p:tgtEl>
-                                          <p:spTgt spid="5">
-                                            <p:txEl>
                                               <p:pRg st="2" end="2"/>
-                                            </p:txEl>
-                                          </p:spTgt>
-                                        </p:tgtEl>
-                                        <p:attrNameLst>
-                                          <p:attrName>style.visibility</p:attrName>
-                                        </p:attrNameLst>
-                                      </p:cBhvr>
-                                      <p:to>
-                                        <p:strVal val="visible"/>
-                                      </p:to>
-                                    </p:set>
-                                    <p:animEffect transition="in" filter="fade">
-                                      <p:cBhvr>
-                                        <p:cTn id="17" dur="500"/>
-                                        <p:tgtEl>
-                                          <p:spTgt spid="5">
-                                            <p:txEl>
-                                              <p:pRg st="2" end="2"/>
-                                            </p:txEl>
-                                          </p:spTgt>
-                                        </p:tgtEl>
-                                      </p:cBhvr>
-                                    </p:animEffect>
-                                  </p:childTnLst>
-                                </p:cTn>
-                              </p:par>
-                            </p:childTnLst>
-                          </p:cTn>
-                        </p:par>
-                      </p:childTnLst>
-                    </p:cTn>
-                  </p:par>
-                  <p:par>
-                    <p:cTn id="18" fill="hold">
-                      <p:stCondLst>
-                        <p:cond delay="indefinite"/>
-                      </p:stCondLst>
-                      <p:childTnLst>
-                        <p:par>
-                          <p:cTn id="19" fill="hold">
-                            <p:stCondLst>
-                              <p:cond delay="0"/>
-                            </p:stCondLst>
-                            <p:childTnLst>
-                              <p:par>
-                                <p:cTn id="20" presetID="10" presetClass="entr" presetSubtype="0" fill="hold" grpId="0" nodeType="clickEffect">
-                                  <p:stCondLst>
-                                    <p:cond delay="0"/>
-                                  </p:stCondLst>
-                                  <p:childTnLst>
-                                    <p:set>
-                                      <p:cBhvr>
-                                        <p:cTn id="21" dur="1" fill="hold">
-                                          <p:stCondLst>
-                                            <p:cond delay="0"/>
-                                          </p:stCondLst>
-                                        </p:cTn>
-                                        <p:tgtEl>
-                                          <p:spTgt spid="5">
-                                            <p:txEl>
-                                              <p:pRg st="3" end="3"/>
-                                            </p:txEl>
-                                          </p:spTgt>
-                                        </p:tgtEl>
-                                        <p:attrNameLst>
-                                          <p:attrName>style.visibility</p:attrName>
-                                        </p:attrNameLst>
-                                      </p:cBhvr>
-                                      <p:to>
-                                        <p:strVal val="visible"/>
-                                      </p:to>
-                                    </p:set>
-                                    <p:animEffect transition="in" filter="fade">
-                                      <p:cBhvr>
-                                        <p:cTn id="22" dur="500"/>
-                                        <p:tgtEl>
-                                          <p:spTgt spid="5">
-                                            <p:txEl>
-                                              <p:pRg st="3" end="3"/>
-                                            </p:txEl>
-                                          </p:spTgt>
-                                        </p:tgtEl>
-                                      </p:cBhvr>
-                                    </p:animEffect>
-                                  </p:childTnLst>
-                                </p:cTn>
-                              </p:par>
-                            </p:childTnLst>
-                          </p:cTn>
-                        </p:par>
-                      </p:childTnLst>
-                    </p:cTn>
-                  </p:par>
-                  <p:par>
-                    <p:cTn id="23" fill="hold">
-                      <p:stCondLst>
-                        <p:cond delay="indefinite"/>
-                      </p:stCondLst>
-                      <p:childTnLst>
-                        <p:par>
-                          <p:cTn id="24" fill="hold">
-                            <p:stCondLst>
-                              <p:cond delay="0"/>
-                            </p:stCondLst>
-                            <p:childTnLst>
-                              <p:par>
-                                <p:cTn id="25" presetID="10" presetClass="entr" presetSubtype="0" fill="hold" grpId="0" nodeType="clickEffect">
-                                  <p:stCondLst>
-                                    <p:cond delay="0"/>
-                                  </p:stCondLst>
-                                  <p:childTnLst>
-                                    <p:set>
-                                      <p:cBhvr>
-                                        <p:cTn id="26" dur="1" fill="hold">
-                                          <p:stCondLst>
-                                            <p:cond delay="0"/>
-                                          </p:stCondLst>
-                                        </p:cTn>
-                                        <p:tgtEl>
-                                          <p:spTgt spid="5">
-                                            <p:txEl>
-                                              <p:pRg st="4" end="4"/>
-                                            </p:txEl>
-                                          </p:spTgt>
-                                        </p:tgtEl>
-                                        <p:attrNameLst>
-                                          <p:attrName>style.visibility</p:attrName>
-                                        </p:attrNameLst>
-                                      </p:cBhvr>
-                                      <p:to>
-                                        <p:strVal val="visible"/>
-                                      </p:to>
-                                    </p:set>
-                                    <p:animEffect transition="in" filter="fade">
-                                      <p:cBhvr>
-                                        <p:cTn id="27" dur="500"/>
-                                        <p:tgtEl>
-                                          <p:spTgt spid="5">
-                                            <p:txEl>
-                                              <p:pRg st="4" end="4"/>
-                                            </p:txEl>
-                                          </p:spTgt>
-                                        </p:tgtEl>
-                                      </p:cBhvr>
-                                    </p:animEffect>
-                                  </p:childTnLst>
-                                </p:cTn>
-                              </p:par>
-                            </p:childTnLst>
-                          </p:cTn>
-                        </p:par>
-                      </p:childTnLst>
-                    </p:cTn>
-                  </p:par>
-                  <p:par>
-                    <p:cTn id="28" fill="hold">
-                      <p:stCondLst>
-                        <p:cond delay="indefinite"/>
-                      </p:stCondLst>
-                      <p:childTnLst>
-                        <p:par>
-                          <p:cTn id="29" fill="hold">
-                            <p:stCondLst>
-                              <p:cond delay="0"/>
-                            </p:stCondLst>
-                            <p:childTnLst>
-                              <p:par>
-                                <p:cTn id="30" presetID="10" presetClass="entr" presetSubtype="0" fill="hold" grpId="0" nodeType="clickEffect">
-                                  <p:stCondLst>
-                                    <p:cond delay="0"/>
-                                  </p:stCondLst>
-                                  <p:childTnLst>
-                                    <p:set>
-                                      <p:cBhvr>
-                                        <p:cTn id="31" dur="1" fill="hold">
-                                          <p:stCondLst>
-                                            <p:cond delay="0"/>
-                                          </p:stCondLst>
-                                        </p:cTn>
-                                        <p:tgtEl>
-                                          <p:spTgt spid="8">
-                                            <p:txEl>
-                                              <p:pRg st="0" end="0"/>
-                                            </p:txEl>
-                                          </p:spTgt>
-                                        </p:tgtEl>
-                                        <p:attrNameLst>
-                                          <p:attrName>style.visibility</p:attrName>
-                                        </p:attrNameLst>
-                                      </p:cBhvr>
-                                      <p:to>
-                                        <p:strVal val="visible"/>
-                                      </p:to>
-                                    </p:set>
-                                    <p:animEffect transition="in" filter="fade">
-                                      <p:cBhvr>
-                                        <p:cTn id="32" dur="500"/>
-                                        <p:tgtEl>
-                                          <p:spTgt spid="8">
-                                            <p:txEl>
-                                              <p:pRg st="0" end="0"/>
-                                            </p:txEl>
-                                          </p:spTgt>
-                                        </p:tgtEl>
-                                      </p:cBhvr>
-                                    </p:animEffect>
-                                  </p:childTnLst>
-                                </p:cTn>
-                              </p:par>
-                            </p:childTnLst>
-                          </p:cTn>
-                        </p:par>
-                      </p:childTnLst>
-                    </p:cTn>
-                  </p:par>
-                  <p:par>
-                    <p:cTn id="33" fill="hold">
-                      <p:stCondLst>
-                        <p:cond delay="indefinite"/>
-                      </p:stCondLst>
-                      <p:childTnLst>
-                        <p:par>
-                          <p:cTn id="34" fill="hold">
-                            <p:stCondLst>
-                              <p:cond delay="0"/>
-                            </p:stCondLst>
-                            <p:childTnLst>
-                              <p:par>
-                                <p:cTn id="35" presetID="10" presetClass="entr" presetSubtype="0" fill="hold" grpId="0" nodeType="clickEffect">
-                                  <p:stCondLst>
-                                    <p:cond delay="0"/>
-                                  </p:stCondLst>
-                                  <p:childTnLst>
-                                    <p:set>
-                                      <p:cBhvr>
-                                        <p:cTn id="36" dur="1" fill="hold">
-                                          <p:stCondLst>
-                                            <p:cond delay="0"/>
-                                          </p:stCondLst>
-                                        </p:cTn>
-                                        <p:tgtEl>
-                                          <p:spTgt spid="8">
-                                            <p:txEl>
-                                              <p:pRg st="1" end="1"/>
-                                            </p:txEl>
-                                          </p:spTgt>
-                                        </p:tgtEl>
-                                        <p:attrNameLst>
-                                          <p:attrName>style.visibility</p:attrName>
-                                        </p:attrNameLst>
-                                      </p:cBhvr>
-                                      <p:to>
-                                        <p:strVal val="visible"/>
-                                      </p:to>
-                                    </p:set>
-                                    <p:animEffect transition="in" filter="fade">
-                                      <p:cBhvr>
-                                        <p:cTn id="37" dur="500"/>
-                                        <p:tgtEl>
-                                          <p:spTgt spid="8">
-                                            <p:txEl>
-                                              <p:pRg st="1" end="1"/>
                                             </p:txEl>
                                           </p:spTgt>
                                         </p:tgtEl>
@@ -9158,2401 +12117,8 @@
     </p:tnLst>
     <p:bldLst>
       <p:bldP spid="5" grpId="0" build="p"/>
-      <p:bldP spid="8" grpId="0" build="p"/>
     </p:bldLst>
   </p:timing>
-</p:sld>
-</file>
-
-<file path=ppt/slides/slide4.xml><?xml version="1.0" encoding="utf-8"?>
-<p:sld xmlns:a="http://schemas.openxmlformats.org/drawingml/2006/main" xmlns:r="http://schemas.openxmlformats.org/officeDocument/2006/relationships" xmlns:p="http://schemas.openxmlformats.org/presentationml/2006/main">
-  <p:cSld>
-    <p:bg>
-      <p:bgPr>
-        <a:solidFill>
-          <a:srgbClr val="4A206A"/>
-        </a:solidFill>
-        <a:effectLst/>
-      </p:bgPr>
-    </p:bg>
-    <p:spTree>
-      <p:nvGrpSpPr>
-        <p:cNvPr id="1" name=""/>
-        <p:cNvGrpSpPr/>
-        <p:nvPr/>
-      </p:nvGrpSpPr>
-      <p:grpSpPr>
-        <a:xfrm>
-          <a:off x="0" y="0"/>
-          <a:ext cx="0" cy="0"/>
-          <a:chOff x="0" y="0"/>
-          <a:chExt cx="0" cy="0"/>
-        </a:xfrm>
-      </p:grpSpPr>
-      <p:sp>
-        <p:nvSpPr>
-          <p:cNvPr id="3" name="TextBox 2">
-            <a:extLst>
-              <a:ext uri="{FF2B5EF4-FFF2-40B4-BE49-F238E27FC236}">
-                <a16:creationId xmlns:a16="http://schemas.microsoft.com/office/drawing/2014/main" xmlns="" id="{3FCF3979-E4B3-0634-4C0B-AB862892E9BF}"/>
-              </a:ext>
-            </a:extLst>
-          </p:cNvPr>
-          <p:cNvSpPr txBox="1"/>
-          <p:nvPr/>
-        </p:nvSpPr>
-        <p:spPr>
-          <a:xfrm>
-            <a:off x="376112" y="463711"/>
-            <a:ext cx="6614623" cy="707886"/>
-          </a:xfrm>
-          <a:prstGeom prst="rect">
-            <a:avLst/>
-          </a:prstGeom>
-          <a:noFill/>
-        </p:spPr>
-        <p:txBody>
-          <a:bodyPr wrap="square" rtlCol="0">
-            <a:spAutoFit/>
-          </a:bodyPr>
-          <a:lstStyle/>
-          <a:p>
-            <a:pPr marL="0" marR="0" lvl="0" indent="0" defTabSz="914400" rtl="0" eaLnBrk="1" fontAlgn="auto" latinLnBrk="0" hangingPunct="1">
-              <a:lnSpc>
-                <a:spcPct val="100000"/>
-              </a:lnSpc>
-              <a:spcBef>
-                <a:spcPts val="0"/>
-              </a:spcBef>
-              <a:spcAft>
-                <a:spcPts val="0"/>
-              </a:spcAft>
-              <a:buClrTx/>
-              <a:buSzTx/>
-              <a:buFontTx/>
-              <a:buNone/>
-              <a:tabLst/>
-              <a:defRPr/>
-            </a:pPr>
-            <a:r>
-              <a:rPr kumimoji="0" lang="en-IN" sz="4000" b="0" i="0" u="none" strike="noStrike" kern="1200" cap="none" spc="0" normalizeH="0" baseline="0" noProof="0" dirty="0">
-                <a:ln>
-                  <a:noFill/>
-                </a:ln>
-                <a:solidFill>
-                  <a:srgbClr val="F4F4F2"/>
-                </a:solidFill>
-                <a:effectLst/>
-                <a:uLnTx/>
-                <a:uFillTx/>
-                <a:latin typeface="Amasis MT Pro Black" panose="02040A04050005020304" pitchFamily="18" charset="0"/>
-                <a:ea typeface="+mn-ea"/>
-                <a:cs typeface="+mn-cs"/>
-              </a:rPr>
-              <a:t>1. Market Capitalization </a:t>
-            </a:r>
-          </a:p>
-        </p:txBody>
-      </p:sp>
-      <p:sp>
-        <p:nvSpPr>
-          <p:cNvPr id="4" name="TextBox 3">
-            <a:extLst>
-              <a:ext uri="{FF2B5EF4-FFF2-40B4-BE49-F238E27FC236}">
-                <a16:creationId xmlns:a16="http://schemas.microsoft.com/office/drawing/2014/main" xmlns="" id="{30A40980-F0D5-7234-9072-4867D5CC5CC4}"/>
-              </a:ext>
-            </a:extLst>
-          </p:cNvPr>
-          <p:cNvSpPr txBox="1"/>
-          <p:nvPr/>
-        </p:nvSpPr>
-        <p:spPr>
-          <a:xfrm>
-            <a:off x="376111" y="1046446"/>
-            <a:ext cx="6614623" cy="707886"/>
-          </a:xfrm>
-          <a:prstGeom prst="rect">
-            <a:avLst/>
-          </a:prstGeom>
-          <a:noFill/>
-        </p:spPr>
-        <p:txBody>
-          <a:bodyPr wrap="square" rtlCol="0">
-            <a:spAutoFit/>
-          </a:bodyPr>
-          <a:lstStyle/>
-          <a:p>
-            <a:pPr marL="0" marR="0" lvl="0" indent="0" defTabSz="914400" rtl="0" eaLnBrk="1" fontAlgn="auto" latinLnBrk="0" hangingPunct="1">
-              <a:lnSpc>
-                <a:spcPct val="100000"/>
-              </a:lnSpc>
-              <a:spcBef>
-                <a:spcPts val="0"/>
-              </a:spcBef>
-              <a:spcAft>
-                <a:spcPts val="0"/>
-              </a:spcAft>
-              <a:buClrTx/>
-              <a:buSzTx/>
-              <a:buFontTx/>
-              <a:buNone/>
-              <a:tabLst/>
-              <a:defRPr/>
-            </a:pPr>
-            <a:r>
-              <a:rPr kumimoji="0" lang="en-IN" sz="4000" b="0" i="0" u="none" strike="noStrike" kern="1200" cap="none" spc="0" normalizeH="0" baseline="0" noProof="0" dirty="0">
-                <a:ln>
-                  <a:noFill/>
-                </a:ln>
-                <a:solidFill>
-                  <a:srgbClr val="F4F4F2"/>
-                </a:solidFill>
-                <a:effectLst/>
-                <a:uLnTx/>
-                <a:uFillTx/>
-                <a:latin typeface="Amasis MT Pro Black" panose="02040A04050005020304" pitchFamily="18" charset="0"/>
-                <a:ea typeface="+mn-ea"/>
-                <a:cs typeface="+mn-cs"/>
-              </a:rPr>
-              <a:t>Or </a:t>
-            </a:r>
-            <a:r>
-              <a:rPr kumimoji="0" lang="en-IN" sz="4000" b="0" i="0" u="none" strike="noStrike" kern="1200" cap="none" spc="0" normalizeH="0" baseline="0" noProof="0" dirty="0" err="1">
-                <a:ln>
-                  <a:noFill/>
-                </a:ln>
-                <a:solidFill>
-                  <a:srgbClr val="F4F4F2"/>
-                </a:solidFill>
-                <a:effectLst/>
-                <a:uLnTx/>
-                <a:uFillTx/>
-                <a:latin typeface="Amasis MT Pro Black" panose="02040A04050005020304" pitchFamily="18" charset="0"/>
-                <a:ea typeface="+mn-ea"/>
-                <a:cs typeface="+mn-cs"/>
-              </a:rPr>
-              <a:t>MarCap</a:t>
-            </a:r>
-            <a:endParaRPr kumimoji="0" lang="en-IN" sz="4000" b="0" i="0" u="none" strike="noStrike" kern="1200" cap="none" spc="0" normalizeH="0" baseline="0" noProof="0" dirty="0">
-              <a:ln>
-                <a:noFill/>
-              </a:ln>
-              <a:solidFill>
-                <a:srgbClr val="F4F4F2"/>
-              </a:solidFill>
-              <a:effectLst/>
-              <a:uLnTx/>
-              <a:uFillTx/>
-              <a:latin typeface="Amasis MT Pro Black" panose="02040A04050005020304" pitchFamily="18" charset="0"/>
-              <a:ea typeface="+mn-ea"/>
-              <a:cs typeface="+mn-cs"/>
-            </a:endParaRPr>
-          </a:p>
-        </p:txBody>
-      </p:sp>
-      <p:sp>
-        <p:nvSpPr>
-          <p:cNvPr id="5" name="TextBox 4">
-            <a:extLst>
-              <a:ext uri="{FF2B5EF4-FFF2-40B4-BE49-F238E27FC236}">
-                <a16:creationId xmlns:a16="http://schemas.microsoft.com/office/drawing/2014/main" xmlns="" id="{4CE4714F-5B28-DDDA-2E6D-2AD9A4F1FC7E}"/>
-              </a:ext>
-            </a:extLst>
-          </p:cNvPr>
-          <p:cNvSpPr txBox="1"/>
-          <p:nvPr/>
-        </p:nvSpPr>
-        <p:spPr>
-          <a:xfrm>
-            <a:off x="376111" y="1951103"/>
-            <a:ext cx="7735502" cy="830997"/>
-          </a:xfrm>
-          <a:prstGeom prst="rect">
-            <a:avLst/>
-          </a:prstGeom>
-          <a:noFill/>
-        </p:spPr>
-        <p:txBody>
-          <a:bodyPr wrap="square" rtlCol="0">
-            <a:spAutoFit/>
-          </a:bodyPr>
-          <a:lstStyle/>
-          <a:p>
-            <a:pPr marL="342900" marR="0" lvl="0" indent="-342900" algn="l" defTabSz="457200" rtl="0" eaLnBrk="1" fontAlgn="auto" latinLnBrk="0" hangingPunct="1">
-              <a:lnSpc>
-                <a:spcPct val="100000"/>
-              </a:lnSpc>
-              <a:spcBef>
-                <a:spcPts val="0"/>
-              </a:spcBef>
-              <a:spcAft>
-                <a:spcPts val="0"/>
-              </a:spcAft>
-              <a:buClrTx/>
-              <a:buSzTx/>
-              <a:buFont typeface="Arial" panose="020B0604020202020204" pitchFamily="34" charset="0"/>
-              <a:buChar char="•"/>
-              <a:tabLst/>
-              <a:defRPr/>
-            </a:pPr>
-            <a:r>
-              <a:rPr lang="en-IN" sz="2400" dirty="0">
-                <a:solidFill>
-                  <a:prstClr val="white"/>
-                </a:solidFill>
-                <a:latin typeface="Cascadia Code SemiBold" pitchFamily="50" charset="0"/>
-                <a:cs typeface="Cascadia Code SemiBold" pitchFamily="50" charset="0"/>
-              </a:rPr>
-              <a:t>Current valuation of company</a:t>
-            </a:r>
-          </a:p>
-          <a:p>
-            <a:pPr marL="342900" marR="0" lvl="0" indent="-342900" algn="l" defTabSz="457200" rtl="0" eaLnBrk="1" fontAlgn="auto" latinLnBrk="0" hangingPunct="1">
-              <a:lnSpc>
-                <a:spcPct val="100000"/>
-              </a:lnSpc>
-              <a:spcBef>
-                <a:spcPts val="0"/>
-              </a:spcBef>
-              <a:spcAft>
-                <a:spcPts val="0"/>
-              </a:spcAft>
-              <a:buClrTx/>
-              <a:buSzTx/>
-              <a:buFont typeface="Arial" panose="020B0604020202020204" pitchFamily="34" charset="0"/>
-              <a:buChar char="•"/>
-              <a:tabLst/>
-              <a:defRPr/>
-            </a:pPr>
-            <a:r>
-              <a:rPr kumimoji="0" lang="en-IN" sz="2400" b="0" i="0" u="none" strike="noStrike" kern="1200" cap="none" spc="0" normalizeH="0" noProof="0" dirty="0">
-                <a:ln>
-                  <a:noFill/>
-                </a:ln>
-                <a:solidFill>
-                  <a:prstClr val="white"/>
-                </a:solidFill>
-                <a:effectLst/>
-                <a:uLnTx/>
-                <a:uFillTx/>
-                <a:latin typeface="Cascadia Code SemiBold" pitchFamily="50" charset="0"/>
-                <a:ea typeface="+mn-ea"/>
-                <a:cs typeface="Cascadia Code SemiBold" pitchFamily="50" charset="0"/>
-              </a:rPr>
-              <a:t>No of </a:t>
-            </a:r>
-            <a:r>
-              <a:rPr lang="en-IN" sz="2400" dirty="0">
-                <a:solidFill>
-                  <a:prstClr val="white"/>
-                </a:solidFill>
-                <a:latin typeface="Cascadia Code SemiBold" pitchFamily="50" charset="0"/>
-                <a:cs typeface="Cascadia Code SemiBold" pitchFamily="50" charset="0"/>
-              </a:rPr>
-              <a:t>shares</a:t>
-            </a:r>
-            <a:r>
-              <a:rPr kumimoji="0" lang="en-IN" sz="2400" b="0" i="0" u="none" strike="noStrike" kern="1200" cap="none" spc="0" normalizeH="0" noProof="0" dirty="0">
-                <a:ln>
-                  <a:noFill/>
-                </a:ln>
-                <a:solidFill>
-                  <a:prstClr val="white"/>
-                </a:solidFill>
-                <a:effectLst/>
-                <a:uLnTx/>
-                <a:uFillTx/>
-                <a:latin typeface="Cascadia Code SemiBold" pitchFamily="50" charset="0"/>
-                <a:ea typeface="+mn-ea"/>
-                <a:cs typeface="Cascadia Code SemiBold" pitchFamily="50" charset="0"/>
-              </a:rPr>
-              <a:t> * CMP</a:t>
-            </a:r>
-          </a:p>
-        </p:txBody>
-      </p:sp>
-      <p:graphicFrame>
-        <p:nvGraphicFramePr>
-          <p:cNvPr id="7" name="Table 7">
-            <a:extLst>
-              <a:ext uri="{FF2B5EF4-FFF2-40B4-BE49-F238E27FC236}">
-                <a16:creationId xmlns:a16="http://schemas.microsoft.com/office/drawing/2014/main" xmlns="" id="{9A9CF603-01BF-232B-B74B-76D215C4D5D7}"/>
-              </a:ext>
-            </a:extLst>
-          </p:cNvPr>
-          <p:cNvGraphicFramePr>
-            <a:graphicFrameLocks noGrp="1"/>
-          </p:cNvGraphicFramePr>
-          <p:nvPr>
-            <p:extLst>
-              <p:ext uri="{D42A27DB-BD31-4B8C-83A1-F6EECF244321}">
-                <p14:modId xmlns:p14="http://schemas.microsoft.com/office/powerpoint/2010/main" xmlns="" val="3276952779"/>
-              </p:ext>
-            </p:extLst>
-          </p:nvPr>
-        </p:nvGraphicFramePr>
-        <p:xfrm>
-          <a:off x="353960" y="3561606"/>
-          <a:ext cx="6341807" cy="1828800"/>
-        </p:xfrm>
-        <a:graphic>
-          <a:graphicData uri="http://schemas.openxmlformats.org/drawingml/2006/table">
-            <a:tbl>
-              <a:tblPr firstRow="1" bandRow="1">
-                <a:tableStyleId>{0505E3EF-67EA-436B-97B2-0124C06EBD24}</a:tableStyleId>
-              </a:tblPr>
-              <a:tblGrid>
-                <a:gridCol w="3214731">
-                  <a:extLst>
-                    <a:ext uri="{9D8B030D-6E8A-4147-A177-3AD203B41FA5}">
-                      <a16:colId xmlns:a16="http://schemas.microsoft.com/office/drawing/2014/main" xmlns="" val="636187188"/>
-                    </a:ext>
-                  </a:extLst>
-                </a:gridCol>
-                <a:gridCol w="3127076">
-                  <a:extLst>
-                    <a:ext uri="{9D8B030D-6E8A-4147-A177-3AD203B41FA5}">
-                      <a16:colId xmlns:a16="http://schemas.microsoft.com/office/drawing/2014/main" xmlns="" val="2526036521"/>
-                    </a:ext>
-                  </a:extLst>
-                </a:gridCol>
-              </a:tblGrid>
-              <a:tr h="370840">
-                <a:tc>
-                  <a:txBody>
-                    <a:bodyPr/>
-                    <a:lstStyle/>
-                    <a:p>
-                      <a:r>
-                        <a:rPr lang="en-IN" sz="2400" kern="1200" dirty="0" err="1">
-                          <a:solidFill>
-                            <a:schemeClr val="tx1"/>
-                          </a:solidFill>
-                          <a:latin typeface="Cascadia Code SemiBold" pitchFamily="50" charset="0"/>
-                          <a:ea typeface="+mn-ea"/>
-                          <a:cs typeface="Cascadia Code SemiBold" pitchFamily="50" charset="0"/>
-                        </a:rPr>
-                        <a:t>MarCap</a:t>
-                      </a:r>
-                      <a:r>
-                        <a:rPr lang="en-IN" sz="2400" kern="1200" dirty="0">
-                          <a:solidFill>
-                            <a:schemeClr val="tx1"/>
-                          </a:solidFill>
-                          <a:latin typeface="Cascadia Code SemiBold" pitchFamily="50" charset="0"/>
-                          <a:ea typeface="+mn-ea"/>
-                          <a:cs typeface="Cascadia Code SemiBold" pitchFamily="50" charset="0"/>
-                        </a:rPr>
-                        <a:t> in Crore</a:t>
-                      </a:r>
-                    </a:p>
-                  </a:txBody>
-                  <a:tcPr/>
-                </a:tc>
-                <a:tc>
-                  <a:txBody>
-                    <a:bodyPr/>
-                    <a:lstStyle/>
-                    <a:p>
-                      <a:pPr marL="0" algn="l" defTabSz="685800" rtl="0" eaLnBrk="1" latinLnBrk="0" hangingPunct="1"/>
-                      <a:r>
-                        <a:rPr lang="en-IN" sz="2400" b="1" kern="1200" dirty="0">
-                          <a:solidFill>
-                            <a:schemeClr val="tx1"/>
-                          </a:solidFill>
-                          <a:latin typeface="Cascadia Code SemiBold" pitchFamily="50" charset="0"/>
-                          <a:ea typeface="+mn-ea"/>
-                          <a:cs typeface="Cascadia Code SemiBold" pitchFamily="50" charset="0"/>
-                        </a:rPr>
-                        <a:t>Classification</a:t>
-                      </a:r>
-                    </a:p>
-                  </a:txBody>
-                  <a:tcPr/>
-                </a:tc>
-                <a:extLst>
-                  <a:ext uri="{0D108BD9-81ED-4DB2-BD59-A6C34878D82A}">
-                    <a16:rowId xmlns:a16="http://schemas.microsoft.com/office/drawing/2014/main" xmlns="" val="692994440"/>
-                  </a:ext>
-                </a:extLst>
-              </a:tr>
-              <a:tr h="370840">
-                <a:tc>
-                  <a:txBody>
-                    <a:bodyPr/>
-                    <a:lstStyle/>
-                    <a:p>
-                      <a:r>
-                        <a:rPr lang="en-IN" sz="2400" b="1" kern="1200" dirty="0">
-                          <a:solidFill>
-                            <a:srgbClr val="4A206A"/>
-                          </a:solidFill>
-                          <a:latin typeface="Cascadia Code SemiBold" pitchFamily="50" charset="0"/>
-                          <a:ea typeface="+mn-ea"/>
-                          <a:cs typeface="Cascadia Code SemiBold" pitchFamily="50" charset="0"/>
-                        </a:rPr>
-                        <a:t>&lt; 5000 </a:t>
-                      </a:r>
-                    </a:p>
-                  </a:txBody>
-                  <a:tcPr/>
-                </a:tc>
-                <a:tc>
-                  <a:txBody>
-                    <a:bodyPr/>
-                    <a:lstStyle/>
-                    <a:p>
-                      <a:pPr marL="0" algn="l" defTabSz="685800" rtl="0" eaLnBrk="1" latinLnBrk="0" hangingPunct="1"/>
-                      <a:r>
-                        <a:rPr lang="en-IN" sz="2400" b="1" kern="1200" dirty="0">
-                          <a:solidFill>
-                            <a:srgbClr val="4A206A"/>
-                          </a:solidFill>
-                          <a:latin typeface="Cascadia Code SemiBold" pitchFamily="50" charset="0"/>
-                          <a:ea typeface="+mn-ea"/>
-                          <a:cs typeface="Cascadia Code SemiBold" pitchFamily="50" charset="0"/>
-                        </a:rPr>
-                        <a:t>Small Cap</a:t>
-                      </a:r>
-                    </a:p>
-                  </a:txBody>
-                  <a:tcPr/>
-                </a:tc>
-                <a:extLst>
-                  <a:ext uri="{0D108BD9-81ED-4DB2-BD59-A6C34878D82A}">
-                    <a16:rowId xmlns:a16="http://schemas.microsoft.com/office/drawing/2014/main" xmlns="" val="3427102519"/>
-                  </a:ext>
-                </a:extLst>
-              </a:tr>
-              <a:tr h="370840">
-                <a:tc>
-                  <a:txBody>
-                    <a:bodyPr/>
-                    <a:lstStyle/>
-                    <a:p>
-                      <a:r>
-                        <a:rPr lang="en-IN" sz="2400" b="1" kern="1200" dirty="0">
-                          <a:solidFill>
-                            <a:srgbClr val="4A206A"/>
-                          </a:solidFill>
-                          <a:latin typeface="Cascadia Code SemiBold" pitchFamily="50" charset="0"/>
-                          <a:ea typeface="+mn-ea"/>
-                          <a:cs typeface="Cascadia Code SemiBold" pitchFamily="50" charset="0"/>
-                        </a:rPr>
-                        <a:t>5000 – 20000</a:t>
-                      </a:r>
-                    </a:p>
-                  </a:txBody>
-                  <a:tcPr/>
-                </a:tc>
-                <a:tc>
-                  <a:txBody>
-                    <a:bodyPr/>
-                    <a:lstStyle/>
-                    <a:p>
-                      <a:pPr marL="0" algn="l" defTabSz="685800" rtl="0" eaLnBrk="1" latinLnBrk="0" hangingPunct="1"/>
-                      <a:r>
-                        <a:rPr lang="en-IN" sz="2400" b="1" kern="1200" dirty="0">
-                          <a:solidFill>
-                            <a:srgbClr val="4A206A"/>
-                          </a:solidFill>
-                          <a:latin typeface="Cascadia Code SemiBold" pitchFamily="50" charset="0"/>
-                          <a:ea typeface="+mn-ea"/>
-                          <a:cs typeface="Cascadia Code SemiBold" pitchFamily="50" charset="0"/>
-                        </a:rPr>
-                        <a:t>Medium Cap</a:t>
-                      </a:r>
-                    </a:p>
-                  </a:txBody>
-                  <a:tcPr/>
-                </a:tc>
-                <a:extLst>
-                  <a:ext uri="{0D108BD9-81ED-4DB2-BD59-A6C34878D82A}">
-                    <a16:rowId xmlns:a16="http://schemas.microsoft.com/office/drawing/2014/main" xmlns="" val="2531777686"/>
-                  </a:ext>
-                </a:extLst>
-              </a:tr>
-              <a:tr h="370840">
-                <a:tc>
-                  <a:txBody>
-                    <a:bodyPr/>
-                    <a:lstStyle/>
-                    <a:p>
-                      <a:pPr marL="0" indent="0">
-                        <a:buFont typeface="Wingdings" panose="05000000000000000000" pitchFamily="2" charset="2"/>
-                        <a:buNone/>
-                      </a:pPr>
-                      <a:r>
-                        <a:rPr lang="en-IN" sz="2400" b="1" kern="1200" dirty="0">
-                          <a:solidFill>
-                            <a:srgbClr val="4A206A"/>
-                          </a:solidFill>
-                          <a:latin typeface="Cascadia Code SemiBold" pitchFamily="50" charset="0"/>
-                          <a:ea typeface="+mn-ea"/>
-                          <a:cs typeface="Cascadia Code SemiBold" pitchFamily="50" charset="0"/>
-                        </a:rPr>
-                        <a:t>&gt; 20000</a:t>
-                      </a:r>
-                    </a:p>
-                  </a:txBody>
-                  <a:tcPr/>
-                </a:tc>
-                <a:tc>
-                  <a:txBody>
-                    <a:bodyPr/>
-                    <a:lstStyle/>
-                    <a:p>
-                      <a:pPr marL="0" algn="l" defTabSz="685800" rtl="0" eaLnBrk="1" latinLnBrk="0" hangingPunct="1"/>
-                      <a:r>
-                        <a:rPr lang="en-IN" sz="2400" b="1" kern="1200" dirty="0">
-                          <a:solidFill>
-                            <a:srgbClr val="4A206A"/>
-                          </a:solidFill>
-                          <a:latin typeface="Cascadia Code SemiBold" pitchFamily="50" charset="0"/>
-                          <a:ea typeface="+mn-ea"/>
-                          <a:cs typeface="Cascadia Code SemiBold" pitchFamily="50" charset="0"/>
-                        </a:rPr>
-                        <a:t>Large Cap</a:t>
-                      </a:r>
-                    </a:p>
-                  </a:txBody>
-                  <a:tcPr/>
-                </a:tc>
-                <a:extLst>
-                  <a:ext uri="{0D108BD9-81ED-4DB2-BD59-A6C34878D82A}">
-                    <a16:rowId xmlns:a16="http://schemas.microsoft.com/office/drawing/2014/main" xmlns="" val="347980393"/>
-                  </a:ext>
-                </a:extLst>
-              </a:tr>
-            </a:tbl>
-          </a:graphicData>
-        </a:graphic>
-      </p:graphicFrame>
-    </p:spTree>
-    <p:extLst>
-      <p:ext uri="{BB962C8B-B14F-4D97-AF65-F5344CB8AC3E}">
-        <p14:creationId xmlns:p14="http://schemas.microsoft.com/office/powerpoint/2010/main" xmlns="" val="1557028537"/>
-      </p:ext>
-    </p:extLst>
-  </p:cSld>
-  <p:clrMapOvr>
-    <a:masterClrMapping/>
-  </p:clrMapOvr>
-  <p:timing>
-    <p:tnLst>
-      <p:par>
-        <p:cTn id="1" dur="indefinite" restart="never" nodeType="tmRoot">
-          <p:childTnLst>
-            <p:seq concurrent="1" nextAc="seek">
-              <p:cTn id="2" dur="indefinite" nodeType="mainSeq">
-                <p:childTnLst>
-                  <p:par>
-                    <p:cTn id="3" fill="hold">
-                      <p:stCondLst>
-                        <p:cond delay="indefinite"/>
-                      </p:stCondLst>
-                      <p:childTnLst>
-                        <p:par>
-                          <p:cTn id="4" fill="hold">
-                            <p:stCondLst>
-                              <p:cond delay="0"/>
-                            </p:stCondLst>
-                            <p:childTnLst>
-                              <p:par>
-                                <p:cTn id="5" presetID="10" presetClass="entr" presetSubtype="0" fill="hold" grpId="0" nodeType="clickEffect">
-                                  <p:stCondLst>
-                                    <p:cond delay="0"/>
-                                  </p:stCondLst>
-                                  <p:childTnLst>
-                                    <p:set>
-                                      <p:cBhvr>
-                                        <p:cTn id="6" dur="1" fill="hold">
-                                          <p:stCondLst>
-                                            <p:cond delay="0"/>
-                                          </p:stCondLst>
-                                        </p:cTn>
-                                        <p:tgtEl>
-                                          <p:spTgt spid="5">
-                                            <p:txEl>
-                                              <p:pRg st="0" end="0"/>
-                                            </p:txEl>
-                                          </p:spTgt>
-                                        </p:tgtEl>
-                                        <p:attrNameLst>
-                                          <p:attrName>style.visibility</p:attrName>
-                                        </p:attrNameLst>
-                                      </p:cBhvr>
-                                      <p:to>
-                                        <p:strVal val="visible"/>
-                                      </p:to>
-                                    </p:set>
-                                    <p:animEffect transition="in" filter="fade">
-                                      <p:cBhvr>
-                                        <p:cTn id="7" dur="500"/>
-                                        <p:tgtEl>
-                                          <p:spTgt spid="5">
-                                            <p:txEl>
-                                              <p:pRg st="0" end="0"/>
-                                            </p:txEl>
-                                          </p:spTgt>
-                                        </p:tgtEl>
-                                      </p:cBhvr>
-                                    </p:animEffect>
-                                  </p:childTnLst>
-                                </p:cTn>
-                              </p:par>
-                            </p:childTnLst>
-                          </p:cTn>
-                        </p:par>
-                      </p:childTnLst>
-                    </p:cTn>
-                  </p:par>
-                  <p:par>
-                    <p:cTn id="8" fill="hold">
-                      <p:stCondLst>
-                        <p:cond delay="indefinite"/>
-                      </p:stCondLst>
-                      <p:childTnLst>
-                        <p:par>
-                          <p:cTn id="9" fill="hold">
-                            <p:stCondLst>
-                              <p:cond delay="0"/>
-                            </p:stCondLst>
-                            <p:childTnLst>
-                              <p:par>
-                                <p:cTn id="10" presetID="10" presetClass="entr" presetSubtype="0" fill="hold" grpId="0" nodeType="clickEffect">
-                                  <p:stCondLst>
-                                    <p:cond delay="0"/>
-                                  </p:stCondLst>
-                                  <p:childTnLst>
-                                    <p:set>
-                                      <p:cBhvr>
-                                        <p:cTn id="11" dur="1" fill="hold">
-                                          <p:stCondLst>
-                                            <p:cond delay="0"/>
-                                          </p:stCondLst>
-                                        </p:cTn>
-                                        <p:tgtEl>
-                                          <p:spTgt spid="5">
-                                            <p:txEl>
-                                              <p:pRg st="1" end="1"/>
-                                            </p:txEl>
-                                          </p:spTgt>
-                                        </p:tgtEl>
-                                        <p:attrNameLst>
-                                          <p:attrName>style.visibility</p:attrName>
-                                        </p:attrNameLst>
-                                      </p:cBhvr>
-                                      <p:to>
-                                        <p:strVal val="visible"/>
-                                      </p:to>
-                                    </p:set>
-                                    <p:animEffect transition="in" filter="fade">
-                                      <p:cBhvr>
-                                        <p:cTn id="12" dur="500"/>
-                                        <p:tgtEl>
-                                          <p:spTgt spid="5">
-                                            <p:txEl>
-                                              <p:pRg st="1" end="1"/>
-                                            </p:txEl>
-                                          </p:spTgt>
-                                        </p:tgtEl>
-                                      </p:cBhvr>
-                                    </p:animEffect>
-                                  </p:childTnLst>
-                                </p:cTn>
-                              </p:par>
-                            </p:childTnLst>
-                          </p:cTn>
-                        </p:par>
-                      </p:childTnLst>
-                    </p:cTn>
-                  </p:par>
-                  <p:par>
-                    <p:cTn id="13" fill="hold">
-                      <p:stCondLst>
-                        <p:cond delay="indefinite"/>
-                      </p:stCondLst>
-                      <p:childTnLst>
-                        <p:par>
-                          <p:cTn id="14" fill="hold">
-                            <p:stCondLst>
-                              <p:cond delay="0"/>
-                            </p:stCondLst>
-                            <p:childTnLst>
-                              <p:par>
-                                <p:cTn id="15" presetID="10" presetClass="entr" presetSubtype="0" fill="hold" nodeType="clickEffect">
-                                  <p:stCondLst>
-                                    <p:cond delay="0"/>
-                                  </p:stCondLst>
-                                  <p:childTnLst>
-                                    <p:set>
-                                      <p:cBhvr>
-                                        <p:cTn id="16" dur="1" fill="hold">
-                                          <p:stCondLst>
-                                            <p:cond delay="0"/>
-                                          </p:stCondLst>
-                                        </p:cTn>
-                                        <p:tgtEl>
-                                          <p:spTgt spid="7"/>
-                                        </p:tgtEl>
-                                        <p:attrNameLst>
-                                          <p:attrName>style.visibility</p:attrName>
-                                        </p:attrNameLst>
-                                      </p:cBhvr>
-                                      <p:to>
-                                        <p:strVal val="visible"/>
-                                      </p:to>
-                                    </p:set>
-                                    <p:animEffect transition="in" filter="fade">
-                                      <p:cBhvr>
-                                        <p:cTn id="17" dur="500"/>
-                                        <p:tgtEl>
-                                          <p:spTgt spid="7"/>
-                                        </p:tgtEl>
-                                      </p:cBhvr>
-                                    </p:animEffect>
-                                  </p:childTnLst>
-                                </p:cTn>
-                              </p:par>
-                            </p:childTnLst>
-                          </p:cTn>
-                        </p:par>
-                      </p:childTnLst>
-                    </p:cTn>
-                  </p:par>
-                </p:childTnLst>
-              </p:cTn>
-              <p:prevCondLst>
-                <p:cond evt="onPrev" delay="0">
-                  <p:tgtEl>
-                    <p:sldTgt/>
-                  </p:tgtEl>
-                </p:cond>
-              </p:prevCondLst>
-              <p:nextCondLst>
-                <p:cond evt="onNext" delay="0">
-                  <p:tgtEl>
-                    <p:sldTgt/>
-                  </p:tgtEl>
-                </p:cond>
-              </p:nextCondLst>
-            </p:seq>
-          </p:childTnLst>
-        </p:cTn>
-      </p:par>
-    </p:tnLst>
-    <p:bldLst>
-      <p:bldP spid="5" grpId="0" build="p"/>
-    </p:bldLst>
-  </p:timing>
-</p:sld>
-</file>
-
-<file path=ppt/slides/slide5.xml><?xml version="1.0" encoding="utf-8"?>
-<p:sld xmlns:a="http://schemas.openxmlformats.org/drawingml/2006/main" xmlns:r="http://schemas.openxmlformats.org/officeDocument/2006/relationships" xmlns:p="http://schemas.openxmlformats.org/presentationml/2006/main">
-  <p:cSld>
-    <p:bg>
-      <p:bgPr>
-        <a:solidFill>
-          <a:srgbClr val="4A206A"/>
-        </a:solidFill>
-        <a:effectLst/>
-      </p:bgPr>
-    </p:bg>
-    <p:spTree>
-      <p:nvGrpSpPr>
-        <p:cNvPr id="1" name=""/>
-        <p:cNvGrpSpPr/>
-        <p:nvPr/>
-      </p:nvGrpSpPr>
-      <p:grpSpPr>
-        <a:xfrm>
-          <a:off x="0" y="0"/>
-          <a:ext cx="0" cy="0"/>
-          <a:chOff x="0" y="0"/>
-          <a:chExt cx="0" cy="0"/>
-        </a:xfrm>
-      </p:grpSpPr>
-      <p:sp>
-        <p:nvSpPr>
-          <p:cNvPr id="3" name="TextBox 2">
-            <a:extLst>
-              <a:ext uri="{FF2B5EF4-FFF2-40B4-BE49-F238E27FC236}">
-                <a16:creationId xmlns:a16="http://schemas.microsoft.com/office/drawing/2014/main" xmlns="" id="{3FCF3979-E4B3-0634-4C0B-AB862892E9BF}"/>
-              </a:ext>
-            </a:extLst>
-          </p:cNvPr>
-          <p:cNvSpPr txBox="1"/>
-          <p:nvPr/>
-        </p:nvSpPr>
-        <p:spPr>
-          <a:xfrm>
-            <a:off x="376112" y="463711"/>
-            <a:ext cx="6614623" cy="707886"/>
-          </a:xfrm>
-          <a:prstGeom prst="rect">
-            <a:avLst/>
-          </a:prstGeom>
-          <a:noFill/>
-        </p:spPr>
-        <p:txBody>
-          <a:bodyPr wrap="square" rtlCol="0">
-            <a:spAutoFit/>
-          </a:bodyPr>
-          <a:lstStyle/>
-          <a:p>
-            <a:pPr marL="0" marR="0" lvl="0" indent="0" algn="l" defTabSz="914400" rtl="0" eaLnBrk="1" fontAlgn="auto" latinLnBrk="0" hangingPunct="1">
-              <a:lnSpc>
-                <a:spcPct val="100000"/>
-              </a:lnSpc>
-              <a:spcBef>
-                <a:spcPts val="0"/>
-              </a:spcBef>
-              <a:spcAft>
-                <a:spcPts val="0"/>
-              </a:spcAft>
-              <a:buClrTx/>
-              <a:buSzTx/>
-              <a:buFontTx/>
-              <a:buNone/>
-              <a:tabLst/>
-              <a:defRPr/>
-            </a:pPr>
-            <a:r>
-              <a:rPr lang="en-IN" sz="4000" dirty="0">
-                <a:solidFill>
-                  <a:srgbClr val="F4F4F2"/>
-                </a:solidFill>
-                <a:latin typeface="Amasis MT Pro Black" panose="02040A04050005020304" pitchFamily="18" charset="0"/>
-              </a:rPr>
-              <a:t>2</a:t>
-            </a:r>
-            <a:r>
-              <a:rPr kumimoji="0" lang="en-IN" sz="4000" b="0" i="0" u="none" strike="noStrike" kern="1200" cap="none" spc="0" normalizeH="0" baseline="0" noProof="0" dirty="0">
-                <a:ln>
-                  <a:noFill/>
-                </a:ln>
-                <a:solidFill>
-                  <a:srgbClr val="F4F4F2"/>
-                </a:solidFill>
-                <a:effectLst/>
-                <a:uLnTx/>
-                <a:uFillTx/>
-                <a:latin typeface="Amasis MT Pro Black" panose="02040A04050005020304" pitchFamily="18" charset="0"/>
-                <a:ea typeface="+mn-ea"/>
-                <a:cs typeface="+mn-cs"/>
-              </a:rPr>
-              <a:t>. Price/Earning (PE)</a:t>
-            </a:r>
-          </a:p>
-        </p:txBody>
-      </p:sp>
-      <p:sp>
-        <p:nvSpPr>
-          <p:cNvPr id="5" name="TextBox 4">
-            <a:extLst>
-              <a:ext uri="{FF2B5EF4-FFF2-40B4-BE49-F238E27FC236}">
-                <a16:creationId xmlns:a16="http://schemas.microsoft.com/office/drawing/2014/main" xmlns="" id="{4CE4714F-5B28-DDDA-2E6D-2AD9A4F1FC7E}"/>
-              </a:ext>
-            </a:extLst>
-          </p:cNvPr>
-          <p:cNvSpPr txBox="1"/>
-          <p:nvPr/>
-        </p:nvSpPr>
-        <p:spPr>
-          <a:xfrm>
-            <a:off x="376112" y="2046881"/>
-            <a:ext cx="7735502" cy="830997"/>
-          </a:xfrm>
-          <a:prstGeom prst="rect">
-            <a:avLst/>
-          </a:prstGeom>
-          <a:noFill/>
-        </p:spPr>
-        <p:txBody>
-          <a:bodyPr wrap="square" rtlCol="0">
-            <a:spAutoFit/>
-          </a:bodyPr>
-          <a:lstStyle/>
-          <a:p>
-            <a:pPr marR="0" lvl="0" algn="l" defTabSz="457200" rtl="0" eaLnBrk="1" fontAlgn="auto" latinLnBrk="0" hangingPunct="1">
-              <a:lnSpc>
-                <a:spcPct val="100000"/>
-              </a:lnSpc>
-              <a:spcBef>
-                <a:spcPts val="0"/>
-              </a:spcBef>
-              <a:spcAft>
-                <a:spcPts val="0"/>
-              </a:spcAft>
-              <a:buClrTx/>
-              <a:buSzTx/>
-              <a:tabLst/>
-              <a:defRPr/>
-            </a:pPr>
-            <a:r>
-              <a:rPr kumimoji="0" lang="en-IN" sz="2400" b="0" i="0" u="none" strike="noStrike" kern="1200" cap="none" spc="0" normalizeH="0" baseline="0" noProof="0" dirty="0">
-                <a:ln>
-                  <a:noFill/>
-                </a:ln>
-                <a:solidFill>
-                  <a:prstClr val="white"/>
-                </a:solidFill>
-                <a:effectLst/>
-                <a:uLnTx/>
-                <a:uFillTx/>
-                <a:latin typeface="Cascadia Code SemiBold" pitchFamily="50" charset="0"/>
-                <a:ea typeface="+mn-ea"/>
-                <a:cs typeface="Cascadia Code SemiBold" pitchFamily="50" charset="0"/>
-              </a:rPr>
-              <a:t>PE</a:t>
-            </a:r>
-            <a:r>
-              <a:rPr kumimoji="0" lang="en-IN" sz="2400" b="0" i="0" u="none" strike="noStrike" kern="1200" cap="none" spc="0" normalizeH="0" noProof="0" dirty="0">
-                <a:ln>
-                  <a:noFill/>
-                </a:ln>
-                <a:solidFill>
-                  <a:prstClr val="white"/>
-                </a:solidFill>
-                <a:effectLst/>
-                <a:uLnTx/>
-                <a:uFillTx/>
-                <a:latin typeface="Cascadia Code SemiBold" pitchFamily="50" charset="0"/>
-                <a:ea typeface="+mn-ea"/>
-                <a:cs typeface="Cascadia Code SemiBold" pitchFamily="50" charset="0"/>
-              </a:rPr>
-              <a:t> = </a:t>
-            </a:r>
-            <a:r>
-              <a:rPr kumimoji="0" lang="en-IN" sz="2400" b="0" i="0" u="sng" strike="noStrike" kern="1200" cap="none" spc="0" normalizeH="0" noProof="0" dirty="0">
-                <a:ln>
-                  <a:noFill/>
-                </a:ln>
-                <a:solidFill>
-                  <a:prstClr val="white"/>
-                </a:solidFill>
-                <a:effectLst/>
-                <a:uLnTx/>
-                <a:uFillTx/>
-                <a:latin typeface="Cascadia Code SemiBold" pitchFamily="50" charset="0"/>
-                <a:ea typeface="+mn-ea"/>
-                <a:cs typeface="Cascadia Code SemiBold" pitchFamily="50" charset="0"/>
-              </a:rPr>
-              <a:t>Current Price</a:t>
-            </a:r>
-          </a:p>
-          <a:p>
-            <a:pPr marR="0" lvl="0" algn="l" defTabSz="457200" rtl="0" eaLnBrk="1" fontAlgn="auto" latinLnBrk="0" hangingPunct="1">
-              <a:lnSpc>
-                <a:spcPct val="100000"/>
-              </a:lnSpc>
-              <a:spcBef>
-                <a:spcPts val="0"/>
-              </a:spcBef>
-              <a:spcAft>
-                <a:spcPts val="0"/>
-              </a:spcAft>
-              <a:buClrTx/>
-              <a:buSzTx/>
-              <a:tabLst/>
-              <a:defRPr/>
-            </a:pPr>
-            <a:r>
-              <a:rPr lang="en-IN" sz="2400" baseline="0" dirty="0">
-                <a:solidFill>
-                  <a:prstClr val="white"/>
-                </a:solidFill>
-                <a:latin typeface="Cascadia Code SemiBold" pitchFamily="50" charset="0"/>
-                <a:cs typeface="Cascadia Code SemiBold" pitchFamily="50" charset="0"/>
-              </a:rPr>
-              <a:t>		Earing</a:t>
-            </a:r>
-            <a:r>
-              <a:rPr lang="en-IN" sz="2400" dirty="0">
-                <a:solidFill>
-                  <a:prstClr val="white"/>
-                </a:solidFill>
-                <a:latin typeface="Cascadia Code SemiBold" pitchFamily="50" charset="0"/>
-                <a:cs typeface="Cascadia Code SemiBold" pitchFamily="50" charset="0"/>
-              </a:rPr>
-              <a:t> Per Share</a:t>
-            </a:r>
-            <a:endParaRPr kumimoji="0" lang="en-IN" sz="2400" b="0" i="0" u="none" strike="noStrike" kern="1200" cap="none" spc="0" normalizeH="0" baseline="0" noProof="0" dirty="0">
-              <a:ln>
-                <a:noFill/>
-              </a:ln>
-              <a:solidFill>
-                <a:prstClr val="white"/>
-              </a:solidFill>
-              <a:effectLst/>
-              <a:uLnTx/>
-              <a:uFillTx/>
-              <a:latin typeface="Cascadia Code SemiBold" pitchFamily="50" charset="0"/>
-              <a:ea typeface="+mn-ea"/>
-              <a:cs typeface="Cascadia Code SemiBold" pitchFamily="50" charset="0"/>
-            </a:endParaRPr>
-          </a:p>
-        </p:txBody>
-      </p:sp>
-      <p:sp>
-        <p:nvSpPr>
-          <p:cNvPr id="2" name="TextBox 1">
-            <a:extLst>
-              <a:ext uri="{FF2B5EF4-FFF2-40B4-BE49-F238E27FC236}">
-                <a16:creationId xmlns:a16="http://schemas.microsoft.com/office/drawing/2014/main" xmlns="" id="{521CF6BB-1BA1-25BC-AB67-05A270D32F03}"/>
-              </a:ext>
-            </a:extLst>
-          </p:cNvPr>
-          <p:cNvSpPr txBox="1"/>
-          <p:nvPr/>
-        </p:nvSpPr>
-        <p:spPr>
-          <a:xfrm>
-            <a:off x="376112" y="1330803"/>
-            <a:ext cx="7735502" cy="461665"/>
-          </a:xfrm>
-          <a:prstGeom prst="rect">
-            <a:avLst/>
-          </a:prstGeom>
-          <a:noFill/>
-        </p:spPr>
-        <p:txBody>
-          <a:bodyPr wrap="square" rtlCol="0">
-            <a:spAutoFit/>
-          </a:bodyPr>
-          <a:lstStyle/>
-          <a:p>
-            <a:pPr marR="0" lvl="0" algn="l" defTabSz="457200" rtl="0" eaLnBrk="1" fontAlgn="auto" latinLnBrk="0" hangingPunct="1">
-              <a:lnSpc>
-                <a:spcPct val="100000"/>
-              </a:lnSpc>
-              <a:spcBef>
-                <a:spcPts val="0"/>
-              </a:spcBef>
-              <a:spcAft>
-                <a:spcPts val="0"/>
-              </a:spcAft>
-              <a:buClrTx/>
-              <a:buSzTx/>
-              <a:tabLst/>
-              <a:defRPr/>
-            </a:pPr>
-            <a:r>
-              <a:rPr lang="en-IN" sz="2400" dirty="0">
-                <a:solidFill>
-                  <a:prstClr val="white"/>
-                </a:solidFill>
-                <a:latin typeface="Cascadia Code SemiBold" pitchFamily="50" charset="0"/>
-                <a:cs typeface="Cascadia Code SemiBold" pitchFamily="50" charset="0"/>
-              </a:rPr>
-              <a:t>Valuation = Cheap or Expensive</a:t>
-            </a:r>
-            <a:endParaRPr kumimoji="0" lang="en-IN" sz="2400" b="0" i="0" u="none" strike="noStrike" kern="1200" cap="none" spc="0" normalizeH="0" baseline="0" noProof="0" dirty="0">
-              <a:ln>
-                <a:noFill/>
-              </a:ln>
-              <a:solidFill>
-                <a:prstClr val="white"/>
-              </a:solidFill>
-              <a:effectLst/>
-              <a:uLnTx/>
-              <a:uFillTx/>
-              <a:latin typeface="Cascadia Code SemiBold" pitchFamily="50" charset="0"/>
-              <a:ea typeface="+mn-ea"/>
-              <a:cs typeface="Cascadia Code SemiBold" pitchFamily="50" charset="0"/>
-            </a:endParaRPr>
-          </a:p>
-        </p:txBody>
-      </p:sp>
-      <p:sp>
-        <p:nvSpPr>
-          <p:cNvPr id="6" name="TextBox 5">
-            <a:extLst>
-              <a:ext uri="{FF2B5EF4-FFF2-40B4-BE49-F238E27FC236}">
-                <a16:creationId xmlns:a16="http://schemas.microsoft.com/office/drawing/2014/main" xmlns="" id="{DE74F79A-12CA-1D82-0400-A086B2E3C7BB}"/>
-              </a:ext>
-            </a:extLst>
-          </p:cNvPr>
-          <p:cNvSpPr txBox="1"/>
-          <p:nvPr/>
-        </p:nvSpPr>
-        <p:spPr>
-          <a:xfrm>
-            <a:off x="376112" y="3132291"/>
-            <a:ext cx="7735502" cy="461665"/>
-          </a:xfrm>
-          <a:prstGeom prst="rect">
-            <a:avLst/>
-          </a:prstGeom>
-          <a:noFill/>
-        </p:spPr>
-        <p:txBody>
-          <a:bodyPr wrap="square" rtlCol="0">
-            <a:spAutoFit/>
-          </a:bodyPr>
-          <a:lstStyle/>
-          <a:p>
-            <a:pPr marR="0" lvl="0" algn="l" defTabSz="457200" rtl="0" eaLnBrk="1" fontAlgn="auto" latinLnBrk="0" hangingPunct="1">
-              <a:lnSpc>
-                <a:spcPct val="100000"/>
-              </a:lnSpc>
-              <a:spcBef>
-                <a:spcPts val="0"/>
-              </a:spcBef>
-              <a:spcAft>
-                <a:spcPts val="0"/>
-              </a:spcAft>
-              <a:buClrTx/>
-              <a:buSzTx/>
-              <a:tabLst/>
-              <a:defRPr/>
-            </a:pPr>
-            <a:r>
-              <a:rPr lang="en-IN" sz="2400" dirty="0">
-                <a:solidFill>
-                  <a:prstClr val="white"/>
-                </a:solidFill>
-                <a:latin typeface="Cascadia Code SemiBold" pitchFamily="50" charset="0"/>
-                <a:cs typeface="Cascadia Code SemiBold" pitchFamily="50" charset="0"/>
-              </a:rPr>
-              <a:t>Stock PE v. Industry PE</a:t>
-            </a:r>
-            <a:endParaRPr kumimoji="0" lang="en-IN" sz="2400" b="0" i="0" u="none" strike="noStrike" kern="1200" cap="none" spc="0" normalizeH="0" baseline="0" noProof="0" dirty="0">
-              <a:ln>
-                <a:noFill/>
-              </a:ln>
-              <a:solidFill>
-                <a:prstClr val="white"/>
-              </a:solidFill>
-              <a:effectLst/>
-              <a:uLnTx/>
-              <a:uFillTx/>
-              <a:latin typeface="Cascadia Code SemiBold" pitchFamily="50" charset="0"/>
-              <a:ea typeface="+mn-ea"/>
-              <a:cs typeface="Cascadia Code SemiBold" pitchFamily="50" charset="0"/>
-            </a:endParaRPr>
-          </a:p>
-        </p:txBody>
-      </p:sp>
-    </p:spTree>
-    <p:extLst>
-      <p:ext uri="{BB962C8B-B14F-4D97-AF65-F5344CB8AC3E}">
-        <p14:creationId xmlns:p14="http://schemas.microsoft.com/office/powerpoint/2010/main" xmlns="" val="2526493044"/>
-      </p:ext>
-    </p:extLst>
-  </p:cSld>
-  <p:clrMapOvr>
-    <a:masterClrMapping/>
-  </p:clrMapOvr>
-  <p:timing>
-    <p:tnLst>
-      <p:par>
-        <p:cTn id="1" dur="indefinite" restart="never" nodeType="tmRoot">
-          <p:childTnLst>
-            <p:seq concurrent="1" nextAc="seek">
-              <p:cTn id="2" dur="indefinite" nodeType="mainSeq">
-                <p:childTnLst>
-                  <p:par>
-                    <p:cTn id="3" fill="hold">
-                      <p:stCondLst>
-                        <p:cond delay="indefinite"/>
-                      </p:stCondLst>
-                      <p:childTnLst>
-                        <p:par>
-                          <p:cTn id="4" fill="hold">
-                            <p:stCondLst>
-                              <p:cond delay="0"/>
-                            </p:stCondLst>
-                            <p:childTnLst>
-                              <p:par>
-                                <p:cTn id="5" presetID="10" presetClass="entr" presetSubtype="0" fill="hold" grpId="0" nodeType="clickEffect">
-                                  <p:stCondLst>
-                                    <p:cond delay="0"/>
-                                  </p:stCondLst>
-                                  <p:childTnLst>
-                                    <p:set>
-                                      <p:cBhvr>
-                                        <p:cTn id="6" dur="1" fill="hold">
-                                          <p:stCondLst>
-                                            <p:cond delay="0"/>
-                                          </p:stCondLst>
-                                        </p:cTn>
-                                        <p:tgtEl>
-                                          <p:spTgt spid="2"/>
-                                        </p:tgtEl>
-                                        <p:attrNameLst>
-                                          <p:attrName>style.visibility</p:attrName>
-                                        </p:attrNameLst>
-                                      </p:cBhvr>
-                                      <p:to>
-                                        <p:strVal val="visible"/>
-                                      </p:to>
-                                    </p:set>
-                                    <p:animEffect transition="in" filter="fade">
-                                      <p:cBhvr>
-                                        <p:cTn id="7" dur="500"/>
-                                        <p:tgtEl>
-                                          <p:spTgt spid="2"/>
-                                        </p:tgtEl>
-                                      </p:cBhvr>
-                                    </p:animEffect>
-                                  </p:childTnLst>
-                                </p:cTn>
-                              </p:par>
-                            </p:childTnLst>
-                          </p:cTn>
-                        </p:par>
-                      </p:childTnLst>
-                    </p:cTn>
-                  </p:par>
-                  <p:par>
-                    <p:cTn id="8" fill="hold">
-                      <p:stCondLst>
-                        <p:cond delay="indefinite"/>
-                      </p:stCondLst>
-                      <p:childTnLst>
-                        <p:par>
-                          <p:cTn id="9" fill="hold">
-                            <p:stCondLst>
-                              <p:cond delay="0"/>
-                            </p:stCondLst>
-                            <p:childTnLst>
-                              <p:par>
-                                <p:cTn id="10" presetID="10" presetClass="entr" presetSubtype="0" fill="hold" grpId="0" nodeType="clickEffect">
-                                  <p:stCondLst>
-                                    <p:cond delay="0"/>
-                                  </p:stCondLst>
-                                  <p:childTnLst>
-                                    <p:set>
-                                      <p:cBhvr>
-                                        <p:cTn id="11" dur="1" fill="hold">
-                                          <p:stCondLst>
-                                            <p:cond delay="0"/>
-                                          </p:stCondLst>
-                                        </p:cTn>
-                                        <p:tgtEl>
-                                          <p:spTgt spid="5"/>
-                                        </p:tgtEl>
-                                        <p:attrNameLst>
-                                          <p:attrName>style.visibility</p:attrName>
-                                        </p:attrNameLst>
-                                      </p:cBhvr>
-                                      <p:to>
-                                        <p:strVal val="visible"/>
-                                      </p:to>
-                                    </p:set>
-                                    <p:animEffect transition="in" filter="fade">
-                                      <p:cBhvr>
-                                        <p:cTn id="12" dur="500"/>
-                                        <p:tgtEl>
-                                          <p:spTgt spid="5"/>
-                                        </p:tgtEl>
-                                      </p:cBhvr>
-                                    </p:animEffect>
-                                  </p:childTnLst>
-                                </p:cTn>
-                              </p:par>
-                            </p:childTnLst>
-                          </p:cTn>
-                        </p:par>
-                      </p:childTnLst>
-                    </p:cTn>
-                  </p:par>
-                  <p:par>
-                    <p:cTn id="13" fill="hold">
-                      <p:stCondLst>
-                        <p:cond delay="indefinite"/>
-                      </p:stCondLst>
-                      <p:childTnLst>
-                        <p:par>
-                          <p:cTn id="14" fill="hold">
-                            <p:stCondLst>
-                              <p:cond delay="0"/>
-                            </p:stCondLst>
-                            <p:childTnLst>
-                              <p:par>
-                                <p:cTn id="15" presetID="10" presetClass="entr" presetSubtype="0" fill="hold" grpId="0" nodeType="clickEffect">
-                                  <p:stCondLst>
-                                    <p:cond delay="0"/>
-                                  </p:stCondLst>
-                                  <p:childTnLst>
-                                    <p:set>
-                                      <p:cBhvr>
-                                        <p:cTn id="16" dur="1" fill="hold">
-                                          <p:stCondLst>
-                                            <p:cond delay="0"/>
-                                          </p:stCondLst>
-                                        </p:cTn>
-                                        <p:tgtEl>
-                                          <p:spTgt spid="6"/>
-                                        </p:tgtEl>
-                                        <p:attrNameLst>
-                                          <p:attrName>style.visibility</p:attrName>
-                                        </p:attrNameLst>
-                                      </p:cBhvr>
-                                      <p:to>
-                                        <p:strVal val="visible"/>
-                                      </p:to>
-                                    </p:set>
-                                    <p:animEffect transition="in" filter="fade">
-                                      <p:cBhvr>
-                                        <p:cTn id="17" dur="500"/>
-                                        <p:tgtEl>
-                                          <p:spTgt spid="6"/>
-                                        </p:tgtEl>
-                                      </p:cBhvr>
-                                    </p:animEffect>
-                                  </p:childTnLst>
-                                </p:cTn>
-                              </p:par>
-                            </p:childTnLst>
-                          </p:cTn>
-                        </p:par>
-                      </p:childTnLst>
-                    </p:cTn>
-                  </p:par>
-                </p:childTnLst>
-              </p:cTn>
-              <p:prevCondLst>
-                <p:cond evt="onPrev" delay="0">
-                  <p:tgtEl>
-                    <p:sldTgt/>
-                  </p:tgtEl>
-                </p:cond>
-              </p:prevCondLst>
-              <p:nextCondLst>
-                <p:cond evt="onNext" delay="0">
-                  <p:tgtEl>
-                    <p:sldTgt/>
-                  </p:tgtEl>
-                </p:cond>
-              </p:nextCondLst>
-            </p:seq>
-          </p:childTnLst>
-        </p:cTn>
-      </p:par>
-    </p:tnLst>
-    <p:bldLst>
-      <p:bldP spid="5" grpId="0"/>
-      <p:bldP spid="2" grpId="0"/>
-      <p:bldP spid="6" grpId="0"/>
-    </p:bldLst>
-  </p:timing>
-</p:sld>
-</file>
-
-<file path=ppt/slides/slide6.xml><?xml version="1.0" encoding="utf-8"?>
-<p:sld xmlns:a="http://schemas.openxmlformats.org/drawingml/2006/main" xmlns:r="http://schemas.openxmlformats.org/officeDocument/2006/relationships" xmlns:p="http://schemas.openxmlformats.org/presentationml/2006/main">
-  <p:cSld>
-    <p:bg>
-      <p:bgPr>
-        <a:blipFill dpi="0" rotWithShape="1">
-          <a:blip r:embed="rId2">
-            <a:lum/>
-          </a:blip>
-          <a:srcRect/>
-          <a:stretch>
-            <a:fillRect l="29000" t="13000" r="-2000" b="-14000"/>
-          </a:stretch>
-        </a:blipFill>
-        <a:effectLst/>
-      </p:bgPr>
-    </p:bg>
-    <p:spTree>
-      <p:nvGrpSpPr>
-        <p:cNvPr id="1" name=""/>
-        <p:cNvGrpSpPr/>
-        <p:nvPr/>
-      </p:nvGrpSpPr>
-      <p:grpSpPr>
-        <a:xfrm>
-          <a:off x="0" y="0"/>
-          <a:ext cx="0" cy="0"/>
-          <a:chOff x="0" y="0"/>
-          <a:chExt cx="0" cy="0"/>
-        </a:xfrm>
-      </p:grpSpPr>
-      <p:pic>
-        <p:nvPicPr>
-          <p:cNvPr id="6" name="Graphic 5" descr="Coins with solid fill" hidden="1">
-            <a:extLst>
-              <a:ext uri="{FF2B5EF4-FFF2-40B4-BE49-F238E27FC236}">
-                <a16:creationId xmlns:a16="http://schemas.microsoft.com/office/drawing/2014/main" xmlns="" id="{0CFA1E6E-E0D7-BF23-061E-3558431111F0}"/>
-              </a:ext>
-            </a:extLst>
-          </p:cNvPr>
-          <p:cNvPicPr>
-            <a:picLocks noChangeAspect="1"/>
-          </p:cNvPicPr>
-          <p:nvPr/>
-        </p:nvPicPr>
-        <p:blipFill>
-          <a:blip r:embed="rId3">
-            <a:extLst>
-              <a:ext uri="{28A0092B-C50C-407E-A947-70E740481C1C}">
-                <a14:useLocalDpi xmlns:a14="http://schemas.microsoft.com/office/drawing/2010/main" xmlns="" val="0"/>
-              </a:ext>
-              <a:ext uri="{96DAC541-7B7A-43D3-8B79-37D633B846F1}">
-                <asvg:svgBlip xmlns:asvg="http://schemas.microsoft.com/office/drawing/2016/SVG/main" xmlns="" r:embed="rId4"/>
-              </a:ext>
-            </a:extLst>
-          </a:blip>
-          <a:stretch>
-            <a:fillRect/>
-          </a:stretch>
-        </p:blipFill>
-        <p:spPr>
-          <a:xfrm>
-            <a:off x="7873180" y="84638"/>
-            <a:ext cx="1035363" cy="1035363"/>
-          </a:xfrm>
-          <a:prstGeom prst="rect">
-            <a:avLst/>
-          </a:prstGeom>
-        </p:spPr>
-      </p:pic>
-      <p:pic>
-        <p:nvPicPr>
-          <p:cNvPr id="8" name="Graphic 7" descr="Upward trend with solid fill" hidden="1">
-            <a:extLst>
-              <a:ext uri="{FF2B5EF4-FFF2-40B4-BE49-F238E27FC236}">
-                <a16:creationId xmlns:a16="http://schemas.microsoft.com/office/drawing/2014/main" xmlns="" id="{74E75C44-5EA9-8926-0287-CFFE66A1D475}"/>
-              </a:ext>
-            </a:extLst>
-          </p:cNvPr>
-          <p:cNvPicPr>
-            <a:picLocks noChangeAspect="1"/>
-          </p:cNvPicPr>
-          <p:nvPr/>
-        </p:nvPicPr>
-        <p:blipFill>
-          <a:blip r:embed="rId5">
-            <a:extLst>
-              <a:ext uri="{28A0092B-C50C-407E-A947-70E740481C1C}">
-                <a14:useLocalDpi xmlns:a14="http://schemas.microsoft.com/office/drawing/2010/main" xmlns="" val="0"/>
-              </a:ext>
-              <a:ext uri="{96DAC541-7B7A-43D3-8B79-37D633B846F1}">
-                <asvg:svgBlip xmlns:asvg="http://schemas.microsoft.com/office/drawing/2016/SVG/main" xmlns="" r:embed="rId6"/>
-              </a:ext>
-            </a:extLst>
-          </a:blip>
-          <a:stretch>
-            <a:fillRect/>
-          </a:stretch>
-        </p:blipFill>
-        <p:spPr>
-          <a:xfrm>
-            <a:off x="8050869" y="1359377"/>
-            <a:ext cx="1188289" cy="1233432"/>
-          </a:xfrm>
-          <a:prstGeom prst="rect">
-            <a:avLst/>
-          </a:prstGeom>
-        </p:spPr>
-      </p:pic>
-      <p:sp>
-        <p:nvSpPr>
-          <p:cNvPr id="10" name="TextBox 9">
-            <a:extLst>
-              <a:ext uri="{FF2B5EF4-FFF2-40B4-BE49-F238E27FC236}">
-                <a16:creationId xmlns:a16="http://schemas.microsoft.com/office/drawing/2014/main" xmlns="" id="{B147F8CD-AA54-380C-BC1D-FA37B5AFD49A}"/>
-              </a:ext>
-            </a:extLst>
-          </p:cNvPr>
-          <p:cNvSpPr txBox="1"/>
-          <p:nvPr/>
-        </p:nvSpPr>
-        <p:spPr>
-          <a:xfrm>
-            <a:off x="474406" y="216595"/>
-            <a:ext cx="5909186" cy="923330"/>
-          </a:xfrm>
-          <a:prstGeom prst="rect">
-            <a:avLst/>
-          </a:prstGeom>
-          <a:noFill/>
-          <a:ln>
-            <a:noFill/>
-          </a:ln>
-        </p:spPr>
-        <p:style>
-          <a:lnRef idx="0">
-            <a:scrgbClr r="0" g="0" b="0"/>
-          </a:lnRef>
-          <a:fillRef idx="0">
-            <a:scrgbClr r="0" g="0" b="0"/>
-          </a:fillRef>
-          <a:effectRef idx="0">
-            <a:scrgbClr r="0" g="0" b="0"/>
-          </a:effectRef>
-          <a:fontRef idx="minor">
-            <a:schemeClr val="dk1"/>
-          </a:fontRef>
-        </p:style>
-        <p:txBody>
-          <a:bodyPr wrap="square" rtlCol="0">
-            <a:spAutoFit/>
-          </a:bodyPr>
-          <a:lstStyle/>
-          <a:p>
-            <a:pPr marL="0" marR="0" lvl="0" indent="0" defTabSz="457200" rtl="0" eaLnBrk="1" fontAlgn="auto" latinLnBrk="0" hangingPunct="1">
-              <a:lnSpc>
-                <a:spcPct val="100000"/>
-              </a:lnSpc>
-              <a:spcBef>
-                <a:spcPts val="0"/>
-              </a:spcBef>
-              <a:spcAft>
-                <a:spcPts val="0"/>
-              </a:spcAft>
-              <a:buClrTx/>
-              <a:buSzTx/>
-              <a:buFontTx/>
-              <a:buNone/>
-              <a:tabLst/>
-              <a:defRPr/>
-            </a:pPr>
-            <a:r>
-              <a:rPr kumimoji="0" lang="en-IN" sz="5400" b="0" i="0" u="none" strike="noStrike" kern="1200" cap="none" spc="0" normalizeH="0" baseline="0" noProof="0" dirty="0">
-                <a:ln>
-                  <a:noFill/>
-                </a:ln>
-                <a:solidFill>
-                  <a:srgbClr val="FF8701"/>
-                </a:solidFill>
-                <a:effectLst/>
-                <a:uLnTx/>
-                <a:uFillTx/>
-                <a:latin typeface="Amasis MT Pro Black" panose="02040A04050005020304" pitchFamily="18" charset="0"/>
-                <a:ea typeface="+mn-ea"/>
-                <a:cs typeface="+mn-cs"/>
-              </a:rPr>
-              <a:t>Shrewd Investor</a:t>
-            </a:r>
-          </a:p>
-        </p:txBody>
-      </p:sp>
-      <p:sp>
-        <p:nvSpPr>
-          <p:cNvPr id="4" name="TextBox 3">
-            <a:extLst>
-              <a:ext uri="{FF2B5EF4-FFF2-40B4-BE49-F238E27FC236}">
-                <a16:creationId xmlns:a16="http://schemas.microsoft.com/office/drawing/2014/main" xmlns="" id="{3EF2A3BF-8FF5-0212-314C-366F8BE28D94}"/>
-              </a:ext>
-            </a:extLst>
-          </p:cNvPr>
-          <p:cNvSpPr txBox="1"/>
-          <p:nvPr/>
-        </p:nvSpPr>
-        <p:spPr>
-          <a:xfrm>
-            <a:off x="474406" y="1324498"/>
-            <a:ext cx="4589207" cy="2308324"/>
-          </a:xfrm>
-          <a:prstGeom prst="rect">
-            <a:avLst/>
-          </a:prstGeom>
-          <a:noFill/>
-        </p:spPr>
-        <p:txBody>
-          <a:bodyPr wrap="square" rtlCol="0">
-            <a:spAutoFit/>
-          </a:bodyPr>
-          <a:lstStyle/>
-          <a:p>
-            <a:pPr marL="342900" indent="-342900">
-              <a:buFont typeface="Arial" panose="020B0604020202020204" pitchFamily="34" charset="0"/>
-              <a:buChar char="•"/>
-            </a:pPr>
-            <a:r>
-              <a:rPr lang="en-IN" sz="2400" dirty="0">
-                <a:solidFill>
-                  <a:srgbClr val="FEB202"/>
-                </a:solidFill>
-                <a:latin typeface="Cascadia Code SemiBold" pitchFamily="50" charset="0"/>
-                <a:cs typeface="Cascadia Code SemiBold" pitchFamily="50" charset="0"/>
-              </a:rPr>
-              <a:t>Fundamental Analysis</a:t>
-            </a:r>
-          </a:p>
-          <a:p>
-            <a:pPr marL="342900" indent="-342900">
-              <a:buFont typeface="Arial" panose="020B0604020202020204" pitchFamily="34" charset="0"/>
-              <a:buChar char="•"/>
-            </a:pPr>
-            <a:r>
-              <a:rPr lang="en-IN" sz="2400" dirty="0">
-                <a:solidFill>
-                  <a:srgbClr val="FEB202"/>
-                </a:solidFill>
-                <a:latin typeface="Cascadia Code SemiBold" pitchFamily="50" charset="0"/>
-                <a:cs typeface="Cascadia Code SemiBold" pitchFamily="50" charset="0"/>
-              </a:rPr>
-              <a:t>Ratio Analysis</a:t>
-            </a:r>
-          </a:p>
-          <a:p>
-            <a:pPr marL="342900" indent="-342900">
-              <a:buFont typeface="Arial" panose="020B0604020202020204" pitchFamily="34" charset="0"/>
-              <a:buChar char="•"/>
-            </a:pPr>
-            <a:r>
-              <a:rPr lang="en-IN" sz="2400" dirty="0">
-                <a:solidFill>
-                  <a:srgbClr val="FEB202"/>
-                </a:solidFill>
-                <a:latin typeface="Cascadia Code SemiBold" pitchFamily="50" charset="0"/>
-                <a:cs typeface="Cascadia Code SemiBold" pitchFamily="50" charset="0"/>
-              </a:rPr>
-              <a:t>Stock Selection</a:t>
-            </a:r>
-          </a:p>
-          <a:p>
-            <a:pPr marL="342900" indent="-342900">
-              <a:buFont typeface="Arial" panose="020B0604020202020204" pitchFamily="34" charset="0"/>
-              <a:buChar char="•"/>
-            </a:pPr>
-            <a:r>
-              <a:rPr lang="en-IN" sz="2400" dirty="0">
-                <a:solidFill>
-                  <a:srgbClr val="FEB202"/>
-                </a:solidFill>
-                <a:latin typeface="Cascadia Code SemiBold" pitchFamily="50" charset="0"/>
-                <a:cs typeface="Cascadia Code SemiBold" pitchFamily="50" charset="0"/>
-              </a:rPr>
-              <a:t>Investment Strategies</a:t>
-            </a:r>
-          </a:p>
-          <a:p>
-            <a:pPr marL="342900" indent="-342900">
-              <a:buFont typeface="Arial" panose="020B0604020202020204" pitchFamily="34" charset="0"/>
-              <a:buChar char="•"/>
-            </a:pPr>
-            <a:r>
-              <a:rPr lang="en-IN" sz="2400" dirty="0">
-                <a:solidFill>
-                  <a:srgbClr val="FEB202"/>
-                </a:solidFill>
-                <a:latin typeface="Cascadia Code SemiBold" pitchFamily="50" charset="0"/>
-                <a:cs typeface="Cascadia Code SemiBold" pitchFamily="50" charset="0"/>
-              </a:rPr>
-              <a:t>Risk Management</a:t>
-            </a:r>
-          </a:p>
-          <a:p>
-            <a:pPr marL="342900" indent="-342900">
-              <a:buFont typeface="Arial" panose="020B0604020202020204" pitchFamily="34" charset="0"/>
-              <a:buChar char="•"/>
-            </a:pPr>
-            <a:r>
-              <a:rPr lang="en-IN" sz="2400" dirty="0">
-                <a:solidFill>
-                  <a:srgbClr val="FEB202"/>
-                </a:solidFill>
-                <a:latin typeface="Cascadia Code SemiBold" pitchFamily="50" charset="0"/>
-                <a:cs typeface="Cascadia Code SemiBold" pitchFamily="50" charset="0"/>
-              </a:rPr>
-              <a:t>Swing Trading</a:t>
-            </a:r>
-            <a:endParaRPr lang="en-IN" sz="2400" dirty="0">
-              <a:solidFill>
-                <a:schemeClr val="bg1"/>
-              </a:solidFill>
-              <a:latin typeface="Cascadia Code SemiBold" pitchFamily="50" charset="0"/>
-              <a:cs typeface="Cascadia Code SemiBold" pitchFamily="50" charset="0"/>
-            </a:endParaRPr>
-          </a:p>
-        </p:txBody>
-      </p:sp>
-      <p:sp>
-        <p:nvSpPr>
-          <p:cNvPr id="14" name="TextBox 13">
-            <a:extLst>
-              <a:ext uri="{FF2B5EF4-FFF2-40B4-BE49-F238E27FC236}">
-                <a16:creationId xmlns:a16="http://schemas.microsoft.com/office/drawing/2014/main" xmlns="" id="{B504946C-C55B-8669-E5BD-318F9EFB10FA}"/>
-              </a:ext>
-            </a:extLst>
-          </p:cNvPr>
-          <p:cNvSpPr txBox="1"/>
-          <p:nvPr/>
-        </p:nvSpPr>
-        <p:spPr>
-          <a:xfrm>
-            <a:off x="818534" y="4027130"/>
-            <a:ext cx="4589207" cy="1200329"/>
-          </a:xfrm>
-          <a:prstGeom prst="rect">
-            <a:avLst/>
-          </a:prstGeom>
-          <a:noFill/>
-        </p:spPr>
-        <p:txBody>
-          <a:bodyPr wrap="square" rtlCol="0">
-            <a:spAutoFit/>
-          </a:bodyPr>
-          <a:lstStyle/>
-          <a:p>
-            <a:r>
-              <a:rPr lang="en-IN" sz="2400" dirty="0">
-                <a:solidFill>
-                  <a:srgbClr val="FEB202"/>
-                </a:solidFill>
-                <a:latin typeface="Cascadia Code SemiBold" pitchFamily="50" charset="0"/>
-                <a:cs typeface="Cascadia Code SemiBold" pitchFamily="50" charset="0"/>
-              </a:rPr>
-              <a:t>Sunday 10 AM</a:t>
-            </a:r>
-          </a:p>
-          <a:p>
-            <a:r>
-              <a:rPr lang="en-IN" sz="2400" dirty="0">
-                <a:solidFill>
-                  <a:srgbClr val="FEB202"/>
-                </a:solidFill>
-                <a:latin typeface="Cascadia Code SemiBold" pitchFamily="50" charset="0"/>
-                <a:cs typeface="Cascadia Code SemiBold" pitchFamily="50" charset="0"/>
-              </a:rPr>
-              <a:t>Duration 6-8 hours</a:t>
-            </a:r>
-          </a:p>
-          <a:p>
-            <a:r>
-              <a:rPr lang="en-IN" sz="2400" dirty="0">
-                <a:solidFill>
-                  <a:srgbClr val="FEB202"/>
-                </a:solidFill>
-                <a:latin typeface="Cascadia Code SemiBold" pitchFamily="50" charset="0"/>
-                <a:cs typeface="Cascadia Code SemiBold" pitchFamily="50" charset="0"/>
-              </a:rPr>
-              <a:t>Zoom or Skype</a:t>
-            </a:r>
-          </a:p>
-        </p:txBody>
-      </p:sp>
-    </p:spTree>
-    <p:extLst>
-      <p:ext uri="{BB962C8B-B14F-4D97-AF65-F5344CB8AC3E}">
-        <p14:creationId xmlns:p14="http://schemas.microsoft.com/office/powerpoint/2010/main" xmlns="" val="1572498096"/>
-      </p:ext>
-    </p:extLst>
-  </p:cSld>
-  <p:clrMapOvr>
-    <a:masterClrMapping/>
-  </p:clrMapOvr>
-  <p:timing>
-    <p:tnLst>
-      <p:par>
-        <p:cTn id="1" dur="indefinite" restart="never" nodeType="tmRoot">
-          <p:childTnLst>
-            <p:seq concurrent="1" nextAc="seek">
-              <p:cTn id="2" dur="indefinite" nodeType="mainSeq">
-                <p:childTnLst>
-                  <p:par>
-                    <p:cTn id="3" fill="hold">
-                      <p:stCondLst>
-                        <p:cond delay="indefinite"/>
-                      </p:stCondLst>
-                      <p:childTnLst>
-                        <p:par>
-                          <p:cTn id="4" fill="hold">
-                            <p:stCondLst>
-                              <p:cond delay="0"/>
-                            </p:stCondLst>
-                            <p:childTnLst>
-                              <p:par>
-                                <p:cTn id="5" presetID="10" presetClass="entr" presetSubtype="0" fill="hold" grpId="0" nodeType="clickEffect">
-                                  <p:stCondLst>
-                                    <p:cond delay="0"/>
-                                  </p:stCondLst>
-                                  <p:childTnLst>
-                                    <p:set>
-                                      <p:cBhvr>
-                                        <p:cTn id="6" dur="1" fill="hold">
-                                          <p:stCondLst>
-                                            <p:cond delay="0"/>
-                                          </p:stCondLst>
-                                        </p:cTn>
-                                        <p:tgtEl>
-                                          <p:spTgt spid="4"/>
-                                        </p:tgtEl>
-                                        <p:attrNameLst>
-                                          <p:attrName>style.visibility</p:attrName>
-                                        </p:attrNameLst>
-                                      </p:cBhvr>
-                                      <p:to>
-                                        <p:strVal val="visible"/>
-                                      </p:to>
-                                    </p:set>
-                                    <p:animEffect transition="in" filter="fade">
-                                      <p:cBhvr>
-                                        <p:cTn id="7" dur="500"/>
-                                        <p:tgtEl>
-                                          <p:spTgt spid="4"/>
-                                        </p:tgtEl>
-                                      </p:cBhvr>
-                                    </p:animEffect>
-                                  </p:childTnLst>
-                                </p:cTn>
-                              </p:par>
-                            </p:childTnLst>
-                          </p:cTn>
-                        </p:par>
-                      </p:childTnLst>
-                    </p:cTn>
-                  </p:par>
-                  <p:par>
-                    <p:cTn id="8" fill="hold">
-                      <p:stCondLst>
-                        <p:cond delay="indefinite"/>
-                      </p:stCondLst>
-                      <p:childTnLst>
-                        <p:par>
-                          <p:cTn id="9" fill="hold">
-                            <p:stCondLst>
-                              <p:cond delay="0"/>
-                            </p:stCondLst>
-                            <p:childTnLst>
-                              <p:par>
-                                <p:cTn id="10" presetID="10" presetClass="entr" presetSubtype="0" fill="hold" grpId="0" nodeType="clickEffect">
-                                  <p:stCondLst>
-                                    <p:cond delay="0"/>
-                                  </p:stCondLst>
-                                  <p:childTnLst>
-                                    <p:set>
-                                      <p:cBhvr>
-                                        <p:cTn id="11" dur="1" fill="hold">
-                                          <p:stCondLst>
-                                            <p:cond delay="0"/>
-                                          </p:stCondLst>
-                                        </p:cTn>
-                                        <p:tgtEl>
-                                          <p:spTgt spid="14"/>
-                                        </p:tgtEl>
-                                        <p:attrNameLst>
-                                          <p:attrName>style.visibility</p:attrName>
-                                        </p:attrNameLst>
-                                      </p:cBhvr>
-                                      <p:to>
-                                        <p:strVal val="visible"/>
-                                      </p:to>
-                                    </p:set>
-                                    <p:animEffect transition="in" filter="fade">
-                                      <p:cBhvr>
-                                        <p:cTn id="12" dur="500"/>
-                                        <p:tgtEl>
-                                          <p:spTgt spid="14"/>
-                                        </p:tgtEl>
-                                      </p:cBhvr>
-                                    </p:animEffect>
-                                  </p:childTnLst>
-                                </p:cTn>
-                              </p:par>
-                            </p:childTnLst>
-                          </p:cTn>
-                        </p:par>
-                      </p:childTnLst>
-                    </p:cTn>
-                  </p:par>
-                </p:childTnLst>
-              </p:cTn>
-              <p:prevCondLst>
-                <p:cond evt="onPrev" delay="0">
-                  <p:tgtEl>
-                    <p:sldTgt/>
-                  </p:tgtEl>
-                </p:cond>
-              </p:prevCondLst>
-              <p:nextCondLst>
-                <p:cond evt="onNext" delay="0">
-                  <p:tgtEl>
-                    <p:sldTgt/>
-                  </p:tgtEl>
-                </p:cond>
-              </p:nextCondLst>
-            </p:seq>
-          </p:childTnLst>
-        </p:cTn>
-      </p:par>
-    </p:tnLst>
-    <p:bldLst>
-      <p:bldP spid="4" grpId="0"/>
-      <p:bldP spid="14" grpId="0"/>
-    </p:bldLst>
-  </p:timing>
-</p:sld>
-</file>
-
-<file path=ppt/slides/slide7.xml><?xml version="1.0" encoding="utf-8"?>
-<p:sld xmlns:a="http://schemas.openxmlformats.org/drawingml/2006/main" xmlns:r="http://schemas.openxmlformats.org/officeDocument/2006/relationships" xmlns:p="http://schemas.openxmlformats.org/presentationml/2006/main">
-  <p:cSld>
-    <p:bg>
-      <p:bgPr>
-        <a:solidFill>
-          <a:schemeClr val="bg2"/>
-        </a:solidFill>
-        <a:effectLst/>
-      </p:bgPr>
-    </p:bg>
-    <p:spTree>
-      <p:nvGrpSpPr>
-        <p:cNvPr id="1" name=""/>
-        <p:cNvGrpSpPr/>
-        <p:nvPr/>
-      </p:nvGrpSpPr>
-      <p:grpSpPr>
-        <a:xfrm>
-          <a:off x="0" y="0"/>
-          <a:ext cx="0" cy="0"/>
-          <a:chOff x="0" y="0"/>
-          <a:chExt cx="0" cy="0"/>
-        </a:xfrm>
-      </p:grpSpPr>
-      <p:sp>
-        <p:nvSpPr>
-          <p:cNvPr id="3" name="TextBox 2">
-            <a:extLst>
-              <a:ext uri="{FF2B5EF4-FFF2-40B4-BE49-F238E27FC236}">
-                <a16:creationId xmlns:a16="http://schemas.microsoft.com/office/drawing/2014/main" xmlns="" id="{3FCF3979-E4B3-0634-4C0B-AB862892E9BF}"/>
-              </a:ext>
-            </a:extLst>
-          </p:cNvPr>
-          <p:cNvSpPr txBox="1"/>
-          <p:nvPr/>
-        </p:nvSpPr>
-        <p:spPr>
-          <a:xfrm>
-            <a:off x="-439963" y="329968"/>
-            <a:ext cx="3691954" cy="707886"/>
-          </a:xfrm>
-          <a:prstGeom prst="rect">
-            <a:avLst/>
-          </a:prstGeom>
-          <a:noFill/>
-        </p:spPr>
-        <p:txBody>
-          <a:bodyPr wrap="square" rtlCol="0">
-            <a:spAutoFit/>
-          </a:bodyPr>
-          <a:lstStyle/>
-          <a:p>
-            <a:pPr marL="0" marR="0" lvl="0" indent="0" algn="ctr" defTabSz="457200" rtl="0" eaLnBrk="1" fontAlgn="auto" latinLnBrk="0" hangingPunct="1">
-              <a:lnSpc>
-                <a:spcPct val="100000"/>
-              </a:lnSpc>
-              <a:spcBef>
-                <a:spcPts val="0"/>
-              </a:spcBef>
-              <a:spcAft>
-                <a:spcPts val="0"/>
-              </a:spcAft>
-              <a:buClrTx/>
-              <a:buSzTx/>
-              <a:buFontTx/>
-              <a:buNone/>
-              <a:tabLst/>
-              <a:defRPr/>
-            </a:pPr>
-            <a:r>
-              <a:rPr kumimoji="0" lang="en-IN" sz="4000" b="0" i="0" u="none" strike="noStrike" kern="1200" cap="none" spc="0" normalizeH="0" baseline="0" noProof="0" dirty="0">
-                <a:ln>
-                  <a:noFill/>
-                </a:ln>
-                <a:solidFill>
-                  <a:schemeClr val="bg1"/>
-                </a:solidFill>
-                <a:effectLst/>
-                <a:uLnTx/>
-                <a:uFillTx/>
-                <a:latin typeface="Amasis MT Pro Black" panose="02040A04050005020304" pitchFamily="18" charset="0"/>
-                <a:ea typeface="+mn-ea"/>
-                <a:cs typeface="+mn-cs"/>
-              </a:rPr>
-              <a:t>#06283D</a:t>
-            </a:r>
-          </a:p>
-        </p:txBody>
-      </p:sp>
-      <p:sp>
-        <p:nvSpPr>
-          <p:cNvPr id="2" name="Rectangle 1">
-            <a:extLst>
-              <a:ext uri="{FF2B5EF4-FFF2-40B4-BE49-F238E27FC236}">
-                <a16:creationId xmlns:a16="http://schemas.microsoft.com/office/drawing/2014/main" xmlns="" id="{896F725C-4CFE-FF8F-2A15-4F7F9AE3225E}"/>
-              </a:ext>
-            </a:extLst>
-          </p:cNvPr>
-          <p:cNvSpPr/>
-          <p:nvPr/>
-        </p:nvSpPr>
-        <p:spPr>
-          <a:xfrm>
-            <a:off x="2726023" y="405874"/>
-            <a:ext cx="1730478" cy="556074"/>
-          </a:xfrm>
-          <a:prstGeom prst="rect">
-            <a:avLst/>
-          </a:prstGeom>
-          <a:solidFill>
-            <a:srgbClr val="06283D"/>
-          </a:solidFill>
-          <a:ln>
-            <a:solidFill>
-              <a:srgbClr val="06283D"/>
-            </a:solidFill>
-          </a:ln>
-        </p:spPr>
-        <p:style>
-          <a:lnRef idx="2">
-            <a:schemeClr val="accent1">
-              <a:shade val="50000"/>
-            </a:schemeClr>
-          </a:lnRef>
-          <a:fillRef idx="1">
-            <a:schemeClr val="accent1"/>
-          </a:fillRef>
-          <a:effectRef idx="0">
-            <a:schemeClr val="accent1"/>
-          </a:effectRef>
-          <a:fontRef idx="minor">
-            <a:schemeClr val="lt1"/>
-          </a:fontRef>
-        </p:style>
-        <p:txBody>
-          <a:bodyPr rtlCol="0" anchor="ctr"/>
-          <a:lstStyle/>
-          <a:p>
-            <a:pPr algn="ctr"/>
-            <a:endParaRPr lang="en-IN" dirty="0"/>
-          </a:p>
-        </p:txBody>
-      </p:sp>
-      <p:sp>
-        <p:nvSpPr>
-          <p:cNvPr id="4" name="TextBox 3">
-            <a:extLst>
-              <a:ext uri="{FF2B5EF4-FFF2-40B4-BE49-F238E27FC236}">
-                <a16:creationId xmlns:a16="http://schemas.microsoft.com/office/drawing/2014/main" xmlns="" id="{D5C1F7EF-58E9-E9F1-EBA7-5DFF2EBC19AD}"/>
-              </a:ext>
-            </a:extLst>
-          </p:cNvPr>
-          <p:cNvSpPr txBox="1"/>
-          <p:nvPr/>
-        </p:nvSpPr>
-        <p:spPr>
-          <a:xfrm>
-            <a:off x="-439963" y="1189667"/>
-            <a:ext cx="3691954" cy="707886"/>
-          </a:xfrm>
-          <a:prstGeom prst="rect">
-            <a:avLst/>
-          </a:prstGeom>
-          <a:noFill/>
-        </p:spPr>
-        <p:txBody>
-          <a:bodyPr wrap="square" rtlCol="0">
-            <a:spAutoFit/>
-          </a:bodyPr>
-          <a:lstStyle/>
-          <a:p>
-            <a:pPr marL="0" marR="0" lvl="0" indent="0" algn="ctr" defTabSz="457200" rtl="0" eaLnBrk="1" fontAlgn="auto" latinLnBrk="0" hangingPunct="1">
-              <a:lnSpc>
-                <a:spcPct val="100000"/>
-              </a:lnSpc>
-              <a:spcBef>
-                <a:spcPts val="0"/>
-              </a:spcBef>
-              <a:spcAft>
-                <a:spcPts val="0"/>
-              </a:spcAft>
-              <a:buClrTx/>
-              <a:buSzTx/>
-              <a:buFontTx/>
-              <a:buNone/>
-              <a:tabLst/>
-              <a:defRPr/>
-            </a:pPr>
-            <a:r>
-              <a:rPr kumimoji="0" lang="en-IN" sz="4000" b="0" i="0" u="none" strike="noStrike" kern="1200" cap="none" spc="0" normalizeH="0" baseline="0" noProof="0" dirty="0">
-                <a:ln>
-                  <a:noFill/>
-                </a:ln>
-                <a:solidFill>
-                  <a:schemeClr val="bg1"/>
-                </a:solidFill>
-                <a:effectLst/>
-                <a:uLnTx/>
-                <a:uFillTx/>
-                <a:latin typeface="Amasis MT Pro Black" panose="02040A04050005020304" pitchFamily="18" charset="0"/>
-                <a:ea typeface="+mn-ea"/>
-                <a:cs typeface="+mn-cs"/>
-              </a:rPr>
-              <a:t>#F4F4F2</a:t>
-            </a:r>
-          </a:p>
-        </p:txBody>
-      </p:sp>
-      <p:sp>
-        <p:nvSpPr>
-          <p:cNvPr id="9" name="Rectangle 8">
-            <a:extLst>
-              <a:ext uri="{FF2B5EF4-FFF2-40B4-BE49-F238E27FC236}">
-                <a16:creationId xmlns:a16="http://schemas.microsoft.com/office/drawing/2014/main" xmlns="" id="{98B1ABDA-BAC5-141C-5958-60F064BE1B5F}"/>
-              </a:ext>
-            </a:extLst>
-          </p:cNvPr>
-          <p:cNvSpPr/>
-          <p:nvPr/>
-        </p:nvSpPr>
-        <p:spPr>
-          <a:xfrm>
-            <a:off x="2726023" y="1265573"/>
-            <a:ext cx="1730478" cy="556074"/>
-          </a:xfrm>
-          <a:prstGeom prst="rect">
-            <a:avLst/>
-          </a:prstGeom>
-          <a:solidFill>
-            <a:srgbClr val="F4F4F2"/>
-          </a:solidFill>
-          <a:ln>
-            <a:solidFill>
-              <a:srgbClr val="F4F4F2"/>
-            </a:solidFill>
-          </a:ln>
-        </p:spPr>
-        <p:style>
-          <a:lnRef idx="2">
-            <a:schemeClr val="accent1">
-              <a:shade val="50000"/>
-            </a:schemeClr>
-          </a:lnRef>
-          <a:fillRef idx="1">
-            <a:schemeClr val="accent1"/>
-          </a:fillRef>
-          <a:effectRef idx="0">
-            <a:schemeClr val="accent1"/>
-          </a:effectRef>
-          <a:fontRef idx="minor">
-            <a:schemeClr val="lt1"/>
-          </a:fontRef>
-        </p:style>
-        <p:txBody>
-          <a:bodyPr rtlCol="0" anchor="ctr"/>
-          <a:lstStyle/>
-          <a:p>
-            <a:pPr algn="ctr"/>
-            <a:endParaRPr lang="en-IN" dirty="0"/>
-          </a:p>
-        </p:txBody>
-      </p:sp>
-      <p:sp>
-        <p:nvSpPr>
-          <p:cNvPr id="10" name="TextBox 9">
-            <a:extLst>
-              <a:ext uri="{FF2B5EF4-FFF2-40B4-BE49-F238E27FC236}">
-                <a16:creationId xmlns:a16="http://schemas.microsoft.com/office/drawing/2014/main" xmlns="" id="{0BB6C4CE-5B83-9958-BF36-9C92A04CFE6E}"/>
-              </a:ext>
-            </a:extLst>
-          </p:cNvPr>
-          <p:cNvSpPr txBox="1"/>
-          <p:nvPr/>
-        </p:nvSpPr>
-        <p:spPr>
-          <a:xfrm>
-            <a:off x="196646" y="2159534"/>
-            <a:ext cx="2979173" cy="707886"/>
-          </a:xfrm>
-          <a:prstGeom prst="rect">
-            <a:avLst/>
-          </a:prstGeom>
-          <a:noFill/>
-        </p:spPr>
-        <p:txBody>
-          <a:bodyPr wrap="square" rtlCol="0">
-            <a:spAutoFit/>
-          </a:bodyPr>
-          <a:lstStyle/>
-          <a:p>
-            <a:r>
-              <a:rPr lang="en-IN" sz="4000" dirty="0">
-                <a:solidFill>
-                  <a:schemeClr val="bg1"/>
-                </a:solidFill>
-                <a:latin typeface="Amasis MT Pro Black" panose="02040A04050005020304" pitchFamily="18" charset="0"/>
-              </a:rPr>
-              <a:t>#FEB202</a:t>
-            </a:r>
-          </a:p>
-        </p:txBody>
-      </p:sp>
-      <p:sp>
-        <p:nvSpPr>
-          <p:cNvPr id="11" name="Rectangle 10">
-            <a:extLst>
-              <a:ext uri="{FF2B5EF4-FFF2-40B4-BE49-F238E27FC236}">
-                <a16:creationId xmlns:a16="http://schemas.microsoft.com/office/drawing/2014/main" xmlns="" id="{38BA3D8C-1C99-47AE-668E-0376D060CA8F}"/>
-              </a:ext>
-            </a:extLst>
-          </p:cNvPr>
-          <p:cNvSpPr/>
-          <p:nvPr/>
-        </p:nvSpPr>
-        <p:spPr>
-          <a:xfrm>
-            <a:off x="2726023" y="2227578"/>
-            <a:ext cx="1730478" cy="556074"/>
-          </a:xfrm>
-          <a:prstGeom prst="rect">
-            <a:avLst/>
-          </a:prstGeom>
-          <a:solidFill>
-            <a:srgbClr val="FEB202"/>
-          </a:solidFill>
-          <a:ln>
-            <a:solidFill>
-              <a:srgbClr val="FEB202"/>
-            </a:solidFill>
-          </a:ln>
-        </p:spPr>
-        <p:style>
-          <a:lnRef idx="2">
-            <a:schemeClr val="accent1">
-              <a:shade val="50000"/>
-            </a:schemeClr>
-          </a:lnRef>
-          <a:fillRef idx="1">
-            <a:schemeClr val="accent1"/>
-          </a:fillRef>
-          <a:effectRef idx="0">
-            <a:schemeClr val="accent1"/>
-          </a:effectRef>
-          <a:fontRef idx="minor">
-            <a:schemeClr val="lt1"/>
-          </a:fontRef>
-        </p:style>
-        <p:txBody>
-          <a:bodyPr rtlCol="0" anchor="ctr"/>
-          <a:lstStyle/>
-          <a:p>
-            <a:pPr algn="ctr"/>
-            <a:endParaRPr lang="en-IN" dirty="0">
-              <a:solidFill>
-                <a:srgbClr val="FEB202"/>
-              </a:solidFill>
-            </a:endParaRPr>
-          </a:p>
-        </p:txBody>
-      </p:sp>
-      <p:sp>
-        <p:nvSpPr>
-          <p:cNvPr id="12" name="TextBox 11">
-            <a:extLst>
-              <a:ext uri="{FF2B5EF4-FFF2-40B4-BE49-F238E27FC236}">
-                <a16:creationId xmlns:a16="http://schemas.microsoft.com/office/drawing/2014/main" xmlns="" id="{4BA0361D-6F86-2D83-7555-CDC0E026D4F7}"/>
-              </a:ext>
-            </a:extLst>
-          </p:cNvPr>
-          <p:cNvSpPr txBox="1"/>
-          <p:nvPr/>
-        </p:nvSpPr>
-        <p:spPr>
-          <a:xfrm>
-            <a:off x="196646" y="2919408"/>
-            <a:ext cx="2979173" cy="707886"/>
-          </a:xfrm>
-          <a:prstGeom prst="rect">
-            <a:avLst/>
-          </a:prstGeom>
-          <a:noFill/>
-        </p:spPr>
-        <p:txBody>
-          <a:bodyPr wrap="square" rtlCol="0">
-            <a:spAutoFit/>
-          </a:bodyPr>
-          <a:lstStyle/>
-          <a:p>
-            <a:r>
-              <a:rPr lang="en-IN" sz="4000" dirty="0">
-                <a:solidFill>
-                  <a:schemeClr val="bg1"/>
-                </a:solidFill>
-                <a:latin typeface="Amasis MT Pro Black" panose="02040A04050005020304" pitchFamily="18" charset="0"/>
-              </a:rPr>
-              <a:t>#FF8701</a:t>
-            </a:r>
-          </a:p>
-        </p:txBody>
-      </p:sp>
-      <p:sp>
-        <p:nvSpPr>
-          <p:cNvPr id="13" name="Rectangle 12">
-            <a:extLst>
-              <a:ext uri="{FF2B5EF4-FFF2-40B4-BE49-F238E27FC236}">
-                <a16:creationId xmlns:a16="http://schemas.microsoft.com/office/drawing/2014/main" xmlns="" id="{5E70ADB7-CBFB-0C70-C052-0898B0B598D4}"/>
-              </a:ext>
-            </a:extLst>
-          </p:cNvPr>
-          <p:cNvSpPr/>
-          <p:nvPr/>
-        </p:nvSpPr>
-        <p:spPr>
-          <a:xfrm>
-            <a:off x="2726023" y="2995314"/>
-            <a:ext cx="1730478" cy="556074"/>
-          </a:xfrm>
-          <a:prstGeom prst="rect">
-            <a:avLst/>
-          </a:prstGeom>
-          <a:solidFill>
-            <a:srgbClr val="FF8701"/>
-          </a:solidFill>
-          <a:ln>
-            <a:solidFill>
-              <a:srgbClr val="FF8701"/>
-            </a:solidFill>
-          </a:ln>
-        </p:spPr>
-        <p:style>
-          <a:lnRef idx="2">
-            <a:schemeClr val="accent1">
-              <a:shade val="50000"/>
-            </a:schemeClr>
-          </a:lnRef>
-          <a:fillRef idx="1">
-            <a:schemeClr val="accent1"/>
-          </a:fillRef>
-          <a:effectRef idx="0">
-            <a:schemeClr val="accent1"/>
-          </a:effectRef>
-          <a:fontRef idx="minor">
-            <a:schemeClr val="lt1"/>
-          </a:fontRef>
-        </p:style>
-        <p:txBody>
-          <a:bodyPr rtlCol="0" anchor="ctr"/>
-          <a:lstStyle/>
-          <a:p>
-            <a:pPr algn="ctr"/>
-            <a:endParaRPr lang="en-IN" dirty="0">
-              <a:solidFill>
-                <a:srgbClr val="FEB202"/>
-              </a:solidFill>
-            </a:endParaRPr>
-          </a:p>
-        </p:txBody>
-      </p:sp>
-    </p:spTree>
-    <p:extLst>
-      <p:ext uri="{BB962C8B-B14F-4D97-AF65-F5344CB8AC3E}">
-        <p14:creationId xmlns:p14="http://schemas.microsoft.com/office/powerpoint/2010/main" xmlns="" val="3489613101"/>
-      </p:ext>
-    </p:extLst>
-  </p:cSld>
-  <p:clrMapOvr>
-    <a:masterClrMapping/>
-  </p:clrMapOvr>
 </p:sld>
 </file>
 
@@ -11845,7 +12411,7 @@
   <a:extraClrSchemeLst/>
   <a:extLst>
     <a:ext uri="{05A4C25C-085E-4340-85A3-A5531E510DB2}">
-      <thm15:themeFamily xmlns:thm15="http://schemas.microsoft.com/office/thememl/2012/main" xmlns="" name="Office Theme" id="{62F939B6-93AF-4DB8-9C6B-D6C7DFDC589F}" vid="{4A3C46E8-61CC-4603-A589-7422A47A8E4A}"/>
+      <thm15:themeFamily xmlns:thm15="http://schemas.microsoft.com/office/thememl/2012/main" name="Office Theme" id="{62F939B6-93AF-4DB8-9C6B-D6C7DFDC589F}" vid="{4A3C46E8-61CC-4603-A589-7422A47A8E4A}"/>
     </a:ext>
   </a:extLst>
 </a:theme>
@@ -12140,7 +12706,7 @@
   <a:extraClrSchemeLst/>
   <a:extLst>
     <a:ext uri="{05A4C25C-085E-4340-85A3-A5531E510DB2}">
-      <thm15:themeFamily xmlns:thm15="http://schemas.microsoft.com/office/thememl/2012/main" xmlns="" name="Office Theme" id="{62F939B6-93AF-4DB8-9C6B-D6C7DFDC589F}" vid="{4A3C46E8-61CC-4603-A589-7422A47A8E4A}"/>
+      <thm15:themeFamily xmlns:thm15="http://schemas.microsoft.com/office/thememl/2012/main" name="Office Theme" id="{62F939B6-93AF-4DB8-9C6B-D6C7DFDC589F}" vid="{4A3C46E8-61CC-4603-A589-7422A47A8E4A}"/>
     </a:ext>
   </a:extLst>
 </a:theme>
@@ -12435,7 +13001,7 @@
   <a:extraClrSchemeLst/>
   <a:extLst>
     <a:ext uri="{05A4C25C-085E-4340-85A3-A5531E510DB2}">
-      <thm15:themeFamily xmlns:thm15="http://schemas.microsoft.com/office/thememl/2012/main" xmlns="" name="Office Theme" id="{62F939B6-93AF-4DB8-9C6B-D6C7DFDC589F}" vid="{4A3C46E8-61CC-4603-A589-7422A47A8E4A}"/>
+      <thm15:themeFamily xmlns:thm15="http://schemas.microsoft.com/office/thememl/2012/main" name="Office Theme" id="{62F939B6-93AF-4DB8-9C6B-D6C7DFDC589F}" vid="{4A3C46E8-61CC-4603-A589-7422A47A8E4A}"/>
     </a:ext>
   </a:extLst>
 </a:theme>

--- a/Introductory lecture/Technical Analysis.pptx
+++ b/Introductory lecture/Technical Analysis.pptx
@@ -6,26 +6,27 @@
     <p:sldMasterId id="2147483810" r:id="rId2"/>
   </p:sldMasterIdLst>
   <p:notesMasterIdLst>
-    <p:notesMasterId r:id="rId20"/>
+    <p:notesMasterId r:id="rId21"/>
   </p:notesMasterIdLst>
   <p:sldIdLst>
     <p:sldId id="257" r:id="rId3"/>
     <p:sldId id="297" r:id="rId4"/>
     <p:sldId id="258" r:id="rId5"/>
     <p:sldId id="305" r:id="rId6"/>
-    <p:sldId id="308" r:id="rId7"/>
-    <p:sldId id="306" r:id="rId8"/>
-    <p:sldId id="307" r:id="rId9"/>
-    <p:sldId id="298" r:id="rId10"/>
-    <p:sldId id="299" r:id="rId11"/>
-    <p:sldId id="300" r:id="rId12"/>
-    <p:sldId id="302" r:id="rId13"/>
-    <p:sldId id="303" r:id="rId14"/>
-    <p:sldId id="304" r:id="rId15"/>
-    <p:sldId id="301" r:id="rId16"/>
-    <p:sldId id="309" r:id="rId17"/>
-    <p:sldId id="284" r:id="rId18"/>
-    <p:sldId id="259" r:id="rId19"/>
+    <p:sldId id="310" r:id="rId7"/>
+    <p:sldId id="308" r:id="rId8"/>
+    <p:sldId id="306" r:id="rId9"/>
+    <p:sldId id="307" r:id="rId10"/>
+    <p:sldId id="298" r:id="rId11"/>
+    <p:sldId id="299" r:id="rId12"/>
+    <p:sldId id="300" r:id="rId13"/>
+    <p:sldId id="302" r:id="rId14"/>
+    <p:sldId id="303" r:id="rId15"/>
+    <p:sldId id="304" r:id="rId16"/>
+    <p:sldId id="301" r:id="rId17"/>
+    <p:sldId id="309" r:id="rId18"/>
+    <p:sldId id="284" r:id="rId19"/>
+    <p:sldId id="259" r:id="rId20"/>
   </p:sldIdLst>
   <p:sldSz cx="9144000" cy="6858000" type="screen4x3"/>
   <p:notesSz cx="6858000" cy="9144000"/>
@@ -226,7 +227,7 @@
             <a:fld id="{C81CBF8C-69DB-4BE7-8E23-12F58A32682F}" type="datetimeFigureOut">
               <a:rPr lang="en-IN" smtClean="0"/>
               <a:pPr/>
-              <a:t>26-10-2022</a:t>
+              <a:t>27-10-2022</a:t>
             </a:fld>
             <a:endParaRPr lang="en-IN"/>
           </a:p>
@@ -730,7 +731,7 @@
             <a:fld id="{7D265885-DBBE-4952-92FC-FA735BB9E704}" type="datetimeFigureOut">
               <a:rPr lang="en-IN" smtClean="0"/>
               <a:pPr/>
-              <a:t>26-10-2022</a:t>
+              <a:t>27-10-2022</a:t>
             </a:fld>
             <a:endParaRPr lang="en-IN"/>
           </a:p>
@@ -932,7 +933,7 @@
             <a:fld id="{7D265885-DBBE-4952-92FC-FA735BB9E704}" type="datetimeFigureOut">
               <a:rPr lang="en-IN" smtClean="0"/>
               <a:pPr/>
-              <a:t>26-10-2022</a:t>
+              <a:t>27-10-2022</a:t>
             </a:fld>
             <a:endParaRPr lang="en-IN"/>
           </a:p>
@@ -1144,7 +1145,7 @@
             <a:fld id="{7D265885-DBBE-4952-92FC-FA735BB9E704}" type="datetimeFigureOut">
               <a:rPr lang="en-IN" smtClean="0"/>
               <a:pPr/>
-              <a:t>26-10-2022</a:t>
+              <a:t>27-10-2022</a:t>
             </a:fld>
             <a:endParaRPr lang="en-IN"/>
           </a:p>
@@ -1368,7 +1369,7 @@
             <a:fld id="{7D265885-DBBE-4952-92FC-FA735BB9E704}" type="datetimeFigureOut">
               <a:rPr lang="en-IN" smtClean="0"/>
               <a:pPr/>
-              <a:t>26-10-2022</a:t>
+              <a:t>27-10-2022</a:t>
             </a:fld>
             <a:endParaRPr lang="en-IN"/>
           </a:p>
@@ -1570,7 +1571,7 @@
             <a:fld id="{7D265885-DBBE-4952-92FC-FA735BB9E704}" type="datetimeFigureOut">
               <a:rPr lang="en-IN" smtClean="0"/>
               <a:pPr/>
-              <a:t>26-10-2022</a:t>
+              <a:t>27-10-2022</a:t>
             </a:fld>
             <a:endParaRPr lang="en-IN"/>
           </a:p>
@@ -1848,7 +1849,7 @@
             <a:fld id="{7D265885-DBBE-4952-92FC-FA735BB9E704}" type="datetimeFigureOut">
               <a:rPr lang="en-IN" smtClean="0"/>
               <a:pPr/>
-              <a:t>26-10-2022</a:t>
+              <a:t>27-10-2022</a:t>
             </a:fld>
             <a:endParaRPr lang="en-IN"/>
           </a:p>
@@ -2118,7 +2119,7 @@
             <a:fld id="{7D265885-DBBE-4952-92FC-FA735BB9E704}" type="datetimeFigureOut">
               <a:rPr lang="en-IN" smtClean="0"/>
               <a:pPr/>
-              <a:t>26-10-2022</a:t>
+              <a:t>27-10-2022</a:t>
             </a:fld>
             <a:endParaRPr lang="en-IN"/>
           </a:p>
@@ -2535,7 +2536,7 @@
             <a:fld id="{7D265885-DBBE-4952-92FC-FA735BB9E704}" type="datetimeFigureOut">
               <a:rPr lang="en-IN" smtClean="0"/>
               <a:pPr/>
-              <a:t>26-10-2022</a:t>
+              <a:t>27-10-2022</a:t>
             </a:fld>
             <a:endParaRPr lang="en-IN"/>
           </a:p>
@@ -2679,7 +2680,7 @@
             <a:fld id="{7D265885-DBBE-4952-92FC-FA735BB9E704}" type="datetimeFigureOut">
               <a:rPr lang="en-IN" smtClean="0"/>
               <a:pPr/>
-              <a:t>26-10-2022</a:t>
+              <a:t>27-10-2022</a:t>
             </a:fld>
             <a:endParaRPr lang="en-IN"/>
           </a:p>
@@ -2794,7 +2795,7 @@
             <a:fld id="{7D265885-DBBE-4952-92FC-FA735BB9E704}" type="datetimeFigureOut">
               <a:rPr lang="en-IN" smtClean="0"/>
               <a:pPr/>
-              <a:t>26-10-2022</a:t>
+              <a:t>27-10-2022</a:t>
             </a:fld>
             <a:endParaRPr lang="en-IN"/>
           </a:p>
@@ -3109,7 +3110,7 @@
             <a:fld id="{7D265885-DBBE-4952-92FC-FA735BB9E704}" type="datetimeFigureOut">
               <a:rPr lang="en-IN" smtClean="0"/>
               <a:pPr/>
-              <a:t>26-10-2022</a:t>
+              <a:t>27-10-2022</a:t>
             </a:fld>
             <a:endParaRPr lang="en-IN"/>
           </a:p>
@@ -3311,7 +3312,7 @@
             <a:fld id="{7D265885-DBBE-4952-92FC-FA735BB9E704}" type="datetimeFigureOut">
               <a:rPr lang="en-IN" smtClean="0"/>
               <a:pPr/>
-              <a:t>26-10-2022</a:t>
+              <a:t>27-10-2022</a:t>
             </a:fld>
             <a:endParaRPr lang="en-IN"/>
           </a:p>
@@ -3602,7 +3603,7 @@
             <a:fld id="{7D265885-DBBE-4952-92FC-FA735BB9E704}" type="datetimeFigureOut">
               <a:rPr lang="en-IN" smtClean="0"/>
               <a:pPr/>
-              <a:t>26-10-2022</a:t>
+              <a:t>27-10-2022</a:t>
             </a:fld>
             <a:endParaRPr lang="en-IN"/>
           </a:p>
@@ -3804,7 +3805,7 @@
             <a:fld id="{7D265885-DBBE-4952-92FC-FA735BB9E704}" type="datetimeFigureOut">
               <a:rPr lang="en-IN" smtClean="0"/>
               <a:pPr/>
-              <a:t>26-10-2022</a:t>
+              <a:t>27-10-2022</a:t>
             </a:fld>
             <a:endParaRPr lang="en-IN"/>
           </a:p>
@@ -4016,7 +4017,7 @@
             <a:fld id="{7D265885-DBBE-4952-92FC-FA735BB9E704}" type="datetimeFigureOut">
               <a:rPr lang="en-IN" smtClean="0"/>
               <a:pPr/>
-              <a:t>26-10-2022</a:t>
+              <a:t>27-10-2022</a:t>
             </a:fld>
             <a:endParaRPr lang="en-IN"/>
           </a:p>
@@ -4294,7 +4295,7 @@
             <a:fld id="{7D265885-DBBE-4952-92FC-FA735BB9E704}" type="datetimeFigureOut">
               <a:rPr lang="en-IN" smtClean="0"/>
               <a:pPr/>
-              <a:t>26-10-2022</a:t>
+              <a:t>27-10-2022</a:t>
             </a:fld>
             <a:endParaRPr lang="en-IN"/>
           </a:p>
@@ -4564,7 +4565,7 @@
             <a:fld id="{7D265885-DBBE-4952-92FC-FA735BB9E704}" type="datetimeFigureOut">
               <a:rPr lang="en-IN" smtClean="0"/>
               <a:pPr/>
-              <a:t>26-10-2022</a:t>
+              <a:t>27-10-2022</a:t>
             </a:fld>
             <a:endParaRPr lang="en-IN"/>
           </a:p>
@@ -4981,7 +4982,7 @@
             <a:fld id="{7D265885-DBBE-4952-92FC-FA735BB9E704}" type="datetimeFigureOut">
               <a:rPr lang="en-IN" smtClean="0"/>
               <a:pPr/>
-              <a:t>26-10-2022</a:t>
+              <a:t>27-10-2022</a:t>
             </a:fld>
             <a:endParaRPr lang="en-IN"/>
           </a:p>
@@ -5125,7 +5126,7 @@
             <a:fld id="{7D265885-DBBE-4952-92FC-FA735BB9E704}" type="datetimeFigureOut">
               <a:rPr lang="en-IN" smtClean="0"/>
               <a:pPr/>
-              <a:t>26-10-2022</a:t>
+              <a:t>27-10-2022</a:t>
             </a:fld>
             <a:endParaRPr lang="en-IN"/>
           </a:p>
@@ -5240,7 +5241,7 @@
             <a:fld id="{7D265885-DBBE-4952-92FC-FA735BB9E704}" type="datetimeFigureOut">
               <a:rPr lang="en-IN" smtClean="0"/>
               <a:pPr/>
-              <a:t>26-10-2022</a:t>
+              <a:t>27-10-2022</a:t>
             </a:fld>
             <a:endParaRPr lang="en-IN"/>
           </a:p>
@@ -5555,7 +5556,7 @@
             <a:fld id="{7D265885-DBBE-4952-92FC-FA735BB9E704}" type="datetimeFigureOut">
               <a:rPr lang="en-IN" smtClean="0"/>
               <a:pPr/>
-              <a:t>26-10-2022</a:t>
+              <a:t>27-10-2022</a:t>
             </a:fld>
             <a:endParaRPr lang="en-IN"/>
           </a:p>
@@ -5846,7 +5847,7 @@
             <a:fld id="{7D265885-DBBE-4952-92FC-FA735BB9E704}" type="datetimeFigureOut">
               <a:rPr lang="en-IN" smtClean="0"/>
               <a:pPr/>
-              <a:t>26-10-2022</a:t>
+              <a:t>27-10-2022</a:t>
             </a:fld>
             <a:endParaRPr lang="en-IN"/>
           </a:p>
@@ -6091,7 +6092,7 @@
             <a:fld id="{7D265885-DBBE-4952-92FC-FA735BB9E704}" type="datetimeFigureOut">
               <a:rPr lang="en-IN" smtClean="0"/>
               <a:pPr/>
-              <a:t>26-10-2022</a:t>
+              <a:t>27-10-2022</a:t>
             </a:fld>
             <a:endParaRPr lang="en-IN"/>
           </a:p>
@@ -6663,7 +6664,7 @@
             <a:fld id="{7D265885-DBBE-4952-92FC-FA735BB9E704}" type="datetimeFigureOut">
               <a:rPr lang="en-IN" smtClean="0"/>
               <a:pPr/>
-              <a:t>26-10-2022</a:t>
+              <a:t>27-10-2022</a:t>
             </a:fld>
             <a:endParaRPr lang="en-IN"/>
           </a:p>
@@ -7514,6 +7515,432 @@
                 <a:ea typeface="+mn-ea"/>
                 <a:cs typeface="+mn-cs"/>
               </a:rPr>
+              <a:t>Support &amp; Resistance:</a:t>
+            </a:r>
+          </a:p>
+        </p:txBody>
+      </p:sp>
+      <p:sp>
+        <p:nvSpPr>
+          <p:cNvPr id="5" name="TextBox 4">
+            <a:extLst>
+              <a:ext uri="{FF2B5EF4-FFF2-40B4-BE49-F238E27FC236}">
+                <a16:creationId xmlns:a16="http://schemas.microsoft.com/office/drawing/2014/main" id="{4CE4714F-5B28-DDDA-2E6D-2AD9A4F1FC7E}"/>
+              </a:ext>
+            </a:extLst>
+          </p:cNvPr>
+          <p:cNvSpPr txBox="1"/>
+          <p:nvPr/>
+        </p:nvSpPr>
+        <p:spPr>
+          <a:xfrm>
+            <a:off x="478295" y="1304663"/>
+            <a:ext cx="7735502" cy="2677656"/>
+          </a:xfrm>
+          <a:prstGeom prst="rect">
+            <a:avLst/>
+          </a:prstGeom>
+          <a:noFill/>
+        </p:spPr>
+        <p:txBody>
+          <a:bodyPr wrap="square" rtlCol="0">
+            <a:spAutoFit/>
+          </a:bodyPr>
+          <a:lstStyle/>
+          <a:p>
+            <a:pPr marL="0" marR="0" lvl="0" indent="0" algn="l" defTabSz="457200" rtl="0" eaLnBrk="1" fontAlgn="auto" latinLnBrk="0" hangingPunct="1">
+              <a:lnSpc>
+                <a:spcPct val="100000"/>
+              </a:lnSpc>
+              <a:spcBef>
+                <a:spcPts val="0"/>
+              </a:spcBef>
+              <a:spcAft>
+                <a:spcPts val="0"/>
+              </a:spcAft>
+              <a:buClrTx/>
+              <a:buSzTx/>
+              <a:buFontTx/>
+              <a:buNone/>
+              <a:tabLst/>
+              <a:defRPr/>
+            </a:pPr>
+            <a:r>
+              <a:rPr kumimoji="0" lang="en-IN" sz="2400" b="0" i="0" u="none" strike="noStrike" kern="1200" cap="none" spc="0" normalizeH="0" baseline="0" noProof="0" dirty="0">
+                <a:ln>
+                  <a:noFill/>
+                </a:ln>
+                <a:solidFill>
+                  <a:prstClr val="white"/>
+                </a:solidFill>
+                <a:effectLst/>
+                <a:uLnTx/>
+                <a:uFillTx/>
+                <a:latin typeface="Cascadia Code SemiBold" pitchFamily="50" charset="0"/>
+                <a:ea typeface="+mn-ea"/>
+                <a:cs typeface="Cascadia Code SemiBold" pitchFamily="50" charset="0"/>
+              </a:rPr>
+              <a:t>Support – price</a:t>
+            </a:r>
+            <a:r>
+              <a:rPr kumimoji="0" lang="en-IN" sz="2400" b="0" i="0" u="none" strike="noStrike" kern="1200" cap="none" spc="0" normalizeH="0" noProof="0" dirty="0">
+                <a:ln>
+                  <a:noFill/>
+                </a:ln>
+                <a:solidFill>
+                  <a:prstClr val="white"/>
+                </a:solidFill>
+                <a:effectLst/>
+                <a:uLnTx/>
+                <a:uFillTx/>
+                <a:latin typeface="Cascadia Code SemiBold" pitchFamily="50" charset="0"/>
+                <a:ea typeface="+mn-ea"/>
+                <a:cs typeface="Cascadia Code SemiBold" pitchFamily="50" charset="0"/>
+              </a:rPr>
+              <a:t> level where demand exceeds supply and fall in prices is halted. Acts like a floor.</a:t>
+            </a:r>
+          </a:p>
+          <a:p>
+            <a:pPr marL="0" marR="0" lvl="0" indent="0" algn="l" defTabSz="457200" rtl="0" eaLnBrk="1" fontAlgn="auto" latinLnBrk="0" hangingPunct="1">
+              <a:lnSpc>
+                <a:spcPct val="100000"/>
+              </a:lnSpc>
+              <a:spcBef>
+                <a:spcPts val="0"/>
+              </a:spcBef>
+              <a:spcAft>
+                <a:spcPts val="0"/>
+              </a:spcAft>
+              <a:buClrTx/>
+              <a:buSzTx/>
+              <a:buFontTx/>
+              <a:buNone/>
+              <a:tabLst/>
+              <a:defRPr/>
+            </a:pPr>
+            <a:endParaRPr lang="en-IN" sz="2400" baseline="0" dirty="0">
+              <a:solidFill>
+                <a:prstClr val="white"/>
+              </a:solidFill>
+              <a:latin typeface="Cascadia Code SemiBold" pitchFamily="50" charset="0"/>
+              <a:cs typeface="Cascadia Code SemiBold" pitchFamily="50" charset="0"/>
+            </a:endParaRPr>
+          </a:p>
+          <a:p>
+            <a:pPr marL="0" marR="0" lvl="0" indent="0" algn="l" defTabSz="457200" rtl="0" eaLnBrk="1" fontAlgn="auto" latinLnBrk="0" hangingPunct="1">
+              <a:lnSpc>
+                <a:spcPct val="100000"/>
+              </a:lnSpc>
+              <a:spcBef>
+                <a:spcPts val="0"/>
+              </a:spcBef>
+              <a:spcAft>
+                <a:spcPts val="0"/>
+              </a:spcAft>
+              <a:buClrTx/>
+              <a:buSzTx/>
+              <a:buFontTx/>
+              <a:buNone/>
+              <a:tabLst/>
+              <a:defRPr/>
+            </a:pPr>
+            <a:r>
+              <a:rPr kumimoji="0" lang="en-IN" sz="2400" b="0" i="0" u="none" strike="noStrike" kern="1200" cap="none" spc="0" normalizeH="0" noProof="0" dirty="0">
+                <a:ln>
+                  <a:noFill/>
+                </a:ln>
+                <a:solidFill>
+                  <a:prstClr val="white"/>
+                </a:solidFill>
+                <a:effectLst/>
+                <a:uLnTx/>
+                <a:uFillTx/>
+                <a:latin typeface="Cascadia Code SemiBold" pitchFamily="50" charset="0"/>
+                <a:ea typeface="+mn-ea"/>
+                <a:cs typeface="Cascadia Code SemiBold" pitchFamily="50" charset="0"/>
+              </a:rPr>
+              <a:t>Resistance – price </a:t>
+            </a:r>
+            <a:r>
+              <a:rPr lang="en-IN" sz="2400" dirty="0">
+                <a:solidFill>
+                  <a:prstClr val="white"/>
+                </a:solidFill>
+                <a:latin typeface="Cascadia Code SemiBold" pitchFamily="50" charset="0"/>
+                <a:cs typeface="Cascadia Code SemiBold" pitchFamily="50" charset="0"/>
+              </a:rPr>
+              <a:t>level where supply exceeds demand and rise in prices is stopped. Acts like a ceiling.</a:t>
+            </a:r>
+            <a:endParaRPr kumimoji="0" lang="en-IN" sz="2400" b="0" i="0" u="none" strike="noStrike" kern="1200" cap="none" spc="0" normalizeH="0" baseline="0" noProof="0" dirty="0">
+              <a:ln>
+                <a:noFill/>
+              </a:ln>
+              <a:solidFill>
+                <a:prstClr val="white"/>
+              </a:solidFill>
+              <a:effectLst/>
+              <a:uLnTx/>
+              <a:uFillTx/>
+              <a:latin typeface="Cascadia Code SemiBold" pitchFamily="50" charset="0"/>
+              <a:ea typeface="+mn-ea"/>
+              <a:cs typeface="Cascadia Code SemiBold" pitchFamily="50" charset="0"/>
+            </a:endParaRPr>
+          </a:p>
+        </p:txBody>
+      </p:sp>
+    </p:spTree>
+    <p:extLst>
+      <p:ext uri="{BB962C8B-B14F-4D97-AF65-F5344CB8AC3E}">
+        <p14:creationId xmlns:p14="http://schemas.microsoft.com/office/powerpoint/2010/main" val="914309294"/>
+      </p:ext>
+    </p:extLst>
+  </p:cSld>
+  <p:clrMapOvr>
+    <a:masterClrMapping/>
+  </p:clrMapOvr>
+  <p:timing>
+    <p:tnLst>
+      <p:par>
+        <p:cTn id="1" dur="indefinite" restart="never" nodeType="tmRoot">
+          <p:childTnLst>
+            <p:seq concurrent="1" nextAc="seek">
+              <p:cTn id="2" dur="indefinite" nodeType="mainSeq">
+                <p:childTnLst>
+                  <p:par>
+                    <p:cTn id="3" fill="hold">
+                      <p:stCondLst>
+                        <p:cond delay="indefinite"/>
+                      </p:stCondLst>
+                      <p:childTnLst>
+                        <p:par>
+                          <p:cTn id="4" fill="hold">
+                            <p:stCondLst>
+                              <p:cond delay="0"/>
+                            </p:stCondLst>
+                            <p:childTnLst>
+                              <p:par>
+                                <p:cTn id="5" presetID="10" presetClass="entr" presetSubtype="0" fill="hold" grpId="0" nodeType="clickEffect">
+                                  <p:stCondLst>
+                                    <p:cond delay="0"/>
+                                  </p:stCondLst>
+                                  <p:childTnLst>
+                                    <p:set>
+                                      <p:cBhvr>
+                                        <p:cTn id="6" dur="1" fill="hold">
+                                          <p:stCondLst>
+                                            <p:cond delay="0"/>
+                                          </p:stCondLst>
+                                        </p:cTn>
+                                        <p:tgtEl>
+                                          <p:spTgt spid="5">
+                                            <p:txEl>
+                                              <p:pRg st="0" end="0"/>
+                                            </p:txEl>
+                                          </p:spTgt>
+                                        </p:tgtEl>
+                                        <p:attrNameLst>
+                                          <p:attrName>style.visibility</p:attrName>
+                                        </p:attrNameLst>
+                                      </p:cBhvr>
+                                      <p:to>
+                                        <p:strVal val="visible"/>
+                                      </p:to>
+                                    </p:set>
+                                    <p:animEffect transition="in" filter="fade">
+                                      <p:cBhvr>
+                                        <p:cTn id="7" dur="500"/>
+                                        <p:tgtEl>
+                                          <p:spTgt spid="5">
+                                            <p:txEl>
+                                              <p:pRg st="0" end="0"/>
+                                            </p:txEl>
+                                          </p:spTgt>
+                                        </p:tgtEl>
+                                      </p:cBhvr>
+                                    </p:animEffect>
+                                  </p:childTnLst>
+                                </p:cTn>
+                              </p:par>
+                            </p:childTnLst>
+                          </p:cTn>
+                        </p:par>
+                      </p:childTnLst>
+                    </p:cTn>
+                  </p:par>
+                  <p:par>
+                    <p:cTn id="8" fill="hold">
+                      <p:stCondLst>
+                        <p:cond delay="indefinite"/>
+                      </p:stCondLst>
+                      <p:childTnLst>
+                        <p:par>
+                          <p:cTn id="9" fill="hold">
+                            <p:stCondLst>
+                              <p:cond delay="0"/>
+                            </p:stCondLst>
+                            <p:childTnLst>
+                              <p:par>
+                                <p:cTn id="10" presetID="10" presetClass="entr" presetSubtype="0" fill="hold" grpId="0" nodeType="clickEffect">
+                                  <p:stCondLst>
+                                    <p:cond delay="0"/>
+                                  </p:stCondLst>
+                                  <p:childTnLst>
+                                    <p:set>
+                                      <p:cBhvr>
+                                        <p:cTn id="11" dur="1" fill="hold">
+                                          <p:stCondLst>
+                                            <p:cond delay="0"/>
+                                          </p:stCondLst>
+                                        </p:cTn>
+                                        <p:tgtEl>
+                                          <p:spTgt spid="5">
+                                            <p:txEl>
+                                              <p:pRg st="2" end="2"/>
+                                            </p:txEl>
+                                          </p:spTgt>
+                                        </p:tgtEl>
+                                        <p:attrNameLst>
+                                          <p:attrName>style.visibility</p:attrName>
+                                        </p:attrNameLst>
+                                      </p:cBhvr>
+                                      <p:to>
+                                        <p:strVal val="visible"/>
+                                      </p:to>
+                                    </p:set>
+                                    <p:animEffect transition="in" filter="fade">
+                                      <p:cBhvr>
+                                        <p:cTn id="12" dur="500"/>
+                                        <p:tgtEl>
+                                          <p:spTgt spid="5">
+                                            <p:txEl>
+                                              <p:pRg st="2" end="2"/>
+                                            </p:txEl>
+                                          </p:spTgt>
+                                        </p:tgtEl>
+                                      </p:cBhvr>
+                                    </p:animEffect>
+                                  </p:childTnLst>
+                                </p:cTn>
+                              </p:par>
+                            </p:childTnLst>
+                          </p:cTn>
+                        </p:par>
+                      </p:childTnLst>
+                    </p:cTn>
+                  </p:par>
+                </p:childTnLst>
+              </p:cTn>
+              <p:prevCondLst>
+                <p:cond evt="onPrev" delay="0">
+                  <p:tgtEl>
+                    <p:sldTgt/>
+                  </p:tgtEl>
+                </p:cond>
+              </p:prevCondLst>
+              <p:nextCondLst>
+                <p:cond evt="onNext" delay="0">
+                  <p:tgtEl>
+                    <p:sldTgt/>
+                  </p:tgtEl>
+                </p:cond>
+              </p:nextCondLst>
+            </p:seq>
+          </p:childTnLst>
+        </p:cTn>
+      </p:par>
+    </p:tnLst>
+    <p:bldLst>
+      <p:bldP spid="5" grpId="0" build="p"/>
+    </p:bldLst>
+  </p:timing>
+</p:sld>
+</file>
+
+<file path=ppt/slides/slide11.xml><?xml version="1.0" encoding="utf-8"?>
+<p:sld xmlns:a="http://schemas.openxmlformats.org/drawingml/2006/main" xmlns:r="http://schemas.openxmlformats.org/officeDocument/2006/relationships" xmlns:p="http://schemas.openxmlformats.org/presentationml/2006/main">
+  <p:cSld>
+    <p:bg>
+      <p:bgPr>
+        <a:solidFill>
+          <a:srgbClr val="4A206A"/>
+        </a:solidFill>
+        <a:effectLst/>
+      </p:bgPr>
+    </p:bg>
+    <p:spTree>
+      <p:nvGrpSpPr>
+        <p:cNvPr id="1" name=""/>
+        <p:cNvGrpSpPr/>
+        <p:nvPr/>
+      </p:nvGrpSpPr>
+      <p:grpSpPr>
+        <a:xfrm>
+          <a:off x="0" y="0"/>
+          <a:ext cx="0" cy="0"/>
+          <a:chOff x="0" y="0"/>
+          <a:chExt cx="0" cy="0"/>
+        </a:xfrm>
+      </p:grpSpPr>
+      <p:sp>
+        <p:nvSpPr>
+          <p:cNvPr id="3" name="TextBox 2">
+            <a:extLst>
+              <a:ext uri="{FF2B5EF4-FFF2-40B4-BE49-F238E27FC236}">
+                <a16:creationId xmlns:a16="http://schemas.microsoft.com/office/drawing/2014/main" id="{3FCF3979-E4B3-0634-4C0B-AB862892E9BF}"/>
+              </a:ext>
+            </a:extLst>
+          </p:cNvPr>
+          <p:cNvSpPr txBox="1"/>
+          <p:nvPr/>
+        </p:nvSpPr>
+        <p:spPr>
+          <a:xfrm>
+            <a:off x="478295" y="471805"/>
+            <a:ext cx="6905731" cy="707886"/>
+          </a:xfrm>
+          <a:prstGeom prst="rect">
+            <a:avLst/>
+          </a:prstGeom>
+          <a:noFill/>
+        </p:spPr>
+        <p:txBody>
+          <a:bodyPr wrap="square" rtlCol="0">
+            <a:spAutoFit/>
+          </a:bodyPr>
+          <a:lstStyle/>
+          <a:p>
+            <a:pPr marL="0" marR="0" lvl="0" indent="0" algn="l" defTabSz="914400" rtl="0" eaLnBrk="1" fontAlgn="auto" latinLnBrk="0" hangingPunct="1">
+              <a:lnSpc>
+                <a:spcPct val="100000"/>
+              </a:lnSpc>
+              <a:spcBef>
+                <a:spcPts val="0"/>
+              </a:spcBef>
+              <a:spcAft>
+                <a:spcPts val="0"/>
+              </a:spcAft>
+              <a:buClrTx/>
+              <a:buSzTx/>
+              <a:buFontTx/>
+              <a:buNone/>
+              <a:tabLst/>
+              <a:defRPr/>
+            </a:pPr>
+            <a:r>
+              <a:rPr kumimoji="0" lang="en-IN" sz="4000" b="0" i="0" u="none" strike="noStrike" kern="1200" cap="none" spc="0" normalizeH="0" baseline="0" noProof="0" dirty="0">
+                <a:ln>
+                  <a:noFill/>
+                </a:ln>
+                <a:solidFill>
+                  <a:srgbClr val="F4F4F2"/>
+                </a:solidFill>
+                <a:effectLst/>
+                <a:uLnTx/>
+                <a:uFillTx/>
+                <a:latin typeface="Amasis MT Pro Black" panose="02040A04050005020304" pitchFamily="18" charset="0"/>
+                <a:ea typeface="+mn-ea"/>
+                <a:cs typeface="+mn-cs"/>
+              </a:rPr>
               <a:t>Volume:</a:t>
             </a:r>
           </a:p>
@@ -7978,7 +8405,7 @@
 </p:sld>
 </file>
 
-<file path=ppt/slides/slide11.xml><?xml version="1.0" encoding="utf-8"?>
+<file path=ppt/slides/slide12.xml><?xml version="1.0" encoding="utf-8"?>
 <p:sld xmlns:a="http://schemas.openxmlformats.org/drawingml/2006/main" xmlns:r="http://schemas.openxmlformats.org/officeDocument/2006/relationships" xmlns:p="http://schemas.openxmlformats.org/presentationml/2006/main">
   <p:cSld>
     <p:bg>
@@ -8022,7 +8449,7 @@
 </p:sld>
 </file>
 
-<file path=ppt/slides/slide12.xml><?xml version="1.0" encoding="utf-8"?>
+<file path=ppt/slides/slide13.xml><?xml version="1.0" encoding="utf-8"?>
 <p:sld xmlns:a="http://schemas.openxmlformats.org/drawingml/2006/main" xmlns:r="http://schemas.openxmlformats.org/officeDocument/2006/relationships" xmlns:p="http://schemas.openxmlformats.org/presentationml/2006/main">
   <p:cSld>
     <p:bg>
@@ -8066,7 +8493,7 @@
 </p:sld>
 </file>
 
-<file path=ppt/slides/slide13.xml><?xml version="1.0" encoding="utf-8"?>
+<file path=ppt/slides/slide14.xml><?xml version="1.0" encoding="utf-8"?>
 <p:sld xmlns:a="http://schemas.openxmlformats.org/drawingml/2006/main" xmlns:r="http://schemas.openxmlformats.org/officeDocument/2006/relationships" xmlns:p="http://schemas.openxmlformats.org/presentationml/2006/main">
   <p:cSld>
     <p:bg>
@@ -8110,7 +8537,7 @@
 </p:sld>
 </file>
 
-<file path=ppt/slides/slide14.xml><?xml version="1.0" encoding="utf-8"?>
+<file path=ppt/slides/slide15.xml><?xml version="1.0" encoding="utf-8"?>
 <p:sld xmlns:a="http://schemas.openxmlformats.org/drawingml/2006/main" xmlns:r="http://schemas.openxmlformats.org/officeDocument/2006/relationships" xmlns:p="http://schemas.openxmlformats.org/presentationml/2006/main">
   <p:cSld>
     <p:bg>
@@ -8559,7 +8986,7 @@
 </p:sld>
 </file>
 
-<file path=ppt/slides/slide15.xml><?xml version="1.0" encoding="utf-8"?>
+<file path=ppt/slides/slide16.xml><?xml version="1.0" encoding="utf-8"?>
 <p:sld xmlns:a="http://schemas.openxmlformats.org/drawingml/2006/main" xmlns:r="http://schemas.openxmlformats.org/officeDocument/2006/relationships" xmlns:p="http://schemas.openxmlformats.org/presentationml/2006/main">
   <p:cSld>
     <p:bg>
@@ -8852,7 +9279,7 @@
 </p:sld>
 </file>
 
-<file path=ppt/slides/slide16.xml><?xml version="1.0" encoding="utf-8"?>
+<file path=ppt/slides/slide17.xml><?xml version="1.0" encoding="utf-8"?>
 <p:sld xmlns:a="http://schemas.openxmlformats.org/drawingml/2006/main" xmlns:r="http://schemas.openxmlformats.org/officeDocument/2006/relationships" xmlns:p="http://schemas.openxmlformats.org/presentationml/2006/main">
   <p:cSld>
     <p:bg>
@@ -8983,7 +9410,7 @@
 </p:sld>
 </file>
 
-<file path=ppt/slides/slide17.xml><?xml version="1.0" encoding="utf-8"?>
+<file path=ppt/slides/slide18.xml><?xml version="1.0" encoding="utf-8"?>
 <p:sld xmlns:a="http://schemas.openxmlformats.org/drawingml/2006/main" xmlns:r="http://schemas.openxmlformats.org/officeDocument/2006/relationships" xmlns:p="http://schemas.openxmlformats.org/presentationml/2006/main">
   <p:cSld>
     <p:bg>
@@ -11121,52 +11548,761 @@
           <a:chExt cx="0" cy="0"/>
         </a:xfrm>
       </p:grpSpPr>
-      <p:pic>
-        <p:nvPicPr>
-          <p:cNvPr id="3" name="Picture 2" descr="Chart, waterfall chart&#10;&#10;Description automatically generated">
-            <a:extLst>
-              <a:ext uri="{FF2B5EF4-FFF2-40B4-BE49-F238E27FC236}">
-                <a16:creationId xmlns:a16="http://schemas.microsoft.com/office/drawing/2014/main" id="{30D136D4-D732-3665-317D-39D295BA5870}"/>
-              </a:ext>
-            </a:extLst>
-          </p:cNvPr>
-          <p:cNvPicPr>
-            <a:picLocks noChangeAspect="1"/>
-          </p:cNvPicPr>
+      <p:grpSp>
+        <p:nvGrpSpPr>
+          <p:cNvPr id="6" name="Group 5">
+            <a:extLst>
+              <a:ext uri="{FF2B5EF4-FFF2-40B4-BE49-F238E27FC236}">
+                <a16:creationId xmlns:a16="http://schemas.microsoft.com/office/drawing/2014/main" id="{63237508-F35D-0402-D3DA-CF79EDEACBBA}"/>
+              </a:ext>
+            </a:extLst>
+          </p:cNvPr>
+          <p:cNvGrpSpPr/>
           <p:nvPr/>
-        </p:nvPicPr>
-        <p:blipFill>
-          <a:blip r:embed="rId2">
-            <a:extLst>
-              <a:ext uri="{28A0092B-C50C-407E-A947-70E740481C1C}">
-                <a14:useLocalDpi xmlns:a14="http://schemas.microsoft.com/office/drawing/2010/main" val="0"/>
-              </a:ext>
-            </a:extLst>
-          </a:blip>
-          <a:stretch>
-            <a:fillRect/>
-          </a:stretch>
-        </p:blipFill>
+        </p:nvGrpSpPr>
+        <p:grpSpPr>
+          <a:xfrm>
+            <a:off x="4178705" y="943897"/>
+            <a:ext cx="1052051" cy="5024284"/>
+            <a:chOff x="3883742" y="1386348"/>
+            <a:chExt cx="1111045" cy="5024284"/>
+          </a:xfrm>
+        </p:grpSpPr>
+        <p:sp>
+          <p:nvSpPr>
+            <p:cNvPr id="2" name="Rectangle 1">
+              <a:extLst>
+                <a:ext uri="{FF2B5EF4-FFF2-40B4-BE49-F238E27FC236}">
+                  <a16:creationId xmlns:a16="http://schemas.microsoft.com/office/drawing/2014/main" id="{53CC3B91-5A8A-8D40-A9AB-A9022A1ABEF7}"/>
+                </a:ext>
+              </a:extLst>
+            </p:cNvPr>
+            <p:cNvSpPr/>
+            <p:nvPr/>
+          </p:nvSpPr>
+          <p:spPr>
+            <a:xfrm>
+              <a:off x="3883742" y="2261419"/>
+              <a:ext cx="1111045" cy="3224980"/>
+            </a:xfrm>
+            <a:prstGeom prst="rect">
+              <a:avLst/>
+            </a:prstGeom>
+            <a:solidFill>
+              <a:srgbClr val="00B050"/>
+            </a:solidFill>
+            <a:ln>
+              <a:solidFill>
+                <a:srgbClr val="00B050"/>
+              </a:solidFill>
+            </a:ln>
+          </p:spPr>
+          <p:style>
+            <a:lnRef idx="2">
+              <a:schemeClr val="accent1">
+                <a:shade val="50000"/>
+              </a:schemeClr>
+            </a:lnRef>
+            <a:fillRef idx="1">
+              <a:schemeClr val="accent1"/>
+            </a:fillRef>
+            <a:effectRef idx="0">
+              <a:schemeClr val="accent1"/>
+            </a:effectRef>
+            <a:fontRef idx="minor">
+              <a:schemeClr val="lt1"/>
+            </a:fontRef>
+          </p:style>
+          <p:txBody>
+            <a:bodyPr rtlCol="0" anchor="ctr"/>
+            <a:lstStyle/>
+            <a:p>
+              <a:pPr algn="ctr"/>
+              <a:endParaRPr lang="en-IN"/>
+            </a:p>
+          </p:txBody>
+        </p:sp>
+        <p:cxnSp>
+          <p:nvCxnSpPr>
+            <p:cNvPr id="5" name="Straight Connector 4">
+              <a:extLst>
+                <a:ext uri="{FF2B5EF4-FFF2-40B4-BE49-F238E27FC236}">
+                  <a16:creationId xmlns:a16="http://schemas.microsoft.com/office/drawing/2014/main" id="{62860DCB-9CC5-F20A-A232-6E21185FD2B4}"/>
+                </a:ext>
+              </a:extLst>
+            </p:cNvPr>
+            <p:cNvCxnSpPr>
+              <a:cxnSpLocks/>
+            </p:cNvCxnSpPr>
+            <p:nvPr/>
+          </p:nvCxnSpPr>
+          <p:spPr>
+            <a:xfrm>
+              <a:off x="4463845" y="1386348"/>
+              <a:ext cx="0" cy="5024284"/>
+            </a:xfrm>
+            <a:prstGeom prst="line">
+              <a:avLst/>
+            </a:prstGeom>
+            <a:ln w="38100">
+              <a:solidFill>
+                <a:srgbClr val="00B050"/>
+              </a:solidFill>
+            </a:ln>
+          </p:spPr>
+          <p:style>
+            <a:lnRef idx="1">
+              <a:schemeClr val="accent1"/>
+            </a:lnRef>
+            <a:fillRef idx="0">
+              <a:schemeClr val="accent1"/>
+            </a:fillRef>
+            <a:effectRef idx="0">
+              <a:schemeClr val="accent1"/>
+            </a:effectRef>
+            <a:fontRef idx="minor">
+              <a:schemeClr val="tx1"/>
+            </a:fontRef>
+          </p:style>
+        </p:cxnSp>
+      </p:grpSp>
+      <p:grpSp>
+        <p:nvGrpSpPr>
+          <p:cNvPr id="15" name="Group 14">
+            <a:extLst>
+              <a:ext uri="{FF2B5EF4-FFF2-40B4-BE49-F238E27FC236}">
+                <a16:creationId xmlns:a16="http://schemas.microsoft.com/office/drawing/2014/main" id="{30B0E6BF-BD56-6669-9308-56D88DFD04F1}"/>
+              </a:ext>
+            </a:extLst>
+          </p:cNvPr>
+          <p:cNvGrpSpPr/>
+          <p:nvPr/>
+        </p:nvGrpSpPr>
+        <p:grpSpPr>
+          <a:xfrm>
+            <a:off x="5182592" y="958645"/>
+            <a:ext cx="490610" cy="5009536"/>
+            <a:chOff x="5182592" y="958645"/>
+            <a:chExt cx="490610" cy="5009536"/>
+          </a:xfrm>
+        </p:grpSpPr>
+        <p:sp>
+          <p:nvSpPr>
+            <p:cNvPr id="8" name="Right Brace 7">
+              <a:extLst>
+                <a:ext uri="{FF2B5EF4-FFF2-40B4-BE49-F238E27FC236}">
+                  <a16:creationId xmlns:a16="http://schemas.microsoft.com/office/drawing/2014/main" id="{14CF0785-A99D-E439-8767-1C4CF45707BB}"/>
+                </a:ext>
+              </a:extLst>
+            </p:cNvPr>
+            <p:cNvSpPr/>
+            <p:nvPr/>
+          </p:nvSpPr>
+          <p:spPr>
+            <a:xfrm>
+              <a:off x="5182592" y="958645"/>
+              <a:ext cx="484385" cy="796413"/>
+            </a:xfrm>
+            <a:prstGeom prst="rightBrace">
+              <a:avLst/>
+            </a:prstGeom>
+            <a:ln w="38100">
+              <a:solidFill>
+                <a:srgbClr val="F4F4F2"/>
+              </a:solidFill>
+            </a:ln>
+          </p:spPr>
+          <p:style>
+            <a:lnRef idx="1">
+              <a:schemeClr val="accent1"/>
+            </a:lnRef>
+            <a:fillRef idx="0">
+              <a:schemeClr val="accent1"/>
+            </a:fillRef>
+            <a:effectRef idx="0">
+              <a:schemeClr val="accent1"/>
+            </a:effectRef>
+            <a:fontRef idx="minor">
+              <a:schemeClr val="tx1"/>
+            </a:fontRef>
+          </p:style>
+          <p:txBody>
+            <a:bodyPr rtlCol="0" anchor="ctr"/>
+            <a:lstStyle/>
+            <a:p>
+              <a:pPr algn="ctr"/>
+              <a:endParaRPr lang="en-IN"/>
+            </a:p>
+          </p:txBody>
+        </p:sp>
+        <p:sp>
+          <p:nvSpPr>
+            <p:cNvPr id="9" name="Right Brace 8">
+              <a:extLst>
+                <a:ext uri="{FF2B5EF4-FFF2-40B4-BE49-F238E27FC236}">
+                  <a16:creationId xmlns:a16="http://schemas.microsoft.com/office/drawing/2014/main" id="{A6CE4799-7DA4-E216-0D2E-90603F01A88B}"/>
+                </a:ext>
+              </a:extLst>
+            </p:cNvPr>
+            <p:cNvSpPr/>
+            <p:nvPr/>
+          </p:nvSpPr>
+          <p:spPr>
+            <a:xfrm>
+              <a:off x="5188817" y="5171768"/>
+              <a:ext cx="484385" cy="796413"/>
+            </a:xfrm>
+            <a:prstGeom prst="rightBrace">
+              <a:avLst/>
+            </a:prstGeom>
+            <a:ln w="38100">
+              <a:solidFill>
+                <a:srgbClr val="F4F4F2"/>
+              </a:solidFill>
+            </a:ln>
+          </p:spPr>
+          <p:style>
+            <a:lnRef idx="1">
+              <a:schemeClr val="accent1"/>
+            </a:lnRef>
+            <a:fillRef idx="0">
+              <a:schemeClr val="accent1"/>
+            </a:fillRef>
+            <a:effectRef idx="0">
+              <a:schemeClr val="accent1"/>
+            </a:effectRef>
+            <a:fontRef idx="minor">
+              <a:schemeClr val="tx1"/>
+            </a:fontRef>
+          </p:style>
+          <p:txBody>
+            <a:bodyPr rtlCol="0" anchor="ctr"/>
+            <a:lstStyle/>
+            <a:p>
+              <a:pPr algn="ctr"/>
+              <a:endParaRPr lang="en-IN"/>
+            </a:p>
+          </p:txBody>
+        </p:sp>
+      </p:grpSp>
+      <p:sp>
+        <p:nvSpPr>
+          <p:cNvPr id="11" name="Right Brace 10">
+            <a:extLst>
+              <a:ext uri="{FF2B5EF4-FFF2-40B4-BE49-F238E27FC236}">
+                <a16:creationId xmlns:a16="http://schemas.microsoft.com/office/drawing/2014/main" id="{6A8E1641-EA65-6A26-349A-383529B7B9A3}"/>
+              </a:ext>
+            </a:extLst>
+          </p:cNvPr>
+          <p:cNvSpPr/>
+          <p:nvPr/>
+        </p:nvSpPr>
+        <p:spPr>
+          <a:xfrm flipH="1">
+            <a:off x="3028334" y="1818969"/>
+            <a:ext cx="845558" cy="3224980"/>
+          </a:xfrm>
+          <a:prstGeom prst="rightBrace">
+            <a:avLst>
+              <a:gd name="adj1" fmla="val 8333"/>
+              <a:gd name="adj2" fmla="val 49880"/>
+            </a:avLst>
+          </a:prstGeom>
+          <a:ln w="38100">
+            <a:solidFill>
+              <a:srgbClr val="F4F4F2"/>
+            </a:solidFill>
+          </a:ln>
+        </p:spPr>
+        <p:style>
+          <a:lnRef idx="1">
+            <a:schemeClr val="accent1"/>
+          </a:lnRef>
+          <a:fillRef idx="0">
+            <a:schemeClr val="accent1"/>
+          </a:fillRef>
+          <a:effectRef idx="0">
+            <a:schemeClr val="accent1"/>
+          </a:effectRef>
+          <a:fontRef idx="minor">
+            <a:schemeClr val="tx1"/>
+          </a:fontRef>
+        </p:style>
+        <p:txBody>
+          <a:bodyPr rtlCol="0" anchor="ctr"/>
+          <a:lstStyle/>
+          <a:p>
+            <a:pPr algn="ctr"/>
+            <a:endParaRPr lang="en-IN"/>
+          </a:p>
+        </p:txBody>
+      </p:sp>
+      <p:grpSp>
+        <p:nvGrpSpPr>
+          <p:cNvPr id="16" name="Group 15">
+            <a:extLst>
+              <a:ext uri="{FF2B5EF4-FFF2-40B4-BE49-F238E27FC236}">
+                <a16:creationId xmlns:a16="http://schemas.microsoft.com/office/drawing/2014/main" id="{05674CA4-AAC3-AF95-D1A3-4E1D2CD5901B}"/>
+              </a:ext>
+            </a:extLst>
+          </p:cNvPr>
+          <p:cNvGrpSpPr/>
+          <p:nvPr/>
+        </p:nvGrpSpPr>
+        <p:grpSpPr>
+          <a:xfrm>
+            <a:off x="5986904" y="1044017"/>
+            <a:ext cx="1287656" cy="4756789"/>
+            <a:chOff x="5986904" y="1044017"/>
+            <a:chExt cx="1287656" cy="4756789"/>
+          </a:xfrm>
+        </p:grpSpPr>
+        <p:sp>
+          <p:nvSpPr>
+            <p:cNvPr id="12" name="TextBox 11">
+              <a:extLst>
+                <a:ext uri="{FF2B5EF4-FFF2-40B4-BE49-F238E27FC236}">
+                  <a16:creationId xmlns:a16="http://schemas.microsoft.com/office/drawing/2014/main" id="{63268830-14D9-C92B-1D54-5BD94A4C83BB}"/>
+                </a:ext>
+              </a:extLst>
+            </p:cNvPr>
+            <p:cNvSpPr txBox="1"/>
+            <p:nvPr/>
+          </p:nvSpPr>
+          <p:spPr>
+            <a:xfrm>
+              <a:off x="5986904" y="1044017"/>
+              <a:ext cx="1287656" cy="461665"/>
+            </a:xfrm>
+            <a:prstGeom prst="rect">
+              <a:avLst/>
+            </a:prstGeom>
+            <a:noFill/>
+          </p:spPr>
+          <p:txBody>
+            <a:bodyPr wrap="square" rtlCol="0">
+              <a:spAutoFit/>
+            </a:bodyPr>
+            <a:lstStyle/>
+            <a:p>
+              <a:pPr marL="342900" marR="0" lvl="0" indent="-342900" algn="l" defTabSz="457200" rtl="0" eaLnBrk="1" fontAlgn="auto" latinLnBrk="0" hangingPunct="1">
+                <a:lnSpc>
+                  <a:spcPct val="100000"/>
+                </a:lnSpc>
+                <a:spcBef>
+                  <a:spcPts val="0"/>
+                </a:spcBef>
+                <a:spcAft>
+                  <a:spcPts val="0"/>
+                </a:spcAft>
+                <a:buClrTx/>
+                <a:buSzTx/>
+                <a:tabLst/>
+                <a:defRPr/>
+              </a:pPr>
+              <a:r>
+                <a:rPr kumimoji="0" lang="en-IN" sz="2400" b="0" i="0" u="none" strike="noStrike" kern="1200" cap="none" spc="0" normalizeH="0" noProof="0" dirty="0">
+                  <a:ln>
+                    <a:noFill/>
+                  </a:ln>
+                  <a:solidFill>
+                    <a:prstClr val="white"/>
+                  </a:solidFill>
+                  <a:effectLst/>
+                  <a:uLnTx/>
+                  <a:uFillTx/>
+                  <a:latin typeface="Cascadia Code SemiBold" pitchFamily="50" charset="0"/>
+                  <a:ea typeface="+mn-ea"/>
+                  <a:cs typeface="Cascadia Code SemiBold" pitchFamily="50" charset="0"/>
+                </a:rPr>
+                <a:t>Shadow</a:t>
+              </a:r>
+            </a:p>
+          </p:txBody>
+        </p:sp>
+        <p:sp>
+          <p:nvSpPr>
+            <p:cNvPr id="13" name="TextBox 12">
+              <a:extLst>
+                <a:ext uri="{FF2B5EF4-FFF2-40B4-BE49-F238E27FC236}">
+                  <a16:creationId xmlns:a16="http://schemas.microsoft.com/office/drawing/2014/main" id="{0A89A222-1862-73B3-A20D-2EE26C7FA939}"/>
+                </a:ext>
+              </a:extLst>
+            </p:cNvPr>
+            <p:cNvSpPr txBox="1"/>
+            <p:nvPr/>
+          </p:nvSpPr>
+          <p:spPr>
+            <a:xfrm>
+              <a:off x="5986904" y="5339141"/>
+              <a:ext cx="1287656" cy="461665"/>
+            </a:xfrm>
+            <a:prstGeom prst="rect">
+              <a:avLst/>
+            </a:prstGeom>
+            <a:noFill/>
+          </p:spPr>
+          <p:txBody>
+            <a:bodyPr wrap="square" rtlCol="0">
+              <a:spAutoFit/>
+            </a:bodyPr>
+            <a:lstStyle/>
+            <a:p>
+              <a:pPr marL="342900" marR="0" lvl="0" indent="-342900" algn="l" defTabSz="457200" rtl="0" eaLnBrk="1" fontAlgn="auto" latinLnBrk="0" hangingPunct="1">
+                <a:lnSpc>
+                  <a:spcPct val="100000"/>
+                </a:lnSpc>
+                <a:spcBef>
+                  <a:spcPts val="0"/>
+                </a:spcBef>
+                <a:spcAft>
+                  <a:spcPts val="0"/>
+                </a:spcAft>
+                <a:buClrTx/>
+                <a:buSzTx/>
+                <a:tabLst/>
+                <a:defRPr/>
+              </a:pPr>
+              <a:r>
+                <a:rPr kumimoji="0" lang="en-IN" sz="2400" b="0" i="0" u="none" strike="noStrike" kern="1200" cap="none" spc="0" normalizeH="0" noProof="0" dirty="0">
+                  <a:ln>
+                    <a:noFill/>
+                  </a:ln>
+                  <a:solidFill>
+                    <a:prstClr val="white"/>
+                  </a:solidFill>
+                  <a:effectLst/>
+                  <a:uLnTx/>
+                  <a:uFillTx/>
+                  <a:latin typeface="Cascadia Code SemiBold" pitchFamily="50" charset="0"/>
+                  <a:ea typeface="+mn-ea"/>
+                  <a:cs typeface="Cascadia Code SemiBold" pitchFamily="50" charset="0"/>
+                </a:rPr>
+                <a:t>Shadow</a:t>
+              </a:r>
+            </a:p>
+          </p:txBody>
+        </p:sp>
+      </p:grpSp>
+      <p:sp>
+        <p:nvSpPr>
+          <p:cNvPr id="14" name="TextBox 13">
+            <a:extLst>
+              <a:ext uri="{FF2B5EF4-FFF2-40B4-BE49-F238E27FC236}">
+                <a16:creationId xmlns:a16="http://schemas.microsoft.com/office/drawing/2014/main" id="{254F5DE1-52DB-F531-0711-6C1ED86C1490}"/>
+              </a:ext>
+            </a:extLst>
+          </p:cNvPr>
+          <p:cNvSpPr txBox="1"/>
+          <p:nvPr/>
+        </p:nvSpPr>
         <p:spPr>
           <a:xfrm>
-            <a:off x="1" y="1"/>
-            <a:ext cx="3793220" cy="3429000"/>
+            <a:off x="1692346" y="3198167"/>
+            <a:ext cx="1287656" cy="461665"/>
           </a:xfrm>
           <a:prstGeom prst="rect">
             <a:avLst/>
           </a:prstGeom>
+          <a:noFill/>
         </p:spPr>
-      </p:pic>
+        <p:txBody>
+          <a:bodyPr wrap="square" rtlCol="0">
+            <a:spAutoFit/>
+          </a:bodyPr>
+          <a:lstStyle/>
+          <a:p>
+            <a:pPr marL="342900" marR="0" lvl="0" indent="-342900" algn="l" defTabSz="457200" rtl="0" eaLnBrk="1" fontAlgn="auto" latinLnBrk="0" hangingPunct="1">
+              <a:lnSpc>
+                <a:spcPct val="100000"/>
+              </a:lnSpc>
+              <a:spcBef>
+                <a:spcPts val="0"/>
+              </a:spcBef>
+              <a:spcAft>
+                <a:spcPts val="0"/>
+              </a:spcAft>
+              <a:buClrTx/>
+              <a:buSzTx/>
+              <a:tabLst/>
+              <a:defRPr/>
+            </a:pPr>
+            <a:r>
+              <a:rPr kumimoji="0" lang="en-IN" sz="2400" b="0" i="0" u="none" strike="noStrike" kern="1200" cap="none" spc="0" normalizeH="0" noProof="0" dirty="0">
+                <a:ln>
+                  <a:noFill/>
+                </a:ln>
+                <a:solidFill>
+                  <a:prstClr val="white"/>
+                </a:solidFill>
+                <a:effectLst/>
+                <a:uLnTx/>
+                <a:uFillTx/>
+                <a:latin typeface="Cascadia Code SemiBold" pitchFamily="50" charset="0"/>
+                <a:ea typeface="+mn-ea"/>
+                <a:cs typeface="Cascadia Code SemiBold" pitchFamily="50" charset="0"/>
+              </a:rPr>
+              <a:t>Body</a:t>
+            </a:r>
+          </a:p>
+        </p:txBody>
+      </p:sp>
     </p:spTree>
     <p:extLst>
       <p:ext uri="{BB962C8B-B14F-4D97-AF65-F5344CB8AC3E}">
-        <p14:creationId xmlns:p14="http://schemas.microsoft.com/office/powerpoint/2010/main" val="1529453938"/>
+        <p14:creationId xmlns:p14="http://schemas.microsoft.com/office/powerpoint/2010/main" val="149559461"/>
       </p:ext>
     </p:extLst>
   </p:cSld>
   <p:clrMapOvr>
     <a:masterClrMapping/>
   </p:clrMapOvr>
+  <p:timing>
+    <p:tnLst>
+      <p:par>
+        <p:cTn id="1" dur="indefinite" restart="never" nodeType="tmRoot">
+          <p:childTnLst>
+            <p:seq concurrent="1" nextAc="seek">
+              <p:cTn id="2" dur="indefinite" nodeType="mainSeq">
+                <p:childTnLst>
+                  <p:par>
+                    <p:cTn id="3" fill="hold">
+                      <p:stCondLst>
+                        <p:cond delay="indefinite"/>
+                      </p:stCondLst>
+                      <p:childTnLst>
+                        <p:par>
+                          <p:cTn id="4" fill="hold">
+                            <p:stCondLst>
+                              <p:cond delay="0"/>
+                            </p:stCondLst>
+                            <p:childTnLst>
+                              <p:par>
+                                <p:cTn id="5" presetID="10" presetClass="entr" presetSubtype="0" fill="hold" nodeType="clickEffect">
+                                  <p:stCondLst>
+                                    <p:cond delay="0"/>
+                                  </p:stCondLst>
+                                  <p:childTnLst>
+                                    <p:set>
+                                      <p:cBhvr>
+                                        <p:cTn id="6" dur="1" fill="hold">
+                                          <p:stCondLst>
+                                            <p:cond delay="0"/>
+                                          </p:stCondLst>
+                                        </p:cTn>
+                                        <p:tgtEl>
+                                          <p:spTgt spid="15"/>
+                                        </p:tgtEl>
+                                        <p:attrNameLst>
+                                          <p:attrName>style.visibility</p:attrName>
+                                        </p:attrNameLst>
+                                      </p:cBhvr>
+                                      <p:to>
+                                        <p:strVal val="visible"/>
+                                      </p:to>
+                                    </p:set>
+                                    <p:animEffect transition="in" filter="fade">
+                                      <p:cBhvr>
+                                        <p:cTn id="7" dur="500"/>
+                                        <p:tgtEl>
+                                          <p:spTgt spid="15"/>
+                                        </p:tgtEl>
+                                      </p:cBhvr>
+                                    </p:animEffect>
+                                  </p:childTnLst>
+                                </p:cTn>
+                              </p:par>
+                            </p:childTnLst>
+                          </p:cTn>
+                        </p:par>
+                      </p:childTnLst>
+                    </p:cTn>
+                  </p:par>
+                  <p:par>
+                    <p:cTn id="8" fill="hold">
+                      <p:stCondLst>
+                        <p:cond delay="indefinite"/>
+                      </p:stCondLst>
+                      <p:childTnLst>
+                        <p:par>
+                          <p:cTn id="9" fill="hold">
+                            <p:stCondLst>
+                              <p:cond delay="0"/>
+                            </p:stCondLst>
+                            <p:childTnLst>
+                              <p:par>
+                                <p:cTn id="10" presetID="10" presetClass="entr" presetSubtype="0" fill="hold" nodeType="clickEffect">
+                                  <p:stCondLst>
+                                    <p:cond delay="0"/>
+                                  </p:stCondLst>
+                                  <p:childTnLst>
+                                    <p:set>
+                                      <p:cBhvr>
+                                        <p:cTn id="11" dur="1" fill="hold">
+                                          <p:stCondLst>
+                                            <p:cond delay="0"/>
+                                          </p:stCondLst>
+                                        </p:cTn>
+                                        <p:tgtEl>
+                                          <p:spTgt spid="16"/>
+                                        </p:tgtEl>
+                                        <p:attrNameLst>
+                                          <p:attrName>style.visibility</p:attrName>
+                                        </p:attrNameLst>
+                                      </p:cBhvr>
+                                      <p:to>
+                                        <p:strVal val="visible"/>
+                                      </p:to>
+                                    </p:set>
+                                    <p:animEffect transition="in" filter="fade">
+                                      <p:cBhvr>
+                                        <p:cTn id="12" dur="500"/>
+                                        <p:tgtEl>
+                                          <p:spTgt spid="16"/>
+                                        </p:tgtEl>
+                                      </p:cBhvr>
+                                    </p:animEffect>
+                                  </p:childTnLst>
+                                </p:cTn>
+                              </p:par>
+                            </p:childTnLst>
+                          </p:cTn>
+                        </p:par>
+                      </p:childTnLst>
+                    </p:cTn>
+                  </p:par>
+                  <p:par>
+                    <p:cTn id="13" fill="hold">
+                      <p:stCondLst>
+                        <p:cond delay="indefinite"/>
+                      </p:stCondLst>
+                      <p:childTnLst>
+                        <p:par>
+                          <p:cTn id="14" fill="hold">
+                            <p:stCondLst>
+                              <p:cond delay="0"/>
+                            </p:stCondLst>
+                            <p:childTnLst>
+                              <p:par>
+                                <p:cTn id="15" presetID="10" presetClass="entr" presetSubtype="0" fill="hold" grpId="0" nodeType="clickEffect">
+                                  <p:stCondLst>
+                                    <p:cond delay="0"/>
+                                  </p:stCondLst>
+                                  <p:childTnLst>
+                                    <p:set>
+                                      <p:cBhvr>
+                                        <p:cTn id="16" dur="1" fill="hold">
+                                          <p:stCondLst>
+                                            <p:cond delay="0"/>
+                                          </p:stCondLst>
+                                        </p:cTn>
+                                        <p:tgtEl>
+                                          <p:spTgt spid="11"/>
+                                        </p:tgtEl>
+                                        <p:attrNameLst>
+                                          <p:attrName>style.visibility</p:attrName>
+                                        </p:attrNameLst>
+                                      </p:cBhvr>
+                                      <p:to>
+                                        <p:strVal val="visible"/>
+                                      </p:to>
+                                    </p:set>
+                                    <p:animEffect transition="in" filter="fade">
+                                      <p:cBhvr>
+                                        <p:cTn id="17" dur="500"/>
+                                        <p:tgtEl>
+                                          <p:spTgt spid="11"/>
+                                        </p:tgtEl>
+                                      </p:cBhvr>
+                                    </p:animEffect>
+                                  </p:childTnLst>
+                                </p:cTn>
+                              </p:par>
+                            </p:childTnLst>
+                          </p:cTn>
+                        </p:par>
+                      </p:childTnLst>
+                    </p:cTn>
+                  </p:par>
+                  <p:par>
+                    <p:cTn id="18" fill="hold">
+                      <p:stCondLst>
+                        <p:cond delay="indefinite"/>
+                      </p:stCondLst>
+                      <p:childTnLst>
+                        <p:par>
+                          <p:cTn id="19" fill="hold">
+                            <p:stCondLst>
+                              <p:cond delay="0"/>
+                            </p:stCondLst>
+                            <p:childTnLst>
+                              <p:par>
+                                <p:cTn id="20" presetID="10" presetClass="entr" presetSubtype="0" fill="hold" grpId="0" nodeType="clickEffect">
+                                  <p:stCondLst>
+                                    <p:cond delay="0"/>
+                                  </p:stCondLst>
+                                  <p:childTnLst>
+                                    <p:set>
+                                      <p:cBhvr>
+                                        <p:cTn id="21" dur="1" fill="hold">
+                                          <p:stCondLst>
+                                            <p:cond delay="0"/>
+                                          </p:stCondLst>
+                                        </p:cTn>
+                                        <p:tgtEl>
+                                          <p:spTgt spid="14"/>
+                                        </p:tgtEl>
+                                        <p:attrNameLst>
+                                          <p:attrName>style.visibility</p:attrName>
+                                        </p:attrNameLst>
+                                      </p:cBhvr>
+                                      <p:to>
+                                        <p:strVal val="visible"/>
+                                      </p:to>
+                                    </p:set>
+                                    <p:animEffect transition="in" filter="fade">
+                                      <p:cBhvr>
+                                        <p:cTn id="22" dur="500"/>
+                                        <p:tgtEl>
+                                          <p:spTgt spid="14"/>
+                                        </p:tgtEl>
+                                      </p:cBhvr>
+                                    </p:animEffect>
+                                  </p:childTnLst>
+                                </p:cTn>
+                              </p:par>
+                            </p:childTnLst>
+                          </p:cTn>
+                        </p:par>
+                      </p:childTnLst>
+                    </p:cTn>
+                  </p:par>
+                </p:childTnLst>
+              </p:cTn>
+              <p:prevCondLst>
+                <p:cond evt="onPrev" delay="0">
+                  <p:tgtEl>
+                    <p:sldTgt/>
+                  </p:tgtEl>
+                </p:cond>
+              </p:prevCondLst>
+              <p:nextCondLst>
+                <p:cond evt="onNext" delay="0">
+                  <p:tgtEl>
+                    <p:sldTgt/>
+                  </p:tgtEl>
+                </p:cond>
+              </p:nextCondLst>
+            </p:seq>
+          </p:childTnLst>
+        </p:cTn>
+      </p:par>
+    </p:tnLst>
+    <p:bldLst>
+      <p:bldP spid="11" grpId="0" animBg="1"/>
+      <p:bldP spid="14" grpId="0"/>
+    </p:bldLst>
+  </p:timing>
 </p:sld>
 </file>
 
@@ -11197,6 +12333,80 @@
       </p:grpSpPr>
       <p:pic>
         <p:nvPicPr>
+          <p:cNvPr id="3" name="Picture 2" descr="Chart, waterfall chart&#10;&#10;Description automatically generated">
+            <a:extLst>
+              <a:ext uri="{FF2B5EF4-FFF2-40B4-BE49-F238E27FC236}">
+                <a16:creationId xmlns:a16="http://schemas.microsoft.com/office/drawing/2014/main" id="{30D136D4-D732-3665-317D-39D295BA5870}"/>
+              </a:ext>
+            </a:extLst>
+          </p:cNvPr>
+          <p:cNvPicPr>
+            <a:picLocks noChangeAspect="1"/>
+          </p:cNvPicPr>
+          <p:nvPr/>
+        </p:nvPicPr>
+        <p:blipFill>
+          <a:blip r:embed="rId2">
+            <a:extLst>
+              <a:ext uri="{28A0092B-C50C-407E-A947-70E740481C1C}">
+                <a14:useLocalDpi xmlns:a14="http://schemas.microsoft.com/office/drawing/2010/main" val="0"/>
+              </a:ext>
+            </a:extLst>
+          </a:blip>
+          <a:stretch>
+            <a:fillRect/>
+          </a:stretch>
+        </p:blipFill>
+        <p:spPr>
+          <a:xfrm>
+            <a:off x="1" y="1"/>
+            <a:ext cx="3793220" cy="3429000"/>
+          </a:xfrm>
+          <a:prstGeom prst="rect">
+            <a:avLst/>
+          </a:prstGeom>
+        </p:spPr>
+      </p:pic>
+    </p:spTree>
+    <p:extLst>
+      <p:ext uri="{BB962C8B-B14F-4D97-AF65-F5344CB8AC3E}">
+        <p14:creationId xmlns:p14="http://schemas.microsoft.com/office/powerpoint/2010/main" val="1529453938"/>
+      </p:ext>
+    </p:extLst>
+  </p:cSld>
+  <p:clrMapOvr>
+    <a:masterClrMapping/>
+  </p:clrMapOvr>
+</p:sld>
+</file>
+
+<file path=ppt/slides/slide7.xml><?xml version="1.0" encoding="utf-8"?>
+<p:sld xmlns:a="http://schemas.openxmlformats.org/drawingml/2006/main" xmlns:r="http://schemas.openxmlformats.org/officeDocument/2006/relationships" xmlns:p="http://schemas.openxmlformats.org/presentationml/2006/main">
+  <p:cSld>
+    <p:bg>
+      <p:bgPr>
+        <a:solidFill>
+          <a:srgbClr val="4A206A"/>
+        </a:solidFill>
+        <a:effectLst/>
+      </p:bgPr>
+    </p:bg>
+    <p:spTree>
+      <p:nvGrpSpPr>
+        <p:cNvPr id="1" name=""/>
+        <p:cNvGrpSpPr/>
+        <p:nvPr/>
+      </p:nvGrpSpPr>
+      <p:grpSpPr>
+        <a:xfrm>
+          <a:off x="0" y="0"/>
+          <a:ext cx="0" cy="0"/>
+          <a:chOff x="0" y="0"/>
+          <a:chExt cx="0" cy="0"/>
+        </a:xfrm>
+      </p:grpSpPr>
+      <p:pic>
+        <p:nvPicPr>
           <p:cNvPr id="3" name="Picture 2" descr="Chart&#10;&#10;Description automatically generated">
             <a:extLst>
               <a:ext uri="{FF2B5EF4-FFF2-40B4-BE49-F238E27FC236}">
@@ -11244,7 +12454,7 @@
 </p:sld>
 </file>
 
-<file path=ppt/slides/slide7.xml><?xml version="1.0" encoding="utf-8"?>
+<file path=ppt/slides/slide8.xml><?xml version="1.0" encoding="utf-8"?>
 <p:sld xmlns:a="http://schemas.openxmlformats.org/drawingml/2006/main" xmlns:r="http://schemas.openxmlformats.org/officeDocument/2006/relationships" xmlns:p="http://schemas.openxmlformats.org/presentationml/2006/main">
   <p:cSld>
     <p:bg>
@@ -11288,7 +12498,7 @@
 </p:sld>
 </file>
 
-<file path=ppt/slides/slide8.xml><?xml version="1.0" encoding="utf-8"?>
+<file path=ppt/slides/slide9.xml><?xml version="1.0" encoding="utf-8"?>
 <p:sld xmlns:a="http://schemas.openxmlformats.org/drawingml/2006/main" xmlns:r="http://schemas.openxmlformats.org/officeDocument/2006/relationships" xmlns:p="http://schemas.openxmlformats.org/presentationml/2006/main">
   <p:cSld>
     <p:bg>
@@ -11691,432 +12901,6 @@
     </p:tnLst>
     <p:bldLst>
       <p:bldP spid="5" grpId="0"/>
-    </p:bldLst>
-  </p:timing>
-</p:sld>
-</file>
-
-<file path=ppt/slides/slide9.xml><?xml version="1.0" encoding="utf-8"?>
-<p:sld xmlns:a="http://schemas.openxmlformats.org/drawingml/2006/main" xmlns:r="http://schemas.openxmlformats.org/officeDocument/2006/relationships" xmlns:p="http://schemas.openxmlformats.org/presentationml/2006/main">
-  <p:cSld>
-    <p:bg>
-      <p:bgPr>
-        <a:solidFill>
-          <a:srgbClr val="4A206A"/>
-        </a:solidFill>
-        <a:effectLst/>
-      </p:bgPr>
-    </p:bg>
-    <p:spTree>
-      <p:nvGrpSpPr>
-        <p:cNvPr id="1" name=""/>
-        <p:cNvGrpSpPr/>
-        <p:nvPr/>
-      </p:nvGrpSpPr>
-      <p:grpSpPr>
-        <a:xfrm>
-          <a:off x="0" y="0"/>
-          <a:ext cx="0" cy="0"/>
-          <a:chOff x="0" y="0"/>
-          <a:chExt cx="0" cy="0"/>
-        </a:xfrm>
-      </p:grpSpPr>
-      <p:sp>
-        <p:nvSpPr>
-          <p:cNvPr id="3" name="TextBox 2">
-            <a:extLst>
-              <a:ext uri="{FF2B5EF4-FFF2-40B4-BE49-F238E27FC236}">
-                <a16:creationId xmlns:a16="http://schemas.microsoft.com/office/drawing/2014/main" id="{3FCF3979-E4B3-0634-4C0B-AB862892E9BF}"/>
-              </a:ext>
-            </a:extLst>
-          </p:cNvPr>
-          <p:cNvSpPr txBox="1"/>
-          <p:nvPr/>
-        </p:nvSpPr>
-        <p:spPr>
-          <a:xfrm>
-            <a:off x="478295" y="471805"/>
-            <a:ext cx="6905731" cy="707886"/>
-          </a:xfrm>
-          <a:prstGeom prst="rect">
-            <a:avLst/>
-          </a:prstGeom>
-          <a:noFill/>
-        </p:spPr>
-        <p:txBody>
-          <a:bodyPr wrap="square" rtlCol="0">
-            <a:spAutoFit/>
-          </a:bodyPr>
-          <a:lstStyle/>
-          <a:p>
-            <a:pPr marL="0" marR="0" lvl="0" indent="0" algn="l" defTabSz="914400" rtl="0" eaLnBrk="1" fontAlgn="auto" latinLnBrk="0" hangingPunct="1">
-              <a:lnSpc>
-                <a:spcPct val="100000"/>
-              </a:lnSpc>
-              <a:spcBef>
-                <a:spcPts val="0"/>
-              </a:spcBef>
-              <a:spcAft>
-                <a:spcPts val="0"/>
-              </a:spcAft>
-              <a:buClrTx/>
-              <a:buSzTx/>
-              <a:buFontTx/>
-              <a:buNone/>
-              <a:tabLst/>
-              <a:defRPr/>
-            </a:pPr>
-            <a:r>
-              <a:rPr kumimoji="0" lang="en-IN" sz="4000" b="0" i="0" u="none" strike="noStrike" kern="1200" cap="none" spc="0" normalizeH="0" baseline="0" noProof="0" dirty="0">
-                <a:ln>
-                  <a:noFill/>
-                </a:ln>
-                <a:solidFill>
-                  <a:srgbClr val="F4F4F2"/>
-                </a:solidFill>
-                <a:effectLst/>
-                <a:uLnTx/>
-                <a:uFillTx/>
-                <a:latin typeface="Amasis MT Pro Black" panose="02040A04050005020304" pitchFamily="18" charset="0"/>
-                <a:ea typeface="+mn-ea"/>
-                <a:cs typeface="+mn-cs"/>
-              </a:rPr>
-              <a:t>Support &amp; Resistance:</a:t>
-            </a:r>
-          </a:p>
-        </p:txBody>
-      </p:sp>
-      <p:sp>
-        <p:nvSpPr>
-          <p:cNvPr id="5" name="TextBox 4">
-            <a:extLst>
-              <a:ext uri="{FF2B5EF4-FFF2-40B4-BE49-F238E27FC236}">
-                <a16:creationId xmlns:a16="http://schemas.microsoft.com/office/drawing/2014/main" id="{4CE4714F-5B28-DDDA-2E6D-2AD9A4F1FC7E}"/>
-              </a:ext>
-            </a:extLst>
-          </p:cNvPr>
-          <p:cNvSpPr txBox="1"/>
-          <p:nvPr/>
-        </p:nvSpPr>
-        <p:spPr>
-          <a:xfrm>
-            <a:off x="478295" y="1304663"/>
-            <a:ext cx="7735502" cy="2677656"/>
-          </a:xfrm>
-          <a:prstGeom prst="rect">
-            <a:avLst/>
-          </a:prstGeom>
-          <a:noFill/>
-        </p:spPr>
-        <p:txBody>
-          <a:bodyPr wrap="square" rtlCol="0">
-            <a:spAutoFit/>
-          </a:bodyPr>
-          <a:lstStyle/>
-          <a:p>
-            <a:pPr marL="0" marR="0" lvl="0" indent="0" algn="l" defTabSz="457200" rtl="0" eaLnBrk="1" fontAlgn="auto" latinLnBrk="0" hangingPunct="1">
-              <a:lnSpc>
-                <a:spcPct val="100000"/>
-              </a:lnSpc>
-              <a:spcBef>
-                <a:spcPts val="0"/>
-              </a:spcBef>
-              <a:spcAft>
-                <a:spcPts val="0"/>
-              </a:spcAft>
-              <a:buClrTx/>
-              <a:buSzTx/>
-              <a:buFontTx/>
-              <a:buNone/>
-              <a:tabLst/>
-              <a:defRPr/>
-            </a:pPr>
-            <a:r>
-              <a:rPr kumimoji="0" lang="en-IN" sz="2400" b="0" i="0" u="none" strike="noStrike" kern="1200" cap="none" spc="0" normalizeH="0" baseline="0" noProof="0" dirty="0">
-                <a:ln>
-                  <a:noFill/>
-                </a:ln>
-                <a:solidFill>
-                  <a:prstClr val="white"/>
-                </a:solidFill>
-                <a:effectLst/>
-                <a:uLnTx/>
-                <a:uFillTx/>
-                <a:latin typeface="Cascadia Code SemiBold" pitchFamily="50" charset="0"/>
-                <a:ea typeface="+mn-ea"/>
-                <a:cs typeface="Cascadia Code SemiBold" pitchFamily="50" charset="0"/>
-              </a:rPr>
-              <a:t>Support – price</a:t>
-            </a:r>
-            <a:r>
-              <a:rPr kumimoji="0" lang="en-IN" sz="2400" b="0" i="0" u="none" strike="noStrike" kern="1200" cap="none" spc="0" normalizeH="0" noProof="0" dirty="0">
-                <a:ln>
-                  <a:noFill/>
-                </a:ln>
-                <a:solidFill>
-                  <a:prstClr val="white"/>
-                </a:solidFill>
-                <a:effectLst/>
-                <a:uLnTx/>
-                <a:uFillTx/>
-                <a:latin typeface="Cascadia Code SemiBold" pitchFamily="50" charset="0"/>
-                <a:ea typeface="+mn-ea"/>
-                <a:cs typeface="Cascadia Code SemiBold" pitchFamily="50" charset="0"/>
-              </a:rPr>
-              <a:t> level where demand exceeds supply and fall in prices is halted. Acts like a floor.</a:t>
-            </a:r>
-          </a:p>
-          <a:p>
-            <a:pPr marL="0" marR="0" lvl="0" indent="0" algn="l" defTabSz="457200" rtl="0" eaLnBrk="1" fontAlgn="auto" latinLnBrk="0" hangingPunct="1">
-              <a:lnSpc>
-                <a:spcPct val="100000"/>
-              </a:lnSpc>
-              <a:spcBef>
-                <a:spcPts val="0"/>
-              </a:spcBef>
-              <a:spcAft>
-                <a:spcPts val="0"/>
-              </a:spcAft>
-              <a:buClrTx/>
-              <a:buSzTx/>
-              <a:buFontTx/>
-              <a:buNone/>
-              <a:tabLst/>
-              <a:defRPr/>
-            </a:pPr>
-            <a:endParaRPr lang="en-IN" sz="2400" baseline="0" dirty="0">
-              <a:solidFill>
-                <a:prstClr val="white"/>
-              </a:solidFill>
-              <a:latin typeface="Cascadia Code SemiBold" pitchFamily="50" charset="0"/>
-              <a:cs typeface="Cascadia Code SemiBold" pitchFamily="50" charset="0"/>
-            </a:endParaRPr>
-          </a:p>
-          <a:p>
-            <a:pPr marL="0" marR="0" lvl="0" indent="0" algn="l" defTabSz="457200" rtl="0" eaLnBrk="1" fontAlgn="auto" latinLnBrk="0" hangingPunct="1">
-              <a:lnSpc>
-                <a:spcPct val="100000"/>
-              </a:lnSpc>
-              <a:spcBef>
-                <a:spcPts val="0"/>
-              </a:spcBef>
-              <a:spcAft>
-                <a:spcPts val="0"/>
-              </a:spcAft>
-              <a:buClrTx/>
-              <a:buSzTx/>
-              <a:buFontTx/>
-              <a:buNone/>
-              <a:tabLst/>
-              <a:defRPr/>
-            </a:pPr>
-            <a:r>
-              <a:rPr kumimoji="0" lang="en-IN" sz="2400" b="0" i="0" u="none" strike="noStrike" kern="1200" cap="none" spc="0" normalizeH="0" noProof="0" dirty="0">
-                <a:ln>
-                  <a:noFill/>
-                </a:ln>
-                <a:solidFill>
-                  <a:prstClr val="white"/>
-                </a:solidFill>
-                <a:effectLst/>
-                <a:uLnTx/>
-                <a:uFillTx/>
-                <a:latin typeface="Cascadia Code SemiBold" pitchFamily="50" charset="0"/>
-                <a:ea typeface="+mn-ea"/>
-                <a:cs typeface="Cascadia Code SemiBold" pitchFamily="50" charset="0"/>
-              </a:rPr>
-              <a:t>Resistance – price </a:t>
-            </a:r>
-            <a:r>
-              <a:rPr lang="en-IN" sz="2400" dirty="0">
-                <a:solidFill>
-                  <a:prstClr val="white"/>
-                </a:solidFill>
-                <a:latin typeface="Cascadia Code SemiBold" pitchFamily="50" charset="0"/>
-                <a:cs typeface="Cascadia Code SemiBold" pitchFamily="50" charset="0"/>
-              </a:rPr>
-              <a:t>level where supply exceeds demand and rise in prices is stopped. Acts like a ceiling.</a:t>
-            </a:r>
-            <a:endParaRPr kumimoji="0" lang="en-IN" sz="2400" b="0" i="0" u="none" strike="noStrike" kern="1200" cap="none" spc="0" normalizeH="0" baseline="0" noProof="0" dirty="0">
-              <a:ln>
-                <a:noFill/>
-              </a:ln>
-              <a:solidFill>
-                <a:prstClr val="white"/>
-              </a:solidFill>
-              <a:effectLst/>
-              <a:uLnTx/>
-              <a:uFillTx/>
-              <a:latin typeface="Cascadia Code SemiBold" pitchFamily="50" charset="0"/>
-              <a:ea typeface="+mn-ea"/>
-              <a:cs typeface="Cascadia Code SemiBold" pitchFamily="50" charset="0"/>
-            </a:endParaRPr>
-          </a:p>
-        </p:txBody>
-      </p:sp>
-    </p:spTree>
-    <p:extLst>
-      <p:ext uri="{BB962C8B-B14F-4D97-AF65-F5344CB8AC3E}">
-        <p14:creationId xmlns:p14="http://schemas.microsoft.com/office/powerpoint/2010/main" val="914309294"/>
-      </p:ext>
-    </p:extLst>
-  </p:cSld>
-  <p:clrMapOvr>
-    <a:masterClrMapping/>
-  </p:clrMapOvr>
-  <p:timing>
-    <p:tnLst>
-      <p:par>
-        <p:cTn id="1" dur="indefinite" restart="never" nodeType="tmRoot">
-          <p:childTnLst>
-            <p:seq concurrent="1" nextAc="seek">
-              <p:cTn id="2" dur="indefinite" nodeType="mainSeq">
-                <p:childTnLst>
-                  <p:par>
-                    <p:cTn id="3" fill="hold">
-                      <p:stCondLst>
-                        <p:cond delay="indefinite"/>
-                      </p:stCondLst>
-                      <p:childTnLst>
-                        <p:par>
-                          <p:cTn id="4" fill="hold">
-                            <p:stCondLst>
-                              <p:cond delay="0"/>
-                            </p:stCondLst>
-                            <p:childTnLst>
-                              <p:par>
-                                <p:cTn id="5" presetID="10" presetClass="entr" presetSubtype="0" fill="hold" grpId="0" nodeType="clickEffect">
-                                  <p:stCondLst>
-                                    <p:cond delay="0"/>
-                                  </p:stCondLst>
-                                  <p:childTnLst>
-                                    <p:set>
-                                      <p:cBhvr>
-                                        <p:cTn id="6" dur="1" fill="hold">
-                                          <p:stCondLst>
-                                            <p:cond delay="0"/>
-                                          </p:stCondLst>
-                                        </p:cTn>
-                                        <p:tgtEl>
-                                          <p:spTgt spid="5">
-                                            <p:txEl>
-                                              <p:pRg st="0" end="0"/>
-                                            </p:txEl>
-                                          </p:spTgt>
-                                        </p:tgtEl>
-                                        <p:attrNameLst>
-                                          <p:attrName>style.visibility</p:attrName>
-                                        </p:attrNameLst>
-                                      </p:cBhvr>
-                                      <p:to>
-                                        <p:strVal val="visible"/>
-                                      </p:to>
-                                    </p:set>
-                                    <p:animEffect transition="in" filter="fade">
-                                      <p:cBhvr>
-                                        <p:cTn id="7" dur="500"/>
-                                        <p:tgtEl>
-                                          <p:spTgt spid="5">
-                                            <p:txEl>
-                                              <p:pRg st="0" end="0"/>
-                                            </p:txEl>
-                                          </p:spTgt>
-                                        </p:tgtEl>
-                                      </p:cBhvr>
-                                    </p:animEffect>
-                                  </p:childTnLst>
-                                </p:cTn>
-                              </p:par>
-                            </p:childTnLst>
-                          </p:cTn>
-                        </p:par>
-                      </p:childTnLst>
-                    </p:cTn>
-                  </p:par>
-                  <p:par>
-                    <p:cTn id="8" fill="hold">
-                      <p:stCondLst>
-                        <p:cond delay="indefinite"/>
-                      </p:stCondLst>
-                      <p:childTnLst>
-                        <p:par>
-                          <p:cTn id="9" fill="hold">
-                            <p:stCondLst>
-                              <p:cond delay="0"/>
-                            </p:stCondLst>
-                            <p:childTnLst>
-                              <p:par>
-                                <p:cTn id="10" presetID="10" presetClass="entr" presetSubtype="0" fill="hold" grpId="0" nodeType="clickEffect">
-                                  <p:stCondLst>
-                                    <p:cond delay="0"/>
-                                  </p:stCondLst>
-                                  <p:childTnLst>
-                                    <p:set>
-                                      <p:cBhvr>
-                                        <p:cTn id="11" dur="1" fill="hold">
-                                          <p:stCondLst>
-                                            <p:cond delay="0"/>
-                                          </p:stCondLst>
-                                        </p:cTn>
-                                        <p:tgtEl>
-                                          <p:spTgt spid="5">
-                                            <p:txEl>
-                                              <p:pRg st="2" end="2"/>
-                                            </p:txEl>
-                                          </p:spTgt>
-                                        </p:tgtEl>
-                                        <p:attrNameLst>
-                                          <p:attrName>style.visibility</p:attrName>
-                                        </p:attrNameLst>
-                                      </p:cBhvr>
-                                      <p:to>
-                                        <p:strVal val="visible"/>
-                                      </p:to>
-                                    </p:set>
-                                    <p:animEffect transition="in" filter="fade">
-                                      <p:cBhvr>
-                                        <p:cTn id="12" dur="500"/>
-                                        <p:tgtEl>
-                                          <p:spTgt spid="5">
-                                            <p:txEl>
-                                              <p:pRg st="2" end="2"/>
-                                            </p:txEl>
-                                          </p:spTgt>
-                                        </p:tgtEl>
-                                      </p:cBhvr>
-                                    </p:animEffect>
-                                  </p:childTnLst>
-                                </p:cTn>
-                              </p:par>
-                            </p:childTnLst>
-                          </p:cTn>
-                        </p:par>
-                      </p:childTnLst>
-                    </p:cTn>
-                  </p:par>
-                </p:childTnLst>
-              </p:cTn>
-              <p:prevCondLst>
-                <p:cond evt="onPrev" delay="0">
-                  <p:tgtEl>
-                    <p:sldTgt/>
-                  </p:tgtEl>
-                </p:cond>
-              </p:prevCondLst>
-              <p:nextCondLst>
-                <p:cond evt="onNext" delay="0">
-                  <p:tgtEl>
-                    <p:sldTgt/>
-                  </p:tgtEl>
-                </p:cond>
-              </p:nextCondLst>
-            </p:seq>
-          </p:childTnLst>
-        </p:cTn>
-      </p:par>
-    </p:tnLst>
-    <p:bldLst>
-      <p:bldP spid="5" grpId="0" build="p"/>
     </p:bldLst>
   </p:timing>
 </p:sld>
